--- a/PracticeTasks/Final_Task/K8C_FinalTask1_(Task8).pptx
+++ b/PracticeTasks/Final_Task/K8C_FinalTask1_(Task8).pptx
@@ -11187,7 +11187,7 @@
         <p:spPr>
           <a:xfrm>
             <a:off x="311700" y="1152475"/>
-            <a:ext cx="8520600" cy="3416400"/>
+            <a:ext cx="8520600" cy="1099907"/>
           </a:xfrm>
           <a:prstGeom prst="rect">
             <a:avLst/>
@@ -11201,7 +11201,7 @@
           <a:p>
             <a:pPr marL="0" lvl="0" indent="0" algn="l" rtl="0">
               <a:spcBef>
-                <a:spcPts val="0"/>
+                <a:spcPts val="1200"/>
               </a:spcBef>
               <a:spcAft>
                 <a:spcPts val="0"/>
@@ -11209,42 +11209,14 @@
               <a:buNone/>
             </a:pPr>
             <a:r>
-              <a:rPr lang="en-GB"/>
-              <a:t>(take from the previous task)</a:t>
+              <a:rPr lang="en-US" dirty="0"/>
+              <a:t>S</a:t>
             </a:r>
-            <a:endParaRPr/>
-          </a:p>
-          <a:p>
-            <a:pPr marL="0" lvl="0" indent="0" algn="l" rtl="0">
-              <a:spcBef>
-                <a:spcPts val="1200"/>
-              </a:spcBef>
-              <a:spcAft>
-                <a:spcPts val="0"/>
-              </a:spcAft>
-              <a:buNone/>
-            </a:pPr>
             <a:r>
-              <a:rPr lang="en-GB"/>
-              <a:t>Show main and alternative scenarios on a diagram</a:t>
+              <a:rPr lang="en-GB" dirty="0"/>
+              <a:t>how main and alternative scenarios on a diagram</a:t>
             </a:r>
-            <a:endParaRPr/>
-          </a:p>
-          <a:p>
-            <a:pPr marL="0" lvl="0" indent="0" algn="l" rtl="0">
-              <a:spcBef>
-                <a:spcPts val="1200"/>
-              </a:spcBef>
-              <a:spcAft>
-                <a:spcPts val="1200"/>
-              </a:spcAft>
-              <a:buNone/>
-            </a:pPr>
-            <a:r>
-              <a:rPr lang="en-GB"/>
-              <a:t>Provide a link to structured textual use case scenarios in your project repo. </a:t>
-            </a:r>
-            <a:endParaRPr/>
+            <a:endParaRPr dirty="0"/>
           </a:p>
         </p:txBody>
       </p:sp>
@@ -11283,6 +11255,42 @@
               <a:t>7</a:t>
             </a:fld>
             <a:endParaRPr lang="en-GB"/>
+          </a:p>
+        </p:txBody>
+      </p:sp>
+      <p:sp>
+        <p:nvSpPr>
+          <p:cNvPr id="3" name="TextBox 2">
+            <a:extLst>
+              <a:ext uri="{FF2B5EF4-FFF2-40B4-BE49-F238E27FC236}">
+                <a16:creationId xmlns:a16="http://schemas.microsoft.com/office/drawing/2014/main" id="{02626CC4-99F6-4772-A388-FA0A0124329E}"/>
+              </a:ext>
+            </a:extLst>
+          </p:cNvPr>
+          <p:cNvSpPr txBox="1"/>
+          <p:nvPr/>
+        </p:nvSpPr>
+        <p:spPr>
+          <a:xfrm>
+            <a:off x="228600" y="4552240"/>
+            <a:ext cx="7288306" cy="307777"/>
+          </a:xfrm>
+          <a:prstGeom prst="rect">
+            <a:avLst/>
+          </a:prstGeom>
+          <a:noFill/>
+        </p:spPr>
+        <p:txBody>
+          <a:bodyPr wrap="square" rtlCol="0">
+            <a:spAutoFit/>
+          </a:bodyPr>
+          <a:lstStyle/>
+          <a:p>
+            <a:r>
+              <a:rPr lang="en-US" dirty="0"/>
+              <a:t>https://github.com/fanglores/Advanced-Software-Design/tree/master/General/UseCases</a:t>
+            </a:r>
+            <a:endParaRPr lang="ru-RU" dirty="0"/>
           </a:p>
         </p:txBody>
       </p:sp>

--- a/PracticeTasks/Final_Task/K8C_FinalTask1_(Task8).pptx
+++ b/PracticeTasks/Final_Task/K8C_FinalTask1_(Task8).pptx
@@ -11147,7 +11147,7 @@
             <a:r>
               <a:rPr lang="en-GB" b="1" dirty="0">
                 <a:solidFill>
-                  <a:srgbClr val="FF0000"/>
+                  <a:schemeClr val="tx1"/>
                 </a:solidFill>
                 <a:effectLst>
                   <a:outerShdw blurRad="38100" dist="38100" dir="2700000" algn="tl">
@@ -11161,7 +11161,7 @@
             </a:r>
             <a:endParaRPr b="1" dirty="0">
               <a:solidFill>
-                <a:srgbClr val="FF0000"/>
+                <a:schemeClr val="tx1"/>
               </a:solidFill>
               <a:effectLst>
                 <a:outerShdw blurRad="38100" dist="38100" dir="2700000" algn="tl">
@@ -11171,52 +11171,6 @@
                 </a:outerShdw>
               </a:effectLst>
             </a:endParaRPr>
-          </a:p>
-        </p:txBody>
-      </p:sp>
-      <p:sp>
-        <p:nvSpPr>
-          <p:cNvPr id="84" name="Google Shape;84;p17"/>
-          <p:cNvSpPr txBox="1">
-            <a:spLocks noGrp="1"/>
-          </p:cNvSpPr>
-          <p:nvPr>
-            <p:ph type="body" idx="1"/>
-          </p:nvPr>
-        </p:nvSpPr>
-        <p:spPr>
-          <a:xfrm>
-            <a:off x="311700" y="1152475"/>
-            <a:ext cx="8520600" cy="1099907"/>
-          </a:xfrm>
-          <a:prstGeom prst="rect">
-            <a:avLst/>
-          </a:prstGeom>
-        </p:spPr>
-        <p:txBody>
-          <a:bodyPr spcFirstLastPara="1" wrap="square" lIns="91425" tIns="91425" rIns="91425" bIns="91425" anchor="t" anchorCtr="0">
-            <a:noAutofit/>
-          </a:bodyPr>
-          <a:lstStyle/>
-          <a:p>
-            <a:pPr marL="0" lvl="0" indent="0" algn="l" rtl="0">
-              <a:spcBef>
-                <a:spcPts val="1200"/>
-              </a:spcBef>
-              <a:spcAft>
-                <a:spcPts val="0"/>
-              </a:spcAft>
-              <a:buNone/>
-            </a:pPr>
-            <a:r>
-              <a:rPr lang="en-US" dirty="0"/>
-              <a:t>S</a:t>
-            </a:r>
-            <a:r>
-              <a:rPr lang="en-GB" dirty="0"/>
-              <a:t>how main and alternative scenarios on a diagram</a:t>
-            </a:r>
-            <a:endParaRPr dirty="0"/>
           </a:p>
         </p:txBody>
       </p:sp>
@@ -11294,6 +11248,53 @@
           </a:p>
         </p:txBody>
       </p:sp>
+      <p:pic>
+        <p:nvPicPr>
+          <p:cNvPr id="1026" name="Picture 2">
+            <a:extLst>
+              <a:ext uri="{FF2B5EF4-FFF2-40B4-BE49-F238E27FC236}">
+                <a16:creationId xmlns:a16="http://schemas.microsoft.com/office/drawing/2014/main" id="{49B1DF65-D9DE-4FED-AE2E-154AB420980E}"/>
+              </a:ext>
+            </a:extLst>
+          </p:cNvPr>
+          <p:cNvPicPr>
+            <a:picLocks noChangeAspect="1" noChangeArrowheads="1"/>
+          </p:cNvPicPr>
+          <p:nvPr/>
+        </p:nvPicPr>
+        <p:blipFill>
+          <a:blip r:embed="rId3">
+            <a:extLst>
+              <a:ext uri="{28A0092B-C50C-407E-A947-70E740481C1C}">
+                <a14:useLocalDpi xmlns:a14="http://schemas.microsoft.com/office/drawing/2010/main" val="0"/>
+              </a:ext>
+            </a:extLst>
+          </a:blip>
+          <a:srcRect/>
+          <a:stretch>
+            <a:fillRect/>
+          </a:stretch>
+        </p:blipFill>
+        <p:spPr bwMode="auto">
+          <a:xfrm>
+            <a:off x="311700" y="1147730"/>
+            <a:ext cx="8290112" cy="2963428"/>
+          </a:xfrm>
+          <a:prstGeom prst="rect">
+            <a:avLst/>
+          </a:prstGeom>
+          <a:noFill/>
+          <a:extLst>
+            <a:ext uri="{909E8E84-426E-40DD-AFC4-6F175D3DCCD1}">
+              <a14:hiddenFill xmlns:a14="http://schemas.microsoft.com/office/drawing/2010/main">
+                <a:solidFill>
+                  <a:srgbClr val="FFFFFF"/>
+                </a:solidFill>
+              </a14:hiddenFill>
+            </a:ext>
+          </a:extLst>
+        </p:spPr>
+      </p:pic>
     </p:spTree>
   </p:cSld>
   <p:clrMapOvr>

--- a/PracticeTasks/Final_Task/K8C_FinalTask1_(Task8).pptx
+++ b/PracticeTasks/Final_Task/K8C_FinalTask1_(Task8).pptx
@@ -5,7 +5,7 @@
     <p:sldMasterId id="2147483659" r:id="rId1"/>
   </p:sldMasterIdLst>
   <p:notesMasterIdLst>
-    <p:notesMasterId r:id="rId16"/>
+    <p:notesMasterId r:id="rId26"/>
   </p:notesMasterIdLst>
   <p:sldIdLst>
     <p:sldId id="256" r:id="rId2"/>
@@ -22,6 +22,16 @@
     <p:sldId id="265" r:id="rId13"/>
     <p:sldId id="273" r:id="rId14"/>
     <p:sldId id="271" r:id="rId15"/>
+    <p:sldId id="274" r:id="rId16"/>
+    <p:sldId id="275" r:id="rId17"/>
+    <p:sldId id="276" r:id="rId18"/>
+    <p:sldId id="277" r:id="rId19"/>
+    <p:sldId id="278" r:id="rId20"/>
+    <p:sldId id="279" r:id="rId21"/>
+    <p:sldId id="280" r:id="rId22"/>
+    <p:sldId id="281" r:id="rId23"/>
+    <p:sldId id="282" r:id="rId24"/>
+    <p:sldId id="283" r:id="rId25"/>
   </p:sldIdLst>
   <p:sldSz cx="9144000" cy="5143500" type="screen16x9"/>
   <p:notesSz cx="6858000" cy="9144000"/>
@@ -277,6 +287,16 @@
         <p14:section name="Task3" id="{9222689A-1169-40CD-875E-0FB52BCA49A1}">
           <p14:sldIdLst>
             <p14:sldId id="271"/>
+            <p14:sldId id="274"/>
+            <p14:sldId id="275"/>
+            <p14:sldId id="276"/>
+            <p14:sldId id="277"/>
+            <p14:sldId id="278"/>
+            <p14:sldId id="279"/>
+            <p14:sldId id="280"/>
+            <p14:sldId id="281"/>
+            <p14:sldId id="282"/>
+            <p14:sldId id="283"/>
           </p14:sldIdLst>
         </p14:section>
       </p14:sectionLst>
@@ -6639,15 +6659,15 @@
             </a:pPr>
             <a:r>
               <a:rPr lang="en-GB" dirty="0"/>
-              <a:t>Use an activity or state diagram to describe </a:t>
+              <a:t>Use an activity or state diagram to </a:t>
             </a:r>
             <a:r>
-              <a:rPr lang="en-GB" dirty="0" err="1"/>
-              <a:t>behavior</a:t>
+              <a:rPr lang="en-GB"/>
+              <a:t>describe behaviour </a:t>
             </a:r>
             <a:r>
               <a:rPr lang="en-GB" dirty="0"/>
-              <a:t> of </a:t>
+              <a:t>of </a:t>
             </a:r>
             <a:r>
               <a:rPr lang="en-GB" b="1" dirty="0"/>
@@ -8866,6 +8886,840 @@
 </p:sld>
 </file>
 
+<file path=ppt/slides/slide15.xml><?xml version="1.0" encoding="utf-8"?>
+<p:sld xmlns:a="http://schemas.openxmlformats.org/drawingml/2006/main" xmlns:r="http://schemas.openxmlformats.org/officeDocument/2006/relationships" xmlns:p="http://schemas.openxmlformats.org/presentationml/2006/main">
+  <p:cSld>
+    <p:spTree>
+      <p:nvGrpSpPr>
+        <p:cNvPr id="1" name=""/>
+        <p:cNvGrpSpPr/>
+        <p:nvPr/>
+      </p:nvGrpSpPr>
+      <p:grpSpPr>
+        <a:xfrm>
+          <a:off x="0" y="0"/>
+          <a:ext cx="0" cy="0"/>
+          <a:chOff x="0" y="0"/>
+          <a:chExt cx="0" cy="0"/>
+        </a:xfrm>
+      </p:grpSpPr>
+      <p:sp>
+        <p:nvSpPr>
+          <p:cNvPr id="2" name="Заголовок 1">
+            <a:extLst>
+              <a:ext uri="{FF2B5EF4-FFF2-40B4-BE49-F238E27FC236}">
+                <a16:creationId xmlns:a16="http://schemas.microsoft.com/office/drawing/2014/main" id="{BF8EE9D0-0305-4DAD-A8A5-E3E71B917267}"/>
+              </a:ext>
+            </a:extLst>
+          </p:cNvPr>
+          <p:cNvSpPr>
+            <a:spLocks noGrp="1"/>
+          </p:cNvSpPr>
+          <p:nvPr>
+            <p:ph type="title"/>
+          </p:nvPr>
+        </p:nvSpPr>
+        <p:spPr>
+          <a:xfrm>
+            <a:off x="311700" y="243319"/>
+            <a:ext cx="8520600" cy="572700"/>
+          </a:xfrm>
+        </p:spPr>
+        <p:txBody>
+          <a:bodyPr/>
+          <a:lstStyle/>
+          <a:p>
+            <a:r>
+              <a:rPr lang="en-US" b="1" dirty="0">
+                <a:effectLst>
+                  <a:outerShdw blurRad="38100" dist="38100" dir="2700000" algn="tl">
+                    <a:srgbClr val="000000">
+                      <a:alpha val="43137"/>
+                    </a:srgbClr>
+                  </a:outerShdw>
+                </a:effectLst>
+              </a:rPr>
+              <a:t>Use Cases: Requests routing</a:t>
+            </a:r>
+            <a:endParaRPr lang="ru-RU" b="1" dirty="0">
+              <a:effectLst>
+                <a:outerShdw blurRad="38100" dist="38100" dir="2700000" algn="tl">
+                  <a:srgbClr val="000000">
+                    <a:alpha val="43137"/>
+                  </a:srgbClr>
+                </a:outerShdw>
+              </a:effectLst>
+            </a:endParaRPr>
+          </a:p>
+        </p:txBody>
+      </p:sp>
+      <p:sp>
+        <p:nvSpPr>
+          <p:cNvPr id="3" name="Номер слайда 2">
+            <a:extLst>
+              <a:ext uri="{FF2B5EF4-FFF2-40B4-BE49-F238E27FC236}">
+                <a16:creationId xmlns:a16="http://schemas.microsoft.com/office/drawing/2014/main" id="{09FB8480-1FB4-49A4-B531-A9B589ECD31D}"/>
+              </a:ext>
+            </a:extLst>
+          </p:cNvPr>
+          <p:cNvSpPr>
+            <a:spLocks noGrp="1"/>
+          </p:cNvSpPr>
+          <p:nvPr>
+            <p:ph type="sldNum" idx="12"/>
+          </p:nvPr>
+        </p:nvSpPr>
+        <p:spPr/>
+        <p:txBody>
+          <a:bodyPr/>
+          <a:lstStyle/>
+          <a:p>
+            <a:pPr marL="0" lvl="0" indent="0" algn="r" rtl="0">
+              <a:spcBef>
+                <a:spcPts val="0"/>
+              </a:spcBef>
+              <a:spcAft>
+                <a:spcPts val="0"/>
+              </a:spcAft>
+              <a:buNone/>
+            </a:pPr>
+            <a:fld id="{00000000-1234-1234-1234-123412341234}" type="slidenum">
+              <a:rPr lang="en-GB" smtClean="0"/>
+              <a:t>15</a:t>
+            </a:fld>
+            <a:endParaRPr lang="en-GB"/>
+          </a:p>
+        </p:txBody>
+      </p:sp>
+      <p:pic>
+        <p:nvPicPr>
+          <p:cNvPr id="1028" name="Picture 4">
+            <a:extLst>
+              <a:ext uri="{FF2B5EF4-FFF2-40B4-BE49-F238E27FC236}">
+                <a16:creationId xmlns:a16="http://schemas.microsoft.com/office/drawing/2014/main" id="{81060BC3-3520-4CF7-BC50-0B0C54127316}"/>
+              </a:ext>
+            </a:extLst>
+          </p:cNvPr>
+          <p:cNvPicPr>
+            <a:picLocks noChangeAspect="1" noChangeArrowheads="1"/>
+          </p:cNvPicPr>
+          <p:nvPr/>
+        </p:nvPicPr>
+        <p:blipFill>
+          <a:blip r:embed="rId2">
+            <a:extLst>
+              <a:ext uri="{28A0092B-C50C-407E-A947-70E740481C1C}">
+                <a14:useLocalDpi xmlns:a14="http://schemas.microsoft.com/office/drawing/2010/main" val="0"/>
+              </a:ext>
+            </a:extLst>
+          </a:blip>
+          <a:srcRect/>
+          <a:stretch>
+            <a:fillRect/>
+          </a:stretch>
+        </p:blipFill>
+        <p:spPr bwMode="auto">
+          <a:xfrm>
+            <a:off x="2381250" y="919892"/>
+            <a:ext cx="4381500" cy="3743325"/>
+          </a:xfrm>
+          <a:prstGeom prst="rect">
+            <a:avLst/>
+          </a:prstGeom>
+          <a:noFill/>
+          <a:extLst>
+            <a:ext uri="{909E8E84-426E-40DD-AFC4-6F175D3DCCD1}">
+              <a14:hiddenFill xmlns:a14="http://schemas.microsoft.com/office/drawing/2010/main">
+                <a:solidFill>
+                  <a:srgbClr val="FFFFFF"/>
+                </a:solidFill>
+              </a14:hiddenFill>
+            </a:ext>
+          </a:extLst>
+        </p:spPr>
+      </p:pic>
+    </p:spTree>
+    <p:extLst>
+      <p:ext uri="{BB962C8B-B14F-4D97-AF65-F5344CB8AC3E}">
+        <p14:creationId xmlns:p14="http://schemas.microsoft.com/office/powerpoint/2010/main" val="3807190512"/>
+      </p:ext>
+    </p:extLst>
+  </p:cSld>
+  <p:clrMapOvr>
+    <a:masterClrMapping/>
+  </p:clrMapOvr>
+</p:sld>
+</file>
+
+<file path=ppt/slides/slide16.xml><?xml version="1.0" encoding="utf-8"?>
+<p:sld xmlns:a="http://schemas.openxmlformats.org/drawingml/2006/main" xmlns:r="http://schemas.openxmlformats.org/officeDocument/2006/relationships" xmlns:p="http://schemas.openxmlformats.org/presentationml/2006/main">
+  <p:cSld>
+    <p:spTree>
+      <p:nvGrpSpPr>
+        <p:cNvPr id="1" name=""/>
+        <p:cNvGrpSpPr/>
+        <p:nvPr/>
+      </p:nvGrpSpPr>
+      <p:grpSpPr>
+        <a:xfrm>
+          <a:off x="0" y="0"/>
+          <a:ext cx="0" cy="0"/>
+          <a:chOff x="0" y="0"/>
+          <a:chExt cx="0" cy="0"/>
+        </a:xfrm>
+      </p:grpSpPr>
+      <p:sp>
+        <p:nvSpPr>
+          <p:cNvPr id="2" name="Заголовок 1">
+            <a:extLst>
+              <a:ext uri="{FF2B5EF4-FFF2-40B4-BE49-F238E27FC236}">
+                <a16:creationId xmlns:a16="http://schemas.microsoft.com/office/drawing/2014/main" id="{BF8EE9D0-0305-4DAD-A8A5-E3E71B917267}"/>
+              </a:ext>
+            </a:extLst>
+          </p:cNvPr>
+          <p:cNvSpPr>
+            <a:spLocks noGrp="1"/>
+          </p:cNvSpPr>
+          <p:nvPr>
+            <p:ph type="title"/>
+          </p:nvPr>
+        </p:nvSpPr>
+        <p:spPr>
+          <a:xfrm>
+            <a:off x="311700" y="243319"/>
+            <a:ext cx="8520600" cy="572700"/>
+          </a:xfrm>
+        </p:spPr>
+        <p:txBody>
+          <a:bodyPr/>
+          <a:lstStyle/>
+          <a:p>
+            <a:r>
+              <a:rPr lang="en-US" b="1" dirty="0">
+                <a:effectLst>
+                  <a:outerShdw blurRad="38100" dist="38100" dir="2700000" algn="tl">
+                    <a:srgbClr val="000000">
+                      <a:alpha val="43137"/>
+                    </a:srgbClr>
+                  </a:outerShdw>
+                </a:effectLst>
+              </a:rPr>
+              <a:t>Use Cases: Load balancing</a:t>
+            </a:r>
+            <a:endParaRPr lang="ru-RU" b="1" dirty="0">
+              <a:effectLst>
+                <a:outerShdw blurRad="38100" dist="38100" dir="2700000" algn="tl">
+                  <a:srgbClr val="000000">
+                    <a:alpha val="43137"/>
+                  </a:srgbClr>
+                </a:outerShdw>
+              </a:effectLst>
+            </a:endParaRPr>
+          </a:p>
+        </p:txBody>
+      </p:sp>
+      <p:sp>
+        <p:nvSpPr>
+          <p:cNvPr id="3" name="Номер слайда 2">
+            <a:extLst>
+              <a:ext uri="{FF2B5EF4-FFF2-40B4-BE49-F238E27FC236}">
+                <a16:creationId xmlns:a16="http://schemas.microsoft.com/office/drawing/2014/main" id="{09FB8480-1FB4-49A4-B531-A9B589ECD31D}"/>
+              </a:ext>
+            </a:extLst>
+          </p:cNvPr>
+          <p:cNvSpPr>
+            <a:spLocks noGrp="1"/>
+          </p:cNvSpPr>
+          <p:nvPr>
+            <p:ph type="sldNum" idx="12"/>
+          </p:nvPr>
+        </p:nvSpPr>
+        <p:spPr/>
+        <p:txBody>
+          <a:bodyPr/>
+          <a:lstStyle/>
+          <a:p>
+            <a:pPr marL="0" lvl="0" indent="0" algn="r" rtl="0">
+              <a:spcBef>
+                <a:spcPts val="0"/>
+              </a:spcBef>
+              <a:spcAft>
+                <a:spcPts val="0"/>
+              </a:spcAft>
+              <a:buNone/>
+            </a:pPr>
+            <a:fld id="{00000000-1234-1234-1234-123412341234}" type="slidenum">
+              <a:rPr lang="en-GB" smtClean="0"/>
+              <a:t>16</a:t>
+            </a:fld>
+            <a:endParaRPr lang="en-GB"/>
+          </a:p>
+        </p:txBody>
+      </p:sp>
+      <p:pic>
+        <p:nvPicPr>
+          <p:cNvPr id="10242" name="Picture 2" descr="UC Load Balancing">
+            <a:extLst>
+              <a:ext uri="{FF2B5EF4-FFF2-40B4-BE49-F238E27FC236}">
+                <a16:creationId xmlns:a16="http://schemas.microsoft.com/office/drawing/2014/main" id="{17A77F3F-65DA-4616-9987-546BD53EBA08}"/>
+              </a:ext>
+            </a:extLst>
+          </p:cNvPr>
+          <p:cNvPicPr>
+            <a:picLocks noChangeAspect="1" noChangeArrowheads="1"/>
+          </p:cNvPicPr>
+          <p:nvPr/>
+        </p:nvPicPr>
+        <p:blipFill>
+          <a:blip r:embed="rId2">
+            <a:extLst>
+              <a:ext uri="{28A0092B-C50C-407E-A947-70E740481C1C}">
+                <a14:useLocalDpi xmlns:a14="http://schemas.microsoft.com/office/drawing/2010/main" val="0"/>
+              </a:ext>
+            </a:extLst>
+          </a:blip>
+          <a:srcRect/>
+          <a:stretch>
+            <a:fillRect/>
+          </a:stretch>
+        </p:blipFill>
+        <p:spPr bwMode="auto">
+          <a:xfrm>
+            <a:off x="1862418" y="1261081"/>
+            <a:ext cx="5909982" cy="3324365"/>
+          </a:xfrm>
+          <a:prstGeom prst="rect">
+            <a:avLst/>
+          </a:prstGeom>
+          <a:noFill/>
+          <a:extLst>
+            <a:ext uri="{909E8E84-426E-40DD-AFC4-6F175D3DCCD1}">
+              <a14:hiddenFill xmlns:a14="http://schemas.microsoft.com/office/drawing/2010/main">
+                <a:solidFill>
+                  <a:srgbClr val="FFFFFF"/>
+                </a:solidFill>
+              </a14:hiddenFill>
+            </a:ext>
+          </a:extLst>
+        </p:spPr>
+      </p:pic>
+    </p:spTree>
+    <p:extLst>
+      <p:ext uri="{BB962C8B-B14F-4D97-AF65-F5344CB8AC3E}">
+        <p14:creationId xmlns:p14="http://schemas.microsoft.com/office/powerpoint/2010/main" val="3098954846"/>
+      </p:ext>
+    </p:extLst>
+  </p:cSld>
+  <p:clrMapOvr>
+    <a:masterClrMapping/>
+  </p:clrMapOvr>
+</p:sld>
+</file>
+
+<file path=ppt/slides/slide17.xml><?xml version="1.0" encoding="utf-8"?>
+<p:sld xmlns:a="http://schemas.openxmlformats.org/drawingml/2006/main" xmlns:r="http://schemas.openxmlformats.org/officeDocument/2006/relationships" xmlns:p="http://schemas.openxmlformats.org/presentationml/2006/main">
+  <p:cSld>
+    <p:spTree>
+      <p:nvGrpSpPr>
+        <p:cNvPr id="1" name=""/>
+        <p:cNvGrpSpPr/>
+        <p:nvPr/>
+      </p:nvGrpSpPr>
+      <p:grpSpPr>
+        <a:xfrm>
+          <a:off x="0" y="0"/>
+          <a:ext cx="0" cy="0"/>
+          <a:chOff x="0" y="0"/>
+          <a:chExt cx="0" cy="0"/>
+        </a:xfrm>
+      </p:grpSpPr>
+      <p:sp>
+        <p:nvSpPr>
+          <p:cNvPr id="2" name="Заголовок 1">
+            <a:extLst>
+              <a:ext uri="{FF2B5EF4-FFF2-40B4-BE49-F238E27FC236}">
+                <a16:creationId xmlns:a16="http://schemas.microsoft.com/office/drawing/2014/main" id="{BF8EE9D0-0305-4DAD-A8A5-E3E71B917267}"/>
+              </a:ext>
+            </a:extLst>
+          </p:cNvPr>
+          <p:cNvSpPr>
+            <a:spLocks noGrp="1"/>
+          </p:cNvSpPr>
+          <p:nvPr>
+            <p:ph type="title"/>
+          </p:nvPr>
+        </p:nvSpPr>
+        <p:spPr>
+          <a:xfrm>
+            <a:off x="311700" y="243319"/>
+            <a:ext cx="8520600" cy="572700"/>
+          </a:xfrm>
+        </p:spPr>
+        <p:txBody>
+          <a:bodyPr/>
+          <a:lstStyle/>
+          <a:p>
+            <a:r>
+              <a:rPr lang="en-US" b="1" dirty="0">
+                <a:effectLst>
+                  <a:outerShdw blurRad="38100" dist="38100" dir="2700000" algn="tl">
+                    <a:srgbClr val="000000">
+                      <a:alpha val="43137"/>
+                    </a:srgbClr>
+                  </a:outerShdw>
+                </a:effectLst>
+              </a:rPr>
+              <a:t>Use Cases: Audit and Logging</a:t>
+            </a:r>
+            <a:endParaRPr lang="ru-RU" b="1" dirty="0">
+              <a:effectLst>
+                <a:outerShdw blurRad="38100" dist="38100" dir="2700000" algn="tl">
+                  <a:srgbClr val="000000">
+                    <a:alpha val="43137"/>
+                  </a:srgbClr>
+                </a:outerShdw>
+              </a:effectLst>
+            </a:endParaRPr>
+          </a:p>
+        </p:txBody>
+      </p:sp>
+      <p:sp>
+        <p:nvSpPr>
+          <p:cNvPr id="3" name="Номер слайда 2">
+            <a:extLst>
+              <a:ext uri="{FF2B5EF4-FFF2-40B4-BE49-F238E27FC236}">
+                <a16:creationId xmlns:a16="http://schemas.microsoft.com/office/drawing/2014/main" id="{09FB8480-1FB4-49A4-B531-A9B589ECD31D}"/>
+              </a:ext>
+            </a:extLst>
+          </p:cNvPr>
+          <p:cNvSpPr>
+            <a:spLocks noGrp="1"/>
+          </p:cNvSpPr>
+          <p:nvPr>
+            <p:ph type="sldNum" idx="12"/>
+          </p:nvPr>
+        </p:nvSpPr>
+        <p:spPr/>
+        <p:txBody>
+          <a:bodyPr/>
+          <a:lstStyle/>
+          <a:p>
+            <a:pPr marL="0" lvl="0" indent="0" algn="r" rtl="0">
+              <a:spcBef>
+                <a:spcPts val="0"/>
+              </a:spcBef>
+              <a:spcAft>
+                <a:spcPts val="0"/>
+              </a:spcAft>
+              <a:buNone/>
+            </a:pPr>
+            <a:fld id="{00000000-1234-1234-1234-123412341234}" type="slidenum">
+              <a:rPr lang="en-GB" smtClean="0"/>
+              <a:t>17</a:t>
+            </a:fld>
+            <a:endParaRPr lang="en-GB"/>
+          </a:p>
+        </p:txBody>
+      </p:sp>
+      <p:pic>
+        <p:nvPicPr>
+          <p:cNvPr id="9218" name="Picture 2" descr="UC Audit and Logging">
+            <a:extLst>
+              <a:ext uri="{FF2B5EF4-FFF2-40B4-BE49-F238E27FC236}">
+                <a16:creationId xmlns:a16="http://schemas.microsoft.com/office/drawing/2014/main" id="{1A2EE90D-DDED-4DC8-B855-D57E49A3500C}"/>
+              </a:ext>
+            </a:extLst>
+          </p:cNvPr>
+          <p:cNvPicPr>
+            <a:picLocks noChangeAspect="1" noChangeArrowheads="1"/>
+          </p:cNvPicPr>
+          <p:nvPr/>
+        </p:nvPicPr>
+        <p:blipFill>
+          <a:blip r:embed="rId2">
+            <a:extLst>
+              <a:ext uri="{28A0092B-C50C-407E-A947-70E740481C1C}">
+                <a14:useLocalDpi xmlns:a14="http://schemas.microsoft.com/office/drawing/2010/main" val="0"/>
+              </a:ext>
+            </a:extLst>
+          </a:blip>
+          <a:srcRect/>
+          <a:stretch>
+            <a:fillRect/>
+          </a:stretch>
+        </p:blipFill>
+        <p:spPr bwMode="auto">
+          <a:xfrm>
+            <a:off x="2590800" y="1472793"/>
+            <a:ext cx="3962400" cy="2533650"/>
+          </a:xfrm>
+          <a:prstGeom prst="rect">
+            <a:avLst/>
+          </a:prstGeom>
+          <a:noFill/>
+          <a:extLst>
+            <a:ext uri="{909E8E84-426E-40DD-AFC4-6F175D3DCCD1}">
+              <a14:hiddenFill xmlns:a14="http://schemas.microsoft.com/office/drawing/2010/main">
+                <a:solidFill>
+                  <a:srgbClr val="FFFFFF"/>
+                </a:solidFill>
+              </a14:hiddenFill>
+            </a:ext>
+          </a:extLst>
+        </p:spPr>
+      </p:pic>
+    </p:spTree>
+    <p:extLst>
+      <p:ext uri="{BB962C8B-B14F-4D97-AF65-F5344CB8AC3E}">
+        <p14:creationId xmlns:p14="http://schemas.microsoft.com/office/powerpoint/2010/main" val="3340460069"/>
+      </p:ext>
+    </p:extLst>
+  </p:cSld>
+  <p:clrMapOvr>
+    <a:masterClrMapping/>
+  </p:clrMapOvr>
+</p:sld>
+</file>
+
+<file path=ppt/slides/slide18.xml><?xml version="1.0" encoding="utf-8"?>
+<p:sld xmlns:a="http://schemas.openxmlformats.org/drawingml/2006/main" xmlns:r="http://schemas.openxmlformats.org/officeDocument/2006/relationships" xmlns:p="http://schemas.openxmlformats.org/presentationml/2006/main">
+  <p:cSld>
+    <p:spTree>
+      <p:nvGrpSpPr>
+        <p:cNvPr id="1" name=""/>
+        <p:cNvGrpSpPr/>
+        <p:nvPr/>
+      </p:nvGrpSpPr>
+      <p:grpSpPr>
+        <a:xfrm>
+          <a:off x="0" y="0"/>
+          <a:ext cx="0" cy="0"/>
+          <a:chOff x="0" y="0"/>
+          <a:chExt cx="0" cy="0"/>
+        </a:xfrm>
+      </p:grpSpPr>
+      <p:sp>
+        <p:nvSpPr>
+          <p:cNvPr id="2" name="Заголовок 1">
+            <a:extLst>
+              <a:ext uri="{FF2B5EF4-FFF2-40B4-BE49-F238E27FC236}">
+                <a16:creationId xmlns:a16="http://schemas.microsoft.com/office/drawing/2014/main" id="{BF8EE9D0-0305-4DAD-A8A5-E3E71B917267}"/>
+              </a:ext>
+            </a:extLst>
+          </p:cNvPr>
+          <p:cNvSpPr>
+            <a:spLocks noGrp="1"/>
+          </p:cNvSpPr>
+          <p:nvPr>
+            <p:ph type="title"/>
+          </p:nvPr>
+        </p:nvSpPr>
+        <p:spPr>
+          <a:xfrm>
+            <a:off x="311700" y="243319"/>
+            <a:ext cx="8520600" cy="572700"/>
+          </a:xfrm>
+        </p:spPr>
+        <p:txBody>
+          <a:bodyPr/>
+          <a:lstStyle/>
+          <a:p>
+            <a:r>
+              <a:rPr lang="en-US" b="1" dirty="0">
+                <a:effectLst>
+                  <a:outerShdw blurRad="38100" dist="38100" dir="2700000" algn="tl">
+                    <a:srgbClr val="000000">
+                      <a:alpha val="43137"/>
+                    </a:srgbClr>
+                  </a:outerShdw>
+                </a:effectLst>
+              </a:rPr>
+              <a:t>Use Cases: Authorization (SSO)</a:t>
+            </a:r>
+            <a:endParaRPr lang="ru-RU" b="1" dirty="0">
+              <a:effectLst>
+                <a:outerShdw blurRad="38100" dist="38100" dir="2700000" algn="tl">
+                  <a:srgbClr val="000000">
+                    <a:alpha val="43137"/>
+                  </a:srgbClr>
+                </a:outerShdw>
+              </a:effectLst>
+            </a:endParaRPr>
+          </a:p>
+        </p:txBody>
+      </p:sp>
+      <p:sp>
+        <p:nvSpPr>
+          <p:cNvPr id="3" name="Номер слайда 2">
+            <a:extLst>
+              <a:ext uri="{FF2B5EF4-FFF2-40B4-BE49-F238E27FC236}">
+                <a16:creationId xmlns:a16="http://schemas.microsoft.com/office/drawing/2014/main" id="{09FB8480-1FB4-49A4-B531-A9B589ECD31D}"/>
+              </a:ext>
+            </a:extLst>
+          </p:cNvPr>
+          <p:cNvSpPr>
+            <a:spLocks noGrp="1"/>
+          </p:cNvSpPr>
+          <p:nvPr>
+            <p:ph type="sldNum" idx="12"/>
+          </p:nvPr>
+        </p:nvSpPr>
+        <p:spPr/>
+        <p:txBody>
+          <a:bodyPr/>
+          <a:lstStyle/>
+          <a:p>
+            <a:pPr marL="0" lvl="0" indent="0" algn="r" rtl="0">
+              <a:spcBef>
+                <a:spcPts val="0"/>
+              </a:spcBef>
+              <a:spcAft>
+                <a:spcPts val="0"/>
+              </a:spcAft>
+              <a:buNone/>
+            </a:pPr>
+            <a:fld id="{00000000-1234-1234-1234-123412341234}" type="slidenum">
+              <a:rPr lang="en-GB" smtClean="0"/>
+              <a:t>18</a:t>
+            </a:fld>
+            <a:endParaRPr lang="en-GB"/>
+          </a:p>
+        </p:txBody>
+      </p:sp>
+      <p:pic>
+        <p:nvPicPr>
+          <p:cNvPr id="8194" name="Picture 2" descr="UC Authorization">
+            <a:extLst>
+              <a:ext uri="{FF2B5EF4-FFF2-40B4-BE49-F238E27FC236}">
+                <a16:creationId xmlns:a16="http://schemas.microsoft.com/office/drawing/2014/main" id="{7D28B00A-004C-4E41-880C-3BCEA35E704D}"/>
+              </a:ext>
+            </a:extLst>
+          </p:cNvPr>
+          <p:cNvPicPr>
+            <a:picLocks noChangeAspect="1" noChangeArrowheads="1"/>
+          </p:cNvPicPr>
+          <p:nvPr/>
+        </p:nvPicPr>
+        <p:blipFill>
+          <a:blip r:embed="rId2">
+            <a:extLst>
+              <a:ext uri="{28A0092B-C50C-407E-A947-70E740481C1C}">
+                <a14:useLocalDpi xmlns:a14="http://schemas.microsoft.com/office/drawing/2010/main" val="0"/>
+              </a:ext>
+            </a:extLst>
+          </a:blip>
+          <a:srcRect/>
+          <a:stretch>
+            <a:fillRect/>
+          </a:stretch>
+        </p:blipFill>
+        <p:spPr bwMode="auto">
+          <a:xfrm>
+            <a:off x="1600199" y="1238229"/>
+            <a:ext cx="5515535" cy="3187815"/>
+          </a:xfrm>
+          <a:prstGeom prst="rect">
+            <a:avLst/>
+          </a:prstGeom>
+          <a:noFill/>
+          <a:extLst>
+            <a:ext uri="{909E8E84-426E-40DD-AFC4-6F175D3DCCD1}">
+              <a14:hiddenFill xmlns:a14="http://schemas.microsoft.com/office/drawing/2010/main">
+                <a:solidFill>
+                  <a:srgbClr val="FFFFFF"/>
+                </a:solidFill>
+              </a14:hiddenFill>
+            </a:ext>
+          </a:extLst>
+        </p:spPr>
+      </p:pic>
+    </p:spTree>
+    <p:extLst>
+      <p:ext uri="{BB962C8B-B14F-4D97-AF65-F5344CB8AC3E}">
+        <p14:creationId xmlns:p14="http://schemas.microsoft.com/office/powerpoint/2010/main" val="853089160"/>
+      </p:ext>
+    </p:extLst>
+  </p:cSld>
+  <p:clrMapOvr>
+    <a:masterClrMapping/>
+  </p:clrMapOvr>
+</p:sld>
+</file>
+
+<file path=ppt/slides/slide19.xml><?xml version="1.0" encoding="utf-8"?>
+<p:sld xmlns:a="http://schemas.openxmlformats.org/drawingml/2006/main" xmlns:r="http://schemas.openxmlformats.org/officeDocument/2006/relationships" xmlns:p="http://schemas.openxmlformats.org/presentationml/2006/main">
+  <p:cSld>
+    <p:spTree>
+      <p:nvGrpSpPr>
+        <p:cNvPr id="1" name=""/>
+        <p:cNvGrpSpPr/>
+        <p:nvPr/>
+      </p:nvGrpSpPr>
+      <p:grpSpPr>
+        <a:xfrm>
+          <a:off x="0" y="0"/>
+          <a:ext cx="0" cy="0"/>
+          <a:chOff x="0" y="0"/>
+          <a:chExt cx="0" cy="0"/>
+        </a:xfrm>
+      </p:grpSpPr>
+      <p:sp>
+        <p:nvSpPr>
+          <p:cNvPr id="2" name="Заголовок 1">
+            <a:extLst>
+              <a:ext uri="{FF2B5EF4-FFF2-40B4-BE49-F238E27FC236}">
+                <a16:creationId xmlns:a16="http://schemas.microsoft.com/office/drawing/2014/main" id="{BF8EE9D0-0305-4DAD-A8A5-E3E71B917267}"/>
+              </a:ext>
+            </a:extLst>
+          </p:cNvPr>
+          <p:cNvSpPr>
+            <a:spLocks noGrp="1"/>
+          </p:cNvSpPr>
+          <p:nvPr>
+            <p:ph type="title"/>
+          </p:nvPr>
+        </p:nvSpPr>
+        <p:spPr>
+          <a:xfrm>
+            <a:off x="311700" y="243319"/>
+            <a:ext cx="8520600" cy="572700"/>
+          </a:xfrm>
+        </p:spPr>
+        <p:txBody>
+          <a:bodyPr/>
+          <a:lstStyle/>
+          <a:p>
+            <a:r>
+              <a:rPr lang="en-US" b="1" dirty="0">
+                <a:effectLst>
+                  <a:outerShdw blurRad="38100" dist="38100" dir="2700000" algn="tl">
+                    <a:srgbClr val="000000">
+                      <a:alpha val="43137"/>
+                    </a:srgbClr>
+                  </a:outerShdw>
+                </a:effectLst>
+              </a:rPr>
+              <a:t>Use Cases: Request Validation</a:t>
+            </a:r>
+            <a:br>
+              <a:rPr lang="en-US" b="1" i="0" dirty="0">
+                <a:solidFill>
+                  <a:srgbClr val="1F2328"/>
+                </a:solidFill>
+                <a:effectLst/>
+                <a:latin typeface="-apple-system"/>
+              </a:rPr>
+            </a:br>
+            <a:endParaRPr lang="ru-RU" b="1" dirty="0">
+              <a:effectLst>
+                <a:outerShdw blurRad="38100" dist="38100" dir="2700000" algn="tl">
+                  <a:srgbClr val="000000">
+                    <a:alpha val="43137"/>
+                  </a:srgbClr>
+                </a:outerShdw>
+              </a:effectLst>
+            </a:endParaRPr>
+          </a:p>
+        </p:txBody>
+      </p:sp>
+      <p:sp>
+        <p:nvSpPr>
+          <p:cNvPr id="3" name="Номер слайда 2">
+            <a:extLst>
+              <a:ext uri="{FF2B5EF4-FFF2-40B4-BE49-F238E27FC236}">
+                <a16:creationId xmlns:a16="http://schemas.microsoft.com/office/drawing/2014/main" id="{09FB8480-1FB4-49A4-B531-A9B589ECD31D}"/>
+              </a:ext>
+            </a:extLst>
+          </p:cNvPr>
+          <p:cNvSpPr>
+            <a:spLocks noGrp="1"/>
+          </p:cNvSpPr>
+          <p:nvPr>
+            <p:ph type="sldNum" idx="12"/>
+          </p:nvPr>
+        </p:nvSpPr>
+        <p:spPr/>
+        <p:txBody>
+          <a:bodyPr/>
+          <a:lstStyle/>
+          <a:p>
+            <a:pPr marL="0" lvl="0" indent="0" algn="r" rtl="0">
+              <a:spcBef>
+                <a:spcPts val="0"/>
+              </a:spcBef>
+              <a:spcAft>
+                <a:spcPts val="0"/>
+              </a:spcAft>
+              <a:buNone/>
+            </a:pPr>
+            <a:fld id="{00000000-1234-1234-1234-123412341234}" type="slidenum">
+              <a:rPr lang="en-GB" smtClean="0"/>
+              <a:t>19</a:t>
+            </a:fld>
+            <a:endParaRPr lang="en-GB"/>
+          </a:p>
+        </p:txBody>
+      </p:sp>
+      <p:pic>
+        <p:nvPicPr>
+          <p:cNvPr id="7170" name="Picture 2" descr="UC Request Validation">
+            <a:extLst>
+              <a:ext uri="{FF2B5EF4-FFF2-40B4-BE49-F238E27FC236}">
+                <a16:creationId xmlns:a16="http://schemas.microsoft.com/office/drawing/2014/main" id="{10A1CB11-0894-4295-A365-EFD38A72EEAD}"/>
+              </a:ext>
+            </a:extLst>
+          </p:cNvPr>
+          <p:cNvPicPr>
+            <a:picLocks noChangeAspect="1" noChangeArrowheads="1"/>
+          </p:cNvPicPr>
+          <p:nvPr/>
+        </p:nvPicPr>
+        <p:blipFill>
+          <a:blip r:embed="rId2">
+            <a:extLst>
+              <a:ext uri="{28A0092B-C50C-407E-A947-70E740481C1C}">
+                <a14:useLocalDpi xmlns:a14="http://schemas.microsoft.com/office/drawing/2010/main" val="0"/>
+              </a:ext>
+            </a:extLst>
+          </a:blip>
+          <a:srcRect/>
+          <a:stretch>
+            <a:fillRect/>
+          </a:stretch>
+        </p:blipFill>
+        <p:spPr bwMode="auto">
+          <a:xfrm>
+            <a:off x="2200275" y="1299603"/>
+            <a:ext cx="4743450" cy="3095625"/>
+          </a:xfrm>
+          <a:prstGeom prst="rect">
+            <a:avLst/>
+          </a:prstGeom>
+          <a:noFill/>
+          <a:extLst>
+            <a:ext uri="{909E8E84-426E-40DD-AFC4-6F175D3DCCD1}">
+              <a14:hiddenFill xmlns:a14="http://schemas.microsoft.com/office/drawing/2010/main">
+                <a:solidFill>
+                  <a:srgbClr val="FFFFFF"/>
+                </a:solidFill>
+              </a14:hiddenFill>
+            </a:ext>
+          </a:extLst>
+        </p:spPr>
+      </p:pic>
+    </p:spTree>
+    <p:extLst>
+      <p:ext uri="{BB962C8B-B14F-4D97-AF65-F5344CB8AC3E}">
+        <p14:creationId xmlns:p14="http://schemas.microsoft.com/office/powerpoint/2010/main" val="1212226678"/>
+      </p:ext>
+    </p:extLst>
+  </p:cSld>
+  <p:clrMapOvr>
+    <a:masterClrMapping/>
+  </p:clrMapOvr>
+</p:sld>
+</file>
+
 <file path=ppt/slides/slide2.xml><?xml version="1.0" encoding="utf-8"?>
 <p:sld xmlns:a="http://schemas.openxmlformats.org/drawingml/2006/main" xmlns:r="http://schemas.openxmlformats.org/officeDocument/2006/relationships" xmlns:p="http://schemas.openxmlformats.org/presentationml/2006/main">
   <p:cSld>
@@ -9263,6 +10117,831 @@
 </p:sld>
 </file>
 
+<file path=ppt/slides/slide20.xml><?xml version="1.0" encoding="utf-8"?>
+<p:sld xmlns:a="http://schemas.openxmlformats.org/drawingml/2006/main" xmlns:r="http://schemas.openxmlformats.org/officeDocument/2006/relationships" xmlns:p="http://schemas.openxmlformats.org/presentationml/2006/main">
+  <p:cSld>
+    <p:spTree>
+      <p:nvGrpSpPr>
+        <p:cNvPr id="1" name=""/>
+        <p:cNvGrpSpPr/>
+        <p:nvPr/>
+      </p:nvGrpSpPr>
+      <p:grpSpPr>
+        <a:xfrm>
+          <a:off x="0" y="0"/>
+          <a:ext cx="0" cy="0"/>
+          <a:chOff x="0" y="0"/>
+          <a:chExt cx="0" cy="0"/>
+        </a:xfrm>
+      </p:grpSpPr>
+      <p:sp>
+        <p:nvSpPr>
+          <p:cNvPr id="2" name="Заголовок 1">
+            <a:extLst>
+              <a:ext uri="{FF2B5EF4-FFF2-40B4-BE49-F238E27FC236}">
+                <a16:creationId xmlns:a16="http://schemas.microsoft.com/office/drawing/2014/main" id="{BF8EE9D0-0305-4DAD-A8A5-E3E71B917267}"/>
+              </a:ext>
+            </a:extLst>
+          </p:cNvPr>
+          <p:cNvSpPr>
+            <a:spLocks noGrp="1"/>
+          </p:cNvSpPr>
+          <p:nvPr>
+            <p:ph type="title"/>
+          </p:nvPr>
+        </p:nvSpPr>
+        <p:spPr>
+          <a:xfrm>
+            <a:off x="311700" y="243319"/>
+            <a:ext cx="8520600" cy="572700"/>
+          </a:xfrm>
+        </p:spPr>
+        <p:txBody>
+          <a:bodyPr/>
+          <a:lstStyle/>
+          <a:p>
+            <a:r>
+              <a:rPr lang="en-US" b="1" dirty="0">
+                <a:effectLst>
+                  <a:outerShdw blurRad="38100" dist="38100" dir="2700000" algn="tl">
+                    <a:srgbClr val="000000">
+                      <a:alpha val="43137"/>
+                    </a:srgbClr>
+                  </a:outerShdw>
+                </a:effectLst>
+              </a:rPr>
+              <a:t>Use Cases: Responses Caching</a:t>
+            </a:r>
+            <a:endParaRPr lang="ru-RU" b="1" dirty="0">
+              <a:effectLst>
+                <a:outerShdw blurRad="38100" dist="38100" dir="2700000" algn="tl">
+                  <a:srgbClr val="000000">
+                    <a:alpha val="43137"/>
+                  </a:srgbClr>
+                </a:outerShdw>
+              </a:effectLst>
+            </a:endParaRPr>
+          </a:p>
+        </p:txBody>
+      </p:sp>
+      <p:sp>
+        <p:nvSpPr>
+          <p:cNvPr id="3" name="Номер слайда 2">
+            <a:extLst>
+              <a:ext uri="{FF2B5EF4-FFF2-40B4-BE49-F238E27FC236}">
+                <a16:creationId xmlns:a16="http://schemas.microsoft.com/office/drawing/2014/main" id="{09FB8480-1FB4-49A4-B531-A9B589ECD31D}"/>
+              </a:ext>
+            </a:extLst>
+          </p:cNvPr>
+          <p:cNvSpPr>
+            <a:spLocks noGrp="1"/>
+          </p:cNvSpPr>
+          <p:nvPr>
+            <p:ph type="sldNum" idx="12"/>
+          </p:nvPr>
+        </p:nvSpPr>
+        <p:spPr/>
+        <p:txBody>
+          <a:bodyPr/>
+          <a:lstStyle/>
+          <a:p>
+            <a:pPr marL="0" lvl="0" indent="0" algn="r" rtl="0">
+              <a:spcBef>
+                <a:spcPts val="0"/>
+              </a:spcBef>
+              <a:spcAft>
+                <a:spcPts val="0"/>
+              </a:spcAft>
+              <a:buNone/>
+            </a:pPr>
+            <a:fld id="{00000000-1234-1234-1234-123412341234}" type="slidenum">
+              <a:rPr lang="en-GB" smtClean="0"/>
+              <a:t>20</a:t>
+            </a:fld>
+            <a:endParaRPr lang="en-GB"/>
+          </a:p>
+        </p:txBody>
+      </p:sp>
+      <p:pic>
+        <p:nvPicPr>
+          <p:cNvPr id="6146" name="Picture 2" descr="UC Response Caching">
+            <a:extLst>
+              <a:ext uri="{FF2B5EF4-FFF2-40B4-BE49-F238E27FC236}">
+                <a16:creationId xmlns:a16="http://schemas.microsoft.com/office/drawing/2014/main" id="{A1657FEC-02E8-448E-8081-D394444762F7}"/>
+              </a:ext>
+            </a:extLst>
+          </p:cNvPr>
+          <p:cNvPicPr>
+            <a:picLocks noChangeAspect="1" noChangeArrowheads="1"/>
+          </p:cNvPicPr>
+          <p:nvPr/>
+        </p:nvPicPr>
+        <p:blipFill>
+          <a:blip r:embed="rId2">
+            <a:extLst>
+              <a:ext uri="{28A0092B-C50C-407E-A947-70E740481C1C}">
+                <a14:useLocalDpi xmlns:a14="http://schemas.microsoft.com/office/drawing/2010/main" val="0"/>
+              </a:ext>
+            </a:extLst>
+          </a:blip>
+          <a:srcRect/>
+          <a:stretch>
+            <a:fillRect/>
+          </a:stretch>
+        </p:blipFill>
+        <p:spPr bwMode="auto">
+          <a:xfrm>
+            <a:off x="2438400" y="1374682"/>
+            <a:ext cx="4267200" cy="2905125"/>
+          </a:xfrm>
+          <a:prstGeom prst="rect">
+            <a:avLst/>
+          </a:prstGeom>
+          <a:noFill/>
+          <a:extLst>
+            <a:ext uri="{909E8E84-426E-40DD-AFC4-6F175D3DCCD1}">
+              <a14:hiddenFill xmlns:a14="http://schemas.microsoft.com/office/drawing/2010/main">
+                <a:solidFill>
+                  <a:srgbClr val="FFFFFF"/>
+                </a:solidFill>
+              </a14:hiddenFill>
+            </a:ext>
+          </a:extLst>
+        </p:spPr>
+      </p:pic>
+    </p:spTree>
+    <p:extLst>
+      <p:ext uri="{BB962C8B-B14F-4D97-AF65-F5344CB8AC3E}">
+        <p14:creationId xmlns:p14="http://schemas.microsoft.com/office/powerpoint/2010/main" val="3350635175"/>
+      </p:ext>
+    </p:extLst>
+  </p:cSld>
+  <p:clrMapOvr>
+    <a:masterClrMapping/>
+  </p:clrMapOvr>
+</p:sld>
+</file>
+
+<file path=ppt/slides/slide21.xml><?xml version="1.0" encoding="utf-8"?>
+<p:sld xmlns:a="http://schemas.openxmlformats.org/drawingml/2006/main" xmlns:r="http://schemas.openxmlformats.org/officeDocument/2006/relationships" xmlns:p="http://schemas.openxmlformats.org/presentationml/2006/main">
+  <p:cSld>
+    <p:spTree>
+      <p:nvGrpSpPr>
+        <p:cNvPr id="1" name=""/>
+        <p:cNvGrpSpPr/>
+        <p:nvPr/>
+      </p:nvGrpSpPr>
+      <p:grpSpPr>
+        <a:xfrm>
+          <a:off x="0" y="0"/>
+          <a:ext cx="0" cy="0"/>
+          <a:chOff x="0" y="0"/>
+          <a:chExt cx="0" cy="0"/>
+        </a:xfrm>
+      </p:grpSpPr>
+      <p:sp>
+        <p:nvSpPr>
+          <p:cNvPr id="2" name="Заголовок 1">
+            <a:extLst>
+              <a:ext uri="{FF2B5EF4-FFF2-40B4-BE49-F238E27FC236}">
+                <a16:creationId xmlns:a16="http://schemas.microsoft.com/office/drawing/2014/main" id="{BF8EE9D0-0305-4DAD-A8A5-E3E71B917267}"/>
+              </a:ext>
+            </a:extLst>
+          </p:cNvPr>
+          <p:cNvSpPr>
+            <a:spLocks noGrp="1"/>
+          </p:cNvSpPr>
+          <p:nvPr>
+            <p:ph type="title"/>
+          </p:nvPr>
+        </p:nvSpPr>
+        <p:spPr>
+          <a:xfrm>
+            <a:off x="311700" y="243319"/>
+            <a:ext cx="8520600" cy="572700"/>
+          </a:xfrm>
+        </p:spPr>
+        <p:txBody>
+          <a:bodyPr/>
+          <a:lstStyle/>
+          <a:p>
+            <a:r>
+              <a:rPr lang="en-US" b="1" dirty="0">
+                <a:effectLst>
+                  <a:outerShdw blurRad="38100" dist="38100" dir="2700000" algn="tl">
+                    <a:srgbClr val="000000">
+                      <a:alpha val="43137"/>
+                    </a:srgbClr>
+                  </a:outerShdw>
+                </a:effectLst>
+              </a:rPr>
+              <a:t>Use Cases: Modular Deployment of Models</a:t>
+            </a:r>
+            <a:endParaRPr lang="ru-RU" b="1" dirty="0">
+              <a:effectLst>
+                <a:outerShdw blurRad="38100" dist="38100" dir="2700000" algn="tl">
+                  <a:srgbClr val="000000">
+                    <a:alpha val="43137"/>
+                  </a:srgbClr>
+                </a:outerShdw>
+              </a:effectLst>
+            </a:endParaRPr>
+          </a:p>
+        </p:txBody>
+      </p:sp>
+      <p:sp>
+        <p:nvSpPr>
+          <p:cNvPr id="3" name="Номер слайда 2">
+            <a:extLst>
+              <a:ext uri="{FF2B5EF4-FFF2-40B4-BE49-F238E27FC236}">
+                <a16:creationId xmlns:a16="http://schemas.microsoft.com/office/drawing/2014/main" id="{09FB8480-1FB4-49A4-B531-A9B589ECD31D}"/>
+              </a:ext>
+            </a:extLst>
+          </p:cNvPr>
+          <p:cNvSpPr>
+            <a:spLocks noGrp="1"/>
+          </p:cNvSpPr>
+          <p:nvPr>
+            <p:ph type="sldNum" idx="12"/>
+          </p:nvPr>
+        </p:nvSpPr>
+        <p:spPr/>
+        <p:txBody>
+          <a:bodyPr/>
+          <a:lstStyle/>
+          <a:p>
+            <a:pPr marL="0" lvl="0" indent="0" algn="r" rtl="0">
+              <a:spcBef>
+                <a:spcPts val="0"/>
+              </a:spcBef>
+              <a:spcAft>
+                <a:spcPts val="0"/>
+              </a:spcAft>
+              <a:buNone/>
+            </a:pPr>
+            <a:fld id="{00000000-1234-1234-1234-123412341234}" type="slidenum">
+              <a:rPr lang="en-GB" smtClean="0"/>
+              <a:t>21</a:t>
+            </a:fld>
+            <a:endParaRPr lang="en-GB"/>
+          </a:p>
+        </p:txBody>
+      </p:sp>
+      <p:pic>
+        <p:nvPicPr>
+          <p:cNvPr id="5122" name="Picture 2" descr="UC Modular Deployment of Models">
+            <a:extLst>
+              <a:ext uri="{FF2B5EF4-FFF2-40B4-BE49-F238E27FC236}">
+                <a16:creationId xmlns:a16="http://schemas.microsoft.com/office/drawing/2014/main" id="{0C3F1FA1-45CF-4609-AFFD-794A1711BD4B}"/>
+              </a:ext>
+            </a:extLst>
+          </p:cNvPr>
+          <p:cNvPicPr>
+            <a:picLocks noChangeAspect="1" noChangeArrowheads="1"/>
+          </p:cNvPicPr>
+          <p:nvPr/>
+        </p:nvPicPr>
+        <p:blipFill>
+          <a:blip r:embed="rId2">
+            <a:extLst>
+              <a:ext uri="{28A0092B-C50C-407E-A947-70E740481C1C}">
+                <a14:useLocalDpi xmlns:a14="http://schemas.microsoft.com/office/drawing/2010/main" val="0"/>
+              </a:ext>
+            </a:extLst>
+          </a:blip>
+          <a:srcRect/>
+          <a:stretch>
+            <a:fillRect/>
+          </a:stretch>
+        </p:blipFill>
+        <p:spPr bwMode="auto">
+          <a:xfrm>
+            <a:off x="1438275" y="1272768"/>
+            <a:ext cx="6267450" cy="2933700"/>
+          </a:xfrm>
+          <a:prstGeom prst="rect">
+            <a:avLst/>
+          </a:prstGeom>
+          <a:noFill/>
+          <a:extLst>
+            <a:ext uri="{909E8E84-426E-40DD-AFC4-6F175D3DCCD1}">
+              <a14:hiddenFill xmlns:a14="http://schemas.microsoft.com/office/drawing/2010/main">
+                <a:solidFill>
+                  <a:srgbClr val="FFFFFF"/>
+                </a:solidFill>
+              </a14:hiddenFill>
+            </a:ext>
+          </a:extLst>
+        </p:spPr>
+      </p:pic>
+    </p:spTree>
+    <p:extLst>
+      <p:ext uri="{BB962C8B-B14F-4D97-AF65-F5344CB8AC3E}">
+        <p14:creationId xmlns:p14="http://schemas.microsoft.com/office/powerpoint/2010/main" val="2300811806"/>
+      </p:ext>
+    </p:extLst>
+  </p:cSld>
+  <p:clrMapOvr>
+    <a:masterClrMapping/>
+  </p:clrMapOvr>
+</p:sld>
+</file>
+
+<file path=ppt/slides/slide22.xml><?xml version="1.0" encoding="utf-8"?>
+<p:sld xmlns:a="http://schemas.openxmlformats.org/drawingml/2006/main" xmlns:r="http://schemas.openxmlformats.org/officeDocument/2006/relationships" xmlns:p="http://schemas.openxmlformats.org/presentationml/2006/main">
+  <p:cSld>
+    <p:spTree>
+      <p:nvGrpSpPr>
+        <p:cNvPr id="1" name=""/>
+        <p:cNvGrpSpPr/>
+        <p:nvPr/>
+      </p:nvGrpSpPr>
+      <p:grpSpPr>
+        <a:xfrm>
+          <a:off x="0" y="0"/>
+          <a:ext cx="0" cy="0"/>
+          <a:chOff x="0" y="0"/>
+          <a:chExt cx="0" cy="0"/>
+        </a:xfrm>
+      </p:grpSpPr>
+      <p:sp>
+        <p:nvSpPr>
+          <p:cNvPr id="2" name="Заголовок 1">
+            <a:extLst>
+              <a:ext uri="{FF2B5EF4-FFF2-40B4-BE49-F238E27FC236}">
+                <a16:creationId xmlns:a16="http://schemas.microsoft.com/office/drawing/2014/main" id="{BF8EE9D0-0305-4DAD-A8A5-E3E71B917267}"/>
+              </a:ext>
+            </a:extLst>
+          </p:cNvPr>
+          <p:cNvSpPr>
+            <a:spLocks noGrp="1"/>
+          </p:cNvSpPr>
+          <p:nvPr>
+            <p:ph type="title"/>
+          </p:nvPr>
+        </p:nvSpPr>
+        <p:spPr>
+          <a:xfrm>
+            <a:off x="311700" y="243319"/>
+            <a:ext cx="8520600" cy="572700"/>
+          </a:xfrm>
+        </p:spPr>
+        <p:txBody>
+          <a:bodyPr/>
+          <a:lstStyle/>
+          <a:p>
+            <a:r>
+              <a:rPr lang="en-US" b="1" dirty="0">
+                <a:effectLst>
+                  <a:outerShdw blurRad="38100" dist="38100" dir="2700000" algn="tl">
+                    <a:srgbClr val="000000">
+                      <a:alpha val="43137"/>
+                    </a:srgbClr>
+                  </a:outerShdw>
+                </a:effectLst>
+              </a:rPr>
+              <a:t>Use Cases: Containerization</a:t>
+            </a:r>
+            <a:endParaRPr lang="ru-RU" b="1" dirty="0">
+              <a:effectLst>
+                <a:outerShdw blurRad="38100" dist="38100" dir="2700000" algn="tl">
+                  <a:srgbClr val="000000">
+                    <a:alpha val="43137"/>
+                  </a:srgbClr>
+                </a:outerShdw>
+              </a:effectLst>
+            </a:endParaRPr>
+          </a:p>
+        </p:txBody>
+      </p:sp>
+      <p:sp>
+        <p:nvSpPr>
+          <p:cNvPr id="3" name="Номер слайда 2">
+            <a:extLst>
+              <a:ext uri="{FF2B5EF4-FFF2-40B4-BE49-F238E27FC236}">
+                <a16:creationId xmlns:a16="http://schemas.microsoft.com/office/drawing/2014/main" id="{09FB8480-1FB4-49A4-B531-A9B589ECD31D}"/>
+              </a:ext>
+            </a:extLst>
+          </p:cNvPr>
+          <p:cNvSpPr>
+            <a:spLocks noGrp="1"/>
+          </p:cNvSpPr>
+          <p:nvPr>
+            <p:ph type="sldNum" idx="12"/>
+          </p:nvPr>
+        </p:nvSpPr>
+        <p:spPr/>
+        <p:txBody>
+          <a:bodyPr/>
+          <a:lstStyle/>
+          <a:p>
+            <a:pPr marL="0" lvl="0" indent="0" algn="r" rtl="0">
+              <a:spcBef>
+                <a:spcPts val="0"/>
+              </a:spcBef>
+              <a:spcAft>
+                <a:spcPts val="0"/>
+              </a:spcAft>
+              <a:buNone/>
+            </a:pPr>
+            <a:fld id="{00000000-1234-1234-1234-123412341234}" type="slidenum">
+              <a:rPr lang="en-GB" smtClean="0"/>
+              <a:t>22</a:t>
+            </a:fld>
+            <a:endParaRPr lang="en-GB"/>
+          </a:p>
+        </p:txBody>
+      </p:sp>
+      <p:pic>
+        <p:nvPicPr>
+          <p:cNvPr id="4098" name="Picture 2" descr="UC Containerization">
+            <a:extLst>
+              <a:ext uri="{FF2B5EF4-FFF2-40B4-BE49-F238E27FC236}">
+                <a16:creationId xmlns:a16="http://schemas.microsoft.com/office/drawing/2014/main" id="{D58A33D0-AA1E-47AD-AF5D-26957D17C8C8}"/>
+              </a:ext>
+            </a:extLst>
+          </p:cNvPr>
+          <p:cNvPicPr>
+            <a:picLocks noChangeAspect="1" noChangeArrowheads="1"/>
+          </p:cNvPicPr>
+          <p:nvPr/>
+        </p:nvPicPr>
+        <p:blipFill>
+          <a:blip r:embed="rId2">
+            <a:extLst>
+              <a:ext uri="{28A0092B-C50C-407E-A947-70E740481C1C}">
+                <a14:useLocalDpi xmlns:a14="http://schemas.microsoft.com/office/drawing/2010/main" val="0"/>
+              </a:ext>
+            </a:extLst>
+          </a:blip>
+          <a:srcRect/>
+          <a:stretch>
+            <a:fillRect/>
+          </a:stretch>
+        </p:blipFill>
+        <p:spPr bwMode="auto">
+          <a:xfrm>
+            <a:off x="2594608" y="974912"/>
+            <a:ext cx="3954783" cy="3768988"/>
+          </a:xfrm>
+          <a:prstGeom prst="rect">
+            <a:avLst/>
+          </a:prstGeom>
+          <a:noFill/>
+          <a:extLst>
+            <a:ext uri="{909E8E84-426E-40DD-AFC4-6F175D3DCCD1}">
+              <a14:hiddenFill xmlns:a14="http://schemas.microsoft.com/office/drawing/2010/main">
+                <a:solidFill>
+                  <a:srgbClr val="FFFFFF"/>
+                </a:solidFill>
+              </a14:hiddenFill>
+            </a:ext>
+          </a:extLst>
+        </p:spPr>
+      </p:pic>
+    </p:spTree>
+    <p:extLst>
+      <p:ext uri="{BB962C8B-B14F-4D97-AF65-F5344CB8AC3E}">
+        <p14:creationId xmlns:p14="http://schemas.microsoft.com/office/powerpoint/2010/main" val="3426926977"/>
+      </p:ext>
+    </p:extLst>
+  </p:cSld>
+  <p:clrMapOvr>
+    <a:masterClrMapping/>
+  </p:clrMapOvr>
+</p:sld>
+</file>
+
+<file path=ppt/slides/slide23.xml><?xml version="1.0" encoding="utf-8"?>
+<p:sld xmlns:a="http://schemas.openxmlformats.org/drawingml/2006/main" xmlns:r="http://schemas.openxmlformats.org/officeDocument/2006/relationships" xmlns:p="http://schemas.openxmlformats.org/presentationml/2006/main">
+  <p:cSld>
+    <p:spTree>
+      <p:nvGrpSpPr>
+        <p:cNvPr id="1" name=""/>
+        <p:cNvGrpSpPr/>
+        <p:nvPr/>
+      </p:nvGrpSpPr>
+      <p:grpSpPr>
+        <a:xfrm>
+          <a:off x="0" y="0"/>
+          <a:ext cx="0" cy="0"/>
+          <a:chOff x="0" y="0"/>
+          <a:chExt cx="0" cy="0"/>
+        </a:xfrm>
+      </p:grpSpPr>
+      <p:sp>
+        <p:nvSpPr>
+          <p:cNvPr id="2" name="Заголовок 1">
+            <a:extLst>
+              <a:ext uri="{FF2B5EF4-FFF2-40B4-BE49-F238E27FC236}">
+                <a16:creationId xmlns:a16="http://schemas.microsoft.com/office/drawing/2014/main" id="{BF8EE9D0-0305-4DAD-A8A5-E3E71B917267}"/>
+              </a:ext>
+            </a:extLst>
+          </p:cNvPr>
+          <p:cNvSpPr>
+            <a:spLocks noGrp="1"/>
+          </p:cNvSpPr>
+          <p:nvPr>
+            <p:ph type="title"/>
+          </p:nvPr>
+        </p:nvSpPr>
+        <p:spPr>
+          <a:xfrm>
+            <a:off x="311700" y="243319"/>
+            <a:ext cx="8520600" cy="572700"/>
+          </a:xfrm>
+        </p:spPr>
+        <p:txBody>
+          <a:bodyPr/>
+          <a:lstStyle/>
+          <a:p>
+            <a:r>
+              <a:rPr lang="en-US" b="1" dirty="0">
+                <a:effectLst>
+                  <a:outerShdw blurRad="38100" dist="38100" dir="2700000" algn="tl">
+                    <a:srgbClr val="000000">
+                      <a:alpha val="43137"/>
+                    </a:srgbClr>
+                  </a:outerShdw>
+                </a:effectLst>
+              </a:rPr>
+              <a:t>Use Cases: Service Deployment</a:t>
+            </a:r>
+            <a:endParaRPr lang="ru-RU" b="1" dirty="0">
+              <a:effectLst>
+                <a:outerShdw blurRad="38100" dist="38100" dir="2700000" algn="tl">
+                  <a:srgbClr val="000000">
+                    <a:alpha val="43137"/>
+                  </a:srgbClr>
+                </a:outerShdw>
+              </a:effectLst>
+            </a:endParaRPr>
+          </a:p>
+        </p:txBody>
+      </p:sp>
+      <p:sp>
+        <p:nvSpPr>
+          <p:cNvPr id="3" name="Номер слайда 2">
+            <a:extLst>
+              <a:ext uri="{FF2B5EF4-FFF2-40B4-BE49-F238E27FC236}">
+                <a16:creationId xmlns:a16="http://schemas.microsoft.com/office/drawing/2014/main" id="{09FB8480-1FB4-49A4-B531-A9B589ECD31D}"/>
+              </a:ext>
+            </a:extLst>
+          </p:cNvPr>
+          <p:cNvSpPr>
+            <a:spLocks noGrp="1"/>
+          </p:cNvSpPr>
+          <p:nvPr>
+            <p:ph type="sldNum" idx="12"/>
+          </p:nvPr>
+        </p:nvSpPr>
+        <p:spPr/>
+        <p:txBody>
+          <a:bodyPr/>
+          <a:lstStyle/>
+          <a:p>
+            <a:pPr marL="0" lvl="0" indent="0" algn="r" rtl="0">
+              <a:spcBef>
+                <a:spcPts val="0"/>
+              </a:spcBef>
+              <a:spcAft>
+                <a:spcPts val="0"/>
+              </a:spcAft>
+              <a:buNone/>
+            </a:pPr>
+            <a:fld id="{00000000-1234-1234-1234-123412341234}" type="slidenum">
+              <a:rPr lang="en-GB" smtClean="0"/>
+              <a:t>23</a:t>
+            </a:fld>
+            <a:endParaRPr lang="en-GB"/>
+          </a:p>
+        </p:txBody>
+      </p:sp>
+      <p:pic>
+        <p:nvPicPr>
+          <p:cNvPr id="3074" name="Picture 2" descr="UC Service Deployment">
+            <a:extLst>
+              <a:ext uri="{FF2B5EF4-FFF2-40B4-BE49-F238E27FC236}">
+                <a16:creationId xmlns:a16="http://schemas.microsoft.com/office/drawing/2014/main" id="{9D76C03C-D931-4AF6-B5F1-14A64F685211}"/>
+              </a:ext>
+            </a:extLst>
+          </p:cNvPr>
+          <p:cNvPicPr>
+            <a:picLocks noChangeAspect="1" noChangeArrowheads="1"/>
+          </p:cNvPicPr>
+          <p:nvPr/>
+        </p:nvPicPr>
+        <p:blipFill>
+          <a:blip r:embed="rId2">
+            <a:extLst>
+              <a:ext uri="{28A0092B-C50C-407E-A947-70E740481C1C}">
+                <a14:useLocalDpi xmlns:a14="http://schemas.microsoft.com/office/drawing/2010/main" val="0"/>
+              </a:ext>
+            </a:extLst>
+          </a:blip>
+          <a:srcRect/>
+          <a:stretch>
+            <a:fillRect/>
+          </a:stretch>
+        </p:blipFill>
+        <p:spPr bwMode="auto">
+          <a:xfrm>
+            <a:off x="1876830" y="1069041"/>
+            <a:ext cx="4831851" cy="3455893"/>
+          </a:xfrm>
+          <a:prstGeom prst="rect">
+            <a:avLst/>
+          </a:prstGeom>
+          <a:noFill/>
+          <a:extLst>
+            <a:ext uri="{909E8E84-426E-40DD-AFC4-6F175D3DCCD1}">
+              <a14:hiddenFill xmlns:a14="http://schemas.microsoft.com/office/drawing/2010/main">
+                <a:solidFill>
+                  <a:srgbClr val="FFFFFF"/>
+                </a:solidFill>
+              </a14:hiddenFill>
+            </a:ext>
+          </a:extLst>
+        </p:spPr>
+      </p:pic>
+    </p:spTree>
+    <p:extLst>
+      <p:ext uri="{BB962C8B-B14F-4D97-AF65-F5344CB8AC3E}">
+        <p14:creationId xmlns:p14="http://schemas.microsoft.com/office/powerpoint/2010/main" val="2588532837"/>
+      </p:ext>
+    </p:extLst>
+  </p:cSld>
+  <p:clrMapOvr>
+    <a:masterClrMapping/>
+  </p:clrMapOvr>
+</p:sld>
+</file>
+
+<file path=ppt/slides/slide24.xml><?xml version="1.0" encoding="utf-8"?>
+<p:sld xmlns:a="http://schemas.openxmlformats.org/drawingml/2006/main" xmlns:r="http://schemas.openxmlformats.org/officeDocument/2006/relationships" xmlns:p="http://schemas.openxmlformats.org/presentationml/2006/main">
+  <p:cSld>
+    <p:spTree>
+      <p:nvGrpSpPr>
+        <p:cNvPr id="1" name=""/>
+        <p:cNvGrpSpPr/>
+        <p:nvPr/>
+      </p:nvGrpSpPr>
+      <p:grpSpPr>
+        <a:xfrm>
+          <a:off x="0" y="0"/>
+          <a:ext cx="0" cy="0"/>
+          <a:chOff x="0" y="0"/>
+          <a:chExt cx="0" cy="0"/>
+        </a:xfrm>
+      </p:grpSpPr>
+      <p:sp>
+        <p:nvSpPr>
+          <p:cNvPr id="2" name="Заголовок 1">
+            <a:extLst>
+              <a:ext uri="{FF2B5EF4-FFF2-40B4-BE49-F238E27FC236}">
+                <a16:creationId xmlns:a16="http://schemas.microsoft.com/office/drawing/2014/main" id="{BF8EE9D0-0305-4DAD-A8A5-E3E71B917267}"/>
+              </a:ext>
+            </a:extLst>
+          </p:cNvPr>
+          <p:cNvSpPr>
+            <a:spLocks noGrp="1"/>
+          </p:cNvSpPr>
+          <p:nvPr>
+            <p:ph type="title"/>
+          </p:nvPr>
+        </p:nvSpPr>
+        <p:spPr>
+          <a:xfrm>
+            <a:off x="311700" y="243319"/>
+            <a:ext cx="8520600" cy="572700"/>
+          </a:xfrm>
+        </p:spPr>
+        <p:txBody>
+          <a:bodyPr/>
+          <a:lstStyle/>
+          <a:p>
+            <a:r>
+              <a:rPr lang="en-US" b="1" dirty="0">
+                <a:effectLst>
+                  <a:outerShdw blurRad="38100" dist="38100" dir="2700000" algn="tl">
+                    <a:srgbClr val="000000">
+                      <a:alpha val="43137"/>
+                    </a:srgbClr>
+                  </a:outerShdw>
+                </a:effectLst>
+              </a:rPr>
+              <a:t>Use Cases: Auto-Documentation</a:t>
+            </a:r>
+            <a:endParaRPr lang="ru-RU" b="1" dirty="0">
+              <a:effectLst>
+                <a:outerShdw blurRad="38100" dist="38100" dir="2700000" algn="tl">
+                  <a:srgbClr val="000000">
+                    <a:alpha val="43137"/>
+                  </a:srgbClr>
+                </a:outerShdw>
+              </a:effectLst>
+            </a:endParaRPr>
+          </a:p>
+        </p:txBody>
+      </p:sp>
+      <p:sp>
+        <p:nvSpPr>
+          <p:cNvPr id="3" name="Номер слайда 2">
+            <a:extLst>
+              <a:ext uri="{FF2B5EF4-FFF2-40B4-BE49-F238E27FC236}">
+                <a16:creationId xmlns:a16="http://schemas.microsoft.com/office/drawing/2014/main" id="{09FB8480-1FB4-49A4-B531-A9B589ECD31D}"/>
+              </a:ext>
+            </a:extLst>
+          </p:cNvPr>
+          <p:cNvSpPr>
+            <a:spLocks noGrp="1"/>
+          </p:cNvSpPr>
+          <p:nvPr>
+            <p:ph type="sldNum" idx="12"/>
+          </p:nvPr>
+        </p:nvSpPr>
+        <p:spPr/>
+        <p:txBody>
+          <a:bodyPr/>
+          <a:lstStyle/>
+          <a:p>
+            <a:pPr marL="0" lvl="0" indent="0" algn="r" rtl="0">
+              <a:spcBef>
+                <a:spcPts val="0"/>
+              </a:spcBef>
+              <a:spcAft>
+                <a:spcPts val="0"/>
+              </a:spcAft>
+              <a:buNone/>
+            </a:pPr>
+            <a:fld id="{00000000-1234-1234-1234-123412341234}" type="slidenum">
+              <a:rPr lang="en-GB" smtClean="0"/>
+              <a:t>24</a:t>
+            </a:fld>
+            <a:endParaRPr lang="en-GB"/>
+          </a:p>
+        </p:txBody>
+      </p:sp>
+      <p:pic>
+        <p:nvPicPr>
+          <p:cNvPr id="2050" name="Picture 2" descr="UC Model Auto-Documentation">
+            <a:extLst>
+              <a:ext uri="{FF2B5EF4-FFF2-40B4-BE49-F238E27FC236}">
+                <a16:creationId xmlns:a16="http://schemas.microsoft.com/office/drawing/2014/main" id="{DCFE2B40-13FB-46E0-9E27-E06D46C90335}"/>
+              </a:ext>
+            </a:extLst>
+          </p:cNvPr>
+          <p:cNvPicPr>
+            <a:picLocks noChangeAspect="1" noChangeArrowheads="1"/>
+          </p:cNvPicPr>
+          <p:nvPr/>
+        </p:nvPicPr>
+        <p:blipFill>
+          <a:blip r:embed="rId2">
+            <a:extLst>
+              <a:ext uri="{28A0092B-C50C-407E-A947-70E740481C1C}">
+                <a14:useLocalDpi xmlns:a14="http://schemas.microsoft.com/office/drawing/2010/main" val="0"/>
+              </a:ext>
+            </a:extLst>
+          </a:blip>
+          <a:srcRect/>
+          <a:stretch>
+            <a:fillRect/>
+          </a:stretch>
+        </p:blipFill>
+        <p:spPr bwMode="auto">
+          <a:xfrm>
+            <a:off x="1015253" y="1157448"/>
+            <a:ext cx="6930278" cy="3324065"/>
+          </a:xfrm>
+          <a:prstGeom prst="rect">
+            <a:avLst/>
+          </a:prstGeom>
+          <a:noFill/>
+          <a:extLst>
+            <a:ext uri="{909E8E84-426E-40DD-AFC4-6F175D3DCCD1}">
+              <a14:hiddenFill xmlns:a14="http://schemas.microsoft.com/office/drawing/2010/main">
+                <a:solidFill>
+                  <a:srgbClr val="FFFFFF"/>
+                </a:solidFill>
+              </a14:hiddenFill>
+            </a:ext>
+          </a:extLst>
+        </p:spPr>
+      </p:pic>
+    </p:spTree>
+    <p:extLst>
+      <p:ext uri="{BB962C8B-B14F-4D97-AF65-F5344CB8AC3E}">
+        <p14:creationId xmlns:p14="http://schemas.microsoft.com/office/powerpoint/2010/main" val="2364551786"/>
+      </p:ext>
+    </p:extLst>
+  </p:cSld>
+  <p:clrMapOvr>
+    <a:masterClrMapping/>
+  </p:clrMapOvr>
+</p:sld>
+</file>
+
 <file path=ppt/slides/slide3.xml><?xml version="1.0" encoding="utf-8"?>
 <p:sld xmlns:a="http://schemas.openxmlformats.org/drawingml/2006/main" xmlns:r="http://schemas.openxmlformats.org/officeDocument/2006/relationships" xmlns:p="http://schemas.openxmlformats.org/presentationml/2006/main">
   <p:cSld>
@@ -9590,7 +11269,7 @@
         <p:spPr>
           <a:xfrm>
             <a:off x="311701" y="863550"/>
-            <a:ext cx="4051870" cy="3416400"/>
+            <a:ext cx="4051870" cy="2249444"/>
           </a:xfrm>
         </p:spPr>
         <p:txBody>
@@ -9674,72 +11353,6 @@
                 </a:solidFill>
               </a:rPr>
               <a:t>Flexibility for different ML frameworks.</a:t>
-            </a:r>
-          </a:p>
-          <a:p>
-            <a:pPr marL="139700" indent="0">
-              <a:buNone/>
-            </a:pPr>
-            <a:endParaRPr lang="ru-RU" b="1" dirty="0">
-              <a:solidFill>
-                <a:schemeClr val="tx1"/>
-              </a:solidFill>
-            </a:endParaRPr>
-          </a:p>
-          <a:p>
-            <a:pPr marL="139700" indent="0">
-              <a:buNone/>
-            </a:pPr>
-            <a:endParaRPr lang="ru-RU" b="1" dirty="0">
-              <a:solidFill>
-                <a:schemeClr val="tx1"/>
-              </a:solidFill>
-            </a:endParaRPr>
-          </a:p>
-          <a:p>
-            <a:pPr marL="139700" indent="0">
-              <a:buNone/>
-            </a:pPr>
-            <a:r>
-              <a:rPr lang="en-US" b="1" dirty="0">
-                <a:solidFill>
-                  <a:schemeClr val="tx1"/>
-                </a:solidFill>
-              </a:rPr>
-              <a:t>Pain points:</a:t>
-            </a:r>
-            <a:endParaRPr lang="en-US" dirty="0">
-              <a:solidFill>
-                <a:schemeClr val="tx1"/>
-              </a:solidFill>
-            </a:endParaRPr>
-          </a:p>
-          <a:p>
-            <a:pPr>
-              <a:buFont typeface="Arial" panose="020B0604020202020204" pitchFamily="34" charset="0"/>
-              <a:buChar char="•"/>
-            </a:pPr>
-            <a:r>
-              <a:rPr lang="en-US" dirty="0">
-                <a:solidFill>
-                  <a:schemeClr val="tx1"/>
-                </a:solidFill>
-              </a:rPr>
-              <a:t>Manual API documentation.</a:t>
-            </a:r>
-          </a:p>
-          <a:p>
-            <a:pPr>
-              <a:buFont typeface="Arial" panose="020B0604020202020204" pitchFamily="34" charset="0"/>
-              <a:buChar char="•"/>
-            </a:pPr>
-            <a:r>
-              <a:rPr lang="en-US" dirty="0">
-                <a:solidFill>
-                  <a:schemeClr val="tx1"/>
-                </a:solidFill>
-              </a:rPr>
-              <a:t>Difficulties in monitoring model performance.</a:t>
             </a:r>
           </a:p>
         </p:txBody>
@@ -10052,8 +11665,8 @@
         </p:nvSpPr>
         <p:spPr>
           <a:xfrm>
-            <a:off x="4666129" y="863550"/>
-            <a:ext cx="4269442" cy="3539430"/>
+            <a:off x="4645958" y="863550"/>
+            <a:ext cx="4269442" cy="1384995"/>
           </a:xfrm>
           <a:prstGeom prst="rect">
             <a:avLst/>
@@ -10146,95 +11759,6 @@
               </a:solidFill>
             </a:endParaRPr>
           </a:p>
-          <a:p>
-            <a:pPr marL="285750" indent="-285750">
-              <a:buFont typeface="Arial" panose="020B0604020202020204" pitchFamily="34" charset="0"/>
-              <a:buChar char="•"/>
-            </a:pPr>
-            <a:endParaRPr lang="en-US" dirty="0">
-              <a:solidFill>
-                <a:schemeClr val="tx1"/>
-              </a:solidFill>
-            </a:endParaRPr>
-          </a:p>
-          <a:p>
-            <a:endParaRPr lang="ru-RU" b="1" dirty="0">
-              <a:solidFill>
-                <a:schemeClr val="tx1"/>
-              </a:solidFill>
-            </a:endParaRPr>
-          </a:p>
-          <a:p>
-            <a:endParaRPr lang="ru-RU" b="1" dirty="0">
-              <a:solidFill>
-                <a:schemeClr val="tx1"/>
-              </a:solidFill>
-            </a:endParaRPr>
-          </a:p>
-          <a:p>
-            <a:endParaRPr lang="ru-RU" b="1" dirty="0">
-              <a:solidFill>
-                <a:schemeClr val="tx1"/>
-              </a:solidFill>
-            </a:endParaRPr>
-          </a:p>
-          <a:p>
-            <a:endParaRPr lang="ru-RU" b="1" dirty="0">
-              <a:solidFill>
-                <a:schemeClr val="tx1"/>
-              </a:solidFill>
-            </a:endParaRPr>
-          </a:p>
-          <a:p>
-            <a:r>
-              <a:rPr lang="en-US" b="1" dirty="0">
-                <a:solidFill>
-                  <a:schemeClr val="tx1"/>
-                </a:solidFill>
-              </a:rPr>
-              <a:t>Pain points:</a:t>
-            </a:r>
-            <a:endParaRPr lang="en-US" dirty="0">
-              <a:solidFill>
-                <a:schemeClr val="tx1"/>
-              </a:solidFill>
-            </a:endParaRPr>
-          </a:p>
-          <a:p>
-            <a:pPr marL="285750" indent="-285750">
-              <a:buFont typeface="Arial" panose="020B0604020202020204" pitchFamily="34" charset="0"/>
-              <a:buChar char="•"/>
-            </a:pPr>
-            <a:r>
-              <a:rPr lang="en-US" dirty="0">
-                <a:solidFill>
-                  <a:schemeClr val="tx1"/>
-                </a:solidFill>
-              </a:rPr>
-              <a:t>Manual API documentation.</a:t>
-            </a:r>
-          </a:p>
-          <a:p>
-            <a:pPr marL="285750" indent="-285750">
-              <a:buFont typeface="Arial" panose="020B0604020202020204" pitchFamily="34" charset="0"/>
-              <a:buChar char="•"/>
-            </a:pPr>
-            <a:r>
-              <a:rPr lang="en-US" dirty="0">
-                <a:solidFill>
-                  <a:schemeClr val="tx1"/>
-                </a:solidFill>
-              </a:rPr>
-              <a:t>Challenges with integrating authorization and managing access control.</a:t>
-            </a:r>
-          </a:p>
-          <a:p>
-            <a:endParaRPr lang="ru-RU" dirty="0">
-              <a:solidFill>
-                <a:schemeClr val="tx1"/>
-              </a:solidFill>
-            </a:endParaRPr>
-          </a:p>
         </p:txBody>
       </p:sp>
       <p:sp>
@@ -10272,6 +11796,156 @@
               <a:t>4</a:t>
             </a:fld>
             <a:endParaRPr lang="en-GB"/>
+          </a:p>
+        </p:txBody>
+      </p:sp>
+      <p:sp>
+        <p:nvSpPr>
+          <p:cNvPr id="4" name="TextBox 3">
+            <a:extLst>
+              <a:ext uri="{FF2B5EF4-FFF2-40B4-BE49-F238E27FC236}">
+                <a16:creationId xmlns:a16="http://schemas.microsoft.com/office/drawing/2014/main" id="{C9F9E3DC-5FD0-4211-A132-FB1036335AD0}"/>
+              </a:ext>
+            </a:extLst>
+          </p:cNvPr>
+          <p:cNvSpPr txBox="1"/>
+          <p:nvPr/>
+        </p:nvSpPr>
+        <p:spPr>
+          <a:xfrm>
+            <a:off x="311701" y="3476065"/>
+            <a:ext cx="4051870" cy="954107"/>
+          </a:xfrm>
+          <a:prstGeom prst="rect">
+            <a:avLst/>
+          </a:prstGeom>
+          <a:noFill/>
+        </p:spPr>
+        <p:txBody>
+          <a:bodyPr wrap="square" rtlCol="0">
+            <a:spAutoFit/>
+          </a:bodyPr>
+          <a:lstStyle/>
+          <a:p>
+            <a:r>
+              <a:rPr lang="en-US" b="1" dirty="0">
+                <a:solidFill>
+                  <a:schemeClr val="tx1"/>
+                </a:solidFill>
+              </a:rPr>
+              <a:t>Pain points:</a:t>
+            </a:r>
+            <a:endParaRPr lang="en-US" dirty="0">
+              <a:solidFill>
+                <a:schemeClr val="tx1"/>
+              </a:solidFill>
+            </a:endParaRPr>
+          </a:p>
+          <a:p>
+            <a:pPr marL="285750" indent="-285750">
+              <a:buFont typeface="Arial" panose="020B0604020202020204" pitchFamily="34" charset="0"/>
+              <a:buChar char="•"/>
+            </a:pPr>
+            <a:r>
+              <a:rPr lang="en-US" dirty="0">
+                <a:solidFill>
+                  <a:schemeClr val="tx1"/>
+                </a:solidFill>
+              </a:rPr>
+              <a:t>Manual API documentation.</a:t>
+            </a:r>
+          </a:p>
+          <a:p>
+            <a:pPr marL="285750" indent="-285750">
+              <a:buFont typeface="Arial" panose="020B0604020202020204" pitchFamily="34" charset="0"/>
+              <a:buChar char="•"/>
+            </a:pPr>
+            <a:r>
+              <a:rPr lang="en-US" dirty="0">
+                <a:solidFill>
+                  <a:schemeClr val="tx1"/>
+                </a:solidFill>
+              </a:rPr>
+              <a:t>Difficulties in monitoring model performance.</a:t>
+            </a:r>
+          </a:p>
+          <a:p>
+            <a:endParaRPr lang="ru-RU" dirty="0"/>
+          </a:p>
+        </p:txBody>
+      </p:sp>
+      <p:sp>
+        <p:nvSpPr>
+          <p:cNvPr id="5" name="TextBox 4">
+            <a:extLst>
+              <a:ext uri="{FF2B5EF4-FFF2-40B4-BE49-F238E27FC236}">
+                <a16:creationId xmlns:a16="http://schemas.microsoft.com/office/drawing/2014/main" id="{1DC75561-9819-4074-8766-C1882A1161D7}"/>
+              </a:ext>
+            </a:extLst>
+          </p:cNvPr>
+          <p:cNvSpPr txBox="1"/>
+          <p:nvPr/>
+        </p:nvSpPr>
+        <p:spPr>
+          <a:xfrm>
+            <a:off x="4645959" y="3368342"/>
+            <a:ext cx="4127216" cy="1169551"/>
+          </a:xfrm>
+          <a:prstGeom prst="rect">
+            <a:avLst/>
+          </a:prstGeom>
+          <a:noFill/>
+        </p:spPr>
+        <p:txBody>
+          <a:bodyPr wrap="square" rtlCol="0">
+            <a:spAutoFit/>
+          </a:bodyPr>
+          <a:lstStyle/>
+          <a:p>
+            <a:r>
+              <a:rPr lang="en-US" b="1" dirty="0">
+                <a:solidFill>
+                  <a:schemeClr val="tx1"/>
+                </a:solidFill>
+              </a:rPr>
+              <a:t>Pain points:</a:t>
+            </a:r>
+            <a:endParaRPr lang="en-US" dirty="0">
+              <a:solidFill>
+                <a:schemeClr val="tx1"/>
+              </a:solidFill>
+            </a:endParaRPr>
+          </a:p>
+          <a:p>
+            <a:pPr marL="285750" indent="-285750">
+              <a:buFont typeface="Arial" panose="020B0604020202020204" pitchFamily="34" charset="0"/>
+              <a:buChar char="•"/>
+            </a:pPr>
+            <a:r>
+              <a:rPr lang="en-US" dirty="0">
+                <a:solidFill>
+                  <a:schemeClr val="tx1"/>
+                </a:solidFill>
+              </a:rPr>
+              <a:t>Manual API documentation.</a:t>
+            </a:r>
+          </a:p>
+          <a:p>
+            <a:pPr marL="285750" indent="-285750">
+              <a:buFont typeface="Arial" panose="020B0604020202020204" pitchFamily="34" charset="0"/>
+              <a:buChar char="•"/>
+            </a:pPr>
+            <a:r>
+              <a:rPr lang="en-US" dirty="0">
+                <a:solidFill>
+                  <a:schemeClr val="tx1"/>
+                </a:solidFill>
+              </a:rPr>
+              <a:t>Challenges with integrating authorization and managing access control.</a:t>
+            </a:r>
+          </a:p>
+          <a:p>
+            <a:endParaRPr lang="ru-RU" dirty="0"/>
           </a:p>
         </p:txBody>
       </p:sp>
@@ -10613,8 +12287,8 @@
         </p:nvSpPr>
         <p:spPr>
           <a:xfrm>
-            <a:off x="4666129" y="903891"/>
-            <a:ext cx="4269442" cy="3539430"/>
+            <a:off x="4740089" y="893382"/>
+            <a:ext cx="4269442" cy="1384995"/>
           </a:xfrm>
           <a:prstGeom prst="rect">
             <a:avLst/>
@@ -10668,72 +12342,6 @@
             <a:r>
               <a:rPr lang="en-US" dirty="0"/>
               <a:t>Integration of the API gateway into existing infrastructure.</a:t>
-            </a:r>
-          </a:p>
-          <a:p>
-            <a:pPr>
-              <a:buFont typeface="Arial" panose="020B0604020202020204" pitchFamily="34" charset="0"/>
-              <a:buChar char="•"/>
-            </a:pPr>
-            <a:endParaRPr lang="en-US" dirty="0"/>
-          </a:p>
-          <a:p>
-            <a:pPr>
-              <a:buFont typeface="Arial" panose="020B0604020202020204" pitchFamily="34" charset="0"/>
-              <a:buChar char="•"/>
-            </a:pPr>
-            <a:endParaRPr lang="en-US" dirty="0"/>
-          </a:p>
-          <a:p>
-            <a:pPr>
-              <a:buFont typeface="Arial" panose="020B0604020202020204" pitchFamily="34" charset="0"/>
-              <a:buChar char="•"/>
-            </a:pPr>
-            <a:endParaRPr lang="en-US" dirty="0"/>
-          </a:p>
-          <a:p>
-            <a:pPr>
-              <a:buFont typeface="Arial" panose="020B0604020202020204" pitchFamily="34" charset="0"/>
-              <a:buChar char="•"/>
-            </a:pPr>
-            <a:endParaRPr lang="en-US" dirty="0"/>
-          </a:p>
-          <a:p>
-            <a:pPr>
-              <a:buFont typeface="Arial" panose="020B0604020202020204" pitchFamily="34" charset="0"/>
-              <a:buChar char="•"/>
-            </a:pPr>
-            <a:endParaRPr lang="en-US" dirty="0"/>
-          </a:p>
-          <a:p>
-            <a:pPr>
-              <a:buFont typeface="Arial" panose="020B0604020202020204" pitchFamily="34" charset="0"/>
-              <a:buChar char="•"/>
-            </a:pPr>
-            <a:endParaRPr lang="en-US" dirty="0"/>
-          </a:p>
-          <a:p>
-            <a:pPr>
-              <a:buFont typeface="Arial" panose="020B0604020202020204" pitchFamily="34" charset="0"/>
-              <a:buChar char="•"/>
-            </a:pPr>
-            <a:endParaRPr lang="en-US" dirty="0"/>
-          </a:p>
-          <a:p>
-            <a:r>
-              <a:rPr lang="en-US" b="1" dirty="0"/>
-              <a:t>Pain points:</a:t>
-            </a:r>
-            <a:endParaRPr lang="en-US" dirty="0"/>
-          </a:p>
-          <a:p>
-            <a:pPr marL="285750" indent="-285750">
-              <a:buFont typeface="Arial" panose="020B0604020202020204" pitchFamily="34" charset="0"/>
-              <a:buChar char="•"/>
-            </a:pPr>
-            <a:r>
-              <a:rPr lang="en-US" dirty="0"/>
-              <a:t>Challenges with integration and corporate standards.</a:t>
             </a:r>
           </a:p>
         </p:txBody>
@@ -10753,7 +12361,7 @@
         <p:spPr>
           <a:xfrm>
             <a:off x="352043" y="903891"/>
-            <a:ext cx="4051870" cy="3539430"/>
+            <a:ext cx="4051870" cy="1384995"/>
           </a:xfrm>
           <a:prstGeom prst="rect">
             <a:avLst/>
@@ -10800,74 +12408,6 @@
               <a:rPr lang="en-US" dirty="0"/>
               <a:t>Work with reliable and validated APIs.</a:t>
             </a:r>
-            <a:endParaRPr lang="ru-RU" dirty="0"/>
-          </a:p>
-          <a:p>
-            <a:pPr>
-              <a:buFont typeface="Arial" panose="020B0604020202020204" pitchFamily="34" charset="0"/>
-              <a:buChar char="•"/>
-            </a:pPr>
-            <a:endParaRPr lang="en-US" dirty="0"/>
-          </a:p>
-          <a:p>
-            <a:pPr>
-              <a:buFont typeface="Arial" panose="020B0604020202020204" pitchFamily="34" charset="0"/>
-              <a:buChar char="•"/>
-            </a:pPr>
-            <a:endParaRPr lang="en-US" dirty="0"/>
-          </a:p>
-          <a:p>
-            <a:pPr>
-              <a:buFont typeface="Arial" panose="020B0604020202020204" pitchFamily="34" charset="0"/>
-              <a:buChar char="•"/>
-            </a:pPr>
-            <a:endParaRPr lang="en-US" dirty="0"/>
-          </a:p>
-          <a:p>
-            <a:pPr>
-              <a:buFont typeface="Arial" panose="020B0604020202020204" pitchFamily="34" charset="0"/>
-              <a:buChar char="•"/>
-            </a:pPr>
-            <a:endParaRPr lang="en-US" dirty="0"/>
-          </a:p>
-          <a:p>
-            <a:pPr>
-              <a:buFont typeface="Arial" panose="020B0604020202020204" pitchFamily="34" charset="0"/>
-              <a:buChar char="•"/>
-            </a:pPr>
-            <a:endParaRPr lang="en-US" dirty="0"/>
-          </a:p>
-          <a:p>
-            <a:endParaRPr lang="en-US" dirty="0"/>
-          </a:p>
-          <a:p>
-            <a:r>
-              <a:rPr lang="en-US" b="1" dirty="0"/>
-              <a:t>Pain points:</a:t>
-            </a:r>
-            <a:endParaRPr lang="en-US" dirty="0"/>
-          </a:p>
-          <a:p>
-            <a:pPr marL="285750" indent="-285750">
-              <a:buFont typeface="Arial" panose="020B0604020202020204" pitchFamily="34" charset="0"/>
-              <a:buChar char="•"/>
-            </a:pPr>
-            <a:r>
-              <a:rPr lang="en-US" dirty="0"/>
-              <a:t>Incomplete or outdated documentation.</a:t>
-            </a:r>
-          </a:p>
-          <a:p>
-            <a:pPr marL="285750" indent="-285750">
-              <a:buFont typeface="Arial" panose="020B0604020202020204" pitchFamily="34" charset="0"/>
-              <a:buChar char="•"/>
-            </a:pPr>
-            <a:r>
-              <a:rPr lang="en-US" dirty="0"/>
-              <a:t>API instability and delays.</a:t>
-            </a:r>
-          </a:p>
-          <a:p>
             <a:endParaRPr lang="ru-RU" dirty="0"/>
           </a:p>
         </p:txBody>
@@ -10907,6 +12447,114 @@
               <a:t>5</a:t>
             </a:fld>
             <a:endParaRPr lang="en-GB"/>
+          </a:p>
+        </p:txBody>
+      </p:sp>
+      <p:sp>
+        <p:nvSpPr>
+          <p:cNvPr id="4" name="TextBox 3">
+            <a:extLst>
+              <a:ext uri="{FF2B5EF4-FFF2-40B4-BE49-F238E27FC236}">
+                <a16:creationId xmlns:a16="http://schemas.microsoft.com/office/drawing/2014/main" id="{FFDCAFA8-B478-40D2-932B-498A36B6913F}"/>
+              </a:ext>
+            </a:extLst>
+          </p:cNvPr>
+          <p:cNvSpPr txBox="1"/>
+          <p:nvPr/>
+        </p:nvSpPr>
+        <p:spPr>
+          <a:xfrm>
+            <a:off x="4861112" y="2955581"/>
+            <a:ext cx="3912063" cy="954107"/>
+          </a:xfrm>
+          <a:prstGeom prst="rect">
+            <a:avLst/>
+          </a:prstGeom>
+          <a:noFill/>
+        </p:spPr>
+        <p:txBody>
+          <a:bodyPr wrap="square" rtlCol="0">
+            <a:spAutoFit/>
+          </a:bodyPr>
+          <a:lstStyle/>
+          <a:p>
+            <a:r>
+              <a:rPr lang="en-US" b="1" dirty="0"/>
+              <a:t>Pain points:</a:t>
+            </a:r>
+            <a:endParaRPr lang="en-US" dirty="0"/>
+          </a:p>
+          <a:p>
+            <a:pPr marL="285750" indent="-285750">
+              <a:buFont typeface="Arial" panose="020B0604020202020204" pitchFamily="34" charset="0"/>
+              <a:buChar char="•"/>
+            </a:pPr>
+            <a:r>
+              <a:rPr lang="en-US" dirty="0"/>
+              <a:t>Challenges with integration and corporate standards.</a:t>
+            </a:r>
+          </a:p>
+          <a:p>
+            <a:endParaRPr lang="ru-RU" dirty="0"/>
+          </a:p>
+        </p:txBody>
+      </p:sp>
+      <p:sp>
+        <p:nvSpPr>
+          <p:cNvPr id="5" name="TextBox 4">
+            <a:extLst>
+              <a:ext uri="{FF2B5EF4-FFF2-40B4-BE49-F238E27FC236}">
+                <a16:creationId xmlns:a16="http://schemas.microsoft.com/office/drawing/2014/main" id="{8BDC0A45-240C-4BA7-909B-5DD2FA0DB4FB}"/>
+              </a:ext>
+            </a:extLst>
+          </p:cNvPr>
+          <p:cNvSpPr txBox="1"/>
+          <p:nvPr/>
+        </p:nvSpPr>
+        <p:spPr>
+          <a:xfrm>
+            <a:off x="370825" y="2955580"/>
+            <a:ext cx="3912063" cy="954107"/>
+          </a:xfrm>
+          <a:prstGeom prst="rect">
+            <a:avLst/>
+          </a:prstGeom>
+          <a:noFill/>
+        </p:spPr>
+        <p:txBody>
+          <a:bodyPr wrap="square" rtlCol="0">
+            <a:spAutoFit/>
+          </a:bodyPr>
+          <a:lstStyle/>
+          <a:p>
+            <a:r>
+              <a:rPr lang="en-US" b="1" dirty="0"/>
+              <a:t>Pain points:</a:t>
+            </a:r>
+            <a:endParaRPr lang="en-US" dirty="0"/>
+          </a:p>
+          <a:p>
+            <a:pPr marL="285750" indent="-285750">
+              <a:buFont typeface="Arial" panose="020B0604020202020204" pitchFamily="34" charset="0"/>
+              <a:buChar char="•"/>
+            </a:pPr>
+            <a:r>
+              <a:rPr lang="en-US" dirty="0"/>
+              <a:t>Incomplete or outdated documentation.</a:t>
+            </a:r>
+          </a:p>
+          <a:p>
+            <a:pPr marL="285750" indent="-285750">
+              <a:buFont typeface="Arial" panose="020B0604020202020204" pitchFamily="34" charset="0"/>
+              <a:buChar char="•"/>
+            </a:pPr>
+            <a:r>
+              <a:rPr lang="en-US" dirty="0"/>
+              <a:t>API instability and delays.</a:t>
+            </a:r>
+          </a:p>
+          <a:p>
+            <a:endParaRPr lang="ru-RU" dirty="0"/>
           </a:p>
         </p:txBody>
       </p:sp>

--- a/PracticeTasks/Final_Task/K8C_FinalTask1_(Task8).pptx
+++ b/PracticeTasks/Final_Task/K8C_FinalTask1_(Task8).pptx
@@ -5,33 +5,35 @@
     <p:sldMasterId id="2147483659" r:id="rId1"/>
   </p:sldMasterIdLst>
   <p:notesMasterIdLst>
-    <p:notesMasterId r:id="rId26"/>
+    <p:notesMasterId r:id="rId28"/>
   </p:notesMasterIdLst>
   <p:sldIdLst>
     <p:sldId id="256" r:id="rId2"/>
     <p:sldId id="267" r:id="rId3"/>
-    <p:sldId id="268" r:id="rId4"/>
-    <p:sldId id="269" r:id="rId5"/>
-    <p:sldId id="270" r:id="rId6"/>
+    <p:sldId id="269" r:id="rId4"/>
+    <p:sldId id="270" r:id="rId5"/>
+    <p:sldId id="268" r:id="rId6"/>
     <p:sldId id="272" r:id="rId7"/>
     <p:sldId id="260" r:id="rId8"/>
     <p:sldId id="261" r:id="rId9"/>
     <p:sldId id="262" r:id="rId10"/>
     <p:sldId id="263" r:id="rId11"/>
-    <p:sldId id="264" r:id="rId12"/>
-    <p:sldId id="265" r:id="rId13"/>
-    <p:sldId id="273" r:id="rId14"/>
-    <p:sldId id="271" r:id="rId15"/>
-    <p:sldId id="274" r:id="rId16"/>
-    <p:sldId id="275" r:id="rId17"/>
-    <p:sldId id="276" r:id="rId18"/>
-    <p:sldId id="277" r:id="rId19"/>
-    <p:sldId id="278" r:id="rId20"/>
-    <p:sldId id="279" r:id="rId21"/>
-    <p:sldId id="280" r:id="rId22"/>
-    <p:sldId id="281" r:id="rId23"/>
-    <p:sldId id="282" r:id="rId24"/>
-    <p:sldId id="283" r:id="rId25"/>
+    <p:sldId id="284" r:id="rId12"/>
+    <p:sldId id="264" r:id="rId13"/>
+    <p:sldId id="265" r:id="rId14"/>
+    <p:sldId id="273" r:id="rId15"/>
+    <p:sldId id="285" r:id="rId16"/>
+    <p:sldId id="271" r:id="rId17"/>
+    <p:sldId id="274" r:id="rId18"/>
+    <p:sldId id="275" r:id="rId19"/>
+    <p:sldId id="276" r:id="rId20"/>
+    <p:sldId id="277" r:id="rId21"/>
+    <p:sldId id="278" r:id="rId22"/>
+    <p:sldId id="279" r:id="rId23"/>
+    <p:sldId id="280" r:id="rId24"/>
+    <p:sldId id="281" r:id="rId25"/>
+    <p:sldId id="282" r:id="rId26"/>
+    <p:sldId id="283" r:id="rId27"/>
   </p:sldIdLst>
   <p:sldSz cx="9144000" cy="5143500" type="screen16x9"/>
   <p:notesSz cx="6858000" cy="9144000"/>
@@ -271,14 +273,15 @@
           <p14:sldIdLst>
             <p14:sldId id="256"/>
             <p14:sldId id="267"/>
-            <p14:sldId id="268"/>
             <p14:sldId id="269"/>
             <p14:sldId id="270"/>
+            <p14:sldId id="268"/>
             <p14:sldId id="272"/>
             <p14:sldId id="260"/>
             <p14:sldId id="261"/>
             <p14:sldId id="262"/>
             <p14:sldId id="263"/>
+            <p14:sldId id="284"/>
             <p14:sldId id="264"/>
             <p14:sldId id="265"/>
             <p14:sldId id="273"/>
@@ -286,6 +289,7 @@
         </p14:section>
         <p14:section name="Task3" id="{9222689A-1169-40CD-875E-0FB52BCA49A1}">
           <p14:sldIdLst>
+            <p14:sldId id="285"/>
             <p14:sldId id="271"/>
             <p14:sldId id="274"/>
             <p14:sldId id="275"/>
@@ -869,6 +873,110 @@
   <p:cSld>
     <p:spTree>
       <p:nvGrpSpPr>
+        <p:cNvPr id="1" name="Shape 104"/>
+        <p:cNvGrpSpPr/>
+        <p:nvPr/>
+      </p:nvGrpSpPr>
+      <p:grpSpPr>
+        <a:xfrm>
+          <a:off x="0" y="0"/>
+          <a:ext cx="0" cy="0"/>
+          <a:chOff x="0" y="0"/>
+          <a:chExt cx="0" cy="0"/>
+        </a:xfrm>
+      </p:grpSpPr>
+      <p:sp>
+        <p:nvSpPr>
+          <p:cNvPr id="105" name="Google Shape;105;gf5e49ec3f2_0_0:notes"/>
+          <p:cNvSpPr>
+            <a:spLocks noGrp="1" noRot="1" noChangeAspect="1"/>
+          </p:cNvSpPr>
+          <p:nvPr>
+            <p:ph type="sldImg" idx="2"/>
+          </p:nvPr>
+        </p:nvSpPr>
+        <p:spPr>
+          <a:xfrm>
+            <a:off x="381000" y="685800"/>
+            <a:ext cx="6096000" cy="3429000"/>
+          </a:xfrm>
+          <a:custGeom>
+            <a:avLst/>
+            <a:gdLst/>
+            <a:ahLst/>
+            <a:cxnLst/>
+            <a:rect l="l" t="t" r="r" b="b"/>
+            <a:pathLst>
+              <a:path w="120000" h="120000" extrusionOk="0">
+                <a:moveTo>
+                  <a:pt x="0" y="0"/>
+                </a:moveTo>
+                <a:lnTo>
+                  <a:pt x="120000" y="0"/>
+                </a:lnTo>
+                <a:lnTo>
+                  <a:pt x="120000" y="120000"/>
+                </a:lnTo>
+                <a:lnTo>
+                  <a:pt x="0" y="120000"/>
+                </a:lnTo>
+                <a:close/>
+              </a:path>
+            </a:pathLst>
+          </a:custGeom>
+        </p:spPr>
+      </p:sp>
+      <p:sp>
+        <p:nvSpPr>
+          <p:cNvPr id="106" name="Google Shape;106;gf5e49ec3f2_0_0:notes"/>
+          <p:cNvSpPr txBox="1">
+            <a:spLocks noGrp="1"/>
+          </p:cNvSpPr>
+          <p:nvPr>
+            <p:ph type="body" idx="1"/>
+          </p:nvPr>
+        </p:nvSpPr>
+        <p:spPr>
+          <a:xfrm>
+            <a:off x="685800" y="4343400"/>
+            <a:ext cx="5486400" cy="4114800"/>
+          </a:xfrm>
+          <a:prstGeom prst="rect">
+            <a:avLst/>
+          </a:prstGeom>
+        </p:spPr>
+        <p:txBody>
+          <a:bodyPr spcFirstLastPara="1" wrap="square" lIns="91425" tIns="91425" rIns="91425" bIns="91425" anchor="t" anchorCtr="0">
+            <a:noAutofit/>
+          </a:bodyPr>
+          <a:lstStyle/>
+          <a:p>
+            <a:pPr marL="0" lvl="0" indent="0" algn="l" rtl="0">
+              <a:spcBef>
+                <a:spcPts val="0"/>
+              </a:spcBef>
+              <a:spcAft>
+                <a:spcPts val="0"/>
+              </a:spcAft>
+              <a:buNone/>
+            </a:pPr>
+            <a:endParaRPr/>
+          </a:p>
+        </p:txBody>
+      </p:sp>
+    </p:spTree>
+  </p:cSld>
+  <p:clrMapOvr>
+    <a:masterClrMapping/>
+  </p:clrMapOvr>
+</p:notes>
+</file>
+
+<file path=ppt/notesSlides/notesSlide11.xml><?xml version="1.0" encoding="utf-8"?>
+<p:notes xmlns:a="http://schemas.openxmlformats.org/drawingml/2006/main" xmlns:r="http://schemas.openxmlformats.org/officeDocument/2006/relationships" xmlns:p="http://schemas.openxmlformats.org/presentationml/2006/main" showMasterSp="0" showMasterPhAnim="0">
+  <p:cSld>
+    <p:spTree>
+      <p:nvGrpSpPr>
         <p:cNvPr id="1" name="Shape 110"/>
         <p:cNvGrpSpPr/>
         <p:nvPr/>
@@ -968,7 +1076,7 @@
 </p:notes>
 </file>
 
-<file path=ppt/notesSlides/notesSlide11.xml><?xml version="1.0" encoding="utf-8"?>
+<file path=ppt/notesSlides/notesSlide12.xml><?xml version="1.0" encoding="utf-8"?>
 <p:notes xmlns:a="http://schemas.openxmlformats.org/drawingml/2006/main" xmlns:r="http://schemas.openxmlformats.org/officeDocument/2006/relationships" xmlns:p="http://schemas.openxmlformats.org/presentationml/2006/main" showMasterSp="0" showMasterPhAnim="0">
   <p:cSld>
     <p:spTree>
@@ -1820,7 +1928,7 @@
   <p:cSld>
     <p:spTree>
       <p:nvGrpSpPr>
-        <p:cNvPr id="1" name="Shape 104"/>
+        <p:cNvPr id="1" name="Shape 98"/>
         <p:cNvGrpSpPr/>
         <p:nvPr/>
       </p:nvGrpSpPr>
@@ -1834,7 +1942,7 @@
       </p:grpSpPr>
       <p:sp>
         <p:nvSpPr>
-          <p:cNvPr id="105" name="Google Shape;105;gf5e49ec3f2_0_0:notes"/>
+          <p:cNvPr id="99" name="Google Shape;99;gf6a3e371d8_0_171:notes"/>
           <p:cNvSpPr>
             <a:spLocks noGrp="1" noRot="1" noChangeAspect="1"/>
           </p:cNvSpPr>
@@ -1875,7 +1983,7 @@
       </p:sp>
       <p:sp>
         <p:nvSpPr>
-          <p:cNvPr id="106" name="Google Shape;106;gf5e49ec3f2_0_0:notes"/>
+          <p:cNvPr id="100" name="Google Shape;100;gf6a3e371d8_0_171:notes"/>
           <p:cNvSpPr txBox="1">
             <a:spLocks noGrp="1"/>
           </p:cNvSpPr>
@@ -1912,6 +2020,11 @@
         </p:txBody>
       </p:sp>
     </p:spTree>
+    <p:extLst>
+      <p:ext uri="{BB962C8B-B14F-4D97-AF65-F5344CB8AC3E}">
+        <p14:creationId xmlns:p14="http://schemas.microsoft.com/office/powerpoint/2010/main" val="1171340084"/>
+      </p:ext>
+    </p:extLst>
   </p:cSld>
   <p:clrMapOvr>
     <a:masterClrMapping/>
@@ -6571,7 +6684,7 @@
         </p:nvSpPr>
         <p:spPr>
           <a:xfrm>
-            <a:off x="311700" y="246254"/>
+            <a:off x="226208" y="185742"/>
             <a:ext cx="8520600" cy="572700"/>
           </a:xfrm>
           <a:prstGeom prst="rect">
@@ -6596,7 +6709,7 @@
             <a:r>
               <a:rPr lang="en-GB" b="1" dirty="0">
                 <a:solidFill>
-                  <a:srgbClr val="FF0000"/>
+                  <a:schemeClr val="tx1"/>
                 </a:solidFill>
                 <a:effectLst>
                   <a:outerShdw blurRad="38100" dist="38100" dir="2700000" algn="tl">
@@ -6610,7 +6723,7 @@
             </a:r>
             <a:endParaRPr b="1" dirty="0">
               <a:solidFill>
-                <a:srgbClr val="FF0000"/>
+                <a:schemeClr val="tx1"/>
               </a:solidFill>
               <a:effectLst>
                 <a:outerShdw blurRad="38100" dist="38100" dir="2700000" algn="tl">
@@ -6620,112 +6733,6 @@
                 </a:outerShdw>
               </a:effectLst>
             </a:endParaRPr>
-          </a:p>
-        </p:txBody>
-      </p:sp>
-      <p:sp>
-        <p:nvSpPr>
-          <p:cNvPr id="103" name="Google Shape;103;p20"/>
-          <p:cNvSpPr txBox="1">
-            <a:spLocks noGrp="1"/>
-          </p:cNvSpPr>
-          <p:nvPr>
-            <p:ph type="body" idx="1"/>
-          </p:nvPr>
-        </p:nvSpPr>
-        <p:spPr>
-          <a:xfrm>
-            <a:off x="311700" y="1152475"/>
-            <a:ext cx="8520600" cy="3416400"/>
-          </a:xfrm>
-          <a:prstGeom prst="rect">
-            <a:avLst/>
-          </a:prstGeom>
-        </p:spPr>
-        <p:txBody>
-          <a:bodyPr spcFirstLastPara="1" wrap="square" lIns="91425" tIns="91425" rIns="91425" bIns="91425" anchor="t" anchorCtr="0">
-            <a:noAutofit/>
-          </a:bodyPr>
-          <a:lstStyle/>
-          <a:p>
-            <a:pPr marL="0" lvl="0" indent="0" algn="l" rtl="0">
-              <a:spcBef>
-                <a:spcPts val="0"/>
-              </a:spcBef>
-              <a:spcAft>
-                <a:spcPts val="0"/>
-              </a:spcAft>
-              <a:buNone/>
-            </a:pPr>
-            <a:r>
-              <a:rPr lang="en-GB" dirty="0"/>
-              <a:t>Use an activity or state diagram to </a:t>
-            </a:r>
-            <a:r>
-              <a:rPr lang="en-GB"/>
-              <a:t>describe behaviour </a:t>
-            </a:r>
-            <a:r>
-              <a:rPr lang="en-GB" dirty="0"/>
-              <a:t>of </a:t>
-            </a:r>
-            <a:r>
-              <a:rPr lang="en-GB" b="1" dirty="0"/>
-              <a:t>one </a:t>
-            </a:r>
-            <a:r>
-              <a:rPr lang="en-GB" dirty="0"/>
-              <a:t>of the dynamic classifiers in your model</a:t>
-            </a:r>
-            <a:endParaRPr dirty="0"/>
-          </a:p>
-          <a:p>
-            <a:pPr marL="0" lvl="0" indent="0" algn="l" rtl="0">
-              <a:spcBef>
-                <a:spcPts val="1200"/>
-              </a:spcBef>
-              <a:spcAft>
-                <a:spcPts val="0"/>
-              </a:spcAft>
-              <a:buNone/>
-            </a:pPr>
-            <a:r>
-              <a:rPr lang="en-GB" dirty="0"/>
-              <a:t>Add the diagram here and explain how it works precisely in detail</a:t>
-            </a:r>
-            <a:endParaRPr dirty="0"/>
-          </a:p>
-          <a:p>
-            <a:pPr marL="0" lvl="0" indent="0" algn="l" rtl="0">
-              <a:spcBef>
-                <a:spcPts val="1200"/>
-              </a:spcBef>
-              <a:spcAft>
-                <a:spcPts val="0"/>
-              </a:spcAft>
-              <a:buNone/>
-            </a:pPr>
-            <a:r>
-              <a:rPr lang="en-GB" dirty="0"/>
-              <a:t>Check that the overall model remains well-formed</a:t>
-            </a:r>
-            <a:endParaRPr dirty="0"/>
-          </a:p>
-          <a:p>
-            <a:pPr marL="0" lvl="0" indent="0" algn="l" rtl="0">
-              <a:spcBef>
-                <a:spcPts val="1200"/>
-              </a:spcBef>
-              <a:spcAft>
-                <a:spcPts val="1200"/>
-              </a:spcAft>
-              <a:buNone/>
-            </a:pPr>
-            <a:r>
-              <a:rPr lang="en-GB" dirty="0"/>
-              <a:t>Note: too small models may not be enough to demonstrate your qualification</a:t>
-            </a:r>
-            <a:endParaRPr dirty="0"/>
           </a:p>
         </p:txBody>
       </p:sp>
@@ -6767,6 +6774,188 @@
           </a:p>
         </p:txBody>
       </p:sp>
+      <p:pic>
+        <p:nvPicPr>
+          <p:cNvPr id="3074" name="Picture 2" descr="UC Request Routing">
+            <a:extLst>
+              <a:ext uri="{FF2B5EF4-FFF2-40B4-BE49-F238E27FC236}">
+                <a16:creationId xmlns:a16="http://schemas.microsoft.com/office/drawing/2014/main" id="{37B485D5-D86F-4696-BEBC-3226D81EFDF7}"/>
+              </a:ext>
+            </a:extLst>
+          </p:cNvPr>
+          <p:cNvPicPr>
+            <a:picLocks noChangeAspect="1" noChangeArrowheads="1"/>
+          </p:cNvPicPr>
+          <p:nvPr/>
+        </p:nvPicPr>
+        <p:blipFill>
+          <a:blip r:embed="rId3">
+            <a:extLst>
+              <a:ext uri="{28A0092B-C50C-407E-A947-70E740481C1C}">
+                <a14:useLocalDpi xmlns:a14="http://schemas.microsoft.com/office/drawing/2010/main" val="0"/>
+              </a:ext>
+            </a:extLst>
+          </a:blip>
+          <a:srcRect/>
+          <a:stretch>
+            <a:fillRect/>
+          </a:stretch>
+        </p:blipFill>
+        <p:spPr bwMode="auto">
+          <a:xfrm>
+            <a:off x="611842" y="1238099"/>
+            <a:ext cx="3556746" cy="3517662"/>
+          </a:xfrm>
+          <a:prstGeom prst="rect">
+            <a:avLst/>
+          </a:prstGeom>
+          <a:noFill/>
+          <a:ln w="19050">
+            <a:solidFill>
+              <a:schemeClr val="tx1"/>
+            </a:solidFill>
+          </a:ln>
+          <a:extLst>
+            <a:ext uri="{909E8E84-426E-40DD-AFC4-6F175D3DCCD1}">
+              <a14:hiddenFill xmlns:a14="http://schemas.microsoft.com/office/drawing/2010/main">
+                <a:solidFill>
+                  <a:srgbClr val="FFFFFF"/>
+                </a:solidFill>
+              </a14:hiddenFill>
+            </a:ext>
+          </a:extLst>
+        </p:spPr>
+      </p:pic>
+      <p:sp>
+        <p:nvSpPr>
+          <p:cNvPr id="5" name="TextBox 4">
+            <a:extLst>
+              <a:ext uri="{FF2B5EF4-FFF2-40B4-BE49-F238E27FC236}">
+                <a16:creationId xmlns:a16="http://schemas.microsoft.com/office/drawing/2014/main" id="{40FBE421-E6EC-4AE8-B9CD-ADEA23C49AAD}"/>
+              </a:ext>
+            </a:extLst>
+          </p:cNvPr>
+          <p:cNvSpPr txBox="1"/>
+          <p:nvPr/>
+        </p:nvSpPr>
+        <p:spPr>
+          <a:xfrm>
+            <a:off x="611842" y="844382"/>
+            <a:ext cx="3556746" cy="307777"/>
+          </a:xfrm>
+          <a:prstGeom prst="rect">
+            <a:avLst/>
+          </a:prstGeom>
+          <a:noFill/>
+        </p:spPr>
+        <p:txBody>
+          <a:bodyPr wrap="square" rtlCol="0">
+            <a:spAutoFit/>
+          </a:bodyPr>
+          <a:lstStyle/>
+          <a:p>
+            <a:pPr algn="ctr"/>
+            <a:r>
+              <a:rPr lang="en-US" b="1" dirty="0"/>
+              <a:t>Request Validator</a:t>
+            </a:r>
+            <a:endParaRPr lang="ru-RU" b="1" dirty="0"/>
+          </a:p>
+        </p:txBody>
+      </p:sp>
+      <p:pic>
+        <p:nvPicPr>
+          <p:cNvPr id="3076" name="Picture 4" descr="UC Request Routing">
+            <a:extLst>
+              <a:ext uri="{FF2B5EF4-FFF2-40B4-BE49-F238E27FC236}">
+                <a16:creationId xmlns:a16="http://schemas.microsoft.com/office/drawing/2014/main" id="{39D3E833-044C-4439-9822-90E0A5F85F5D}"/>
+              </a:ext>
+            </a:extLst>
+          </p:cNvPr>
+          <p:cNvPicPr>
+            <a:picLocks noChangeAspect="1" noChangeArrowheads="1"/>
+          </p:cNvPicPr>
+          <p:nvPr/>
+        </p:nvPicPr>
+        <p:blipFill>
+          <a:blip r:embed="rId4">
+            <a:extLst>
+              <a:ext uri="{28A0092B-C50C-407E-A947-70E740481C1C}">
+                <a14:useLocalDpi xmlns:a14="http://schemas.microsoft.com/office/drawing/2010/main" val="0"/>
+              </a:ext>
+            </a:extLst>
+          </a:blip>
+          <a:srcRect/>
+          <a:stretch>
+            <a:fillRect/>
+          </a:stretch>
+        </p:blipFill>
+        <p:spPr bwMode="auto">
+          <a:xfrm>
+            <a:off x="5232495" y="1238099"/>
+            <a:ext cx="3029098" cy="3517662"/>
+          </a:xfrm>
+          <a:prstGeom prst="rect">
+            <a:avLst/>
+          </a:prstGeom>
+          <a:noFill/>
+          <a:ln w="19050">
+            <a:solidFill>
+              <a:schemeClr val="tx1"/>
+            </a:solidFill>
+          </a:ln>
+          <a:extLst>
+            <a:ext uri="{909E8E84-426E-40DD-AFC4-6F175D3DCCD1}">
+              <a14:hiddenFill xmlns:a14="http://schemas.microsoft.com/office/drawing/2010/main">
+                <a:solidFill>
+                  <a:srgbClr val="FFFFFF"/>
+                </a:solidFill>
+              </a14:hiddenFill>
+            </a:ext>
+          </a:extLst>
+        </p:spPr>
+      </p:pic>
+      <p:sp>
+        <p:nvSpPr>
+          <p:cNvPr id="10" name="TextBox 9">
+            <a:extLst>
+              <a:ext uri="{FF2B5EF4-FFF2-40B4-BE49-F238E27FC236}">
+                <a16:creationId xmlns:a16="http://schemas.microsoft.com/office/drawing/2014/main" id="{5FEE58F1-6A47-41C8-A39B-651FD571848E}"/>
+              </a:ext>
+            </a:extLst>
+          </p:cNvPr>
+          <p:cNvSpPr txBox="1"/>
+          <p:nvPr/>
+        </p:nvSpPr>
+        <p:spPr>
+          <a:xfrm>
+            <a:off x="5232495" y="844381"/>
+            <a:ext cx="3029098" cy="307777"/>
+          </a:xfrm>
+          <a:prstGeom prst="rect">
+            <a:avLst/>
+          </a:prstGeom>
+          <a:noFill/>
+        </p:spPr>
+        <p:txBody>
+          <a:bodyPr wrap="square" rtlCol="0">
+            <a:spAutoFit/>
+          </a:bodyPr>
+          <a:lstStyle/>
+          <a:p>
+            <a:pPr algn="ctr"/>
+            <a:r>
+              <a:rPr lang="en-US" b="1" dirty="0" err="1"/>
+              <a:t>OpenAPI</a:t>
+            </a:r>
+            <a:r>
+              <a:rPr lang="en-US" b="1" dirty="0"/>
+              <a:t> Schema Generator</a:t>
+            </a:r>
+            <a:endParaRPr lang="ru-RU" b="1" dirty="0"/>
+          </a:p>
+        </p:txBody>
+      </p:sp>
     </p:spTree>
   </p:cSld>
   <p:clrMapOvr>
@@ -6776,6 +6965,304 @@
 </file>
 
 <file path=ppt/slides/slide11.xml><?xml version="1.0" encoding="utf-8"?>
+<p:sld xmlns:a="http://schemas.openxmlformats.org/drawingml/2006/main" xmlns:r="http://schemas.openxmlformats.org/officeDocument/2006/relationships" xmlns:p="http://schemas.openxmlformats.org/presentationml/2006/main">
+  <p:cSld>
+    <p:spTree>
+      <p:nvGrpSpPr>
+        <p:cNvPr id="1" name="Shape 101"/>
+        <p:cNvGrpSpPr/>
+        <p:nvPr/>
+      </p:nvGrpSpPr>
+      <p:grpSpPr>
+        <a:xfrm>
+          <a:off x="0" y="0"/>
+          <a:ext cx="0" cy="0"/>
+          <a:chOff x="0" y="0"/>
+          <a:chExt cx="0" cy="0"/>
+        </a:xfrm>
+      </p:grpSpPr>
+      <p:sp>
+        <p:nvSpPr>
+          <p:cNvPr id="102" name="Google Shape;102;p20"/>
+          <p:cNvSpPr txBox="1">
+            <a:spLocks noGrp="1"/>
+          </p:cNvSpPr>
+          <p:nvPr>
+            <p:ph type="title"/>
+          </p:nvPr>
+        </p:nvSpPr>
+        <p:spPr>
+          <a:xfrm>
+            <a:off x="226208" y="185742"/>
+            <a:ext cx="8520600" cy="572700"/>
+          </a:xfrm>
+          <a:prstGeom prst="rect">
+            <a:avLst/>
+          </a:prstGeom>
+        </p:spPr>
+        <p:txBody>
+          <a:bodyPr spcFirstLastPara="1" wrap="square" lIns="91425" tIns="91425" rIns="91425" bIns="91425" anchor="t" anchorCtr="0">
+            <a:noAutofit/>
+          </a:bodyPr>
+          <a:lstStyle/>
+          <a:p>
+            <a:pPr marL="0" lvl="0" indent="0" algn="l" rtl="0">
+              <a:spcBef>
+                <a:spcPts val="0"/>
+              </a:spcBef>
+              <a:spcAft>
+                <a:spcPts val="0"/>
+              </a:spcAft>
+              <a:buNone/>
+            </a:pPr>
+            <a:r>
+              <a:rPr lang="en-GB" b="1" dirty="0">
+                <a:solidFill>
+                  <a:schemeClr val="tx1"/>
+                </a:solidFill>
+                <a:effectLst>
+                  <a:outerShdw blurRad="38100" dist="38100" dir="2700000" algn="tl">
+                    <a:srgbClr val="000000">
+                      <a:alpha val="43137"/>
+                    </a:srgbClr>
+                  </a:outerShdw>
+                </a:effectLst>
+              </a:rPr>
+              <a:t>Detailed behaviour</a:t>
+            </a:r>
+            <a:endParaRPr b="1" dirty="0">
+              <a:solidFill>
+                <a:schemeClr val="tx1"/>
+              </a:solidFill>
+              <a:effectLst>
+                <a:outerShdw blurRad="38100" dist="38100" dir="2700000" algn="tl">
+                  <a:srgbClr val="000000">
+                    <a:alpha val="43137"/>
+                  </a:srgbClr>
+                </a:outerShdw>
+              </a:effectLst>
+            </a:endParaRPr>
+          </a:p>
+        </p:txBody>
+      </p:sp>
+      <p:sp>
+        <p:nvSpPr>
+          <p:cNvPr id="2" name="Slide Number Placeholder 1">
+            <a:extLst>
+              <a:ext uri="{FF2B5EF4-FFF2-40B4-BE49-F238E27FC236}">
+                <a16:creationId xmlns:a16="http://schemas.microsoft.com/office/drawing/2014/main" id="{1993C304-8938-41C3-9583-2C7227088CD4}"/>
+              </a:ext>
+            </a:extLst>
+          </p:cNvPr>
+          <p:cNvSpPr>
+            <a:spLocks noGrp="1"/>
+          </p:cNvSpPr>
+          <p:nvPr>
+            <p:ph type="sldNum" idx="12"/>
+          </p:nvPr>
+        </p:nvSpPr>
+        <p:spPr/>
+        <p:txBody>
+          <a:bodyPr/>
+          <a:lstStyle/>
+          <a:p>
+            <a:pPr marL="0" lvl="0" indent="0" algn="r" rtl="0">
+              <a:spcBef>
+                <a:spcPts val="0"/>
+              </a:spcBef>
+              <a:spcAft>
+                <a:spcPts val="0"/>
+              </a:spcAft>
+              <a:buNone/>
+            </a:pPr>
+            <a:fld id="{00000000-1234-1234-1234-123412341234}" type="slidenum">
+              <a:rPr lang="en-GB" smtClean="0"/>
+              <a:t>11</a:t>
+            </a:fld>
+            <a:endParaRPr lang="en-GB"/>
+          </a:p>
+        </p:txBody>
+      </p:sp>
+      <p:pic>
+        <p:nvPicPr>
+          <p:cNvPr id="3074" name="Picture 2">
+            <a:extLst>
+              <a:ext uri="{FF2B5EF4-FFF2-40B4-BE49-F238E27FC236}">
+                <a16:creationId xmlns:a16="http://schemas.microsoft.com/office/drawing/2014/main" id="{37B485D5-D86F-4696-BEBC-3226D81EFDF7}"/>
+              </a:ext>
+            </a:extLst>
+          </p:cNvPr>
+          <p:cNvPicPr>
+            <a:picLocks noChangeAspect="1" noChangeArrowheads="1"/>
+          </p:cNvPicPr>
+          <p:nvPr/>
+        </p:nvPicPr>
+        <p:blipFill>
+          <a:blip r:embed="rId3"/>
+          <a:srcRect/>
+          <a:stretch/>
+        </p:blipFill>
+        <p:spPr bwMode="auto">
+          <a:xfrm>
+            <a:off x="786445" y="1238099"/>
+            <a:ext cx="3207540" cy="3517662"/>
+          </a:xfrm>
+          <a:prstGeom prst="rect">
+            <a:avLst/>
+          </a:prstGeom>
+          <a:noFill/>
+          <a:ln w="19050">
+            <a:solidFill>
+              <a:schemeClr val="tx1"/>
+            </a:solidFill>
+          </a:ln>
+          <a:extLst>
+            <a:ext uri="{909E8E84-426E-40DD-AFC4-6F175D3DCCD1}">
+              <a14:hiddenFill xmlns:a14="http://schemas.microsoft.com/office/drawing/2010/main">
+                <a:solidFill>
+                  <a:srgbClr val="FFFFFF"/>
+                </a:solidFill>
+              </a14:hiddenFill>
+            </a:ext>
+          </a:extLst>
+        </p:spPr>
+      </p:pic>
+      <p:sp>
+        <p:nvSpPr>
+          <p:cNvPr id="5" name="TextBox 4">
+            <a:extLst>
+              <a:ext uri="{FF2B5EF4-FFF2-40B4-BE49-F238E27FC236}">
+                <a16:creationId xmlns:a16="http://schemas.microsoft.com/office/drawing/2014/main" id="{40FBE421-E6EC-4AE8-B9CD-ADEA23C49AAD}"/>
+              </a:ext>
+            </a:extLst>
+          </p:cNvPr>
+          <p:cNvSpPr txBox="1"/>
+          <p:nvPr/>
+        </p:nvSpPr>
+        <p:spPr>
+          <a:xfrm>
+            <a:off x="611842" y="844382"/>
+            <a:ext cx="3556746" cy="307777"/>
+          </a:xfrm>
+          <a:prstGeom prst="rect">
+            <a:avLst/>
+          </a:prstGeom>
+          <a:noFill/>
+        </p:spPr>
+        <p:txBody>
+          <a:bodyPr wrap="square" rtlCol="0">
+            <a:spAutoFit/>
+          </a:bodyPr>
+          <a:lstStyle/>
+          <a:p>
+            <a:pPr algn="ctr"/>
+            <a:r>
+              <a:rPr lang="en-US" b="1" dirty="0"/>
+              <a:t>Service Deployer</a:t>
+            </a:r>
+            <a:endParaRPr lang="ru-RU" b="1" dirty="0"/>
+          </a:p>
+        </p:txBody>
+      </p:sp>
+      <p:pic>
+        <p:nvPicPr>
+          <p:cNvPr id="3076" name="Picture 4">
+            <a:extLst>
+              <a:ext uri="{FF2B5EF4-FFF2-40B4-BE49-F238E27FC236}">
+                <a16:creationId xmlns:a16="http://schemas.microsoft.com/office/drawing/2014/main" id="{39D3E833-044C-4439-9822-90E0A5F85F5D}"/>
+              </a:ext>
+            </a:extLst>
+          </p:cNvPr>
+          <p:cNvPicPr>
+            <a:picLocks noChangeAspect="1" noChangeArrowheads="1"/>
+          </p:cNvPicPr>
+          <p:nvPr/>
+        </p:nvPicPr>
+        <p:blipFill>
+          <a:blip r:embed="rId4"/>
+          <a:srcRect/>
+          <a:stretch/>
+        </p:blipFill>
+        <p:spPr bwMode="auto">
+          <a:xfrm>
+            <a:off x="5992818" y="1238099"/>
+            <a:ext cx="1508452" cy="3517662"/>
+          </a:xfrm>
+          <a:prstGeom prst="rect">
+            <a:avLst/>
+          </a:prstGeom>
+          <a:noFill/>
+          <a:ln w="19050">
+            <a:solidFill>
+              <a:schemeClr val="tx1"/>
+            </a:solidFill>
+          </a:ln>
+          <a:extLst>
+            <a:ext uri="{909E8E84-426E-40DD-AFC4-6F175D3DCCD1}">
+              <a14:hiddenFill xmlns:a14="http://schemas.microsoft.com/office/drawing/2010/main">
+                <a:solidFill>
+                  <a:srgbClr val="FFFFFF"/>
+                </a:solidFill>
+              </a14:hiddenFill>
+            </a:ext>
+          </a:extLst>
+        </p:spPr>
+      </p:pic>
+      <p:sp>
+        <p:nvSpPr>
+          <p:cNvPr id="10" name="TextBox 9">
+            <a:extLst>
+              <a:ext uri="{FF2B5EF4-FFF2-40B4-BE49-F238E27FC236}">
+                <a16:creationId xmlns:a16="http://schemas.microsoft.com/office/drawing/2014/main" id="{5FEE58F1-6A47-41C8-A39B-651FD571848E}"/>
+              </a:ext>
+            </a:extLst>
+          </p:cNvPr>
+          <p:cNvSpPr txBox="1"/>
+          <p:nvPr/>
+        </p:nvSpPr>
+        <p:spPr>
+          <a:xfrm>
+            <a:off x="5232495" y="844381"/>
+            <a:ext cx="3029098" cy="307777"/>
+          </a:xfrm>
+          <a:prstGeom prst="rect">
+            <a:avLst/>
+          </a:prstGeom>
+          <a:noFill/>
+        </p:spPr>
+        <p:txBody>
+          <a:bodyPr wrap="square" rtlCol="0">
+            <a:spAutoFit/>
+          </a:bodyPr>
+          <a:lstStyle/>
+          <a:p>
+            <a:pPr algn="ctr"/>
+            <a:r>
+              <a:rPr lang="en-US" b="1" dirty="0"/>
+              <a:t>Model </a:t>
+            </a:r>
+            <a:r>
+              <a:rPr lang="en-US" b="1" dirty="0" err="1"/>
+              <a:t>Containerizer</a:t>
+            </a:r>
+            <a:endParaRPr lang="ru-RU" b="1" dirty="0"/>
+          </a:p>
+        </p:txBody>
+      </p:sp>
+    </p:spTree>
+    <p:extLst>
+      <p:ext uri="{BB962C8B-B14F-4D97-AF65-F5344CB8AC3E}">
+        <p14:creationId xmlns:p14="http://schemas.microsoft.com/office/powerpoint/2010/main" val="95677667"/>
+      </p:ext>
+    </p:extLst>
+  </p:cSld>
+  <p:clrMapOvr>
+    <a:masterClrMapping/>
+  </p:clrMapOvr>
+</p:sld>
+</file>
+
+<file path=ppt/slides/slide12.xml><?xml version="1.0" encoding="utf-8"?>
 <p:sld xmlns:a="http://schemas.openxmlformats.org/drawingml/2006/main" xmlns:r="http://schemas.openxmlformats.org/officeDocument/2006/relationships" xmlns:p="http://schemas.openxmlformats.org/presentationml/2006/main">
   <p:cSld>
     <p:spTree>
@@ -6804,7 +7291,7 @@
         </p:nvSpPr>
         <p:spPr>
           <a:xfrm>
-            <a:off x="311700" y="292639"/>
+            <a:off x="226208" y="191786"/>
             <a:ext cx="8520600" cy="572700"/>
           </a:xfrm>
           <a:prstGeom prst="rect">
@@ -7298,7 +7785,7 @@
             </a:pPr>
             <a:fld id="{00000000-1234-1234-1234-123412341234}" type="slidenum">
               <a:rPr lang="en-GB" smtClean="0"/>
-              <a:t>11</a:t>
+              <a:t>12</a:t>
             </a:fld>
             <a:endParaRPr lang="en-GB"/>
           </a:p>
@@ -7312,7 +7799,7 @@
 </p:sld>
 </file>
 
-<file path=ppt/slides/slide12.xml><?xml version="1.0" encoding="utf-8"?>
+<file path=ppt/slides/slide13.xml><?xml version="1.0" encoding="utf-8"?>
 <p:sld xmlns:a="http://schemas.openxmlformats.org/drawingml/2006/main" xmlns:r="http://schemas.openxmlformats.org/officeDocument/2006/relationships" xmlns:p="http://schemas.openxmlformats.org/presentationml/2006/main">
   <p:cSld>
     <p:spTree>
@@ -7408,14 +7895,14 @@
           <p:nvPr>
             <p:extLst>
               <p:ext uri="{D42A27DB-BD31-4B8C-83A1-F6EECF244321}">
-                <p14:modId xmlns:p14="http://schemas.microsoft.com/office/powerpoint/2010/main" val="1112842302"/>
+                <p14:modId xmlns:p14="http://schemas.microsoft.com/office/powerpoint/2010/main" val="1093907184"/>
               </p:ext>
             </p:extLst>
           </p:nvPr>
         </p:nvGraphicFramePr>
         <p:xfrm>
           <a:off x="311700" y="3460247"/>
-          <a:ext cx="8520600" cy="1249680"/>
+          <a:ext cx="8520600" cy="1463040"/>
         </p:xfrm>
         <a:graphic>
           <a:graphicData uri="http://schemas.openxmlformats.org/drawingml/2006/table">
@@ -7475,7 +7962,7 @@
                             <a:schemeClr val="tx1"/>
                           </a:solidFill>
                         </a:rPr>
-                        <a:t>Story Map</a:t>
+                        <a:t>Story Map, CRC</a:t>
                       </a:r>
                       <a:endParaRPr lang="ru-RU" dirty="0">
                         <a:solidFill>
@@ -7540,7 +8027,7 @@
                             <a:schemeClr val="tx1"/>
                           </a:solidFill>
                         </a:rPr>
-                        <a:t>Use cases, DDD</a:t>
+                        <a:t>Use cases, Interactions Diagram</a:t>
                       </a:r>
                       <a:endParaRPr lang="ru-RU" dirty="0">
                         <a:solidFill>
@@ -7607,7 +8094,7 @@
                             <a:schemeClr val="tx1"/>
                           </a:solidFill>
                         </a:rPr>
-                        <a:t>UML, DFD, Repository Management</a:t>
+                        <a:t>DFD, Classes Diagram, Repository Management </a:t>
                       </a:r>
                       <a:endParaRPr lang="ru-RU" dirty="0">
                         <a:solidFill>
@@ -7684,7 +8171,7 @@
                             <a:schemeClr val="tx1"/>
                           </a:solidFill>
                         </a:rPr>
-                        <a:t>CRC Cards, UML</a:t>
+                        <a:t>CRC Cards, Behavior model</a:t>
                       </a:r>
                       <a:endParaRPr lang="ru-RU" dirty="0">
                         <a:solidFill>
@@ -8592,7 +9079,7 @@
             </a:pPr>
             <a:fld id="{00000000-1234-1234-1234-123412341234}" type="slidenum">
               <a:rPr lang="en-GB" smtClean="0"/>
-              <a:t>12</a:t>
+              <a:t>13</a:t>
             </a:fld>
             <a:endParaRPr lang="en-GB"/>
           </a:p>
@@ -8606,7 +9093,7 @@
 </p:sld>
 </file>
 
-<file path=ppt/slides/slide13.xml><?xml version="1.0" encoding="utf-8"?>
+<file path=ppt/slides/slide14.xml><?xml version="1.0" encoding="utf-8"?>
 <p:sld xmlns:a="http://schemas.openxmlformats.org/drawingml/2006/main" xmlns:r="http://schemas.openxmlformats.org/officeDocument/2006/relationships" xmlns:p="http://schemas.openxmlformats.org/presentationml/2006/main">
   <p:cSld>
     <p:spTree>
@@ -8705,7 +9192,7 @@
             </a:pPr>
             <a:fld id="{00000000-1234-1234-1234-123412341234}" type="slidenum">
               <a:rPr lang="en-GB" smtClean="0"/>
-              <a:t>13</a:t>
+              <a:t>14</a:t>
             </a:fld>
             <a:endParaRPr lang="en-GB"/>
           </a:p>
@@ -8724,7 +9211,126 @@
 </p:sld>
 </file>
 
-<file path=ppt/slides/slide14.xml><?xml version="1.0" encoding="utf-8"?>
+<file path=ppt/slides/slide15.xml><?xml version="1.0" encoding="utf-8"?>
+<p:sld xmlns:a="http://schemas.openxmlformats.org/drawingml/2006/main" xmlns:r="http://schemas.openxmlformats.org/officeDocument/2006/relationships" xmlns:p="http://schemas.openxmlformats.org/presentationml/2006/main">
+  <p:cSld>
+    <p:spTree>
+      <p:nvGrpSpPr>
+        <p:cNvPr id="1" name=""/>
+        <p:cNvGrpSpPr/>
+        <p:nvPr/>
+      </p:nvGrpSpPr>
+      <p:grpSpPr>
+        <a:xfrm>
+          <a:off x="0" y="0"/>
+          <a:ext cx="0" cy="0"/>
+          <a:chOff x="0" y="0"/>
+          <a:chExt cx="0" cy="0"/>
+        </a:xfrm>
+      </p:grpSpPr>
+      <p:sp>
+        <p:nvSpPr>
+          <p:cNvPr id="2" name="Заголовок 1">
+            <a:extLst>
+              <a:ext uri="{FF2B5EF4-FFF2-40B4-BE49-F238E27FC236}">
+                <a16:creationId xmlns:a16="http://schemas.microsoft.com/office/drawing/2014/main" id="{37AA5C25-885E-4E39-91B9-270D459E94F9}"/>
+              </a:ext>
+            </a:extLst>
+          </p:cNvPr>
+          <p:cNvSpPr>
+            <a:spLocks noGrp="1"/>
+          </p:cNvSpPr>
+          <p:nvPr>
+            <p:ph type="title"/>
+          </p:nvPr>
+        </p:nvSpPr>
+        <p:spPr>
+          <a:xfrm>
+            <a:off x="311700" y="2285400"/>
+            <a:ext cx="8520600" cy="572700"/>
+          </a:xfrm>
+        </p:spPr>
+        <p:txBody>
+          <a:bodyPr/>
+          <a:lstStyle/>
+          <a:p>
+            <a:pPr algn="ctr"/>
+            <a:r>
+              <a:rPr lang="en-US" b="1" dirty="0">
+                <a:effectLst>
+                  <a:outerShdw blurRad="38100" dist="38100" dir="2700000" algn="tl">
+                    <a:srgbClr val="000000">
+                      <a:alpha val="43137"/>
+                    </a:srgbClr>
+                  </a:outerShdw>
+                </a:effectLst>
+              </a:rPr>
+              <a:t>Extra slides</a:t>
+            </a:r>
+            <a:endParaRPr lang="ru-RU" b="1" dirty="0">
+              <a:effectLst>
+                <a:outerShdw blurRad="38100" dist="38100" dir="2700000" algn="tl">
+                  <a:srgbClr val="000000">
+                    <a:alpha val="43137"/>
+                  </a:srgbClr>
+                </a:outerShdw>
+              </a:effectLst>
+            </a:endParaRPr>
+          </a:p>
+        </p:txBody>
+      </p:sp>
+      <p:sp>
+        <p:nvSpPr>
+          <p:cNvPr id="3" name="Номер слайда 2">
+            <a:extLst>
+              <a:ext uri="{FF2B5EF4-FFF2-40B4-BE49-F238E27FC236}">
+                <a16:creationId xmlns:a16="http://schemas.microsoft.com/office/drawing/2014/main" id="{76260397-A718-4DB3-A39A-A63892F5BCD1}"/>
+              </a:ext>
+            </a:extLst>
+          </p:cNvPr>
+          <p:cNvSpPr>
+            <a:spLocks noGrp="1"/>
+          </p:cNvSpPr>
+          <p:nvPr>
+            <p:ph type="sldNum" idx="12"/>
+          </p:nvPr>
+        </p:nvSpPr>
+        <p:spPr/>
+        <p:txBody>
+          <a:bodyPr/>
+          <a:lstStyle/>
+          <a:p>
+            <a:pPr marL="0" lvl="0" indent="0" algn="r" rtl="0">
+              <a:spcBef>
+                <a:spcPts val="0"/>
+              </a:spcBef>
+              <a:spcAft>
+                <a:spcPts val="0"/>
+              </a:spcAft>
+              <a:buNone/>
+            </a:pPr>
+            <a:fld id="{00000000-1234-1234-1234-123412341234}" type="slidenum">
+              <a:rPr lang="en-GB" smtClean="0"/>
+              <a:t>15</a:t>
+            </a:fld>
+            <a:endParaRPr lang="en-GB"/>
+          </a:p>
+        </p:txBody>
+      </p:sp>
+    </p:spTree>
+    <p:extLst>
+      <p:ext uri="{BB962C8B-B14F-4D97-AF65-F5344CB8AC3E}">
+        <p14:creationId xmlns:p14="http://schemas.microsoft.com/office/powerpoint/2010/main" val="801924545"/>
+      </p:ext>
+    </p:extLst>
+  </p:cSld>
+  <p:clrMapOvr>
+    <a:masterClrMapping/>
+  </p:clrMapOvr>
+</p:sld>
+</file>
+
+<file path=ppt/slides/slide16.xml><?xml version="1.0" encoding="utf-8"?>
 <p:sld xmlns:a="http://schemas.openxmlformats.org/drawingml/2006/main" xmlns:r="http://schemas.openxmlformats.org/officeDocument/2006/relationships" xmlns:p="http://schemas.openxmlformats.org/presentationml/2006/main">
   <p:cSld>
     <p:spTree>
@@ -8872,7 +9478,7 @@
             </a:pPr>
             <a:fld id="{00000000-1234-1234-1234-123412341234}" type="slidenum">
               <a:rPr lang="en-GB" smtClean="0"/>
-              <a:t>14</a:t>
+              <a:t>16</a:t>
             </a:fld>
             <a:endParaRPr lang="en-GB"/>
           </a:p>
@@ -8886,7 +9492,7 @@
 </p:sld>
 </file>
 
-<file path=ppt/slides/slide15.xml><?xml version="1.0" encoding="utf-8"?>
+<file path=ppt/slides/slide17.xml><?xml version="1.0" encoding="utf-8"?>
 <p:sld xmlns:a="http://schemas.openxmlformats.org/drawingml/2006/main" xmlns:r="http://schemas.openxmlformats.org/officeDocument/2006/relationships" xmlns:p="http://schemas.openxmlformats.org/presentationml/2006/main">
   <p:cSld>
     <p:spTree>
@@ -8985,7 +9591,7 @@
             </a:pPr>
             <a:fld id="{00000000-1234-1234-1234-123412341234}" type="slidenum">
               <a:rPr lang="en-GB" smtClean="0"/>
-              <a:t>15</a:t>
+              <a:t>17</a:t>
             </a:fld>
             <a:endParaRPr lang="en-GB"/>
           </a:p>
@@ -9051,7 +9657,7 @@
 </p:sld>
 </file>
 
-<file path=ppt/slides/slide16.xml><?xml version="1.0" encoding="utf-8"?>
+<file path=ppt/slides/slide18.xml><?xml version="1.0" encoding="utf-8"?>
 <p:sld xmlns:a="http://schemas.openxmlformats.org/drawingml/2006/main" xmlns:r="http://schemas.openxmlformats.org/officeDocument/2006/relationships" xmlns:p="http://schemas.openxmlformats.org/presentationml/2006/main">
   <p:cSld>
     <p:spTree>
@@ -9150,7 +9756,7 @@
             </a:pPr>
             <a:fld id="{00000000-1234-1234-1234-123412341234}" type="slidenum">
               <a:rPr lang="en-GB" smtClean="0"/>
-              <a:t>16</a:t>
+              <a:t>18</a:t>
             </a:fld>
             <a:endParaRPr lang="en-GB"/>
           </a:p>
@@ -9216,7 +9822,7 @@
 </p:sld>
 </file>
 
-<file path=ppt/slides/slide17.xml><?xml version="1.0" encoding="utf-8"?>
+<file path=ppt/slides/slide19.xml><?xml version="1.0" encoding="utf-8"?>
 <p:sld xmlns:a="http://schemas.openxmlformats.org/drawingml/2006/main" xmlns:r="http://schemas.openxmlformats.org/officeDocument/2006/relationships" xmlns:p="http://schemas.openxmlformats.org/presentationml/2006/main">
   <p:cSld>
     <p:spTree>
@@ -9315,7 +9921,7 @@
             </a:pPr>
             <a:fld id="{00000000-1234-1234-1234-123412341234}" type="slidenum">
               <a:rPr lang="en-GB" smtClean="0"/>
-              <a:t>17</a:t>
+              <a:t>19</a:t>
             </a:fld>
             <a:endParaRPr lang="en-GB"/>
           </a:p>
@@ -9372,345 +9978,6 @@
     <p:extLst>
       <p:ext uri="{BB962C8B-B14F-4D97-AF65-F5344CB8AC3E}">
         <p14:creationId xmlns:p14="http://schemas.microsoft.com/office/powerpoint/2010/main" val="3340460069"/>
-      </p:ext>
-    </p:extLst>
-  </p:cSld>
-  <p:clrMapOvr>
-    <a:masterClrMapping/>
-  </p:clrMapOvr>
-</p:sld>
-</file>
-
-<file path=ppt/slides/slide18.xml><?xml version="1.0" encoding="utf-8"?>
-<p:sld xmlns:a="http://schemas.openxmlformats.org/drawingml/2006/main" xmlns:r="http://schemas.openxmlformats.org/officeDocument/2006/relationships" xmlns:p="http://schemas.openxmlformats.org/presentationml/2006/main">
-  <p:cSld>
-    <p:spTree>
-      <p:nvGrpSpPr>
-        <p:cNvPr id="1" name=""/>
-        <p:cNvGrpSpPr/>
-        <p:nvPr/>
-      </p:nvGrpSpPr>
-      <p:grpSpPr>
-        <a:xfrm>
-          <a:off x="0" y="0"/>
-          <a:ext cx="0" cy="0"/>
-          <a:chOff x="0" y="0"/>
-          <a:chExt cx="0" cy="0"/>
-        </a:xfrm>
-      </p:grpSpPr>
-      <p:sp>
-        <p:nvSpPr>
-          <p:cNvPr id="2" name="Заголовок 1">
-            <a:extLst>
-              <a:ext uri="{FF2B5EF4-FFF2-40B4-BE49-F238E27FC236}">
-                <a16:creationId xmlns:a16="http://schemas.microsoft.com/office/drawing/2014/main" id="{BF8EE9D0-0305-4DAD-A8A5-E3E71B917267}"/>
-              </a:ext>
-            </a:extLst>
-          </p:cNvPr>
-          <p:cNvSpPr>
-            <a:spLocks noGrp="1"/>
-          </p:cNvSpPr>
-          <p:nvPr>
-            <p:ph type="title"/>
-          </p:nvPr>
-        </p:nvSpPr>
-        <p:spPr>
-          <a:xfrm>
-            <a:off x="311700" y="243319"/>
-            <a:ext cx="8520600" cy="572700"/>
-          </a:xfrm>
-        </p:spPr>
-        <p:txBody>
-          <a:bodyPr/>
-          <a:lstStyle/>
-          <a:p>
-            <a:r>
-              <a:rPr lang="en-US" b="1" dirty="0">
-                <a:effectLst>
-                  <a:outerShdw blurRad="38100" dist="38100" dir="2700000" algn="tl">
-                    <a:srgbClr val="000000">
-                      <a:alpha val="43137"/>
-                    </a:srgbClr>
-                  </a:outerShdw>
-                </a:effectLst>
-              </a:rPr>
-              <a:t>Use Cases: Authorization (SSO)</a:t>
-            </a:r>
-            <a:endParaRPr lang="ru-RU" b="1" dirty="0">
-              <a:effectLst>
-                <a:outerShdw blurRad="38100" dist="38100" dir="2700000" algn="tl">
-                  <a:srgbClr val="000000">
-                    <a:alpha val="43137"/>
-                  </a:srgbClr>
-                </a:outerShdw>
-              </a:effectLst>
-            </a:endParaRPr>
-          </a:p>
-        </p:txBody>
-      </p:sp>
-      <p:sp>
-        <p:nvSpPr>
-          <p:cNvPr id="3" name="Номер слайда 2">
-            <a:extLst>
-              <a:ext uri="{FF2B5EF4-FFF2-40B4-BE49-F238E27FC236}">
-                <a16:creationId xmlns:a16="http://schemas.microsoft.com/office/drawing/2014/main" id="{09FB8480-1FB4-49A4-B531-A9B589ECD31D}"/>
-              </a:ext>
-            </a:extLst>
-          </p:cNvPr>
-          <p:cNvSpPr>
-            <a:spLocks noGrp="1"/>
-          </p:cNvSpPr>
-          <p:nvPr>
-            <p:ph type="sldNum" idx="12"/>
-          </p:nvPr>
-        </p:nvSpPr>
-        <p:spPr/>
-        <p:txBody>
-          <a:bodyPr/>
-          <a:lstStyle/>
-          <a:p>
-            <a:pPr marL="0" lvl="0" indent="0" algn="r" rtl="0">
-              <a:spcBef>
-                <a:spcPts val="0"/>
-              </a:spcBef>
-              <a:spcAft>
-                <a:spcPts val="0"/>
-              </a:spcAft>
-              <a:buNone/>
-            </a:pPr>
-            <a:fld id="{00000000-1234-1234-1234-123412341234}" type="slidenum">
-              <a:rPr lang="en-GB" smtClean="0"/>
-              <a:t>18</a:t>
-            </a:fld>
-            <a:endParaRPr lang="en-GB"/>
-          </a:p>
-        </p:txBody>
-      </p:sp>
-      <p:pic>
-        <p:nvPicPr>
-          <p:cNvPr id="8194" name="Picture 2" descr="UC Authorization">
-            <a:extLst>
-              <a:ext uri="{FF2B5EF4-FFF2-40B4-BE49-F238E27FC236}">
-                <a16:creationId xmlns:a16="http://schemas.microsoft.com/office/drawing/2014/main" id="{7D28B00A-004C-4E41-880C-3BCEA35E704D}"/>
-              </a:ext>
-            </a:extLst>
-          </p:cNvPr>
-          <p:cNvPicPr>
-            <a:picLocks noChangeAspect="1" noChangeArrowheads="1"/>
-          </p:cNvPicPr>
-          <p:nvPr/>
-        </p:nvPicPr>
-        <p:blipFill>
-          <a:blip r:embed="rId2">
-            <a:extLst>
-              <a:ext uri="{28A0092B-C50C-407E-A947-70E740481C1C}">
-                <a14:useLocalDpi xmlns:a14="http://schemas.microsoft.com/office/drawing/2010/main" val="0"/>
-              </a:ext>
-            </a:extLst>
-          </a:blip>
-          <a:srcRect/>
-          <a:stretch>
-            <a:fillRect/>
-          </a:stretch>
-        </p:blipFill>
-        <p:spPr bwMode="auto">
-          <a:xfrm>
-            <a:off x="1600199" y="1238229"/>
-            <a:ext cx="5515535" cy="3187815"/>
-          </a:xfrm>
-          <a:prstGeom prst="rect">
-            <a:avLst/>
-          </a:prstGeom>
-          <a:noFill/>
-          <a:extLst>
-            <a:ext uri="{909E8E84-426E-40DD-AFC4-6F175D3DCCD1}">
-              <a14:hiddenFill xmlns:a14="http://schemas.microsoft.com/office/drawing/2010/main">
-                <a:solidFill>
-                  <a:srgbClr val="FFFFFF"/>
-                </a:solidFill>
-              </a14:hiddenFill>
-            </a:ext>
-          </a:extLst>
-        </p:spPr>
-      </p:pic>
-    </p:spTree>
-    <p:extLst>
-      <p:ext uri="{BB962C8B-B14F-4D97-AF65-F5344CB8AC3E}">
-        <p14:creationId xmlns:p14="http://schemas.microsoft.com/office/powerpoint/2010/main" val="853089160"/>
-      </p:ext>
-    </p:extLst>
-  </p:cSld>
-  <p:clrMapOvr>
-    <a:masterClrMapping/>
-  </p:clrMapOvr>
-</p:sld>
-</file>
-
-<file path=ppt/slides/slide19.xml><?xml version="1.0" encoding="utf-8"?>
-<p:sld xmlns:a="http://schemas.openxmlformats.org/drawingml/2006/main" xmlns:r="http://schemas.openxmlformats.org/officeDocument/2006/relationships" xmlns:p="http://schemas.openxmlformats.org/presentationml/2006/main">
-  <p:cSld>
-    <p:spTree>
-      <p:nvGrpSpPr>
-        <p:cNvPr id="1" name=""/>
-        <p:cNvGrpSpPr/>
-        <p:nvPr/>
-      </p:nvGrpSpPr>
-      <p:grpSpPr>
-        <a:xfrm>
-          <a:off x="0" y="0"/>
-          <a:ext cx="0" cy="0"/>
-          <a:chOff x="0" y="0"/>
-          <a:chExt cx="0" cy="0"/>
-        </a:xfrm>
-      </p:grpSpPr>
-      <p:sp>
-        <p:nvSpPr>
-          <p:cNvPr id="2" name="Заголовок 1">
-            <a:extLst>
-              <a:ext uri="{FF2B5EF4-FFF2-40B4-BE49-F238E27FC236}">
-                <a16:creationId xmlns:a16="http://schemas.microsoft.com/office/drawing/2014/main" id="{BF8EE9D0-0305-4DAD-A8A5-E3E71B917267}"/>
-              </a:ext>
-            </a:extLst>
-          </p:cNvPr>
-          <p:cNvSpPr>
-            <a:spLocks noGrp="1"/>
-          </p:cNvSpPr>
-          <p:nvPr>
-            <p:ph type="title"/>
-          </p:nvPr>
-        </p:nvSpPr>
-        <p:spPr>
-          <a:xfrm>
-            <a:off x="311700" y="243319"/>
-            <a:ext cx="8520600" cy="572700"/>
-          </a:xfrm>
-        </p:spPr>
-        <p:txBody>
-          <a:bodyPr/>
-          <a:lstStyle/>
-          <a:p>
-            <a:r>
-              <a:rPr lang="en-US" b="1" dirty="0">
-                <a:effectLst>
-                  <a:outerShdw blurRad="38100" dist="38100" dir="2700000" algn="tl">
-                    <a:srgbClr val="000000">
-                      <a:alpha val="43137"/>
-                    </a:srgbClr>
-                  </a:outerShdw>
-                </a:effectLst>
-              </a:rPr>
-              <a:t>Use Cases: Request Validation</a:t>
-            </a:r>
-            <a:br>
-              <a:rPr lang="en-US" b="1" i="0" dirty="0">
-                <a:solidFill>
-                  <a:srgbClr val="1F2328"/>
-                </a:solidFill>
-                <a:effectLst/>
-                <a:latin typeface="-apple-system"/>
-              </a:rPr>
-            </a:br>
-            <a:endParaRPr lang="ru-RU" b="1" dirty="0">
-              <a:effectLst>
-                <a:outerShdw blurRad="38100" dist="38100" dir="2700000" algn="tl">
-                  <a:srgbClr val="000000">
-                    <a:alpha val="43137"/>
-                  </a:srgbClr>
-                </a:outerShdw>
-              </a:effectLst>
-            </a:endParaRPr>
-          </a:p>
-        </p:txBody>
-      </p:sp>
-      <p:sp>
-        <p:nvSpPr>
-          <p:cNvPr id="3" name="Номер слайда 2">
-            <a:extLst>
-              <a:ext uri="{FF2B5EF4-FFF2-40B4-BE49-F238E27FC236}">
-                <a16:creationId xmlns:a16="http://schemas.microsoft.com/office/drawing/2014/main" id="{09FB8480-1FB4-49A4-B531-A9B589ECD31D}"/>
-              </a:ext>
-            </a:extLst>
-          </p:cNvPr>
-          <p:cNvSpPr>
-            <a:spLocks noGrp="1"/>
-          </p:cNvSpPr>
-          <p:nvPr>
-            <p:ph type="sldNum" idx="12"/>
-          </p:nvPr>
-        </p:nvSpPr>
-        <p:spPr/>
-        <p:txBody>
-          <a:bodyPr/>
-          <a:lstStyle/>
-          <a:p>
-            <a:pPr marL="0" lvl="0" indent="0" algn="r" rtl="0">
-              <a:spcBef>
-                <a:spcPts val="0"/>
-              </a:spcBef>
-              <a:spcAft>
-                <a:spcPts val="0"/>
-              </a:spcAft>
-              <a:buNone/>
-            </a:pPr>
-            <a:fld id="{00000000-1234-1234-1234-123412341234}" type="slidenum">
-              <a:rPr lang="en-GB" smtClean="0"/>
-              <a:t>19</a:t>
-            </a:fld>
-            <a:endParaRPr lang="en-GB"/>
-          </a:p>
-        </p:txBody>
-      </p:sp>
-      <p:pic>
-        <p:nvPicPr>
-          <p:cNvPr id="7170" name="Picture 2" descr="UC Request Validation">
-            <a:extLst>
-              <a:ext uri="{FF2B5EF4-FFF2-40B4-BE49-F238E27FC236}">
-                <a16:creationId xmlns:a16="http://schemas.microsoft.com/office/drawing/2014/main" id="{10A1CB11-0894-4295-A365-EFD38A72EEAD}"/>
-              </a:ext>
-            </a:extLst>
-          </p:cNvPr>
-          <p:cNvPicPr>
-            <a:picLocks noChangeAspect="1" noChangeArrowheads="1"/>
-          </p:cNvPicPr>
-          <p:nvPr/>
-        </p:nvPicPr>
-        <p:blipFill>
-          <a:blip r:embed="rId2">
-            <a:extLst>
-              <a:ext uri="{28A0092B-C50C-407E-A947-70E740481C1C}">
-                <a14:useLocalDpi xmlns:a14="http://schemas.microsoft.com/office/drawing/2010/main" val="0"/>
-              </a:ext>
-            </a:extLst>
-          </a:blip>
-          <a:srcRect/>
-          <a:stretch>
-            <a:fillRect/>
-          </a:stretch>
-        </p:blipFill>
-        <p:spPr bwMode="auto">
-          <a:xfrm>
-            <a:off x="2200275" y="1299603"/>
-            <a:ext cx="4743450" cy="3095625"/>
-          </a:xfrm>
-          <a:prstGeom prst="rect">
-            <a:avLst/>
-          </a:prstGeom>
-          <a:noFill/>
-          <a:extLst>
-            <a:ext uri="{909E8E84-426E-40DD-AFC4-6F175D3DCCD1}">
-              <a14:hiddenFill xmlns:a14="http://schemas.microsoft.com/office/drawing/2010/main">
-                <a:solidFill>
-                  <a:srgbClr val="FFFFFF"/>
-                </a:solidFill>
-              </a14:hiddenFill>
-            </a:ext>
-          </a:extLst>
-        </p:spPr>
-      </p:pic>
-    </p:spTree>
-    <p:extLst>
-      <p:ext uri="{BB962C8B-B14F-4D97-AF65-F5344CB8AC3E}">
-        <p14:creationId xmlns:p14="http://schemas.microsoft.com/office/powerpoint/2010/main" val="1212226678"/>
       </p:ext>
     </p:extLst>
   </p:cSld>
@@ -10170,7 +10437,7 @@
                   </a:outerShdw>
                 </a:effectLst>
               </a:rPr>
-              <a:t>Use Cases: Responses Caching</a:t>
+              <a:t>Use Cases: Authorization (SSO)</a:t>
             </a:r>
             <a:endParaRPr lang="ru-RU" b="1" dirty="0">
               <a:effectLst>
@@ -10217,6 +10484,345 @@
             <a:fld id="{00000000-1234-1234-1234-123412341234}" type="slidenum">
               <a:rPr lang="en-GB" smtClean="0"/>
               <a:t>20</a:t>
+            </a:fld>
+            <a:endParaRPr lang="en-GB"/>
+          </a:p>
+        </p:txBody>
+      </p:sp>
+      <p:pic>
+        <p:nvPicPr>
+          <p:cNvPr id="8194" name="Picture 2" descr="UC Authorization">
+            <a:extLst>
+              <a:ext uri="{FF2B5EF4-FFF2-40B4-BE49-F238E27FC236}">
+                <a16:creationId xmlns:a16="http://schemas.microsoft.com/office/drawing/2014/main" id="{7D28B00A-004C-4E41-880C-3BCEA35E704D}"/>
+              </a:ext>
+            </a:extLst>
+          </p:cNvPr>
+          <p:cNvPicPr>
+            <a:picLocks noChangeAspect="1" noChangeArrowheads="1"/>
+          </p:cNvPicPr>
+          <p:nvPr/>
+        </p:nvPicPr>
+        <p:blipFill>
+          <a:blip r:embed="rId2">
+            <a:extLst>
+              <a:ext uri="{28A0092B-C50C-407E-A947-70E740481C1C}">
+                <a14:useLocalDpi xmlns:a14="http://schemas.microsoft.com/office/drawing/2010/main" val="0"/>
+              </a:ext>
+            </a:extLst>
+          </a:blip>
+          <a:srcRect/>
+          <a:stretch>
+            <a:fillRect/>
+          </a:stretch>
+        </p:blipFill>
+        <p:spPr bwMode="auto">
+          <a:xfrm>
+            <a:off x="1600199" y="1238229"/>
+            <a:ext cx="5515535" cy="3187815"/>
+          </a:xfrm>
+          <a:prstGeom prst="rect">
+            <a:avLst/>
+          </a:prstGeom>
+          <a:noFill/>
+          <a:extLst>
+            <a:ext uri="{909E8E84-426E-40DD-AFC4-6F175D3DCCD1}">
+              <a14:hiddenFill xmlns:a14="http://schemas.microsoft.com/office/drawing/2010/main">
+                <a:solidFill>
+                  <a:srgbClr val="FFFFFF"/>
+                </a:solidFill>
+              </a14:hiddenFill>
+            </a:ext>
+          </a:extLst>
+        </p:spPr>
+      </p:pic>
+    </p:spTree>
+    <p:extLst>
+      <p:ext uri="{BB962C8B-B14F-4D97-AF65-F5344CB8AC3E}">
+        <p14:creationId xmlns:p14="http://schemas.microsoft.com/office/powerpoint/2010/main" val="853089160"/>
+      </p:ext>
+    </p:extLst>
+  </p:cSld>
+  <p:clrMapOvr>
+    <a:masterClrMapping/>
+  </p:clrMapOvr>
+</p:sld>
+</file>
+
+<file path=ppt/slides/slide21.xml><?xml version="1.0" encoding="utf-8"?>
+<p:sld xmlns:a="http://schemas.openxmlformats.org/drawingml/2006/main" xmlns:r="http://schemas.openxmlformats.org/officeDocument/2006/relationships" xmlns:p="http://schemas.openxmlformats.org/presentationml/2006/main">
+  <p:cSld>
+    <p:spTree>
+      <p:nvGrpSpPr>
+        <p:cNvPr id="1" name=""/>
+        <p:cNvGrpSpPr/>
+        <p:nvPr/>
+      </p:nvGrpSpPr>
+      <p:grpSpPr>
+        <a:xfrm>
+          <a:off x="0" y="0"/>
+          <a:ext cx="0" cy="0"/>
+          <a:chOff x="0" y="0"/>
+          <a:chExt cx="0" cy="0"/>
+        </a:xfrm>
+      </p:grpSpPr>
+      <p:sp>
+        <p:nvSpPr>
+          <p:cNvPr id="2" name="Заголовок 1">
+            <a:extLst>
+              <a:ext uri="{FF2B5EF4-FFF2-40B4-BE49-F238E27FC236}">
+                <a16:creationId xmlns:a16="http://schemas.microsoft.com/office/drawing/2014/main" id="{BF8EE9D0-0305-4DAD-A8A5-E3E71B917267}"/>
+              </a:ext>
+            </a:extLst>
+          </p:cNvPr>
+          <p:cNvSpPr>
+            <a:spLocks noGrp="1"/>
+          </p:cNvSpPr>
+          <p:nvPr>
+            <p:ph type="title"/>
+          </p:nvPr>
+        </p:nvSpPr>
+        <p:spPr>
+          <a:xfrm>
+            <a:off x="311700" y="243319"/>
+            <a:ext cx="8520600" cy="572700"/>
+          </a:xfrm>
+        </p:spPr>
+        <p:txBody>
+          <a:bodyPr/>
+          <a:lstStyle/>
+          <a:p>
+            <a:r>
+              <a:rPr lang="en-US" b="1" dirty="0">
+                <a:effectLst>
+                  <a:outerShdw blurRad="38100" dist="38100" dir="2700000" algn="tl">
+                    <a:srgbClr val="000000">
+                      <a:alpha val="43137"/>
+                    </a:srgbClr>
+                  </a:outerShdw>
+                </a:effectLst>
+              </a:rPr>
+              <a:t>Use Cases: Request Validation</a:t>
+            </a:r>
+            <a:br>
+              <a:rPr lang="en-US" b="1" i="0" dirty="0">
+                <a:solidFill>
+                  <a:srgbClr val="1F2328"/>
+                </a:solidFill>
+                <a:effectLst/>
+                <a:latin typeface="-apple-system"/>
+              </a:rPr>
+            </a:br>
+            <a:endParaRPr lang="ru-RU" b="1" dirty="0">
+              <a:effectLst>
+                <a:outerShdw blurRad="38100" dist="38100" dir="2700000" algn="tl">
+                  <a:srgbClr val="000000">
+                    <a:alpha val="43137"/>
+                  </a:srgbClr>
+                </a:outerShdw>
+              </a:effectLst>
+            </a:endParaRPr>
+          </a:p>
+        </p:txBody>
+      </p:sp>
+      <p:sp>
+        <p:nvSpPr>
+          <p:cNvPr id="3" name="Номер слайда 2">
+            <a:extLst>
+              <a:ext uri="{FF2B5EF4-FFF2-40B4-BE49-F238E27FC236}">
+                <a16:creationId xmlns:a16="http://schemas.microsoft.com/office/drawing/2014/main" id="{09FB8480-1FB4-49A4-B531-A9B589ECD31D}"/>
+              </a:ext>
+            </a:extLst>
+          </p:cNvPr>
+          <p:cNvSpPr>
+            <a:spLocks noGrp="1"/>
+          </p:cNvSpPr>
+          <p:nvPr>
+            <p:ph type="sldNum" idx="12"/>
+          </p:nvPr>
+        </p:nvSpPr>
+        <p:spPr/>
+        <p:txBody>
+          <a:bodyPr/>
+          <a:lstStyle/>
+          <a:p>
+            <a:pPr marL="0" lvl="0" indent="0" algn="r" rtl="0">
+              <a:spcBef>
+                <a:spcPts val="0"/>
+              </a:spcBef>
+              <a:spcAft>
+                <a:spcPts val="0"/>
+              </a:spcAft>
+              <a:buNone/>
+            </a:pPr>
+            <a:fld id="{00000000-1234-1234-1234-123412341234}" type="slidenum">
+              <a:rPr lang="en-GB" smtClean="0"/>
+              <a:t>21</a:t>
+            </a:fld>
+            <a:endParaRPr lang="en-GB"/>
+          </a:p>
+        </p:txBody>
+      </p:sp>
+      <p:pic>
+        <p:nvPicPr>
+          <p:cNvPr id="7170" name="Picture 2" descr="UC Request Validation">
+            <a:extLst>
+              <a:ext uri="{FF2B5EF4-FFF2-40B4-BE49-F238E27FC236}">
+                <a16:creationId xmlns:a16="http://schemas.microsoft.com/office/drawing/2014/main" id="{10A1CB11-0894-4295-A365-EFD38A72EEAD}"/>
+              </a:ext>
+            </a:extLst>
+          </p:cNvPr>
+          <p:cNvPicPr>
+            <a:picLocks noChangeAspect="1" noChangeArrowheads="1"/>
+          </p:cNvPicPr>
+          <p:nvPr/>
+        </p:nvPicPr>
+        <p:blipFill>
+          <a:blip r:embed="rId2">
+            <a:extLst>
+              <a:ext uri="{28A0092B-C50C-407E-A947-70E740481C1C}">
+                <a14:useLocalDpi xmlns:a14="http://schemas.microsoft.com/office/drawing/2010/main" val="0"/>
+              </a:ext>
+            </a:extLst>
+          </a:blip>
+          <a:srcRect/>
+          <a:stretch>
+            <a:fillRect/>
+          </a:stretch>
+        </p:blipFill>
+        <p:spPr bwMode="auto">
+          <a:xfrm>
+            <a:off x="2200275" y="1299603"/>
+            <a:ext cx="4743450" cy="3095625"/>
+          </a:xfrm>
+          <a:prstGeom prst="rect">
+            <a:avLst/>
+          </a:prstGeom>
+          <a:noFill/>
+          <a:extLst>
+            <a:ext uri="{909E8E84-426E-40DD-AFC4-6F175D3DCCD1}">
+              <a14:hiddenFill xmlns:a14="http://schemas.microsoft.com/office/drawing/2010/main">
+                <a:solidFill>
+                  <a:srgbClr val="FFFFFF"/>
+                </a:solidFill>
+              </a14:hiddenFill>
+            </a:ext>
+          </a:extLst>
+        </p:spPr>
+      </p:pic>
+    </p:spTree>
+    <p:extLst>
+      <p:ext uri="{BB962C8B-B14F-4D97-AF65-F5344CB8AC3E}">
+        <p14:creationId xmlns:p14="http://schemas.microsoft.com/office/powerpoint/2010/main" val="1212226678"/>
+      </p:ext>
+    </p:extLst>
+  </p:cSld>
+  <p:clrMapOvr>
+    <a:masterClrMapping/>
+  </p:clrMapOvr>
+</p:sld>
+</file>
+
+<file path=ppt/slides/slide22.xml><?xml version="1.0" encoding="utf-8"?>
+<p:sld xmlns:a="http://schemas.openxmlformats.org/drawingml/2006/main" xmlns:r="http://schemas.openxmlformats.org/officeDocument/2006/relationships" xmlns:p="http://schemas.openxmlformats.org/presentationml/2006/main">
+  <p:cSld>
+    <p:spTree>
+      <p:nvGrpSpPr>
+        <p:cNvPr id="1" name=""/>
+        <p:cNvGrpSpPr/>
+        <p:nvPr/>
+      </p:nvGrpSpPr>
+      <p:grpSpPr>
+        <a:xfrm>
+          <a:off x="0" y="0"/>
+          <a:ext cx="0" cy="0"/>
+          <a:chOff x="0" y="0"/>
+          <a:chExt cx="0" cy="0"/>
+        </a:xfrm>
+      </p:grpSpPr>
+      <p:sp>
+        <p:nvSpPr>
+          <p:cNvPr id="2" name="Заголовок 1">
+            <a:extLst>
+              <a:ext uri="{FF2B5EF4-FFF2-40B4-BE49-F238E27FC236}">
+                <a16:creationId xmlns:a16="http://schemas.microsoft.com/office/drawing/2014/main" id="{BF8EE9D0-0305-4DAD-A8A5-E3E71B917267}"/>
+              </a:ext>
+            </a:extLst>
+          </p:cNvPr>
+          <p:cNvSpPr>
+            <a:spLocks noGrp="1"/>
+          </p:cNvSpPr>
+          <p:nvPr>
+            <p:ph type="title"/>
+          </p:nvPr>
+        </p:nvSpPr>
+        <p:spPr>
+          <a:xfrm>
+            <a:off x="311700" y="243319"/>
+            <a:ext cx="8520600" cy="572700"/>
+          </a:xfrm>
+        </p:spPr>
+        <p:txBody>
+          <a:bodyPr/>
+          <a:lstStyle/>
+          <a:p>
+            <a:r>
+              <a:rPr lang="en-US" b="1" dirty="0">
+                <a:effectLst>
+                  <a:outerShdw blurRad="38100" dist="38100" dir="2700000" algn="tl">
+                    <a:srgbClr val="000000">
+                      <a:alpha val="43137"/>
+                    </a:srgbClr>
+                  </a:outerShdw>
+                </a:effectLst>
+              </a:rPr>
+              <a:t>Use Cases: Responses Caching</a:t>
+            </a:r>
+            <a:endParaRPr lang="ru-RU" b="1" dirty="0">
+              <a:effectLst>
+                <a:outerShdw blurRad="38100" dist="38100" dir="2700000" algn="tl">
+                  <a:srgbClr val="000000">
+                    <a:alpha val="43137"/>
+                  </a:srgbClr>
+                </a:outerShdw>
+              </a:effectLst>
+            </a:endParaRPr>
+          </a:p>
+        </p:txBody>
+      </p:sp>
+      <p:sp>
+        <p:nvSpPr>
+          <p:cNvPr id="3" name="Номер слайда 2">
+            <a:extLst>
+              <a:ext uri="{FF2B5EF4-FFF2-40B4-BE49-F238E27FC236}">
+                <a16:creationId xmlns:a16="http://schemas.microsoft.com/office/drawing/2014/main" id="{09FB8480-1FB4-49A4-B531-A9B589ECD31D}"/>
+              </a:ext>
+            </a:extLst>
+          </p:cNvPr>
+          <p:cNvSpPr>
+            <a:spLocks noGrp="1"/>
+          </p:cNvSpPr>
+          <p:nvPr>
+            <p:ph type="sldNum" idx="12"/>
+          </p:nvPr>
+        </p:nvSpPr>
+        <p:spPr/>
+        <p:txBody>
+          <a:bodyPr/>
+          <a:lstStyle/>
+          <a:p>
+            <a:pPr marL="0" lvl="0" indent="0" algn="r" rtl="0">
+              <a:spcBef>
+                <a:spcPts val="0"/>
+              </a:spcBef>
+              <a:spcAft>
+                <a:spcPts val="0"/>
+              </a:spcAft>
+              <a:buNone/>
+            </a:pPr>
+            <a:fld id="{00000000-1234-1234-1234-123412341234}" type="slidenum">
+              <a:rPr lang="en-GB" smtClean="0"/>
+              <a:t>22</a:t>
             </a:fld>
             <a:endParaRPr lang="en-GB"/>
           </a:p>
@@ -10282,7 +10888,7 @@
 </p:sld>
 </file>
 
-<file path=ppt/slides/slide21.xml><?xml version="1.0" encoding="utf-8"?>
+<file path=ppt/slides/slide23.xml><?xml version="1.0" encoding="utf-8"?>
 <p:sld xmlns:a="http://schemas.openxmlformats.org/drawingml/2006/main" xmlns:r="http://schemas.openxmlformats.org/officeDocument/2006/relationships" xmlns:p="http://schemas.openxmlformats.org/presentationml/2006/main">
   <p:cSld>
     <p:spTree>
@@ -10381,7 +10987,7 @@
             </a:pPr>
             <a:fld id="{00000000-1234-1234-1234-123412341234}" type="slidenum">
               <a:rPr lang="en-GB" smtClean="0"/>
-              <a:t>21</a:t>
+              <a:t>23</a:t>
             </a:fld>
             <a:endParaRPr lang="en-GB"/>
           </a:p>
@@ -10447,7 +11053,7 @@
 </p:sld>
 </file>
 
-<file path=ppt/slides/slide22.xml><?xml version="1.0" encoding="utf-8"?>
+<file path=ppt/slides/slide24.xml><?xml version="1.0" encoding="utf-8"?>
 <p:sld xmlns:a="http://schemas.openxmlformats.org/drawingml/2006/main" xmlns:r="http://schemas.openxmlformats.org/officeDocument/2006/relationships" xmlns:p="http://schemas.openxmlformats.org/presentationml/2006/main">
   <p:cSld>
     <p:spTree>
@@ -10546,7 +11152,7 @@
             </a:pPr>
             <a:fld id="{00000000-1234-1234-1234-123412341234}" type="slidenum">
               <a:rPr lang="en-GB" smtClean="0"/>
-              <a:t>22</a:t>
+              <a:t>24</a:t>
             </a:fld>
             <a:endParaRPr lang="en-GB"/>
           </a:p>
@@ -10612,7 +11218,7 @@
 </p:sld>
 </file>
 
-<file path=ppt/slides/slide23.xml><?xml version="1.0" encoding="utf-8"?>
+<file path=ppt/slides/slide25.xml><?xml version="1.0" encoding="utf-8"?>
 <p:sld xmlns:a="http://schemas.openxmlformats.org/drawingml/2006/main" xmlns:r="http://schemas.openxmlformats.org/officeDocument/2006/relationships" xmlns:p="http://schemas.openxmlformats.org/presentationml/2006/main">
   <p:cSld>
     <p:spTree>
@@ -10711,7 +11317,7 @@
             </a:pPr>
             <a:fld id="{00000000-1234-1234-1234-123412341234}" type="slidenum">
               <a:rPr lang="en-GB" smtClean="0"/>
-              <a:t>23</a:t>
+              <a:t>25</a:t>
             </a:fld>
             <a:endParaRPr lang="en-GB"/>
           </a:p>
@@ -10777,7 +11383,7 @@
 </p:sld>
 </file>
 
-<file path=ppt/slides/slide24.xml><?xml version="1.0" encoding="utf-8"?>
+<file path=ppt/slides/slide26.xml><?xml version="1.0" encoding="utf-8"?>
 <p:sld xmlns:a="http://schemas.openxmlformats.org/drawingml/2006/main" xmlns:r="http://schemas.openxmlformats.org/officeDocument/2006/relationships" xmlns:p="http://schemas.openxmlformats.org/presentationml/2006/main">
   <p:cSld>
     <p:spTree>
@@ -10876,7 +11482,7 @@
             </a:pPr>
             <a:fld id="{00000000-1234-1234-1234-123412341234}" type="slidenum">
               <a:rPr lang="en-GB" smtClean="0"/>
-              <a:t>24</a:t>
+              <a:t>26</a:t>
             </a:fld>
             <a:endParaRPr lang="en-GB"/>
           </a:p>
@@ -10947,297 +11553,6 @@
   <p:cSld>
     <p:spTree>
       <p:nvGrpSpPr>
-        <p:cNvPr id="1" name="Shape 65"/>
-        <p:cNvGrpSpPr/>
-        <p:nvPr/>
-      </p:nvGrpSpPr>
-      <p:grpSpPr>
-        <a:xfrm>
-          <a:off x="0" y="0"/>
-          <a:ext cx="0" cy="0"/>
-          <a:chOff x="0" y="0"/>
-          <a:chExt cx="0" cy="0"/>
-        </a:xfrm>
-      </p:grpSpPr>
-      <p:sp>
-        <p:nvSpPr>
-          <p:cNvPr id="66" name="Google Shape;66;p15"/>
-          <p:cNvSpPr txBox="1">
-            <a:spLocks noGrp="1"/>
-          </p:cNvSpPr>
-          <p:nvPr>
-            <p:ph type="title"/>
-          </p:nvPr>
-        </p:nvSpPr>
-        <p:spPr>
-          <a:xfrm>
-            <a:off x="252575" y="140425"/>
-            <a:ext cx="8520600" cy="572700"/>
-          </a:xfrm>
-          <a:prstGeom prst="rect">
-            <a:avLst/>
-          </a:prstGeom>
-        </p:spPr>
-        <p:txBody>
-          <a:bodyPr spcFirstLastPara="1" wrap="square" lIns="91425" tIns="91425" rIns="91425" bIns="91425" anchor="t" anchorCtr="0">
-            <a:noAutofit/>
-          </a:bodyPr>
-          <a:lstStyle/>
-          <a:p>
-            <a:pPr marL="0" lvl="0" indent="0" algn="l" rtl="0">
-              <a:spcBef>
-                <a:spcPts val="0"/>
-              </a:spcBef>
-              <a:spcAft>
-                <a:spcPts val="0"/>
-              </a:spcAft>
-              <a:buNone/>
-            </a:pPr>
-            <a:r>
-              <a:rPr lang="en-GB" b="1" dirty="0">
-                <a:effectLst>
-                  <a:outerShdw blurRad="38100" dist="38100" dir="2700000" algn="tl">
-                    <a:srgbClr val="000000">
-                      <a:alpha val="43137"/>
-                    </a:srgbClr>
-                  </a:outerShdw>
-                </a:effectLst>
-              </a:rPr>
-              <a:t>Roles</a:t>
-            </a:r>
-            <a:endParaRPr b="1" dirty="0">
-              <a:effectLst>
-                <a:outerShdw blurRad="38100" dist="38100" dir="2700000" algn="tl">
-                  <a:srgbClr val="000000">
-                    <a:alpha val="43137"/>
-                  </a:srgbClr>
-                </a:outerShdw>
-              </a:effectLst>
-            </a:endParaRPr>
-          </a:p>
-        </p:txBody>
-      </p:sp>
-      <p:sp>
-        <p:nvSpPr>
-          <p:cNvPr id="67" name="Google Shape;67;p15"/>
-          <p:cNvSpPr txBox="1">
-            <a:spLocks noGrp="1"/>
-          </p:cNvSpPr>
-          <p:nvPr>
-            <p:ph type="body" idx="1"/>
-          </p:nvPr>
-        </p:nvSpPr>
-        <p:spPr>
-          <a:xfrm>
-            <a:off x="4867836" y="1277470"/>
-            <a:ext cx="3939988" cy="3012142"/>
-          </a:xfrm>
-          <a:prstGeom prst="rect">
-            <a:avLst/>
-          </a:prstGeom>
-        </p:spPr>
-        <p:txBody>
-          <a:bodyPr spcFirstLastPara="1" wrap="square" lIns="91425" tIns="91425" rIns="91425" bIns="91425" anchor="t" anchorCtr="0">
-            <a:noAutofit/>
-          </a:bodyPr>
-          <a:lstStyle/>
-          <a:p>
-            <a:pPr marL="0" lvl="0" indent="0" algn="just" rtl="0">
-              <a:spcBef>
-                <a:spcPts val="0"/>
-              </a:spcBef>
-              <a:spcAft>
-                <a:spcPts val="0"/>
-              </a:spcAft>
-              <a:buNone/>
-            </a:pPr>
-            <a:r>
-              <a:rPr lang="en-US" b="1" dirty="0">
-                <a:solidFill>
-                  <a:schemeClr val="tx1"/>
-                </a:solidFill>
-              </a:rPr>
-              <a:t>API Consumer</a:t>
-            </a:r>
-          </a:p>
-          <a:p>
-            <a:pPr marL="0" lvl="0" indent="0" algn="just" rtl="0">
-              <a:spcBef>
-                <a:spcPts val="0"/>
-              </a:spcBef>
-              <a:spcAft>
-                <a:spcPts val="0"/>
-              </a:spcAft>
-              <a:buNone/>
-            </a:pPr>
-            <a:endParaRPr lang="en-US" b="1" dirty="0">
-              <a:solidFill>
-                <a:schemeClr val="tx1"/>
-              </a:solidFill>
-            </a:endParaRPr>
-          </a:p>
-          <a:p>
-            <a:pPr marL="0" lvl="0" indent="0" algn="just" rtl="0">
-              <a:spcBef>
-                <a:spcPts val="0"/>
-              </a:spcBef>
-              <a:spcAft>
-                <a:spcPts val="0"/>
-              </a:spcAft>
-              <a:buNone/>
-            </a:pPr>
-            <a:r>
-              <a:rPr lang="en-US" b="1" dirty="0">
-                <a:solidFill>
-                  <a:schemeClr val="tx1"/>
-                </a:solidFill>
-              </a:rPr>
-              <a:t>Description:</a:t>
-            </a:r>
-            <a:r>
-              <a:rPr lang="en-US" dirty="0">
-                <a:solidFill>
-                  <a:schemeClr val="tx1"/>
-                </a:solidFill>
-              </a:rPr>
-              <a:t> This role includes all users interacting with APIs to integrate ML models into their applications. They want to access reliable and well-documented APIs, enabling seamless integration of ML models into their business applications and ensuring optimal performance and usability.</a:t>
-            </a:r>
-            <a:endParaRPr dirty="0">
-              <a:solidFill>
-                <a:schemeClr val="tx1"/>
-              </a:solidFill>
-            </a:endParaRPr>
-          </a:p>
-        </p:txBody>
-      </p:sp>
-      <p:sp>
-        <p:nvSpPr>
-          <p:cNvPr id="70" name="Google Shape;70;p15"/>
-          <p:cNvSpPr txBox="1">
-            <a:spLocks noGrp="1"/>
-          </p:cNvSpPr>
-          <p:nvPr>
-            <p:ph type="body" idx="1"/>
-          </p:nvPr>
-        </p:nvSpPr>
-        <p:spPr>
-          <a:xfrm>
-            <a:off x="336176" y="1277470"/>
-            <a:ext cx="4034118" cy="3160059"/>
-          </a:xfrm>
-          <a:prstGeom prst="rect">
-            <a:avLst/>
-          </a:prstGeom>
-        </p:spPr>
-        <p:txBody>
-          <a:bodyPr spcFirstLastPara="1" wrap="square" lIns="91425" tIns="91425" rIns="91425" bIns="91425" anchor="t" anchorCtr="0">
-            <a:noAutofit/>
-          </a:bodyPr>
-          <a:lstStyle/>
-          <a:p>
-            <a:pPr marL="139700" indent="0">
-              <a:buNone/>
-            </a:pPr>
-            <a:r>
-              <a:rPr lang="en-US" b="1" dirty="0">
-                <a:solidFill>
-                  <a:schemeClr val="tx1"/>
-                </a:solidFill>
-              </a:rPr>
-              <a:t>ML Engineer</a:t>
-            </a:r>
-            <a:endParaRPr lang="ru-RU" b="1" dirty="0">
-              <a:solidFill>
-                <a:schemeClr val="tx1"/>
-              </a:solidFill>
-            </a:endParaRPr>
-          </a:p>
-          <a:p>
-            <a:pPr marL="139700" indent="0">
-              <a:buNone/>
-            </a:pPr>
-            <a:br>
-              <a:rPr lang="en-US" dirty="0">
-                <a:solidFill>
-                  <a:schemeClr val="tx1"/>
-                </a:solidFill>
-              </a:rPr>
-            </a:br>
-            <a:r>
-              <a:rPr lang="en-US" b="1" dirty="0">
-                <a:solidFill>
-                  <a:schemeClr val="tx1"/>
-                </a:solidFill>
-              </a:rPr>
-              <a:t>Description:</a:t>
-            </a:r>
-            <a:r>
-              <a:rPr lang="en-US" dirty="0">
-                <a:solidFill>
-                  <a:schemeClr val="tx1"/>
-                </a:solidFill>
-              </a:rPr>
-              <a:t> This role joins professionals involved in the development, deployment, and monitoring of ML models. They want to simplify the deployment process, automate API documentation, and ensure efficient request validation and caching, ultimately enhancing their workflow and model performance.</a:t>
-            </a:r>
-          </a:p>
-        </p:txBody>
-      </p:sp>
-      <p:sp>
-        <p:nvSpPr>
-          <p:cNvPr id="2" name="Slide Number Placeholder 1">
-            <a:extLst>
-              <a:ext uri="{FF2B5EF4-FFF2-40B4-BE49-F238E27FC236}">
-                <a16:creationId xmlns:a16="http://schemas.microsoft.com/office/drawing/2014/main" id="{05C977C6-4975-4B70-96F3-A175120220AB}"/>
-              </a:ext>
-            </a:extLst>
-          </p:cNvPr>
-          <p:cNvSpPr>
-            <a:spLocks noGrp="1"/>
-          </p:cNvSpPr>
-          <p:nvPr>
-            <p:ph type="sldNum" idx="12"/>
-          </p:nvPr>
-        </p:nvSpPr>
-        <p:spPr/>
-        <p:txBody>
-          <a:bodyPr/>
-          <a:lstStyle/>
-          <a:p>
-            <a:pPr marL="0" lvl="0" indent="0" algn="r" rtl="0">
-              <a:spcBef>
-                <a:spcPts val="0"/>
-              </a:spcBef>
-              <a:spcAft>
-                <a:spcPts val="0"/>
-              </a:spcAft>
-              <a:buNone/>
-            </a:pPr>
-            <a:fld id="{00000000-1234-1234-1234-123412341234}" type="slidenum">
-              <a:rPr lang="en-GB" smtClean="0"/>
-              <a:t>3</a:t>
-            </a:fld>
-            <a:endParaRPr lang="en-GB"/>
-          </a:p>
-        </p:txBody>
-      </p:sp>
-    </p:spTree>
-    <p:extLst>
-      <p:ext uri="{BB962C8B-B14F-4D97-AF65-F5344CB8AC3E}">
-        <p14:creationId xmlns:p14="http://schemas.microsoft.com/office/powerpoint/2010/main" val="1156978264"/>
-      </p:ext>
-    </p:extLst>
-  </p:cSld>
-  <p:clrMapOvr>
-    <a:masterClrMapping/>
-  </p:clrMapOvr>
-</p:sld>
-</file>
-
-<file path=ppt/slides/slide4.xml><?xml version="1.0" encoding="utf-8"?>
-<p:sld xmlns:a="http://schemas.openxmlformats.org/drawingml/2006/main" xmlns:r="http://schemas.openxmlformats.org/officeDocument/2006/relationships" xmlns:p="http://schemas.openxmlformats.org/presentationml/2006/main">
-  <p:cSld>
-    <p:spTree>
-      <p:nvGrpSpPr>
         <p:cNvPr id="1" name=""/>
         <p:cNvGrpSpPr/>
         <p:nvPr/>
@@ -11793,7 +12108,7 @@
             </a:pPr>
             <a:fld id="{00000000-1234-1234-1234-123412341234}" type="slidenum">
               <a:rPr lang="en-GB" smtClean="0"/>
-              <a:t>4</a:t>
+              <a:t>3</a:t>
             </a:fld>
             <a:endParaRPr lang="en-GB"/>
           </a:p>
@@ -11962,7 +12277,7 @@
 </p:sld>
 </file>
 
-<file path=ppt/slides/slide5.xml><?xml version="1.0" encoding="utf-8"?>
+<file path=ppt/slides/slide4.xml><?xml version="1.0" encoding="utf-8"?>
 <p:sld xmlns:a="http://schemas.openxmlformats.org/drawingml/2006/main" xmlns:r="http://schemas.openxmlformats.org/officeDocument/2006/relationships" xmlns:p="http://schemas.openxmlformats.org/presentationml/2006/main">
   <p:cSld>
     <p:spTree>
@@ -12444,7 +12759,7 @@
             </a:pPr>
             <a:fld id="{00000000-1234-1234-1234-123412341234}" type="slidenum">
               <a:rPr lang="en-GB" smtClean="0"/>
-              <a:t>5</a:t>
+              <a:t>4</a:t>
             </a:fld>
             <a:endParaRPr lang="en-GB"/>
           </a:p>
@@ -12562,6 +12877,297 @@
     <p:extLst>
       <p:ext uri="{BB962C8B-B14F-4D97-AF65-F5344CB8AC3E}">
         <p14:creationId xmlns:p14="http://schemas.microsoft.com/office/powerpoint/2010/main" val="2691937146"/>
+      </p:ext>
+    </p:extLst>
+  </p:cSld>
+  <p:clrMapOvr>
+    <a:masterClrMapping/>
+  </p:clrMapOvr>
+</p:sld>
+</file>
+
+<file path=ppt/slides/slide5.xml><?xml version="1.0" encoding="utf-8"?>
+<p:sld xmlns:a="http://schemas.openxmlformats.org/drawingml/2006/main" xmlns:r="http://schemas.openxmlformats.org/officeDocument/2006/relationships" xmlns:p="http://schemas.openxmlformats.org/presentationml/2006/main">
+  <p:cSld>
+    <p:spTree>
+      <p:nvGrpSpPr>
+        <p:cNvPr id="1" name="Shape 65"/>
+        <p:cNvGrpSpPr/>
+        <p:nvPr/>
+      </p:nvGrpSpPr>
+      <p:grpSpPr>
+        <a:xfrm>
+          <a:off x="0" y="0"/>
+          <a:ext cx="0" cy="0"/>
+          <a:chOff x="0" y="0"/>
+          <a:chExt cx="0" cy="0"/>
+        </a:xfrm>
+      </p:grpSpPr>
+      <p:sp>
+        <p:nvSpPr>
+          <p:cNvPr id="66" name="Google Shape;66;p15"/>
+          <p:cNvSpPr txBox="1">
+            <a:spLocks noGrp="1"/>
+          </p:cNvSpPr>
+          <p:nvPr>
+            <p:ph type="title"/>
+          </p:nvPr>
+        </p:nvSpPr>
+        <p:spPr>
+          <a:xfrm>
+            <a:off x="252575" y="140425"/>
+            <a:ext cx="8520600" cy="572700"/>
+          </a:xfrm>
+          <a:prstGeom prst="rect">
+            <a:avLst/>
+          </a:prstGeom>
+        </p:spPr>
+        <p:txBody>
+          <a:bodyPr spcFirstLastPara="1" wrap="square" lIns="91425" tIns="91425" rIns="91425" bIns="91425" anchor="t" anchorCtr="0">
+            <a:noAutofit/>
+          </a:bodyPr>
+          <a:lstStyle/>
+          <a:p>
+            <a:pPr marL="0" lvl="0" indent="0" algn="l" rtl="0">
+              <a:spcBef>
+                <a:spcPts val="0"/>
+              </a:spcBef>
+              <a:spcAft>
+                <a:spcPts val="0"/>
+              </a:spcAft>
+              <a:buNone/>
+            </a:pPr>
+            <a:r>
+              <a:rPr lang="en-GB" b="1" dirty="0">
+                <a:effectLst>
+                  <a:outerShdw blurRad="38100" dist="38100" dir="2700000" algn="tl">
+                    <a:srgbClr val="000000">
+                      <a:alpha val="43137"/>
+                    </a:srgbClr>
+                  </a:outerShdw>
+                </a:effectLst>
+              </a:rPr>
+              <a:t>Roles</a:t>
+            </a:r>
+            <a:endParaRPr b="1" dirty="0">
+              <a:effectLst>
+                <a:outerShdw blurRad="38100" dist="38100" dir="2700000" algn="tl">
+                  <a:srgbClr val="000000">
+                    <a:alpha val="43137"/>
+                  </a:srgbClr>
+                </a:outerShdw>
+              </a:effectLst>
+            </a:endParaRPr>
+          </a:p>
+        </p:txBody>
+      </p:sp>
+      <p:sp>
+        <p:nvSpPr>
+          <p:cNvPr id="67" name="Google Shape;67;p15"/>
+          <p:cNvSpPr txBox="1">
+            <a:spLocks noGrp="1"/>
+          </p:cNvSpPr>
+          <p:nvPr>
+            <p:ph type="body" idx="1"/>
+          </p:nvPr>
+        </p:nvSpPr>
+        <p:spPr>
+          <a:xfrm>
+            <a:off x="4867836" y="1277470"/>
+            <a:ext cx="3939988" cy="3012142"/>
+          </a:xfrm>
+          <a:prstGeom prst="rect">
+            <a:avLst/>
+          </a:prstGeom>
+        </p:spPr>
+        <p:txBody>
+          <a:bodyPr spcFirstLastPara="1" wrap="square" lIns="91425" tIns="91425" rIns="91425" bIns="91425" anchor="t" anchorCtr="0">
+            <a:noAutofit/>
+          </a:bodyPr>
+          <a:lstStyle/>
+          <a:p>
+            <a:pPr marL="0" lvl="0" indent="0" algn="just" rtl="0">
+              <a:spcBef>
+                <a:spcPts val="0"/>
+              </a:spcBef>
+              <a:spcAft>
+                <a:spcPts val="0"/>
+              </a:spcAft>
+              <a:buNone/>
+            </a:pPr>
+            <a:r>
+              <a:rPr lang="en-US" b="1" dirty="0">
+                <a:solidFill>
+                  <a:schemeClr val="tx1"/>
+                </a:solidFill>
+              </a:rPr>
+              <a:t>API Consumer</a:t>
+            </a:r>
+          </a:p>
+          <a:p>
+            <a:pPr marL="0" lvl="0" indent="0" algn="just" rtl="0">
+              <a:spcBef>
+                <a:spcPts val="0"/>
+              </a:spcBef>
+              <a:spcAft>
+                <a:spcPts val="0"/>
+              </a:spcAft>
+              <a:buNone/>
+            </a:pPr>
+            <a:endParaRPr lang="en-US" b="1" dirty="0">
+              <a:solidFill>
+                <a:schemeClr val="tx1"/>
+              </a:solidFill>
+            </a:endParaRPr>
+          </a:p>
+          <a:p>
+            <a:pPr marL="0" lvl="0" indent="0" algn="just" rtl="0">
+              <a:spcBef>
+                <a:spcPts val="0"/>
+              </a:spcBef>
+              <a:spcAft>
+                <a:spcPts val="0"/>
+              </a:spcAft>
+              <a:buNone/>
+            </a:pPr>
+            <a:r>
+              <a:rPr lang="en-US" b="1" dirty="0">
+                <a:solidFill>
+                  <a:schemeClr val="tx1"/>
+                </a:solidFill>
+              </a:rPr>
+              <a:t>Description:</a:t>
+            </a:r>
+            <a:r>
+              <a:rPr lang="en-US" dirty="0">
+                <a:solidFill>
+                  <a:schemeClr val="tx1"/>
+                </a:solidFill>
+              </a:rPr>
+              <a:t> This role includes all users interacting with APIs to integrate ML models into their applications. They want to access reliable and well-documented APIs, enabling seamless integration of ML models into their business applications and ensuring optimal performance and usability.</a:t>
+            </a:r>
+            <a:endParaRPr dirty="0">
+              <a:solidFill>
+                <a:schemeClr val="tx1"/>
+              </a:solidFill>
+            </a:endParaRPr>
+          </a:p>
+        </p:txBody>
+      </p:sp>
+      <p:sp>
+        <p:nvSpPr>
+          <p:cNvPr id="70" name="Google Shape;70;p15"/>
+          <p:cNvSpPr txBox="1">
+            <a:spLocks noGrp="1"/>
+          </p:cNvSpPr>
+          <p:nvPr>
+            <p:ph type="body" idx="1"/>
+          </p:nvPr>
+        </p:nvSpPr>
+        <p:spPr>
+          <a:xfrm>
+            <a:off x="336176" y="1277470"/>
+            <a:ext cx="4034118" cy="3160059"/>
+          </a:xfrm>
+          <a:prstGeom prst="rect">
+            <a:avLst/>
+          </a:prstGeom>
+        </p:spPr>
+        <p:txBody>
+          <a:bodyPr spcFirstLastPara="1" wrap="square" lIns="91425" tIns="91425" rIns="91425" bIns="91425" anchor="t" anchorCtr="0">
+            <a:noAutofit/>
+          </a:bodyPr>
+          <a:lstStyle/>
+          <a:p>
+            <a:pPr marL="139700" indent="0">
+              <a:buNone/>
+            </a:pPr>
+            <a:r>
+              <a:rPr lang="en-US" b="1" dirty="0">
+                <a:solidFill>
+                  <a:schemeClr val="tx1"/>
+                </a:solidFill>
+              </a:rPr>
+              <a:t>ML Engineer</a:t>
+            </a:r>
+            <a:endParaRPr lang="ru-RU" b="1" dirty="0">
+              <a:solidFill>
+                <a:schemeClr val="tx1"/>
+              </a:solidFill>
+            </a:endParaRPr>
+          </a:p>
+          <a:p>
+            <a:pPr marL="139700" indent="0" algn="just">
+              <a:buNone/>
+            </a:pPr>
+            <a:br>
+              <a:rPr lang="en-US" dirty="0">
+                <a:solidFill>
+                  <a:schemeClr val="tx1"/>
+                </a:solidFill>
+              </a:rPr>
+            </a:br>
+            <a:r>
+              <a:rPr lang="en-US" b="1" dirty="0">
+                <a:solidFill>
+                  <a:schemeClr val="tx1"/>
+                </a:solidFill>
+              </a:rPr>
+              <a:t>Description:</a:t>
+            </a:r>
+            <a:r>
+              <a:rPr lang="en-US" dirty="0">
+                <a:solidFill>
+                  <a:schemeClr val="tx1"/>
+                </a:solidFill>
+              </a:rPr>
+              <a:t> This role joins professionals involved in the development, deployment, and monitoring of ML models. They want to simplify the deployment process, automate API documentation, and ensure efficient request validation and caching, ultimately enhancing their workflow and model performance.</a:t>
+            </a:r>
+          </a:p>
+        </p:txBody>
+      </p:sp>
+      <p:sp>
+        <p:nvSpPr>
+          <p:cNvPr id="2" name="Slide Number Placeholder 1">
+            <a:extLst>
+              <a:ext uri="{FF2B5EF4-FFF2-40B4-BE49-F238E27FC236}">
+                <a16:creationId xmlns:a16="http://schemas.microsoft.com/office/drawing/2014/main" id="{05C977C6-4975-4B70-96F3-A175120220AB}"/>
+              </a:ext>
+            </a:extLst>
+          </p:cNvPr>
+          <p:cNvSpPr>
+            <a:spLocks noGrp="1"/>
+          </p:cNvSpPr>
+          <p:nvPr>
+            <p:ph type="sldNum" idx="12"/>
+          </p:nvPr>
+        </p:nvSpPr>
+        <p:spPr/>
+        <p:txBody>
+          <a:bodyPr/>
+          <a:lstStyle/>
+          <a:p>
+            <a:pPr marL="0" lvl="0" indent="0" algn="r" rtl="0">
+              <a:spcBef>
+                <a:spcPts val="0"/>
+              </a:spcBef>
+              <a:spcAft>
+                <a:spcPts val="0"/>
+              </a:spcAft>
+              <a:buNone/>
+            </a:pPr>
+            <a:fld id="{00000000-1234-1234-1234-123412341234}" type="slidenum">
+              <a:rPr lang="en-GB" smtClean="0"/>
+              <a:t>5</a:t>
+            </a:fld>
+            <a:endParaRPr lang="en-GB"/>
+          </a:p>
+        </p:txBody>
+      </p:sp>
+    </p:spTree>
+    <p:extLst>
+      <p:ext uri="{BB962C8B-B14F-4D97-AF65-F5344CB8AC3E}">
+        <p14:creationId xmlns:p14="http://schemas.microsoft.com/office/powerpoint/2010/main" val="1156978264"/>
       </p:ext>
     </p:extLst>
   </p:cSld>
@@ -12770,7 +13376,7 @@
         </p:nvSpPr>
         <p:spPr>
           <a:xfrm>
-            <a:off x="311700" y="194145"/>
+            <a:off x="228600" y="133948"/>
             <a:ext cx="8520600" cy="572700"/>
           </a:xfrm>
           <a:prstGeom prst="rect">
@@ -12925,7 +13531,7 @@
         </p:blipFill>
         <p:spPr bwMode="auto">
           <a:xfrm>
-            <a:off x="311700" y="1147730"/>
+            <a:off x="228600" y="1026707"/>
             <a:ext cx="8290112" cy="2963428"/>
           </a:xfrm>
           <a:prstGeom prst="rect">
@@ -13005,7 +13611,7 @@
             <a:r>
               <a:rPr lang="en-GB" b="1" dirty="0">
                 <a:solidFill>
-                  <a:srgbClr val="FF0000"/>
+                  <a:schemeClr val="tx1"/>
                 </a:solidFill>
                 <a:effectLst>
                   <a:outerShdw blurRad="38100" dist="38100" dir="2700000" algn="tl">
@@ -13019,7 +13625,7 @@
             </a:r>
             <a:endParaRPr b="1" dirty="0">
               <a:solidFill>
-                <a:srgbClr val="FF0000"/>
+                <a:schemeClr val="tx1"/>
               </a:solidFill>
               <a:effectLst>
                 <a:outerShdw blurRad="38100" dist="38100" dir="2700000" algn="tl">
@@ -13029,76 +13635,6 @@
                 </a:outerShdw>
               </a:effectLst>
             </a:endParaRPr>
-          </a:p>
-        </p:txBody>
-      </p:sp>
-      <p:sp>
-        <p:nvSpPr>
-          <p:cNvPr id="90" name="Google Shape;90;p18"/>
-          <p:cNvSpPr txBox="1">
-            <a:spLocks noGrp="1"/>
-          </p:cNvSpPr>
-          <p:nvPr>
-            <p:ph type="body" idx="1"/>
-          </p:nvPr>
-        </p:nvSpPr>
-        <p:spPr>
-          <a:xfrm>
-            <a:off x="311700" y="1152475"/>
-            <a:ext cx="8520600" cy="3416400"/>
-          </a:xfrm>
-          <a:prstGeom prst="rect">
-            <a:avLst/>
-          </a:prstGeom>
-        </p:spPr>
-        <p:txBody>
-          <a:bodyPr spcFirstLastPara="1" wrap="square" lIns="91425" tIns="91425" rIns="91425" bIns="91425" anchor="t" anchorCtr="0">
-            <a:noAutofit/>
-          </a:bodyPr>
-          <a:lstStyle/>
-          <a:p>
-            <a:pPr marL="0" lvl="0" indent="0" algn="l" rtl="0">
-              <a:spcBef>
-                <a:spcPts val="0"/>
-              </a:spcBef>
-              <a:spcAft>
-                <a:spcPts val="0"/>
-              </a:spcAft>
-              <a:buNone/>
-            </a:pPr>
-            <a:r>
-              <a:rPr lang="en-GB" dirty="0"/>
-              <a:t>Show a cooperation on a diagram along with the use case</a:t>
-            </a:r>
-            <a:endParaRPr dirty="0"/>
-          </a:p>
-          <a:p>
-            <a:pPr marL="0" lvl="0" indent="0" algn="l" rtl="0">
-              <a:spcBef>
-                <a:spcPts val="1200"/>
-              </a:spcBef>
-              <a:spcAft>
-                <a:spcPts val="0"/>
-              </a:spcAft>
-              <a:buNone/>
-            </a:pPr>
-            <a:r>
-              <a:rPr lang="en-GB" dirty="0"/>
-              <a:t>OR. Show as a table, columns: use case - cooperation name - used roles - candidate classes that play them</a:t>
-            </a:r>
-            <a:endParaRPr dirty="0"/>
-          </a:p>
-          <a:p>
-            <a:pPr marL="0" lvl="0" indent="0" algn="l" rtl="0">
-              <a:spcBef>
-                <a:spcPts val="1200"/>
-              </a:spcBef>
-              <a:spcAft>
-                <a:spcPts val="1200"/>
-              </a:spcAft>
-              <a:buNone/>
-            </a:pPr>
-            <a:endParaRPr dirty="0"/>
           </a:p>
         </p:txBody>
       </p:sp>
@@ -13140,6 +13676,2117 @@
           </a:p>
         </p:txBody>
       </p:sp>
+      <p:graphicFrame>
+        <p:nvGraphicFramePr>
+          <p:cNvPr id="5" name="Таблица 4">
+            <a:extLst>
+              <a:ext uri="{FF2B5EF4-FFF2-40B4-BE49-F238E27FC236}">
+                <a16:creationId xmlns:a16="http://schemas.microsoft.com/office/drawing/2014/main" id="{BBA9653F-7120-4D15-ADF0-96C51B102E4C}"/>
+              </a:ext>
+            </a:extLst>
+          </p:cNvPr>
+          <p:cNvGraphicFramePr>
+            <a:graphicFrameLocks noGrp="1"/>
+          </p:cNvGraphicFramePr>
+          <p:nvPr>
+            <p:extLst>
+              <p:ext uri="{D42A27DB-BD31-4B8C-83A1-F6EECF244321}">
+                <p14:modId xmlns:p14="http://schemas.microsoft.com/office/powerpoint/2010/main" val="2275922058"/>
+              </p:ext>
+            </p:extLst>
+          </p:nvPr>
+        </p:nvGraphicFramePr>
+        <p:xfrm>
+          <a:off x="457199" y="968187"/>
+          <a:ext cx="8243048" cy="3695029"/>
+        </p:xfrm>
+        <a:graphic>
+          <a:graphicData uri="http://schemas.openxmlformats.org/drawingml/2006/table">
+            <a:tbl>
+              <a:tblPr/>
+              <a:tblGrid>
+                <a:gridCol w="1761566">
+                  <a:extLst>
+                    <a:ext uri="{9D8B030D-6E8A-4147-A177-3AD203B41FA5}">
+                      <a16:colId xmlns:a16="http://schemas.microsoft.com/office/drawing/2014/main" val="820218566"/>
+                    </a:ext>
+                  </a:extLst>
+                </a:gridCol>
+                <a:gridCol w="1687606">
+                  <a:extLst>
+                    <a:ext uri="{9D8B030D-6E8A-4147-A177-3AD203B41FA5}">
+                      <a16:colId xmlns:a16="http://schemas.microsoft.com/office/drawing/2014/main" val="2058413964"/>
+                    </a:ext>
+                  </a:extLst>
+                </a:gridCol>
+                <a:gridCol w="2507876">
+                  <a:extLst>
+                    <a:ext uri="{9D8B030D-6E8A-4147-A177-3AD203B41FA5}">
+                      <a16:colId xmlns:a16="http://schemas.microsoft.com/office/drawing/2014/main" val="894313431"/>
+                    </a:ext>
+                  </a:extLst>
+                </a:gridCol>
+                <a:gridCol w="2286000">
+                  <a:extLst>
+                    <a:ext uri="{9D8B030D-6E8A-4147-A177-3AD203B41FA5}">
+                      <a16:colId xmlns:a16="http://schemas.microsoft.com/office/drawing/2014/main" val="3613848896"/>
+                    </a:ext>
+                  </a:extLst>
+                </a:gridCol>
+              </a:tblGrid>
+              <a:tr h="228613">
+                <a:tc>
+                  <a:txBody>
+                    <a:bodyPr/>
+                    <a:lstStyle/>
+                    <a:p>
+                      <a:r>
+                        <a:rPr lang="en-US" sz="900" b="1">
+                          <a:effectLst/>
+                        </a:rPr>
+                        <a:t>Use Case</a:t>
+                      </a:r>
+                    </a:p>
+                  </a:txBody>
+                  <a:tcPr marL="79878" marR="79878" marT="36867" marB="36867" anchor="ctr">
+                    <a:lnL w="9525" cap="flat" cmpd="sng" algn="ctr">
+                      <a:solidFill>
+                        <a:srgbClr val="D0D7DE"/>
+                      </a:solidFill>
+                      <a:prstDash val="solid"/>
+                      <a:round/>
+                      <a:headEnd type="none" w="med" len="med"/>
+                      <a:tailEnd type="none" w="med" len="med"/>
+                    </a:lnL>
+                    <a:lnR w="9525" cap="flat" cmpd="sng" algn="ctr">
+                      <a:solidFill>
+                        <a:srgbClr val="D0D7DE"/>
+                      </a:solidFill>
+                      <a:prstDash val="solid"/>
+                      <a:round/>
+                      <a:headEnd type="none" w="med" len="med"/>
+                      <a:tailEnd type="none" w="med" len="med"/>
+                    </a:lnR>
+                    <a:lnT w="9525" cap="flat" cmpd="sng" algn="ctr">
+                      <a:solidFill>
+                        <a:srgbClr val="D0D7DE"/>
+                      </a:solidFill>
+                      <a:prstDash val="solid"/>
+                      <a:round/>
+                      <a:headEnd type="none" w="med" len="med"/>
+                      <a:tailEnd type="none" w="med" len="med"/>
+                    </a:lnT>
+                    <a:lnB w="9525" cap="flat" cmpd="sng" algn="ctr">
+                      <a:solidFill>
+                        <a:srgbClr val="D0D7DE"/>
+                      </a:solidFill>
+                      <a:prstDash val="solid"/>
+                      <a:round/>
+                      <a:headEnd type="none" w="med" len="med"/>
+                      <a:tailEnd type="none" w="med" len="med"/>
+                    </a:lnB>
+                    <a:solidFill>
+                      <a:srgbClr val="FFFFFF"/>
+                    </a:solidFill>
+                  </a:tcPr>
+                </a:tc>
+                <a:tc>
+                  <a:txBody>
+                    <a:bodyPr/>
+                    <a:lstStyle/>
+                    <a:p>
+                      <a:r>
+                        <a:rPr lang="en-US" sz="900" b="1" dirty="0">
+                          <a:effectLst/>
+                        </a:rPr>
+                        <a:t>Cooperation Name</a:t>
+                      </a:r>
+                    </a:p>
+                  </a:txBody>
+                  <a:tcPr marL="79878" marR="79878" marT="36867" marB="36867" anchor="ctr">
+                    <a:lnL w="9525" cap="flat" cmpd="sng" algn="ctr">
+                      <a:solidFill>
+                        <a:srgbClr val="D0D7DE"/>
+                      </a:solidFill>
+                      <a:prstDash val="solid"/>
+                      <a:round/>
+                      <a:headEnd type="none" w="med" len="med"/>
+                      <a:tailEnd type="none" w="med" len="med"/>
+                    </a:lnL>
+                    <a:lnR w="9525" cap="flat" cmpd="sng" algn="ctr">
+                      <a:solidFill>
+                        <a:srgbClr val="D0D7DE"/>
+                      </a:solidFill>
+                      <a:prstDash val="solid"/>
+                      <a:round/>
+                      <a:headEnd type="none" w="med" len="med"/>
+                      <a:tailEnd type="none" w="med" len="med"/>
+                    </a:lnR>
+                    <a:lnT w="9525" cap="flat" cmpd="sng" algn="ctr">
+                      <a:solidFill>
+                        <a:srgbClr val="D0D7DE"/>
+                      </a:solidFill>
+                      <a:prstDash val="solid"/>
+                      <a:round/>
+                      <a:headEnd type="none" w="med" len="med"/>
+                      <a:tailEnd type="none" w="med" len="med"/>
+                    </a:lnT>
+                    <a:lnB w="9525" cap="flat" cmpd="sng" algn="ctr">
+                      <a:solidFill>
+                        <a:srgbClr val="D0D7DE"/>
+                      </a:solidFill>
+                      <a:prstDash val="solid"/>
+                      <a:round/>
+                      <a:headEnd type="none" w="med" len="med"/>
+                      <a:tailEnd type="none" w="med" len="med"/>
+                    </a:lnB>
+                    <a:solidFill>
+                      <a:srgbClr val="FFFFFF"/>
+                    </a:solidFill>
+                  </a:tcPr>
+                </a:tc>
+                <a:tc>
+                  <a:txBody>
+                    <a:bodyPr/>
+                    <a:lstStyle/>
+                    <a:p>
+                      <a:r>
+                        <a:rPr lang="en-US" sz="900" b="1">
+                          <a:effectLst/>
+                        </a:rPr>
+                        <a:t>Used Roles</a:t>
+                      </a:r>
+                    </a:p>
+                  </a:txBody>
+                  <a:tcPr marL="79878" marR="79878" marT="36867" marB="36867" anchor="ctr">
+                    <a:lnL w="9525" cap="flat" cmpd="sng" algn="ctr">
+                      <a:solidFill>
+                        <a:srgbClr val="D0D7DE"/>
+                      </a:solidFill>
+                      <a:prstDash val="solid"/>
+                      <a:round/>
+                      <a:headEnd type="none" w="med" len="med"/>
+                      <a:tailEnd type="none" w="med" len="med"/>
+                    </a:lnL>
+                    <a:lnR w="9525" cap="flat" cmpd="sng" algn="ctr">
+                      <a:solidFill>
+                        <a:srgbClr val="D0D7DE"/>
+                      </a:solidFill>
+                      <a:prstDash val="solid"/>
+                      <a:round/>
+                      <a:headEnd type="none" w="med" len="med"/>
+                      <a:tailEnd type="none" w="med" len="med"/>
+                    </a:lnR>
+                    <a:lnT w="9525" cap="flat" cmpd="sng" algn="ctr">
+                      <a:solidFill>
+                        <a:srgbClr val="D0D7DE"/>
+                      </a:solidFill>
+                      <a:prstDash val="solid"/>
+                      <a:round/>
+                      <a:headEnd type="none" w="med" len="med"/>
+                      <a:tailEnd type="none" w="med" len="med"/>
+                    </a:lnT>
+                    <a:lnB w="9525" cap="flat" cmpd="sng" algn="ctr">
+                      <a:solidFill>
+                        <a:srgbClr val="D0D7DE"/>
+                      </a:solidFill>
+                      <a:prstDash val="solid"/>
+                      <a:round/>
+                      <a:headEnd type="none" w="med" len="med"/>
+                      <a:tailEnd type="none" w="med" len="med"/>
+                    </a:lnB>
+                    <a:solidFill>
+                      <a:srgbClr val="FFFFFF"/>
+                    </a:solidFill>
+                  </a:tcPr>
+                </a:tc>
+                <a:tc>
+                  <a:txBody>
+                    <a:bodyPr/>
+                    <a:lstStyle/>
+                    <a:p>
+                      <a:r>
+                        <a:rPr lang="en-US" sz="900" b="1">
+                          <a:effectLst/>
+                        </a:rPr>
+                        <a:t>Candidate Classes</a:t>
+                      </a:r>
+                    </a:p>
+                  </a:txBody>
+                  <a:tcPr marL="79878" marR="79878" marT="36867" marB="36867" anchor="ctr">
+                    <a:lnL w="9525" cap="flat" cmpd="sng" algn="ctr">
+                      <a:solidFill>
+                        <a:srgbClr val="D0D7DE"/>
+                      </a:solidFill>
+                      <a:prstDash val="solid"/>
+                      <a:round/>
+                      <a:headEnd type="none" w="med" len="med"/>
+                      <a:tailEnd type="none" w="med" len="med"/>
+                    </a:lnL>
+                    <a:lnR w="9525" cap="flat" cmpd="sng" algn="ctr">
+                      <a:solidFill>
+                        <a:srgbClr val="D0D7DE"/>
+                      </a:solidFill>
+                      <a:prstDash val="solid"/>
+                      <a:round/>
+                      <a:headEnd type="none" w="med" len="med"/>
+                      <a:tailEnd type="none" w="med" len="med"/>
+                    </a:lnR>
+                    <a:lnT w="9525" cap="flat" cmpd="sng" algn="ctr">
+                      <a:solidFill>
+                        <a:srgbClr val="D0D7DE"/>
+                      </a:solidFill>
+                      <a:prstDash val="solid"/>
+                      <a:round/>
+                      <a:headEnd type="none" w="med" len="med"/>
+                      <a:tailEnd type="none" w="med" len="med"/>
+                    </a:lnT>
+                    <a:lnB w="9525" cap="flat" cmpd="sng" algn="ctr">
+                      <a:solidFill>
+                        <a:srgbClr val="D0D7DE"/>
+                      </a:solidFill>
+                      <a:prstDash val="solid"/>
+                      <a:round/>
+                      <a:headEnd type="none" w="med" len="med"/>
+                      <a:tailEnd type="none" w="med" len="med"/>
+                    </a:lnB>
+                    <a:solidFill>
+                      <a:srgbClr val="FFFFFF"/>
+                    </a:solidFill>
+                  </a:tcPr>
+                </a:tc>
+                <a:extLst>
+                  <a:ext uri="{0D108BD9-81ED-4DB2-BD59-A6C34878D82A}">
+                    <a16:rowId xmlns:a16="http://schemas.microsoft.com/office/drawing/2014/main" val="1100685220"/>
+                  </a:ext>
+                </a:extLst>
+              </a:tr>
+              <a:tr h="377478">
+                <a:tc>
+                  <a:txBody>
+                    <a:bodyPr/>
+                    <a:lstStyle/>
+                    <a:p>
+                      <a:r>
+                        <a:rPr lang="en-US" sz="900" b="1">
+                          <a:effectLst/>
+                        </a:rPr>
+                        <a:t>Forward Request</a:t>
+                      </a:r>
+                    </a:p>
+                  </a:txBody>
+                  <a:tcPr marL="79878" marR="79878" marT="36867" marB="36867" anchor="ctr">
+                    <a:lnL w="9525" cap="flat" cmpd="sng" algn="ctr">
+                      <a:solidFill>
+                        <a:srgbClr val="D0D7DE"/>
+                      </a:solidFill>
+                      <a:prstDash val="solid"/>
+                      <a:round/>
+                      <a:headEnd type="none" w="med" len="med"/>
+                      <a:tailEnd type="none" w="med" len="med"/>
+                    </a:lnL>
+                    <a:lnR w="9525" cap="flat" cmpd="sng" algn="ctr">
+                      <a:solidFill>
+                        <a:srgbClr val="D0D7DE"/>
+                      </a:solidFill>
+                      <a:prstDash val="solid"/>
+                      <a:round/>
+                      <a:headEnd type="none" w="med" len="med"/>
+                      <a:tailEnd type="none" w="med" len="med"/>
+                    </a:lnR>
+                    <a:lnT w="9525" cap="flat" cmpd="sng" algn="ctr">
+                      <a:solidFill>
+                        <a:srgbClr val="D0D7DE"/>
+                      </a:solidFill>
+                      <a:prstDash val="solid"/>
+                      <a:round/>
+                      <a:headEnd type="none" w="med" len="med"/>
+                      <a:tailEnd type="none" w="med" len="med"/>
+                    </a:lnT>
+                    <a:lnB w="9525" cap="flat" cmpd="sng" algn="ctr">
+                      <a:solidFill>
+                        <a:srgbClr val="D0D7DE"/>
+                      </a:solidFill>
+                      <a:prstDash val="solid"/>
+                      <a:round/>
+                      <a:headEnd type="none" w="med" len="med"/>
+                      <a:tailEnd type="none" w="med" len="med"/>
+                    </a:lnB>
+                    <a:solidFill>
+                      <a:srgbClr val="FFFFFF"/>
+                    </a:solidFill>
+                  </a:tcPr>
+                </a:tc>
+                <a:tc>
+                  <a:txBody>
+                    <a:bodyPr/>
+                    <a:lstStyle/>
+                    <a:p>
+                      <a:r>
+                        <a:rPr lang="en-US" sz="900">
+                          <a:effectLst/>
+                        </a:rPr>
+                        <a:t>Route Request</a:t>
+                      </a:r>
+                    </a:p>
+                  </a:txBody>
+                  <a:tcPr marL="79878" marR="79878" marT="36867" marB="36867" anchor="ctr">
+                    <a:lnL w="9525" cap="flat" cmpd="sng" algn="ctr">
+                      <a:solidFill>
+                        <a:srgbClr val="D0D7DE"/>
+                      </a:solidFill>
+                      <a:prstDash val="solid"/>
+                      <a:round/>
+                      <a:headEnd type="none" w="med" len="med"/>
+                      <a:tailEnd type="none" w="med" len="med"/>
+                    </a:lnL>
+                    <a:lnR w="9525" cap="flat" cmpd="sng" algn="ctr">
+                      <a:solidFill>
+                        <a:srgbClr val="D0D7DE"/>
+                      </a:solidFill>
+                      <a:prstDash val="solid"/>
+                      <a:round/>
+                      <a:headEnd type="none" w="med" len="med"/>
+                      <a:tailEnd type="none" w="med" len="med"/>
+                    </a:lnR>
+                    <a:lnT w="9525" cap="flat" cmpd="sng" algn="ctr">
+                      <a:solidFill>
+                        <a:srgbClr val="D0D7DE"/>
+                      </a:solidFill>
+                      <a:prstDash val="solid"/>
+                      <a:round/>
+                      <a:headEnd type="none" w="med" len="med"/>
+                      <a:tailEnd type="none" w="med" len="med"/>
+                    </a:lnT>
+                    <a:lnB w="9525" cap="flat" cmpd="sng" algn="ctr">
+                      <a:solidFill>
+                        <a:srgbClr val="D0D7DE"/>
+                      </a:solidFill>
+                      <a:prstDash val="solid"/>
+                      <a:round/>
+                      <a:headEnd type="none" w="med" len="med"/>
+                      <a:tailEnd type="none" w="med" len="med"/>
+                    </a:lnB>
+                    <a:solidFill>
+                      <a:srgbClr val="FFFFFF"/>
+                    </a:solidFill>
+                  </a:tcPr>
+                </a:tc>
+                <a:tc>
+                  <a:txBody>
+                    <a:bodyPr/>
+                    <a:lstStyle/>
+                    <a:p>
+                      <a:r>
+                        <a:rPr lang="en-US" sz="900">
+                          <a:effectLst/>
+                        </a:rPr>
+                        <a:t>Router, Request, Receiver</a:t>
+                      </a:r>
+                    </a:p>
+                  </a:txBody>
+                  <a:tcPr marL="79878" marR="79878" marT="36867" marB="36867" anchor="ctr">
+                    <a:lnL w="9525" cap="flat" cmpd="sng" algn="ctr">
+                      <a:solidFill>
+                        <a:srgbClr val="D0D7DE"/>
+                      </a:solidFill>
+                      <a:prstDash val="solid"/>
+                      <a:round/>
+                      <a:headEnd type="none" w="med" len="med"/>
+                      <a:tailEnd type="none" w="med" len="med"/>
+                    </a:lnL>
+                    <a:lnR w="9525" cap="flat" cmpd="sng" algn="ctr">
+                      <a:solidFill>
+                        <a:srgbClr val="D0D7DE"/>
+                      </a:solidFill>
+                      <a:prstDash val="solid"/>
+                      <a:round/>
+                      <a:headEnd type="none" w="med" len="med"/>
+                      <a:tailEnd type="none" w="med" len="med"/>
+                    </a:lnR>
+                    <a:lnT w="9525" cap="flat" cmpd="sng" algn="ctr">
+                      <a:solidFill>
+                        <a:srgbClr val="D0D7DE"/>
+                      </a:solidFill>
+                      <a:prstDash val="solid"/>
+                      <a:round/>
+                      <a:headEnd type="none" w="med" len="med"/>
+                      <a:tailEnd type="none" w="med" len="med"/>
+                    </a:lnT>
+                    <a:lnB w="9525" cap="flat" cmpd="sng" algn="ctr">
+                      <a:solidFill>
+                        <a:srgbClr val="D0D7DE"/>
+                      </a:solidFill>
+                      <a:prstDash val="solid"/>
+                      <a:round/>
+                      <a:headEnd type="none" w="med" len="med"/>
+                      <a:tailEnd type="none" w="med" len="med"/>
+                    </a:lnB>
+                    <a:solidFill>
+                      <a:srgbClr val="FFFFFF"/>
+                    </a:solidFill>
+                  </a:tcPr>
+                </a:tc>
+                <a:tc>
+                  <a:txBody>
+                    <a:bodyPr/>
+                    <a:lstStyle/>
+                    <a:p>
+                      <a:r>
+                        <a:rPr lang="en-US" sz="900">
+                          <a:effectLst/>
+                        </a:rPr>
+                        <a:t>Request Router, Request, K8s</a:t>
+                      </a:r>
+                    </a:p>
+                  </a:txBody>
+                  <a:tcPr marL="79878" marR="79878" marT="36867" marB="36867" anchor="ctr">
+                    <a:lnL w="9525" cap="flat" cmpd="sng" algn="ctr">
+                      <a:solidFill>
+                        <a:srgbClr val="D0D7DE"/>
+                      </a:solidFill>
+                      <a:prstDash val="solid"/>
+                      <a:round/>
+                      <a:headEnd type="none" w="med" len="med"/>
+                      <a:tailEnd type="none" w="med" len="med"/>
+                    </a:lnL>
+                    <a:lnR w="9525" cap="flat" cmpd="sng" algn="ctr">
+                      <a:solidFill>
+                        <a:srgbClr val="D0D7DE"/>
+                      </a:solidFill>
+                      <a:prstDash val="solid"/>
+                      <a:round/>
+                      <a:headEnd type="none" w="med" len="med"/>
+                      <a:tailEnd type="none" w="med" len="med"/>
+                    </a:lnR>
+                    <a:lnT w="9525" cap="flat" cmpd="sng" algn="ctr">
+                      <a:solidFill>
+                        <a:srgbClr val="D0D7DE"/>
+                      </a:solidFill>
+                      <a:prstDash val="solid"/>
+                      <a:round/>
+                      <a:headEnd type="none" w="med" len="med"/>
+                      <a:tailEnd type="none" w="med" len="med"/>
+                    </a:lnT>
+                    <a:lnB w="9525" cap="flat" cmpd="sng" algn="ctr">
+                      <a:solidFill>
+                        <a:srgbClr val="D0D7DE"/>
+                      </a:solidFill>
+                      <a:prstDash val="solid"/>
+                      <a:round/>
+                      <a:headEnd type="none" w="med" len="med"/>
+                      <a:tailEnd type="none" w="med" len="med"/>
+                    </a:lnB>
+                    <a:solidFill>
+                      <a:srgbClr val="FFFFFF"/>
+                    </a:solidFill>
+                  </a:tcPr>
+                </a:tc>
+                <a:extLst>
+                  <a:ext uri="{0D108BD9-81ED-4DB2-BD59-A6C34878D82A}">
+                    <a16:rowId xmlns:a16="http://schemas.microsoft.com/office/drawing/2014/main" val="3201642057"/>
+                  </a:ext>
+                </a:extLst>
+              </a:tr>
+              <a:tr h="377478">
+                <a:tc>
+                  <a:txBody>
+                    <a:bodyPr/>
+                    <a:lstStyle/>
+                    <a:p>
+                      <a:r>
+                        <a:rPr lang="en-US" sz="900" b="1">
+                          <a:effectLst/>
+                        </a:rPr>
+                        <a:t>Load Balancing</a:t>
+                      </a:r>
+                    </a:p>
+                  </a:txBody>
+                  <a:tcPr marL="79878" marR="79878" marT="36867" marB="36867" anchor="ctr">
+                    <a:lnL w="9525" cap="flat" cmpd="sng" algn="ctr">
+                      <a:solidFill>
+                        <a:srgbClr val="D0D7DE"/>
+                      </a:solidFill>
+                      <a:prstDash val="solid"/>
+                      <a:round/>
+                      <a:headEnd type="none" w="med" len="med"/>
+                      <a:tailEnd type="none" w="med" len="med"/>
+                    </a:lnL>
+                    <a:lnR w="9525" cap="flat" cmpd="sng" algn="ctr">
+                      <a:solidFill>
+                        <a:srgbClr val="D0D7DE"/>
+                      </a:solidFill>
+                      <a:prstDash val="solid"/>
+                      <a:round/>
+                      <a:headEnd type="none" w="med" len="med"/>
+                      <a:tailEnd type="none" w="med" len="med"/>
+                    </a:lnR>
+                    <a:lnT w="9525" cap="flat" cmpd="sng" algn="ctr">
+                      <a:solidFill>
+                        <a:srgbClr val="D0D7DE"/>
+                      </a:solidFill>
+                      <a:prstDash val="solid"/>
+                      <a:round/>
+                      <a:headEnd type="none" w="med" len="med"/>
+                      <a:tailEnd type="none" w="med" len="med"/>
+                    </a:lnT>
+                    <a:lnB w="9525" cap="flat" cmpd="sng" algn="ctr">
+                      <a:solidFill>
+                        <a:srgbClr val="D0D7DE"/>
+                      </a:solidFill>
+                      <a:prstDash val="solid"/>
+                      <a:round/>
+                      <a:headEnd type="none" w="med" len="med"/>
+                      <a:tailEnd type="none" w="med" len="med"/>
+                    </a:lnB>
+                    <a:solidFill>
+                      <a:srgbClr val="F6F8FA"/>
+                    </a:solidFill>
+                  </a:tcPr>
+                </a:tc>
+                <a:tc>
+                  <a:txBody>
+                    <a:bodyPr/>
+                    <a:lstStyle/>
+                    <a:p>
+                      <a:r>
+                        <a:rPr lang="en-US" sz="900">
+                          <a:effectLst/>
+                        </a:rPr>
+                        <a:t>Distribute Load</a:t>
+                      </a:r>
+                    </a:p>
+                  </a:txBody>
+                  <a:tcPr marL="79878" marR="79878" marT="36867" marB="36867" anchor="ctr">
+                    <a:lnL w="9525" cap="flat" cmpd="sng" algn="ctr">
+                      <a:solidFill>
+                        <a:srgbClr val="D0D7DE"/>
+                      </a:solidFill>
+                      <a:prstDash val="solid"/>
+                      <a:round/>
+                      <a:headEnd type="none" w="med" len="med"/>
+                      <a:tailEnd type="none" w="med" len="med"/>
+                    </a:lnL>
+                    <a:lnR w="9525" cap="flat" cmpd="sng" algn="ctr">
+                      <a:solidFill>
+                        <a:srgbClr val="D0D7DE"/>
+                      </a:solidFill>
+                      <a:prstDash val="solid"/>
+                      <a:round/>
+                      <a:headEnd type="none" w="med" len="med"/>
+                      <a:tailEnd type="none" w="med" len="med"/>
+                    </a:lnR>
+                    <a:lnT w="9525" cap="flat" cmpd="sng" algn="ctr">
+                      <a:solidFill>
+                        <a:srgbClr val="D0D7DE"/>
+                      </a:solidFill>
+                      <a:prstDash val="solid"/>
+                      <a:round/>
+                      <a:headEnd type="none" w="med" len="med"/>
+                      <a:tailEnd type="none" w="med" len="med"/>
+                    </a:lnT>
+                    <a:lnB w="9525" cap="flat" cmpd="sng" algn="ctr">
+                      <a:solidFill>
+                        <a:srgbClr val="D0D7DE"/>
+                      </a:solidFill>
+                      <a:prstDash val="solid"/>
+                      <a:round/>
+                      <a:headEnd type="none" w="med" len="med"/>
+                      <a:tailEnd type="none" w="med" len="med"/>
+                    </a:lnB>
+                    <a:solidFill>
+                      <a:srgbClr val="F6F8FA"/>
+                    </a:solidFill>
+                  </a:tcPr>
+                </a:tc>
+                <a:tc>
+                  <a:txBody>
+                    <a:bodyPr/>
+                    <a:lstStyle/>
+                    <a:p>
+                      <a:r>
+                        <a:rPr lang="en-US" sz="900">
+                          <a:effectLst/>
+                        </a:rPr>
+                        <a:t>Load balancer, weights, ML sevices</a:t>
+                      </a:r>
+                    </a:p>
+                  </a:txBody>
+                  <a:tcPr marL="79878" marR="79878" marT="36867" marB="36867" anchor="ctr">
+                    <a:lnL w="9525" cap="flat" cmpd="sng" algn="ctr">
+                      <a:solidFill>
+                        <a:srgbClr val="D0D7DE"/>
+                      </a:solidFill>
+                      <a:prstDash val="solid"/>
+                      <a:round/>
+                      <a:headEnd type="none" w="med" len="med"/>
+                      <a:tailEnd type="none" w="med" len="med"/>
+                    </a:lnL>
+                    <a:lnR w="9525" cap="flat" cmpd="sng" algn="ctr">
+                      <a:solidFill>
+                        <a:srgbClr val="D0D7DE"/>
+                      </a:solidFill>
+                      <a:prstDash val="solid"/>
+                      <a:round/>
+                      <a:headEnd type="none" w="med" len="med"/>
+                      <a:tailEnd type="none" w="med" len="med"/>
+                    </a:lnR>
+                    <a:lnT w="9525" cap="flat" cmpd="sng" algn="ctr">
+                      <a:solidFill>
+                        <a:srgbClr val="D0D7DE"/>
+                      </a:solidFill>
+                      <a:prstDash val="solid"/>
+                      <a:round/>
+                      <a:headEnd type="none" w="med" len="med"/>
+                      <a:tailEnd type="none" w="med" len="med"/>
+                    </a:lnT>
+                    <a:lnB w="9525" cap="flat" cmpd="sng" algn="ctr">
+                      <a:solidFill>
+                        <a:srgbClr val="D0D7DE"/>
+                      </a:solidFill>
+                      <a:prstDash val="solid"/>
+                      <a:round/>
+                      <a:headEnd type="none" w="med" len="med"/>
+                      <a:tailEnd type="none" w="med" len="med"/>
+                    </a:lnB>
+                    <a:solidFill>
+                      <a:srgbClr val="F6F8FA"/>
+                    </a:solidFill>
+                  </a:tcPr>
+                </a:tc>
+                <a:tc>
+                  <a:txBody>
+                    <a:bodyPr/>
+                    <a:lstStyle/>
+                    <a:p>
+                      <a:r>
+                        <a:rPr lang="en-US" sz="900">
+                          <a:effectLst/>
+                        </a:rPr>
+                        <a:t>Load Balancer, K8s, Pod, ML Service</a:t>
+                      </a:r>
+                    </a:p>
+                  </a:txBody>
+                  <a:tcPr marL="79878" marR="79878" marT="36867" marB="36867" anchor="ctr">
+                    <a:lnL w="9525" cap="flat" cmpd="sng" algn="ctr">
+                      <a:solidFill>
+                        <a:srgbClr val="D0D7DE"/>
+                      </a:solidFill>
+                      <a:prstDash val="solid"/>
+                      <a:round/>
+                      <a:headEnd type="none" w="med" len="med"/>
+                      <a:tailEnd type="none" w="med" len="med"/>
+                    </a:lnL>
+                    <a:lnR w="9525" cap="flat" cmpd="sng" algn="ctr">
+                      <a:solidFill>
+                        <a:srgbClr val="D0D7DE"/>
+                      </a:solidFill>
+                      <a:prstDash val="solid"/>
+                      <a:round/>
+                      <a:headEnd type="none" w="med" len="med"/>
+                      <a:tailEnd type="none" w="med" len="med"/>
+                    </a:lnR>
+                    <a:lnT w="9525" cap="flat" cmpd="sng" algn="ctr">
+                      <a:solidFill>
+                        <a:srgbClr val="D0D7DE"/>
+                      </a:solidFill>
+                      <a:prstDash val="solid"/>
+                      <a:round/>
+                      <a:headEnd type="none" w="med" len="med"/>
+                      <a:tailEnd type="none" w="med" len="med"/>
+                    </a:lnT>
+                    <a:lnB w="9525" cap="flat" cmpd="sng" algn="ctr">
+                      <a:solidFill>
+                        <a:srgbClr val="D0D7DE"/>
+                      </a:solidFill>
+                      <a:prstDash val="solid"/>
+                      <a:round/>
+                      <a:headEnd type="none" w="med" len="med"/>
+                      <a:tailEnd type="none" w="med" len="med"/>
+                    </a:lnB>
+                    <a:solidFill>
+                      <a:srgbClr val="F6F8FA"/>
+                    </a:solidFill>
+                  </a:tcPr>
+                </a:tc>
+                <a:extLst>
+                  <a:ext uri="{0D108BD9-81ED-4DB2-BD59-A6C34878D82A}">
+                    <a16:rowId xmlns:a16="http://schemas.microsoft.com/office/drawing/2014/main" val="3821850717"/>
+                  </a:ext>
+                </a:extLst>
+              </a:tr>
+              <a:tr h="377478">
+                <a:tc>
+                  <a:txBody>
+                    <a:bodyPr/>
+                    <a:lstStyle/>
+                    <a:p>
+                      <a:r>
+                        <a:rPr lang="en-US" sz="900" b="1">
+                          <a:effectLst/>
+                        </a:rPr>
+                        <a:t>Authenticate</a:t>
+                      </a:r>
+                    </a:p>
+                  </a:txBody>
+                  <a:tcPr marL="79878" marR="79878" marT="36867" marB="36867" anchor="ctr">
+                    <a:lnL w="9525" cap="flat" cmpd="sng" algn="ctr">
+                      <a:solidFill>
+                        <a:srgbClr val="D0D7DE"/>
+                      </a:solidFill>
+                      <a:prstDash val="solid"/>
+                      <a:round/>
+                      <a:headEnd type="none" w="med" len="med"/>
+                      <a:tailEnd type="none" w="med" len="med"/>
+                    </a:lnL>
+                    <a:lnR w="9525" cap="flat" cmpd="sng" algn="ctr">
+                      <a:solidFill>
+                        <a:srgbClr val="D0D7DE"/>
+                      </a:solidFill>
+                      <a:prstDash val="solid"/>
+                      <a:round/>
+                      <a:headEnd type="none" w="med" len="med"/>
+                      <a:tailEnd type="none" w="med" len="med"/>
+                    </a:lnR>
+                    <a:lnT w="9525" cap="flat" cmpd="sng" algn="ctr">
+                      <a:solidFill>
+                        <a:srgbClr val="D0D7DE"/>
+                      </a:solidFill>
+                      <a:prstDash val="solid"/>
+                      <a:round/>
+                      <a:headEnd type="none" w="med" len="med"/>
+                      <a:tailEnd type="none" w="med" len="med"/>
+                    </a:lnT>
+                    <a:lnB w="9525" cap="flat" cmpd="sng" algn="ctr">
+                      <a:solidFill>
+                        <a:srgbClr val="D0D7DE"/>
+                      </a:solidFill>
+                      <a:prstDash val="solid"/>
+                      <a:round/>
+                      <a:headEnd type="none" w="med" len="med"/>
+                      <a:tailEnd type="none" w="med" len="med"/>
+                    </a:lnB>
+                    <a:solidFill>
+                      <a:srgbClr val="FFFFFF"/>
+                    </a:solidFill>
+                  </a:tcPr>
+                </a:tc>
+                <a:tc>
+                  <a:txBody>
+                    <a:bodyPr/>
+                    <a:lstStyle/>
+                    <a:p>
+                      <a:r>
+                        <a:rPr lang="en-US" sz="900">
+                          <a:effectLst/>
+                        </a:rPr>
+                        <a:t>Validate Authentication</a:t>
+                      </a:r>
+                    </a:p>
+                  </a:txBody>
+                  <a:tcPr marL="79878" marR="79878" marT="36867" marB="36867" anchor="ctr">
+                    <a:lnL w="9525" cap="flat" cmpd="sng" algn="ctr">
+                      <a:solidFill>
+                        <a:srgbClr val="D0D7DE"/>
+                      </a:solidFill>
+                      <a:prstDash val="solid"/>
+                      <a:round/>
+                      <a:headEnd type="none" w="med" len="med"/>
+                      <a:tailEnd type="none" w="med" len="med"/>
+                    </a:lnL>
+                    <a:lnR w="9525" cap="flat" cmpd="sng" algn="ctr">
+                      <a:solidFill>
+                        <a:srgbClr val="D0D7DE"/>
+                      </a:solidFill>
+                      <a:prstDash val="solid"/>
+                      <a:round/>
+                      <a:headEnd type="none" w="med" len="med"/>
+                      <a:tailEnd type="none" w="med" len="med"/>
+                    </a:lnR>
+                    <a:lnT w="9525" cap="flat" cmpd="sng" algn="ctr">
+                      <a:solidFill>
+                        <a:srgbClr val="D0D7DE"/>
+                      </a:solidFill>
+                      <a:prstDash val="solid"/>
+                      <a:round/>
+                      <a:headEnd type="none" w="med" len="med"/>
+                      <a:tailEnd type="none" w="med" len="med"/>
+                    </a:lnT>
+                    <a:lnB w="9525" cap="flat" cmpd="sng" algn="ctr">
+                      <a:solidFill>
+                        <a:srgbClr val="D0D7DE"/>
+                      </a:solidFill>
+                      <a:prstDash val="solid"/>
+                      <a:round/>
+                      <a:headEnd type="none" w="med" len="med"/>
+                      <a:tailEnd type="none" w="med" len="med"/>
+                    </a:lnB>
+                    <a:solidFill>
+                      <a:srgbClr val="FFFFFF"/>
+                    </a:solidFill>
+                  </a:tcPr>
+                </a:tc>
+                <a:tc>
+                  <a:txBody>
+                    <a:bodyPr/>
+                    <a:lstStyle/>
+                    <a:p>
+                      <a:r>
+                        <a:rPr lang="en-US" sz="900">
+                          <a:effectLst/>
+                        </a:rPr>
+                        <a:t>Request, Authenticator, SSO Keys</a:t>
+                      </a:r>
+                    </a:p>
+                  </a:txBody>
+                  <a:tcPr marL="79878" marR="79878" marT="36867" marB="36867" anchor="ctr">
+                    <a:lnL w="9525" cap="flat" cmpd="sng" algn="ctr">
+                      <a:solidFill>
+                        <a:srgbClr val="D0D7DE"/>
+                      </a:solidFill>
+                      <a:prstDash val="solid"/>
+                      <a:round/>
+                      <a:headEnd type="none" w="med" len="med"/>
+                      <a:tailEnd type="none" w="med" len="med"/>
+                    </a:lnL>
+                    <a:lnR w="9525" cap="flat" cmpd="sng" algn="ctr">
+                      <a:solidFill>
+                        <a:srgbClr val="D0D7DE"/>
+                      </a:solidFill>
+                      <a:prstDash val="solid"/>
+                      <a:round/>
+                      <a:headEnd type="none" w="med" len="med"/>
+                      <a:tailEnd type="none" w="med" len="med"/>
+                    </a:lnR>
+                    <a:lnT w="9525" cap="flat" cmpd="sng" algn="ctr">
+                      <a:solidFill>
+                        <a:srgbClr val="D0D7DE"/>
+                      </a:solidFill>
+                      <a:prstDash val="solid"/>
+                      <a:round/>
+                      <a:headEnd type="none" w="med" len="med"/>
+                      <a:tailEnd type="none" w="med" len="med"/>
+                    </a:lnT>
+                    <a:lnB w="9525" cap="flat" cmpd="sng" algn="ctr">
+                      <a:solidFill>
+                        <a:srgbClr val="D0D7DE"/>
+                      </a:solidFill>
+                      <a:prstDash val="solid"/>
+                      <a:round/>
+                      <a:headEnd type="none" w="med" len="med"/>
+                      <a:tailEnd type="none" w="med" len="med"/>
+                    </a:lnB>
+                    <a:solidFill>
+                      <a:srgbClr val="FFFFFF"/>
+                    </a:solidFill>
+                  </a:tcPr>
+                </a:tc>
+                <a:tc>
+                  <a:txBody>
+                    <a:bodyPr/>
+                    <a:lstStyle/>
+                    <a:p>
+                      <a:r>
+                        <a:rPr lang="en-US" sz="900">
+                          <a:effectLst/>
+                        </a:rPr>
+                        <a:t>Authentication Provider, SSO Key, Request</a:t>
+                      </a:r>
+                    </a:p>
+                  </a:txBody>
+                  <a:tcPr marL="79878" marR="79878" marT="36867" marB="36867" anchor="ctr">
+                    <a:lnL w="9525" cap="flat" cmpd="sng" algn="ctr">
+                      <a:solidFill>
+                        <a:srgbClr val="D0D7DE"/>
+                      </a:solidFill>
+                      <a:prstDash val="solid"/>
+                      <a:round/>
+                      <a:headEnd type="none" w="med" len="med"/>
+                      <a:tailEnd type="none" w="med" len="med"/>
+                    </a:lnL>
+                    <a:lnR w="9525" cap="flat" cmpd="sng" algn="ctr">
+                      <a:solidFill>
+                        <a:srgbClr val="D0D7DE"/>
+                      </a:solidFill>
+                      <a:prstDash val="solid"/>
+                      <a:round/>
+                      <a:headEnd type="none" w="med" len="med"/>
+                      <a:tailEnd type="none" w="med" len="med"/>
+                    </a:lnR>
+                    <a:lnT w="9525" cap="flat" cmpd="sng" algn="ctr">
+                      <a:solidFill>
+                        <a:srgbClr val="D0D7DE"/>
+                      </a:solidFill>
+                      <a:prstDash val="solid"/>
+                      <a:round/>
+                      <a:headEnd type="none" w="med" len="med"/>
+                      <a:tailEnd type="none" w="med" len="med"/>
+                    </a:lnT>
+                    <a:lnB w="9525" cap="flat" cmpd="sng" algn="ctr">
+                      <a:solidFill>
+                        <a:srgbClr val="D0D7DE"/>
+                      </a:solidFill>
+                      <a:prstDash val="solid"/>
+                      <a:round/>
+                      <a:headEnd type="none" w="med" len="med"/>
+                      <a:tailEnd type="none" w="med" len="med"/>
+                    </a:lnB>
+                    <a:solidFill>
+                      <a:srgbClr val="FFFFFF"/>
+                    </a:solidFill>
+                  </a:tcPr>
+                </a:tc>
+                <a:extLst>
+                  <a:ext uri="{0D108BD9-81ED-4DB2-BD59-A6C34878D82A}">
+                    <a16:rowId xmlns:a16="http://schemas.microsoft.com/office/drawing/2014/main" val="102052492"/>
+                  </a:ext>
+                </a:extLst>
+              </a:tr>
+              <a:tr h="526342">
+                <a:tc>
+                  <a:txBody>
+                    <a:bodyPr/>
+                    <a:lstStyle/>
+                    <a:p>
+                      <a:r>
+                        <a:rPr lang="en-US" sz="900" b="1">
+                          <a:effectLst/>
+                        </a:rPr>
+                        <a:t>Cache Response</a:t>
+                      </a:r>
+                    </a:p>
+                  </a:txBody>
+                  <a:tcPr marL="79878" marR="79878" marT="36867" marB="36867" anchor="ctr">
+                    <a:lnL w="9525" cap="flat" cmpd="sng" algn="ctr">
+                      <a:solidFill>
+                        <a:srgbClr val="D0D7DE"/>
+                      </a:solidFill>
+                      <a:prstDash val="solid"/>
+                      <a:round/>
+                      <a:headEnd type="none" w="med" len="med"/>
+                      <a:tailEnd type="none" w="med" len="med"/>
+                    </a:lnL>
+                    <a:lnR w="9525" cap="flat" cmpd="sng" algn="ctr">
+                      <a:solidFill>
+                        <a:srgbClr val="D0D7DE"/>
+                      </a:solidFill>
+                      <a:prstDash val="solid"/>
+                      <a:round/>
+                      <a:headEnd type="none" w="med" len="med"/>
+                      <a:tailEnd type="none" w="med" len="med"/>
+                    </a:lnR>
+                    <a:lnT w="9525" cap="flat" cmpd="sng" algn="ctr">
+                      <a:solidFill>
+                        <a:srgbClr val="D0D7DE"/>
+                      </a:solidFill>
+                      <a:prstDash val="solid"/>
+                      <a:round/>
+                      <a:headEnd type="none" w="med" len="med"/>
+                      <a:tailEnd type="none" w="med" len="med"/>
+                    </a:lnT>
+                    <a:lnB w="9525" cap="flat" cmpd="sng" algn="ctr">
+                      <a:solidFill>
+                        <a:srgbClr val="D0D7DE"/>
+                      </a:solidFill>
+                      <a:prstDash val="solid"/>
+                      <a:round/>
+                      <a:headEnd type="none" w="med" len="med"/>
+                      <a:tailEnd type="none" w="med" len="med"/>
+                    </a:lnB>
+                    <a:solidFill>
+                      <a:srgbClr val="F6F8FA"/>
+                    </a:solidFill>
+                  </a:tcPr>
+                </a:tc>
+                <a:tc>
+                  <a:txBody>
+                    <a:bodyPr/>
+                    <a:lstStyle/>
+                    <a:p>
+                      <a:r>
+                        <a:rPr lang="en-US" sz="900">
+                          <a:effectLst/>
+                        </a:rPr>
+                        <a:t>Cache Responses</a:t>
+                      </a:r>
+                    </a:p>
+                  </a:txBody>
+                  <a:tcPr marL="79878" marR="79878" marT="36867" marB="36867" anchor="ctr">
+                    <a:lnL w="9525" cap="flat" cmpd="sng" algn="ctr">
+                      <a:solidFill>
+                        <a:srgbClr val="D0D7DE"/>
+                      </a:solidFill>
+                      <a:prstDash val="solid"/>
+                      <a:round/>
+                      <a:headEnd type="none" w="med" len="med"/>
+                      <a:tailEnd type="none" w="med" len="med"/>
+                    </a:lnL>
+                    <a:lnR w="9525" cap="flat" cmpd="sng" algn="ctr">
+                      <a:solidFill>
+                        <a:srgbClr val="D0D7DE"/>
+                      </a:solidFill>
+                      <a:prstDash val="solid"/>
+                      <a:round/>
+                      <a:headEnd type="none" w="med" len="med"/>
+                      <a:tailEnd type="none" w="med" len="med"/>
+                    </a:lnR>
+                    <a:lnT w="9525" cap="flat" cmpd="sng" algn="ctr">
+                      <a:solidFill>
+                        <a:srgbClr val="D0D7DE"/>
+                      </a:solidFill>
+                      <a:prstDash val="solid"/>
+                      <a:round/>
+                      <a:headEnd type="none" w="med" len="med"/>
+                      <a:tailEnd type="none" w="med" len="med"/>
+                    </a:lnT>
+                    <a:lnB w="9525" cap="flat" cmpd="sng" algn="ctr">
+                      <a:solidFill>
+                        <a:srgbClr val="D0D7DE"/>
+                      </a:solidFill>
+                      <a:prstDash val="solid"/>
+                      <a:round/>
+                      <a:headEnd type="none" w="med" len="med"/>
+                      <a:tailEnd type="none" w="med" len="med"/>
+                    </a:lnB>
+                    <a:solidFill>
+                      <a:srgbClr val="F6F8FA"/>
+                    </a:solidFill>
+                  </a:tcPr>
+                </a:tc>
+                <a:tc>
+                  <a:txBody>
+                    <a:bodyPr/>
+                    <a:lstStyle/>
+                    <a:p>
+                      <a:r>
+                        <a:rPr lang="en-US" sz="900">
+                          <a:effectLst/>
+                        </a:rPr>
+                        <a:t>Request, Response, Cache, Cache validator</a:t>
+                      </a:r>
+                    </a:p>
+                  </a:txBody>
+                  <a:tcPr marL="79878" marR="79878" marT="36867" marB="36867" anchor="ctr">
+                    <a:lnL w="9525" cap="flat" cmpd="sng" algn="ctr">
+                      <a:solidFill>
+                        <a:srgbClr val="D0D7DE"/>
+                      </a:solidFill>
+                      <a:prstDash val="solid"/>
+                      <a:round/>
+                      <a:headEnd type="none" w="med" len="med"/>
+                      <a:tailEnd type="none" w="med" len="med"/>
+                    </a:lnL>
+                    <a:lnR w="9525" cap="flat" cmpd="sng" algn="ctr">
+                      <a:solidFill>
+                        <a:srgbClr val="D0D7DE"/>
+                      </a:solidFill>
+                      <a:prstDash val="solid"/>
+                      <a:round/>
+                      <a:headEnd type="none" w="med" len="med"/>
+                      <a:tailEnd type="none" w="med" len="med"/>
+                    </a:lnR>
+                    <a:lnT w="9525" cap="flat" cmpd="sng" algn="ctr">
+                      <a:solidFill>
+                        <a:srgbClr val="D0D7DE"/>
+                      </a:solidFill>
+                      <a:prstDash val="solid"/>
+                      <a:round/>
+                      <a:headEnd type="none" w="med" len="med"/>
+                      <a:tailEnd type="none" w="med" len="med"/>
+                    </a:lnT>
+                    <a:lnB w="9525" cap="flat" cmpd="sng" algn="ctr">
+                      <a:solidFill>
+                        <a:srgbClr val="D0D7DE"/>
+                      </a:solidFill>
+                      <a:prstDash val="solid"/>
+                      <a:round/>
+                      <a:headEnd type="none" w="med" len="med"/>
+                      <a:tailEnd type="none" w="med" len="med"/>
+                    </a:lnB>
+                    <a:solidFill>
+                      <a:srgbClr val="F6F8FA"/>
+                    </a:solidFill>
+                  </a:tcPr>
+                </a:tc>
+                <a:tc>
+                  <a:txBody>
+                    <a:bodyPr/>
+                    <a:lstStyle/>
+                    <a:p>
+                      <a:r>
+                        <a:rPr lang="fr-FR" sz="900">
+                          <a:effectLst/>
+                        </a:rPr>
+                        <a:t>Response Cacher, Cache, Request, Response</a:t>
+                      </a:r>
+                    </a:p>
+                  </a:txBody>
+                  <a:tcPr marL="79878" marR="79878" marT="36867" marB="36867" anchor="ctr">
+                    <a:lnL w="9525" cap="flat" cmpd="sng" algn="ctr">
+                      <a:solidFill>
+                        <a:srgbClr val="D0D7DE"/>
+                      </a:solidFill>
+                      <a:prstDash val="solid"/>
+                      <a:round/>
+                      <a:headEnd type="none" w="med" len="med"/>
+                      <a:tailEnd type="none" w="med" len="med"/>
+                    </a:lnL>
+                    <a:lnR w="9525" cap="flat" cmpd="sng" algn="ctr">
+                      <a:solidFill>
+                        <a:srgbClr val="D0D7DE"/>
+                      </a:solidFill>
+                      <a:prstDash val="solid"/>
+                      <a:round/>
+                      <a:headEnd type="none" w="med" len="med"/>
+                      <a:tailEnd type="none" w="med" len="med"/>
+                    </a:lnR>
+                    <a:lnT w="9525" cap="flat" cmpd="sng" algn="ctr">
+                      <a:solidFill>
+                        <a:srgbClr val="D0D7DE"/>
+                      </a:solidFill>
+                      <a:prstDash val="solid"/>
+                      <a:round/>
+                      <a:headEnd type="none" w="med" len="med"/>
+                      <a:tailEnd type="none" w="med" len="med"/>
+                    </a:lnT>
+                    <a:lnB w="9525" cap="flat" cmpd="sng" algn="ctr">
+                      <a:solidFill>
+                        <a:srgbClr val="D0D7DE"/>
+                      </a:solidFill>
+                      <a:prstDash val="solid"/>
+                      <a:round/>
+                      <a:headEnd type="none" w="med" len="med"/>
+                      <a:tailEnd type="none" w="med" len="med"/>
+                    </a:lnB>
+                    <a:solidFill>
+                      <a:srgbClr val="F6F8FA"/>
+                    </a:solidFill>
+                  </a:tcPr>
+                </a:tc>
+                <a:extLst>
+                  <a:ext uri="{0D108BD9-81ED-4DB2-BD59-A6C34878D82A}">
+                    <a16:rowId xmlns:a16="http://schemas.microsoft.com/office/drawing/2014/main" val="942815554"/>
+                  </a:ext>
+                </a:extLst>
+              </a:tr>
+              <a:tr h="526342">
+                <a:tc>
+                  <a:txBody>
+                    <a:bodyPr/>
+                    <a:lstStyle/>
+                    <a:p>
+                      <a:r>
+                        <a:rPr lang="en-US" sz="900" b="1">
+                          <a:effectLst/>
+                        </a:rPr>
+                        <a:t>Collect Logs</a:t>
+                      </a:r>
+                    </a:p>
+                  </a:txBody>
+                  <a:tcPr marL="79878" marR="79878" marT="36867" marB="36867" anchor="ctr">
+                    <a:lnL w="9525" cap="flat" cmpd="sng" algn="ctr">
+                      <a:solidFill>
+                        <a:srgbClr val="D0D7DE"/>
+                      </a:solidFill>
+                      <a:prstDash val="solid"/>
+                      <a:round/>
+                      <a:headEnd type="none" w="med" len="med"/>
+                      <a:tailEnd type="none" w="med" len="med"/>
+                    </a:lnL>
+                    <a:lnR w="9525" cap="flat" cmpd="sng" algn="ctr">
+                      <a:solidFill>
+                        <a:srgbClr val="D0D7DE"/>
+                      </a:solidFill>
+                      <a:prstDash val="solid"/>
+                      <a:round/>
+                      <a:headEnd type="none" w="med" len="med"/>
+                      <a:tailEnd type="none" w="med" len="med"/>
+                    </a:lnR>
+                    <a:lnT w="9525" cap="flat" cmpd="sng" algn="ctr">
+                      <a:solidFill>
+                        <a:srgbClr val="D0D7DE"/>
+                      </a:solidFill>
+                      <a:prstDash val="solid"/>
+                      <a:round/>
+                      <a:headEnd type="none" w="med" len="med"/>
+                      <a:tailEnd type="none" w="med" len="med"/>
+                    </a:lnT>
+                    <a:lnB w="9525" cap="flat" cmpd="sng" algn="ctr">
+                      <a:solidFill>
+                        <a:srgbClr val="D0D7DE"/>
+                      </a:solidFill>
+                      <a:prstDash val="solid"/>
+                      <a:round/>
+                      <a:headEnd type="none" w="med" len="med"/>
+                      <a:tailEnd type="none" w="med" len="med"/>
+                    </a:lnB>
+                    <a:solidFill>
+                      <a:srgbClr val="FFFFFF"/>
+                    </a:solidFill>
+                  </a:tcPr>
+                </a:tc>
+                <a:tc>
+                  <a:txBody>
+                    <a:bodyPr/>
+                    <a:lstStyle/>
+                    <a:p>
+                      <a:r>
+                        <a:rPr lang="en-US" sz="900">
+                          <a:effectLst/>
+                        </a:rPr>
+                        <a:t>Log System Events</a:t>
+                      </a:r>
+                    </a:p>
+                  </a:txBody>
+                  <a:tcPr marL="79878" marR="79878" marT="36867" marB="36867" anchor="ctr">
+                    <a:lnL w="9525" cap="flat" cmpd="sng" algn="ctr">
+                      <a:solidFill>
+                        <a:srgbClr val="D0D7DE"/>
+                      </a:solidFill>
+                      <a:prstDash val="solid"/>
+                      <a:round/>
+                      <a:headEnd type="none" w="med" len="med"/>
+                      <a:tailEnd type="none" w="med" len="med"/>
+                    </a:lnL>
+                    <a:lnR w="9525" cap="flat" cmpd="sng" algn="ctr">
+                      <a:solidFill>
+                        <a:srgbClr val="D0D7DE"/>
+                      </a:solidFill>
+                      <a:prstDash val="solid"/>
+                      <a:round/>
+                      <a:headEnd type="none" w="med" len="med"/>
+                      <a:tailEnd type="none" w="med" len="med"/>
+                    </a:lnR>
+                    <a:lnT w="9525" cap="flat" cmpd="sng" algn="ctr">
+                      <a:solidFill>
+                        <a:srgbClr val="D0D7DE"/>
+                      </a:solidFill>
+                      <a:prstDash val="solid"/>
+                      <a:round/>
+                      <a:headEnd type="none" w="med" len="med"/>
+                      <a:tailEnd type="none" w="med" len="med"/>
+                    </a:lnT>
+                    <a:lnB w="9525" cap="flat" cmpd="sng" algn="ctr">
+                      <a:solidFill>
+                        <a:srgbClr val="D0D7DE"/>
+                      </a:solidFill>
+                      <a:prstDash val="solid"/>
+                      <a:round/>
+                      <a:headEnd type="none" w="med" len="med"/>
+                      <a:tailEnd type="none" w="med" len="med"/>
+                    </a:lnB>
+                    <a:solidFill>
+                      <a:srgbClr val="FFFFFF"/>
+                    </a:solidFill>
+                  </a:tcPr>
+                </a:tc>
+                <a:tc>
+                  <a:txBody>
+                    <a:bodyPr/>
+                    <a:lstStyle/>
+                    <a:p>
+                      <a:r>
+                        <a:rPr lang="en-US" sz="900">
+                          <a:effectLst/>
+                        </a:rPr>
+                        <a:t>Logger, Log, ML service, API Gateway</a:t>
+                      </a:r>
+                    </a:p>
+                  </a:txBody>
+                  <a:tcPr marL="79878" marR="79878" marT="36867" marB="36867" anchor="ctr">
+                    <a:lnL w="9525" cap="flat" cmpd="sng" algn="ctr">
+                      <a:solidFill>
+                        <a:srgbClr val="D0D7DE"/>
+                      </a:solidFill>
+                      <a:prstDash val="solid"/>
+                      <a:round/>
+                      <a:headEnd type="none" w="med" len="med"/>
+                      <a:tailEnd type="none" w="med" len="med"/>
+                    </a:lnL>
+                    <a:lnR w="9525" cap="flat" cmpd="sng" algn="ctr">
+                      <a:solidFill>
+                        <a:srgbClr val="D0D7DE"/>
+                      </a:solidFill>
+                      <a:prstDash val="solid"/>
+                      <a:round/>
+                      <a:headEnd type="none" w="med" len="med"/>
+                      <a:tailEnd type="none" w="med" len="med"/>
+                    </a:lnR>
+                    <a:lnT w="9525" cap="flat" cmpd="sng" algn="ctr">
+                      <a:solidFill>
+                        <a:srgbClr val="D0D7DE"/>
+                      </a:solidFill>
+                      <a:prstDash val="solid"/>
+                      <a:round/>
+                      <a:headEnd type="none" w="med" len="med"/>
+                      <a:tailEnd type="none" w="med" len="med"/>
+                    </a:lnT>
+                    <a:lnB w="9525" cap="flat" cmpd="sng" algn="ctr">
+                      <a:solidFill>
+                        <a:srgbClr val="D0D7DE"/>
+                      </a:solidFill>
+                      <a:prstDash val="solid"/>
+                      <a:round/>
+                      <a:headEnd type="none" w="med" len="med"/>
+                      <a:tailEnd type="none" w="med" len="med"/>
+                    </a:lnB>
+                    <a:solidFill>
+                      <a:srgbClr val="FFFFFF"/>
+                    </a:solidFill>
+                  </a:tcPr>
+                </a:tc>
+                <a:tc>
+                  <a:txBody>
+                    <a:bodyPr/>
+                    <a:lstStyle/>
+                    <a:p>
+                      <a:r>
+                        <a:rPr lang="en-US" sz="900">
+                          <a:effectLst/>
+                        </a:rPr>
+                        <a:t>System Logger, Log, ML Service, API Gateway</a:t>
+                      </a:r>
+                    </a:p>
+                  </a:txBody>
+                  <a:tcPr marL="79878" marR="79878" marT="36867" marB="36867" anchor="ctr">
+                    <a:lnL w="9525" cap="flat" cmpd="sng" algn="ctr">
+                      <a:solidFill>
+                        <a:srgbClr val="D0D7DE"/>
+                      </a:solidFill>
+                      <a:prstDash val="solid"/>
+                      <a:round/>
+                      <a:headEnd type="none" w="med" len="med"/>
+                      <a:tailEnd type="none" w="med" len="med"/>
+                    </a:lnL>
+                    <a:lnR w="9525" cap="flat" cmpd="sng" algn="ctr">
+                      <a:solidFill>
+                        <a:srgbClr val="D0D7DE"/>
+                      </a:solidFill>
+                      <a:prstDash val="solid"/>
+                      <a:round/>
+                      <a:headEnd type="none" w="med" len="med"/>
+                      <a:tailEnd type="none" w="med" len="med"/>
+                    </a:lnR>
+                    <a:lnT w="9525" cap="flat" cmpd="sng" algn="ctr">
+                      <a:solidFill>
+                        <a:srgbClr val="D0D7DE"/>
+                      </a:solidFill>
+                      <a:prstDash val="solid"/>
+                      <a:round/>
+                      <a:headEnd type="none" w="med" len="med"/>
+                      <a:tailEnd type="none" w="med" len="med"/>
+                    </a:lnT>
+                    <a:lnB w="9525" cap="flat" cmpd="sng" algn="ctr">
+                      <a:solidFill>
+                        <a:srgbClr val="D0D7DE"/>
+                      </a:solidFill>
+                      <a:prstDash val="solid"/>
+                      <a:round/>
+                      <a:headEnd type="none" w="med" len="med"/>
+                      <a:tailEnd type="none" w="med" len="med"/>
+                    </a:lnB>
+                    <a:solidFill>
+                      <a:srgbClr val="FFFFFF"/>
+                    </a:solidFill>
+                  </a:tcPr>
+                </a:tc>
+                <a:extLst>
+                  <a:ext uri="{0D108BD9-81ED-4DB2-BD59-A6C34878D82A}">
+                    <a16:rowId xmlns:a16="http://schemas.microsoft.com/office/drawing/2014/main" val="1524924356"/>
+                  </a:ext>
+                </a:extLst>
+              </a:tr>
+              <a:tr h="377478">
+                <a:tc>
+                  <a:txBody>
+                    <a:bodyPr/>
+                    <a:lstStyle/>
+                    <a:p>
+                      <a:r>
+                        <a:rPr lang="en-US" sz="900" b="1">
+                          <a:effectLst/>
+                        </a:rPr>
+                        <a:t>Deploy Model</a:t>
+                      </a:r>
+                    </a:p>
+                  </a:txBody>
+                  <a:tcPr marL="79878" marR="79878" marT="36867" marB="36867" anchor="ctr">
+                    <a:lnL w="9525" cap="flat" cmpd="sng" algn="ctr">
+                      <a:solidFill>
+                        <a:srgbClr val="D0D7DE"/>
+                      </a:solidFill>
+                      <a:prstDash val="solid"/>
+                      <a:round/>
+                      <a:headEnd type="none" w="med" len="med"/>
+                      <a:tailEnd type="none" w="med" len="med"/>
+                    </a:lnL>
+                    <a:lnR w="9525" cap="flat" cmpd="sng" algn="ctr">
+                      <a:solidFill>
+                        <a:srgbClr val="D0D7DE"/>
+                      </a:solidFill>
+                      <a:prstDash val="solid"/>
+                      <a:round/>
+                      <a:headEnd type="none" w="med" len="med"/>
+                      <a:tailEnd type="none" w="med" len="med"/>
+                    </a:lnR>
+                    <a:lnT w="9525" cap="flat" cmpd="sng" algn="ctr">
+                      <a:solidFill>
+                        <a:srgbClr val="D0D7DE"/>
+                      </a:solidFill>
+                      <a:prstDash val="solid"/>
+                      <a:round/>
+                      <a:headEnd type="none" w="med" len="med"/>
+                      <a:tailEnd type="none" w="med" len="med"/>
+                    </a:lnT>
+                    <a:lnB w="9525" cap="flat" cmpd="sng" algn="ctr">
+                      <a:solidFill>
+                        <a:srgbClr val="D0D7DE"/>
+                      </a:solidFill>
+                      <a:prstDash val="solid"/>
+                      <a:round/>
+                      <a:headEnd type="none" w="med" len="med"/>
+                      <a:tailEnd type="none" w="med" len="med"/>
+                    </a:lnB>
+                    <a:solidFill>
+                      <a:srgbClr val="F6F8FA"/>
+                    </a:solidFill>
+                  </a:tcPr>
+                </a:tc>
+                <a:tc>
+                  <a:txBody>
+                    <a:bodyPr/>
+                    <a:lstStyle/>
+                    <a:p>
+                      <a:r>
+                        <a:rPr lang="en-US" sz="900">
+                          <a:effectLst/>
+                        </a:rPr>
+                        <a:t>Deploy Service</a:t>
+                      </a:r>
+                    </a:p>
+                  </a:txBody>
+                  <a:tcPr marL="79878" marR="79878" marT="36867" marB="36867" anchor="ctr">
+                    <a:lnL w="9525" cap="flat" cmpd="sng" algn="ctr">
+                      <a:solidFill>
+                        <a:srgbClr val="D0D7DE"/>
+                      </a:solidFill>
+                      <a:prstDash val="solid"/>
+                      <a:round/>
+                      <a:headEnd type="none" w="med" len="med"/>
+                      <a:tailEnd type="none" w="med" len="med"/>
+                    </a:lnL>
+                    <a:lnR w="9525" cap="flat" cmpd="sng" algn="ctr">
+                      <a:solidFill>
+                        <a:srgbClr val="D0D7DE"/>
+                      </a:solidFill>
+                      <a:prstDash val="solid"/>
+                      <a:round/>
+                      <a:headEnd type="none" w="med" len="med"/>
+                      <a:tailEnd type="none" w="med" len="med"/>
+                    </a:lnR>
+                    <a:lnT w="9525" cap="flat" cmpd="sng" algn="ctr">
+                      <a:solidFill>
+                        <a:srgbClr val="D0D7DE"/>
+                      </a:solidFill>
+                      <a:prstDash val="solid"/>
+                      <a:round/>
+                      <a:headEnd type="none" w="med" len="med"/>
+                      <a:tailEnd type="none" w="med" len="med"/>
+                    </a:lnT>
+                    <a:lnB w="9525" cap="flat" cmpd="sng" algn="ctr">
+                      <a:solidFill>
+                        <a:srgbClr val="D0D7DE"/>
+                      </a:solidFill>
+                      <a:prstDash val="solid"/>
+                      <a:round/>
+                      <a:headEnd type="none" w="med" len="med"/>
+                      <a:tailEnd type="none" w="med" len="med"/>
+                    </a:lnB>
+                    <a:solidFill>
+                      <a:srgbClr val="F6F8FA"/>
+                    </a:solidFill>
+                  </a:tcPr>
+                </a:tc>
+                <a:tc>
+                  <a:txBody>
+                    <a:bodyPr/>
+                    <a:lstStyle/>
+                    <a:p>
+                      <a:r>
+                        <a:rPr lang="en-US" sz="900">
+                          <a:effectLst/>
+                        </a:rPr>
+                        <a:t>Deployer, K8s, Pod, ML service</a:t>
+                      </a:r>
+                    </a:p>
+                  </a:txBody>
+                  <a:tcPr marL="79878" marR="79878" marT="36867" marB="36867" anchor="ctr">
+                    <a:lnL w="9525" cap="flat" cmpd="sng" algn="ctr">
+                      <a:solidFill>
+                        <a:srgbClr val="D0D7DE"/>
+                      </a:solidFill>
+                      <a:prstDash val="solid"/>
+                      <a:round/>
+                      <a:headEnd type="none" w="med" len="med"/>
+                      <a:tailEnd type="none" w="med" len="med"/>
+                    </a:lnL>
+                    <a:lnR w="9525" cap="flat" cmpd="sng" algn="ctr">
+                      <a:solidFill>
+                        <a:srgbClr val="D0D7DE"/>
+                      </a:solidFill>
+                      <a:prstDash val="solid"/>
+                      <a:round/>
+                      <a:headEnd type="none" w="med" len="med"/>
+                      <a:tailEnd type="none" w="med" len="med"/>
+                    </a:lnR>
+                    <a:lnT w="9525" cap="flat" cmpd="sng" algn="ctr">
+                      <a:solidFill>
+                        <a:srgbClr val="D0D7DE"/>
+                      </a:solidFill>
+                      <a:prstDash val="solid"/>
+                      <a:round/>
+                      <a:headEnd type="none" w="med" len="med"/>
+                      <a:tailEnd type="none" w="med" len="med"/>
+                    </a:lnT>
+                    <a:lnB w="9525" cap="flat" cmpd="sng" algn="ctr">
+                      <a:solidFill>
+                        <a:srgbClr val="D0D7DE"/>
+                      </a:solidFill>
+                      <a:prstDash val="solid"/>
+                      <a:round/>
+                      <a:headEnd type="none" w="med" len="med"/>
+                      <a:tailEnd type="none" w="med" len="med"/>
+                    </a:lnB>
+                    <a:solidFill>
+                      <a:srgbClr val="F6F8FA"/>
+                    </a:solidFill>
+                  </a:tcPr>
+                </a:tc>
+                <a:tc>
+                  <a:txBody>
+                    <a:bodyPr/>
+                    <a:lstStyle/>
+                    <a:p>
+                      <a:r>
+                        <a:rPr lang="en-US" sz="900">
+                          <a:effectLst/>
+                        </a:rPr>
+                        <a:t>Service Deployer, Pod, K8s, ML Service</a:t>
+                      </a:r>
+                    </a:p>
+                  </a:txBody>
+                  <a:tcPr marL="79878" marR="79878" marT="36867" marB="36867" anchor="ctr">
+                    <a:lnL w="9525" cap="flat" cmpd="sng" algn="ctr">
+                      <a:solidFill>
+                        <a:srgbClr val="D0D7DE"/>
+                      </a:solidFill>
+                      <a:prstDash val="solid"/>
+                      <a:round/>
+                      <a:headEnd type="none" w="med" len="med"/>
+                      <a:tailEnd type="none" w="med" len="med"/>
+                    </a:lnL>
+                    <a:lnR w="9525" cap="flat" cmpd="sng" algn="ctr">
+                      <a:solidFill>
+                        <a:srgbClr val="D0D7DE"/>
+                      </a:solidFill>
+                      <a:prstDash val="solid"/>
+                      <a:round/>
+                      <a:headEnd type="none" w="med" len="med"/>
+                      <a:tailEnd type="none" w="med" len="med"/>
+                    </a:lnR>
+                    <a:lnT w="9525" cap="flat" cmpd="sng" algn="ctr">
+                      <a:solidFill>
+                        <a:srgbClr val="D0D7DE"/>
+                      </a:solidFill>
+                      <a:prstDash val="solid"/>
+                      <a:round/>
+                      <a:headEnd type="none" w="med" len="med"/>
+                      <a:tailEnd type="none" w="med" len="med"/>
+                    </a:lnT>
+                    <a:lnB w="9525" cap="flat" cmpd="sng" algn="ctr">
+                      <a:solidFill>
+                        <a:srgbClr val="D0D7DE"/>
+                      </a:solidFill>
+                      <a:prstDash val="solid"/>
+                      <a:round/>
+                      <a:headEnd type="none" w="med" len="med"/>
+                      <a:tailEnd type="none" w="med" len="med"/>
+                    </a:lnB>
+                    <a:solidFill>
+                      <a:srgbClr val="F6F8FA"/>
+                    </a:solidFill>
+                  </a:tcPr>
+                </a:tc>
+                <a:extLst>
+                  <a:ext uri="{0D108BD9-81ED-4DB2-BD59-A6C34878D82A}">
+                    <a16:rowId xmlns:a16="http://schemas.microsoft.com/office/drawing/2014/main" val="1101985680"/>
+                  </a:ext>
+                </a:extLst>
+              </a:tr>
+              <a:tr h="377478">
+                <a:tc>
+                  <a:txBody>
+                    <a:bodyPr/>
+                    <a:lstStyle/>
+                    <a:p>
+                      <a:r>
+                        <a:rPr lang="en-US" sz="900" b="1">
+                          <a:effectLst/>
+                        </a:rPr>
+                        <a:t>Publish Model</a:t>
+                      </a:r>
+                    </a:p>
+                  </a:txBody>
+                  <a:tcPr marL="79878" marR="79878" marT="36867" marB="36867" anchor="ctr">
+                    <a:lnL w="9525" cap="flat" cmpd="sng" algn="ctr">
+                      <a:solidFill>
+                        <a:srgbClr val="D0D7DE"/>
+                      </a:solidFill>
+                      <a:prstDash val="solid"/>
+                      <a:round/>
+                      <a:headEnd type="none" w="med" len="med"/>
+                      <a:tailEnd type="none" w="med" len="med"/>
+                    </a:lnL>
+                    <a:lnR w="9525" cap="flat" cmpd="sng" algn="ctr">
+                      <a:solidFill>
+                        <a:srgbClr val="D0D7DE"/>
+                      </a:solidFill>
+                      <a:prstDash val="solid"/>
+                      <a:round/>
+                      <a:headEnd type="none" w="med" len="med"/>
+                      <a:tailEnd type="none" w="med" len="med"/>
+                    </a:lnR>
+                    <a:lnT w="9525" cap="flat" cmpd="sng" algn="ctr">
+                      <a:solidFill>
+                        <a:srgbClr val="D0D7DE"/>
+                      </a:solidFill>
+                      <a:prstDash val="solid"/>
+                      <a:round/>
+                      <a:headEnd type="none" w="med" len="med"/>
+                      <a:tailEnd type="none" w="med" len="med"/>
+                    </a:lnT>
+                    <a:lnB w="9525" cap="flat" cmpd="sng" algn="ctr">
+                      <a:solidFill>
+                        <a:srgbClr val="D0D7DE"/>
+                      </a:solidFill>
+                      <a:prstDash val="solid"/>
+                      <a:round/>
+                      <a:headEnd type="none" w="med" len="med"/>
+                      <a:tailEnd type="none" w="med" len="med"/>
+                    </a:lnB>
+                    <a:solidFill>
+                      <a:srgbClr val="FFFFFF"/>
+                    </a:solidFill>
+                  </a:tcPr>
+                </a:tc>
+                <a:tc>
+                  <a:txBody>
+                    <a:bodyPr/>
+                    <a:lstStyle/>
+                    <a:p>
+                      <a:r>
+                        <a:rPr lang="en-US" sz="900">
+                          <a:effectLst/>
+                        </a:rPr>
+                        <a:t>Containerize Model</a:t>
+                      </a:r>
+                    </a:p>
+                  </a:txBody>
+                  <a:tcPr marL="79878" marR="79878" marT="36867" marB="36867" anchor="ctr">
+                    <a:lnL w="9525" cap="flat" cmpd="sng" algn="ctr">
+                      <a:solidFill>
+                        <a:srgbClr val="D0D7DE"/>
+                      </a:solidFill>
+                      <a:prstDash val="solid"/>
+                      <a:round/>
+                      <a:headEnd type="none" w="med" len="med"/>
+                      <a:tailEnd type="none" w="med" len="med"/>
+                    </a:lnL>
+                    <a:lnR w="9525" cap="flat" cmpd="sng" algn="ctr">
+                      <a:solidFill>
+                        <a:srgbClr val="D0D7DE"/>
+                      </a:solidFill>
+                      <a:prstDash val="solid"/>
+                      <a:round/>
+                      <a:headEnd type="none" w="med" len="med"/>
+                      <a:tailEnd type="none" w="med" len="med"/>
+                    </a:lnR>
+                    <a:lnT w="9525" cap="flat" cmpd="sng" algn="ctr">
+                      <a:solidFill>
+                        <a:srgbClr val="D0D7DE"/>
+                      </a:solidFill>
+                      <a:prstDash val="solid"/>
+                      <a:round/>
+                      <a:headEnd type="none" w="med" len="med"/>
+                      <a:tailEnd type="none" w="med" len="med"/>
+                    </a:lnT>
+                    <a:lnB w="9525" cap="flat" cmpd="sng" algn="ctr">
+                      <a:solidFill>
+                        <a:srgbClr val="D0D7DE"/>
+                      </a:solidFill>
+                      <a:prstDash val="solid"/>
+                      <a:round/>
+                      <a:headEnd type="none" w="med" len="med"/>
+                      <a:tailEnd type="none" w="med" len="med"/>
+                    </a:lnB>
+                    <a:solidFill>
+                      <a:srgbClr val="FFFFFF"/>
+                    </a:solidFill>
+                  </a:tcPr>
+                </a:tc>
+                <a:tc>
+                  <a:txBody>
+                    <a:bodyPr/>
+                    <a:lstStyle/>
+                    <a:p>
+                      <a:r>
+                        <a:rPr lang="pt-BR" sz="900">
+                          <a:effectLst/>
+                        </a:rPr>
+                        <a:t>Containerizer, Pod, K8s, ML model</a:t>
+                      </a:r>
+                    </a:p>
+                  </a:txBody>
+                  <a:tcPr marL="79878" marR="79878" marT="36867" marB="36867" anchor="ctr">
+                    <a:lnL w="9525" cap="flat" cmpd="sng" algn="ctr">
+                      <a:solidFill>
+                        <a:srgbClr val="D0D7DE"/>
+                      </a:solidFill>
+                      <a:prstDash val="solid"/>
+                      <a:round/>
+                      <a:headEnd type="none" w="med" len="med"/>
+                      <a:tailEnd type="none" w="med" len="med"/>
+                    </a:lnL>
+                    <a:lnR w="9525" cap="flat" cmpd="sng" algn="ctr">
+                      <a:solidFill>
+                        <a:srgbClr val="D0D7DE"/>
+                      </a:solidFill>
+                      <a:prstDash val="solid"/>
+                      <a:round/>
+                      <a:headEnd type="none" w="med" len="med"/>
+                      <a:tailEnd type="none" w="med" len="med"/>
+                    </a:lnR>
+                    <a:lnT w="9525" cap="flat" cmpd="sng" algn="ctr">
+                      <a:solidFill>
+                        <a:srgbClr val="D0D7DE"/>
+                      </a:solidFill>
+                      <a:prstDash val="solid"/>
+                      <a:round/>
+                      <a:headEnd type="none" w="med" len="med"/>
+                      <a:tailEnd type="none" w="med" len="med"/>
+                    </a:lnT>
+                    <a:lnB w="9525" cap="flat" cmpd="sng" algn="ctr">
+                      <a:solidFill>
+                        <a:srgbClr val="D0D7DE"/>
+                      </a:solidFill>
+                      <a:prstDash val="solid"/>
+                      <a:round/>
+                      <a:headEnd type="none" w="med" len="med"/>
+                      <a:tailEnd type="none" w="med" len="med"/>
+                    </a:lnB>
+                    <a:solidFill>
+                      <a:srgbClr val="FFFFFF"/>
+                    </a:solidFill>
+                  </a:tcPr>
+                </a:tc>
+                <a:tc>
+                  <a:txBody>
+                    <a:bodyPr/>
+                    <a:lstStyle/>
+                    <a:p>
+                      <a:r>
+                        <a:rPr lang="en-US" sz="900">
+                          <a:effectLst/>
+                        </a:rPr>
+                        <a:t>Model Containerizer, Pod, K8s, ML Service</a:t>
+                      </a:r>
+                    </a:p>
+                  </a:txBody>
+                  <a:tcPr marL="79878" marR="79878" marT="36867" marB="36867" anchor="ctr">
+                    <a:lnL w="9525" cap="flat" cmpd="sng" algn="ctr">
+                      <a:solidFill>
+                        <a:srgbClr val="D0D7DE"/>
+                      </a:solidFill>
+                      <a:prstDash val="solid"/>
+                      <a:round/>
+                      <a:headEnd type="none" w="med" len="med"/>
+                      <a:tailEnd type="none" w="med" len="med"/>
+                    </a:lnL>
+                    <a:lnR w="9525" cap="flat" cmpd="sng" algn="ctr">
+                      <a:solidFill>
+                        <a:srgbClr val="D0D7DE"/>
+                      </a:solidFill>
+                      <a:prstDash val="solid"/>
+                      <a:round/>
+                      <a:headEnd type="none" w="med" len="med"/>
+                      <a:tailEnd type="none" w="med" len="med"/>
+                    </a:lnR>
+                    <a:lnT w="9525" cap="flat" cmpd="sng" algn="ctr">
+                      <a:solidFill>
+                        <a:srgbClr val="D0D7DE"/>
+                      </a:solidFill>
+                      <a:prstDash val="solid"/>
+                      <a:round/>
+                      <a:headEnd type="none" w="med" len="med"/>
+                      <a:tailEnd type="none" w="med" len="med"/>
+                    </a:lnT>
+                    <a:lnB w="9525" cap="flat" cmpd="sng" algn="ctr">
+                      <a:solidFill>
+                        <a:srgbClr val="D0D7DE"/>
+                      </a:solidFill>
+                      <a:prstDash val="solid"/>
+                      <a:round/>
+                      <a:headEnd type="none" w="med" len="med"/>
+                      <a:tailEnd type="none" w="med" len="med"/>
+                    </a:lnB>
+                    <a:solidFill>
+                      <a:srgbClr val="FFFFFF"/>
+                    </a:solidFill>
+                  </a:tcPr>
+                </a:tc>
+                <a:extLst>
+                  <a:ext uri="{0D108BD9-81ED-4DB2-BD59-A6C34878D82A}">
+                    <a16:rowId xmlns:a16="http://schemas.microsoft.com/office/drawing/2014/main" val="4271451062"/>
+                  </a:ext>
+                </a:extLst>
+              </a:tr>
+              <a:tr h="526342">
+                <a:tc>
+                  <a:txBody>
+                    <a:bodyPr/>
+                    <a:lstStyle/>
+                    <a:p>
+                      <a:r>
+                        <a:rPr lang="en-US" sz="900" b="1" dirty="0" err="1">
+                          <a:effectLst/>
+                        </a:rPr>
+                        <a:t>OpenAPI</a:t>
+                      </a:r>
+                      <a:r>
+                        <a:rPr lang="en-US" sz="900" b="1" dirty="0">
+                          <a:effectLst/>
+                        </a:rPr>
+                        <a:t> Schema Generation</a:t>
+                      </a:r>
+                    </a:p>
+                  </a:txBody>
+                  <a:tcPr marL="79878" marR="79878" marT="36867" marB="36867" anchor="ctr">
+                    <a:lnL w="9525" cap="flat" cmpd="sng" algn="ctr">
+                      <a:solidFill>
+                        <a:srgbClr val="D0D7DE"/>
+                      </a:solidFill>
+                      <a:prstDash val="solid"/>
+                      <a:round/>
+                      <a:headEnd type="none" w="med" len="med"/>
+                      <a:tailEnd type="none" w="med" len="med"/>
+                    </a:lnL>
+                    <a:lnR w="9525" cap="flat" cmpd="sng" algn="ctr">
+                      <a:solidFill>
+                        <a:srgbClr val="D0D7DE"/>
+                      </a:solidFill>
+                      <a:prstDash val="solid"/>
+                      <a:round/>
+                      <a:headEnd type="none" w="med" len="med"/>
+                      <a:tailEnd type="none" w="med" len="med"/>
+                    </a:lnR>
+                    <a:lnT w="9525" cap="flat" cmpd="sng" algn="ctr">
+                      <a:solidFill>
+                        <a:srgbClr val="D0D7DE"/>
+                      </a:solidFill>
+                      <a:prstDash val="solid"/>
+                      <a:round/>
+                      <a:headEnd type="none" w="med" len="med"/>
+                      <a:tailEnd type="none" w="med" len="med"/>
+                    </a:lnT>
+                    <a:lnB w="9525" cap="flat" cmpd="sng" algn="ctr">
+                      <a:solidFill>
+                        <a:srgbClr val="D0D7DE"/>
+                      </a:solidFill>
+                      <a:prstDash val="solid"/>
+                      <a:round/>
+                      <a:headEnd type="none" w="med" len="med"/>
+                      <a:tailEnd type="none" w="med" len="med"/>
+                    </a:lnB>
+                    <a:solidFill>
+                      <a:srgbClr val="F6F8FA"/>
+                    </a:solidFill>
+                  </a:tcPr>
+                </a:tc>
+                <a:tc>
+                  <a:txBody>
+                    <a:bodyPr/>
+                    <a:lstStyle/>
+                    <a:p>
+                      <a:r>
+                        <a:rPr lang="en-US" sz="900">
+                          <a:effectLst/>
+                        </a:rPr>
+                        <a:t>Generate API Definition</a:t>
+                      </a:r>
+                    </a:p>
+                  </a:txBody>
+                  <a:tcPr marL="79878" marR="79878" marT="36867" marB="36867" anchor="ctr">
+                    <a:lnL w="9525" cap="flat" cmpd="sng" algn="ctr">
+                      <a:solidFill>
+                        <a:srgbClr val="D0D7DE"/>
+                      </a:solidFill>
+                      <a:prstDash val="solid"/>
+                      <a:round/>
+                      <a:headEnd type="none" w="med" len="med"/>
+                      <a:tailEnd type="none" w="med" len="med"/>
+                    </a:lnL>
+                    <a:lnR w="9525" cap="flat" cmpd="sng" algn="ctr">
+                      <a:solidFill>
+                        <a:srgbClr val="D0D7DE"/>
+                      </a:solidFill>
+                      <a:prstDash val="solid"/>
+                      <a:round/>
+                      <a:headEnd type="none" w="med" len="med"/>
+                      <a:tailEnd type="none" w="med" len="med"/>
+                    </a:lnR>
+                    <a:lnT w="9525" cap="flat" cmpd="sng" algn="ctr">
+                      <a:solidFill>
+                        <a:srgbClr val="D0D7DE"/>
+                      </a:solidFill>
+                      <a:prstDash val="solid"/>
+                      <a:round/>
+                      <a:headEnd type="none" w="med" len="med"/>
+                      <a:tailEnd type="none" w="med" len="med"/>
+                    </a:lnT>
+                    <a:lnB w="9525" cap="flat" cmpd="sng" algn="ctr">
+                      <a:solidFill>
+                        <a:srgbClr val="D0D7DE"/>
+                      </a:solidFill>
+                      <a:prstDash val="solid"/>
+                      <a:round/>
+                      <a:headEnd type="none" w="med" len="med"/>
+                      <a:tailEnd type="none" w="med" len="med"/>
+                    </a:lnB>
+                    <a:solidFill>
+                      <a:srgbClr val="F6F8FA"/>
+                    </a:solidFill>
+                  </a:tcPr>
+                </a:tc>
+                <a:tc>
+                  <a:txBody>
+                    <a:bodyPr/>
+                    <a:lstStyle/>
+                    <a:p>
+                      <a:r>
+                        <a:rPr lang="it-IT" sz="900">
+                          <a:effectLst/>
+                        </a:rPr>
+                        <a:t>ML service, OpenAPI schema, Generator</a:t>
+                      </a:r>
+                    </a:p>
+                  </a:txBody>
+                  <a:tcPr marL="79878" marR="79878" marT="36867" marB="36867" anchor="ctr">
+                    <a:lnL w="9525" cap="flat" cmpd="sng" algn="ctr">
+                      <a:solidFill>
+                        <a:srgbClr val="D0D7DE"/>
+                      </a:solidFill>
+                      <a:prstDash val="solid"/>
+                      <a:round/>
+                      <a:headEnd type="none" w="med" len="med"/>
+                      <a:tailEnd type="none" w="med" len="med"/>
+                    </a:lnL>
+                    <a:lnR w="9525" cap="flat" cmpd="sng" algn="ctr">
+                      <a:solidFill>
+                        <a:srgbClr val="D0D7DE"/>
+                      </a:solidFill>
+                      <a:prstDash val="solid"/>
+                      <a:round/>
+                      <a:headEnd type="none" w="med" len="med"/>
+                      <a:tailEnd type="none" w="med" len="med"/>
+                    </a:lnR>
+                    <a:lnT w="9525" cap="flat" cmpd="sng" algn="ctr">
+                      <a:solidFill>
+                        <a:srgbClr val="D0D7DE"/>
+                      </a:solidFill>
+                      <a:prstDash val="solid"/>
+                      <a:round/>
+                      <a:headEnd type="none" w="med" len="med"/>
+                      <a:tailEnd type="none" w="med" len="med"/>
+                    </a:lnT>
+                    <a:lnB w="9525" cap="flat" cmpd="sng" algn="ctr">
+                      <a:solidFill>
+                        <a:srgbClr val="D0D7DE"/>
+                      </a:solidFill>
+                      <a:prstDash val="solid"/>
+                      <a:round/>
+                      <a:headEnd type="none" w="med" len="med"/>
+                      <a:tailEnd type="none" w="med" len="med"/>
+                    </a:lnB>
+                    <a:solidFill>
+                      <a:srgbClr val="F6F8FA"/>
+                    </a:solidFill>
+                  </a:tcPr>
+                </a:tc>
+                <a:tc>
+                  <a:txBody>
+                    <a:bodyPr/>
+                    <a:lstStyle/>
+                    <a:p>
+                      <a:r>
+                        <a:rPr lang="it-IT" sz="900" dirty="0">
+                          <a:effectLst/>
+                        </a:rPr>
+                        <a:t>OpenAPI Generator, OpenAPI Schema, ML Service</a:t>
+                      </a:r>
+                    </a:p>
+                  </a:txBody>
+                  <a:tcPr marL="79878" marR="79878" marT="36867" marB="36867" anchor="ctr">
+                    <a:lnL w="9525" cap="flat" cmpd="sng" algn="ctr">
+                      <a:solidFill>
+                        <a:srgbClr val="D0D7DE"/>
+                      </a:solidFill>
+                      <a:prstDash val="solid"/>
+                      <a:round/>
+                      <a:headEnd type="none" w="med" len="med"/>
+                      <a:tailEnd type="none" w="med" len="med"/>
+                    </a:lnL>
+                    <a:lnR w="9525" cap="flat" cmpd="sng" algn="ctr">
+                      <a:solidFill>
+                        <a:srgbClr val="D0D7DE"/>
+                      </a:solidFill>
+                      <a:prstDash val="solid"/>
+                      <a:round/>
+                      <a:headEnd type="none" w="med" len="med"/>
+                      <a:tailEnd type="none" w="med" len="med"/>
+                    </a:lnR>
+                    <a:lnT w="9525" cap="flat" cmpd="sng" algn="ctr">
+                      <a:solidFill>
+                        <a:srgbClr val="D0D7DE"/>
+                      </a:solidFill>
+                      <a:prstDash val="solid"/>
+                      <a:round/>
+                      <a:headEnd type="none" w="med" len="med"/>
+                      <a:tailEnd type="none" w="med" len="med"/>
+                    </a:lnT>
+                    <a:lnB w="9525" cap="flat" cmpd="sng" algn="ctr">
+                      <a:solidFill>
+                        <a:srgbClr val="D0D7DE"/>
+                      </a:solidFill>
+                      <a:prstDash val="solid"/>
+                      <a:round/>
+                      <a:headEnd type="none" w="med" len="med"/>
+                      <a:tailEnd type="none" w="med" len="med"/>
+                    </a:lnB>
+                    <a:solidFill>
+                      <a:srgbClr val="F6F8FA"/>
+                    </a:solidFill>
+                  </a:tcPr>
+                </a:tc>
+                <a:extLst>
+                  <a:ext uri="{0D108BD9-81ED-4DB2-BD59-A6C34878D82A}">
+                    <a16:rowId xmlns:a16="http://schemas.microsoft.com/office/drawing/2014/main" val="964606902"/>
+                  </a:ext>
+                </a:extLst>
+              </a:tr>
+            </a:tbl>
+          </a:graphicData>
+        </a:graphic>
+      </p:graphicFrame>
     </p:spTree>
   </p:cSld>
   <p:clrMapOvr>
@@ -13177,7 +15824,7 @@
         </p:nvSpPr>
         <p:spPr>
           <a:xfrm>
-            <a:off x="311700" y="288275"/>
+            <a:off x="226208" y="230849"/>
             <a:ext cx="8520600" cy="572700"/>
           </a:xfrm>
           <a:prstGeom prst="rect">
@@ -13202,7 +15849,7 @@
             <a:r>
               <a:rPr lang="en-GB" b="1" dirty="0">
                 <a:solidFill>
-                  <a:srgbClr val="FF0000"/>
+                  <a:schemeClr val="tx1"/>
                 </a:solidFill>
                 <a:effectLst>
                   <a:outerShdw blurRad="38100" dist="38100" dir="2700000" algn="tl">
@@ -13216,7 +15863,7 @@
             </a:r>
             <a:endParaRPr b="1" dirty="0">
               <a:solidFill>
-                <a:srgbClr val="FF0000"/>
+                <a:schemeClr val="tx1"/>
               </a:solidFill>
               <a:effectLst>
                 <a:outerShdw blurRad="38100" dist="38100" dir="2700000" algn="tl">
@@ -13229,97 +15876,6 @@
           </a:p>
         </p:txBody>
       </p:sp>
-      <p:sp>
-        <p:nvSpPr>
-          <p:cNvPr id="96" name="Google Shape;96;p19"/>
-          <p:cNvSpPr txBox="1">
-            <a:spLocks noGrp="1"/>
-          </p:cNvSpPr>
-          <p:nvPr>
-            <p:ph type="body" idx="1"/>
-          </p:nvPr>
-        </p:nvSpPr>
-        <p:spPr>
-          <a:xfrm>
-            <a:off x="311700" y="1152475"/>
-            <a:ext cx="3199800" cy="3416400"/>
-          </a:xfrm>
-          <a:prstGeom prst="rect">
-            <a:avLst/>
-          </a:prstGeom>
-        </p:spPr>
-        <p:txBody>
-          <a:bodyPr spcFirstLastPara="1" wrap="square" lIns="91425" tIns="91425" rIns="91425" bIns="91425" anchor="t" anchorCtr="0">
-            <a:noAutofit/>
-          </a:bodyPr>
-          <a:lstStyle/>
-          <a:p>
-            <a:pPr marL="0" lvl="0" indent="0" algn="l" rtl="0">
-              <a:spcBef>
-                <a:spcPts val="0"/>
-              </a:spcBef>
-              <a:spcAft>
-                <a:spcPts val="0"/>
-              </a:spcAft>
-              <a:buNone/>
-            </a:pPr>
-            <a:r>
-              <a:rPr lang="en-GB"/>
-              <a:t>The final class model should be consistent (well-formed) with interactions and use cases / stories.</a:t>
-            </a:r>
-            <a:endParaRPr/>
-          </a:p>
-          <a:p>
-            <a:pPr marL="0" lvl="0" indent="0" algn="l" rtl="0">
-              <a:spcBef>
-                <a:spcPts val="1200"/>
-              </a:spcBef>
-              <a:spcAft>
-                <a:spcPts val="1200"/>
-              </a:spcAft>
-              <a:buNone/>
-            </a:pPr>
-            <a:r>
-              <a:rPr lang="en-GB"/>
-              <a:t>Check that DDD stereotypes are set</a:t>
-            </a:r>
-            <a:endParaRPr/>
-          </a:p>
-        </p:txBody>
-      </p:sp>
-      <p:pic>
-        <p:nvPicPr>
-          <p:cNvPr id="97" name="Google Shape;97;p19"/>
-          <p:cNvPicPr preferRelativeResize="0"/>
-          <p:nvPr/>
-        </p:nvPicPr>
-        <p:blipFill>
-          <a:blip r:embed="rId3" cstate="screen">
-            <a:alphaModFix/>
-            <a:extLst>
-              <a:ext uri="{28A0092B-C50C-407E-A947-70E740481C1C}">
-                <a14:useLocalDpi xmlns:a14="http://schemas.microsoft.com/office/drawing/2010/main"/>
-              </a:ext>
-            </a:extLst>
-          </a:blip>
-          <a:stretch>
-            <a:fillRect/>
-          </a:stretch>
-        </p:blipFill>
-        <p:spPr>
-          <a:xfrm>
-            <a:off x="3613701" y="1547875"/>
-            <a:ext cx="5336376" cy="2625601"/>
-          </a:xfrm>
-          <a:prstGeom prst="rect">
-            <a:avLst/>
-          </a:prstGeom>
-          <a:noFill/>
-          <a:ln>
-            <a:noFill/>
-          </a:ln>
-        </p:spPr>
-      </p:pic>
       <p:sp>
         <p:nvSpPr>
           <p:cNvPr id="2" name="Slide Number Placeholder 1">
@@ -13358,6 +15914,53 @@
           </a:p>
         </p:txBody>
       </p:sp>
+      <p:pic>
+        <p:nvPicPr>
+          <p:cNvPr id="1026" name="Picture 2">
+            <a:extLst>
+              <a:ext uri="{FF2B5EF4-FFF2-40B4-BE49-F238E27FC236}">
+                <a16:creationId xmlns:a16="http://schemas.microsoft.com/office/drawing/2014/main" id="{5AE1C267-B7A0-46D9-A93C-A49231800E7B}"/>
+              </a:ext>
+            </a:extLst>
+          </p:cNvPr>
+          <p:cNvPicPr>
+            <a:picLocks noChangeAspect="1" noChangeArrowheads="1"/>
+          </p:cNvPicPr>
+          <p:nvPr/>
+        </p:nvPicPr>
+        <p:blipFill>
+          <a:blip r:embed="rId3">
+            <a:extLst>
+              <a:ext uri="{28A0092B-C50C-407E-A947-70E740481C1C}">
+                <a14:useLocalDpi xmlns:a14="http://schemas.microsoft.com/office/drawing/2010/main" val="0"/>
+              </a:ext>
+            </a:extLst>
+          </a:blip>
+          <a:srcRect/>
+          <a:stretch>
+            <a:fillRect/>
+          </a:stretch>
+        </p:blipFill>
+        <p:spPr bwMode="auto">
+          <a:xfrm>
+            <a:off x="208429" y="1022045"/>
+            <a:ext cx="8727141" cy="3422676"/>
+          </a:xfrm>
+          <a:prstGeom prst="rect">
+            <a:avLst/>
+          </a:prstGeom>
+          <a:noFill/>
+          <a:extLst>
+            <a:ext uri="{909E8E84-426E-40DD-AFC4-6F175D3DCCD1}">
+              <a14:hiddenFill xmlns:a14="http://schemas.microsoft.com/office/drawing/2010/main">
+                <a:solidFill>
+                  <a:srgbClr val="FFFFFF"/>
+                </a:solidFill>
+              </a14:hiddenFill>
+            </a:ext>
+          </a:extLst>
+        </p:spPr>
+      </p:pic>
     </p:spTree>
   </p:cSld>
   <p:clrMapOvr>

--- a/PracticeTasks/Final_Task/K8C_FinalTask1_(Task8).pptx
+++ b/PracticeTasks/Final_Task/K8C_FinalTask1_(Task8).pptx
@@ -5,35 +5,34 @@
     <p:sldMasterId id="2147483659" r:id="rId1"/>
   </p:sldMasterIdLst>
   <p:notesMasterIdLst>
-    <p:notesMasterId r:id="rId28"/>
+    <p:notesMasterId r:id="rId27"/>
   </p:notesMasterIdLst>
   <p:sldIdLst>
     <p:sldId id="256" r:id="rId2"/>
     <p:sldId id="267" r:id="rId3"/>
-    <p:sldId id="269" r:id="rId4"/>
-    <p:sldId id="270" r:id="rId5"/>
-    <p:sldId id="268" r:id="rId6"/>
-    <p:sldId id="272" r:id="rId7"/>
-    <p:sldId id="260" r:id="rId8"/>
-    <p:sldId id="261" r:id="rId9"/>
-    <p:sldId id="262" r:id="rId10"/>
-    <p:sldId id="263" r:id="rId11"/>
-    <p:sldId id="284" r:id="rId12"/>
-    <p:sldId id="264" r:id="rId13"/>
-    <p:sldId id="265" r:id="rId14"/>
-    <p:sldId id="273" r:id="rId15"/>
-    <p:sldId id="285" r:id="rId16"/>
-    <p:sldId id="271" r:id="rId17"/>
-    <p:sldId id="274" r:id="rId18"/>
-    <p:sldId id="275" r:id="rId19"/>
-    <p:sldId id="276" r:id="rId20"/>
-    <p:sldId id="277" r:id="rId21"/>
-    <p:sldId id="278" r:id="rId22"/>
-    <p:sldId id="279" r:id="rId23"/>
-    <p:sldId id="280" r:id="rId24"/>
-    <p:sldId id="281" r:id="rId25"/>
-    <p:sldId id="282" r:id="rId26"/>
-    <p:sldId id="283" r:id="rId27"/>
+    <p:sldId id="268" r:id="rId4"/>
+    <p:sldId id="269" r:id="rId5"/>
+    <p:sldId id="272" r:id="rId6"/>
+    <p:sldId id="260" r:id="rId7"/>
+    <p:sldId id="261" r:id="rId8"/>
+    <p:sldId id="262" r:id="rId9"/>
+    <p:sldId id="263" r:id="rId10"/>
+    <p:sldId id="284" r:id="rId11"/>
+    <p:sldId id="264" r:id="rId12"/>
+    <p:sldId id="265" r:id="rId13"/>
+    <p:sldId id="273" r:id="rId14"/>
+    <p:sldId id="285" r:id="rId15"/>
+    <p:sldId id="271" r:id="rId16"/>
+    <p:sldId id="274" r:id="rId17"/>
+    <p:sldId id="275" r:id="rId18"/>
+    <p:sldId id="276" r:id="rId19"/>
+    <p:sldId id="277" r:id="rId20"/>
+    <p:sldId id="278" r:id="rId21"/>
+    <p:sldId id="279" r:id="rId22"/>
+    <p:sldId id="280" r:id="rId23"/>
+    <p:sldId id="281" r:id="rId24"/>
+    <p:sldId id="282" r:id="rId25"/>
+    <p:sldId id="283" r:id="rId26"/>
   </p:sldIdLst>
   <p:sldSz cx="9144000" cy="5143500" type="screen16x9"/>
   <p:notesSz cx="6858000" cy="9144000"/>
@@ -273,9 +272,8 @@
           <p14:sldIdLst>
             <p14:sldId id="256"/>
             <p14:sldId id="267"/>
+            <p14:sldId id="268"/>
             <p14:sldId id="269"/>
-            <p14:sldId id="270"/>
-            <p14:sldId id="268"/>
             <p14:sldId id="272"/>
             <p14:sldId id="260"/>
             <p14:sldId id="261"/>
@@ -6776,315 +6774,6 @@
       </p:sp>
       <p:pic>
         <p:nvPicPr>
-          <p:cNvPr id="3074" name="Picture 2" descr="UC Request Routing">
-            <a:extLst>
-              <a:ext uri="{FF2B5EF4-FFF2-40B4-BE49-F238E27FC236}">
-                <a16:creationId xmlns:a16="http://schemas.microsoft.com/office/drawing/2014/main" id="{37B485D5-D86F-4696-BEBC-3226D81EFDF7}"/>
-              </a:ext>
-            </a:extLst>
-          </p:cNvPr>
-          <p:cNvPicPr>
-            <a:picLocks noChangeAspect="1" noChangeArrowheads="1"/>
-          </p:cNvPicPr>
-          <p:nvPr/>
-        </p:nvPicPr>
-        <p:blipFill>
-          <a:blip r:embed="rId3">
-            <a:extLst>
-              <a:ext uri="{28A0092B-C50C-407E-A947-70E740481C1C}">
-                <a14:useLocalDpi xmlns:a14="http://schemas.microsoft.com/office/drawing/2010/main" val="0"/>
-              </a:ext>
-            </a:extLst>
-          </a:blip>
-          <a:srcRect/>
-          <a:stretch>
-            <a:fillRect/>
-          </a:stretch>
-        </p:blipFill>
-        <p:spPr bwMode="auto">
-          <a:xfrm>
-            <a:off x="611842" y="1238099"/>
-            <a:ext cx="3556746" cy="3517662"/>
-          </a:xfrm>
-          <a:prstGeom prst="rect">
-            <a:avLst/>
-          </a:prstGeom>
-          <a:noFill/>
-          <a:ln w="19050">
-            <a:solidFill>
-              <a:schemeClr val="tx1"/>
-            </a:solidFill>
-          </a:ln>
-          <a:extLst>
-            <a:ext uri="{909E8E84-426E-40DD-AFC4-6F175D3DCCD1}">
-              <a14:hiddenFill xmlns:a14="http://schemas.microsoft.com/office/drawing/2010/main">
-                <a:solidFill>
-                  <a:srgbClr val="FFFFFF"/>
-                </a:solidFill>
-              </a14:hiddenFill>
-            </a:ext>
-          </a:extLst>
-        </p:spPr>
-      </p:pic>
-      <p:sp>
-        <p:nvSpPr>
-          <p:cNvPr id="5" name="TextBox 4">
-            <a:extLst>
-              <a:ext uri="{FF2B5EF4-FFF2-40B4-BE49-F238E27FC236}">
-                <a16:creationId xmlns:a16="http://schemas.microsoft.com/office/drawing/2014/main" id="{40FBE421-E6EC-4AE8-B9CD-ADEA23C49AAD}"/>
-              </a:ext>
-            </a:extLst>
-          </p:cNvPr>
-          <p:cNvSpPr txBox="1"/>
-          <p:nvPr/>
-        </p:nvSpPr>
-        <p:spPr>
-          <a:xfrm>
-            <a:off x="611842" y="844382"/>
-            <a:ext cx="3556746" cy="307777"/>
-          </a:xfrm>
-          <a:prstGeom prst="rect">
-            <a:avLst/>
-          </a:prstGeom>
-          <a:noFill/>
-        </p:spPr>
-        <p:txBody>
-          <a:bodyPr wrap="square" rtlCol="0">
-            <a:spAutoFit/>
-          </a:bodyPr>
-          <a:lstStyle/>
-          <a:p>
-            <a:pPr algn="ctr"/>
-            <a:r>
-              <a:rPr lang="en-US" b="1" dirty="0"/>
-              <a:t>Request Validator</a:t>
-            </a:r>
-            <a:endParaRPr lang="ru-RU" b="1" dirty="0"/>
-          </a:p>
-        </p:txBody>
-      </p:sp>
-      <p:pic>
-        <p:nvPicPr>
-          <p:cNvPr id="3076" name="Picture 4" descr="UC Request Routing">
-            <a:extLst>
-              <a:ext uri="{FF2B5EF4-FFF2-40B4-BE49-F238E27FC236}">
-                <a16:creationId xmlns:a16="http://schemas.microsoft.com/office/drawing/2014/main" id="{39D3E833-044C-4439-9822-90E0A5F85F5D}"/>
-              </a:ext>
-            </a:extLst>
-          </p:cNvPr>
-          <p:cNvPicPr>
-            <a:picLocks noChangeAspect="1" noChangeArrowheads="1"/>
-          </p:cNvPicPr>
-          <p:nvPr/>
-        </p:nvPicPr>
-        <p:blipFill>
-          <a:blip r:embed="rId4">
-            <a:extLst>
-              <a:ext uri="{28A0092B-C50C-407E-A947-70E740481C1C}">
-                <a14:useLocalDpi xmlns:a14="http://schemas.microsoft.com/office/drawing/2010/main" val="0"/>
-              </a:ext>
-            </a:extLst>
-          </a:blip>
-          <a:srcRect/>
-          <a:stretch>
-            <a:fillRect/>
-          </a:stretch>
-        </p:blipFill>
-        <p:spPr bwMode="auto">
-          <a:xfrm>
-            <a:off x="5232495" y="1238099"/>
-            <a:ext cx="3029098" cy="3517662"/>
-          </a:xfrm>
-          <a:prstGeom prst="rect">
-            <a:avLst/>
-          </a:prstGeom>
-          <a:noFill/>
-          <a:ln w="19050">
-            <a:solidFill>
-              <a:schemeClr val="tx1"/>
-            </a:solidFill>
-          </a:ln>
-          <a:extLst>
-            <a:ext uri="{909E8E84-426E-40DD-AFC4-6F175D3DCCD1}">
-              <a14:hiddenFill xmlns:a14="http://schemas.microsoft.com/office/drawing/2010/main">
-                <a:solidFill>
-                  <a:srgbClr val="FFFFFF"/>
-                </a:solidFill>
-              </a14:hiddenFill>
-            </a:ext>
-          </a:extLst>
-        </p:spPr>
-      </p:pic>
-      <p:sp>
-        <p:nvSpPr>
-          <p:cNvPr id="10" name="TextBox 9">
-            <a:extLst>
-              <a:ext uri="{FF2B5EF4-FFF2-40B4-BE49-F238E27FC236}">
-                <a16:creationId xmlns:a16="http://schemas.microsoft.com/office/drawing/2014/main" id="{5FEE58F1-6A47-41C8-A39B-651FD571848E}"/>
-              </a:ext>
-            </a:extLst>
-          </p:cNvPr>
-          <p:cNvSpPr txBox="1"/>
-          <p:nvPr/>
-        </p:nvSpPr>
-        <p:spPr>
-          <a:xfrm>
-            <a:off x="5232495" y="844381"/>
-            <a:ext cx="3029098" cy="307777"/>
-          </a:xfrm>
-          <a:prstGeom prst="rect">
-            <a:avLst/>
-          </a:prstGeom>
-          <a:noFill/>
-        </p:spPr>
-        <p:txBody>
-          <a:bodyPr wrap="square" rtlCol="0">
-            <a:spAutoFit/>
-          </a:bodyPr>
-          <a:lstStyle/>
-          <a:p>
-            <a:pPr algn="ctr"/>
-            <a:r>
-              <a:rPr lang="en-US" b="1" dirty="0" err="1"/>
-              <a:t>OpenAPI</a:t>
-            </a:r>
-            <a:r>
-              <a:rPr lang="en-US" b="1" dirty="0"/>
-              <a:t> Schema Generator</a:t>
-            </a:r>
-            <a:endParaRPr lang="ru-RU" b="1" dirty="0"/>
-          </a:p>
-        </p:txBody>
-      </p:sp>
-    </p:spTree>
-  </p:cSld>
-  <p:clrMapOvr>
-    <a:masterClrMapping/>
-  </p:clrMapOvr>
-</p:sld>
-</file>
-
-<file path=ppt/slides/slide11.xml><?xml version="1.0" encoding="utf-8"?>
-<p:sld xmlns:a="http://schemas.openxmlformats.org/drawingml/2006/main" xmlns:r="http://schemas.openxmlformats.org/officeDocument/2006/relationships" xmlns:p="http://schemas.openxmlformats.org/presentationml/2006/main">
-  <p:cSld>
-    <p:spTree>
-      <p:nvGrpSpPr>
-        <p:cNvPr id="1" name="Shape 101"/>
-        <p:cNvGrpSpPr/>
-        <p:nvPr/>
-      </p:nvGrpSpPr>
-      <p:grpSpPr>
-        <a:xfrm>
-          <a:off x="0" y="0"/>
-          <a:ext cx="0" cy="0"/>
-          <a:chOff x="0" y="0"/>
-          <a:chExt cx="0" cy="0"/>
-        </a:xfrm>
-      </p:grpSpPr>
-      <p:sp>
-        <p:nvSpPr>
-          <p:cNvPr id="102" name="Google Shape;102;p20"/>
-          <p:cNvSpPr txBox="1">
-            <a:spLocks noGrp="1"/>
-          </p:cNvSpPr>
-          <p:nvPr>
-            <p:ph type="title"/>
-          </p:nvPr>
-        </p:nvSpPr>
-        <p:spPr>
-          <a:xfrm>
-            <a:off x="226208" y="185742"/>
-            <a:ext cx="8520600" cy="572700"/>
-          </a:xfrm>
-          <a:prstGeom prst="rect">
-            <a:avLst/>
-          </a:prstGeom>
-        </p:spPr>
-        <p:txBody>
-          <a:bodyPr spcFirstLastPara="1" wrap="square" lIns="91425" tIns="91425" rIns="91425" bIns="91425" anchor="t" anchorCtr="0">
-            <a:noAutofit/>
-          </a:bodyPr>
-          <a:lstStyle/>
-          <a:p>
-            <a:pPr marL="0" lvl="0" indent="0" algn="l" rtl="0">
-              <a:spcBef>
-                <a:spcPts val="0"/>
-              </a:spcBef>
-              <a:spcAft>
-                <a:spcPts val="0"/>
-              </a:spcAft>
-              <a:buNone/>
-            </a:pPr>
-            <a:r>
-              <a:rPr lang="en-GB" b="1" dirty="0">
-                <a:solidFill>
-                  <a:schemeClr val="tx1"/>
-                </a:solidFill>
-                <a:effectLst>
-                  <a:outerShdw blurRad="38100" dist="38100" dir="2700000" algn="tl">
-                    <a:srgbClr val="000000">
-                      <a:alpha val="43137"/>
-                    </a:srgbClr>
-                  </a:outerShdw>
-                </a:effectLst>
-              </a:rPr>
-              <a:t>Detailed behaviour</a:t>
-            </a:r>
-            <a:endParaRPr b="1" dirty="0">
-              <a:solidFill>
-                <a:schemeClr val="tx1"/>
-              </a:solidFill>
-              <a:effectLst>
-                <a:outerShdw blurRad="38100" dist="38100" dir="2700000" algn="tl">
-                  <a:srgbClr val="000000">
-                    <a:alpha val="43137"/>
-                  </a:srgbClr>
-                </a:outerShdw>
-              </a:effectLst>
-            </a:endParaRPr>
-          </a:p>
-        </p:txBody>
-      </p:sp>
-      <p:sp>
-        <p:nvSpPr>
-          <p:cNvPr id="2" name="Slide Number Placeholder 1">
-            <a:extLst>
-              <a:ext uri="{FF2B5EF4-FFF2-40B4-BE49-F238E27FC236}">
-                <a16:creationId xmlns:a16="http://schemas.microsoft.com/office/drawing/2014/main" id="{1993C304-8938-41C3-9583-2C7227088CD4}"/>
-              </a:ext>
-            </a:extLst>
-          </p:cNvPr>
-          <p:cNvSpPr>
-            <a:spLocks noGrp="1"/>
-          </p:cNvSpPr>
-          <p:nvPr>
-            <p:ph type="sldNum" idx="12"/>
-          </p:nvPr>
-        </p:nvSpPr>
-        <p:spPr/>
-        <p:txBody>
-          <a:bodyPr/>
-          <a:lstStyle/>
-          <a:p>
-            <a:pPr marL="0" lvl="0" indent="0" algn="r" rtl="0">
-              <a:spcBef>
-                <a:spcPts val="0"/>
-              </a:spcBef>
-              <a:spcAft>
-                <a:spcPts val="0"/>
-              </a:spcAft>
-              <a:buNone/>
-            </a:pPr>
-            <a:fld id="{00000000-1234-1234-1234-123412341234}" type="slidenum">
-              <a:rPr lang="en-GB" smtClean="0"/>
-              <a:t>11</a:t>
-            </a:fld>
-            <a:endParaRPr lang="en-GB"/>
-          </a:p>
-        </p:txBody>
-      </p:sp>
-      <p:pic>
-        <p:nvPicPr>
           <p:cNvPr id="3074" name="Picture 2">
             <a:extLst>
               <a:ext uri="{FF2B5EF4-FFF2-40B4-BE49-F238E27FC236}">
@@ -7262,7 +6951,7 @@
 </p:sld>
 </file>
 
-<file path=ppt/slides/slide12.xml><?xml version="1.0" encoding="utf-8"?>
+<file path=ppt/slides/slide11.xml><?xml version="1.0" encoding="utf-8"?>
 <p:sld xmlns:a="http://schemas.openxmlformats.org/drawingml/2006/main" xmlns:r="http://schemas.openxmlformats.org/officeDocument/2006/relationships" xmlns:p="http://schemas.openxmlformats.org/presentationml/2006/main">
   <p:cSld>
     <p:spTree>
@@ -7355,7 +7044,7 @@
         </p:nvSpPr>
         <p:spPr>
           <a:xfrm>
-            <a:off x="311700" y="1152475"/>
+            <a:off x="304977" y="964831"/>
             <a:ext cx="2924368" cy="3698386"/>
           </a:xfrm>
           <a:prstGeom prst="rect">
@@ -7694,7 +7383,7 @@
         </p:nvSpPr>
         <p:spPr>
           <a:xfrm>
-            <a:off x="5265905" y="1152475"/>
+            <a:off x="5306246" y="964831"/>
             <a:ext cx="2386519" cy="1154162"/>
           </a:xfrm>
           <a:prstGeom prst="rect">
@@ -7785,7 +7474,7 @@
             </a:pPr>
             <a:fld id="{00000000-1234-1234-1234-123412341234}" type="slidenum">
               <a:rPr lang="en-GB" smtClean="0"/>
-              <a:t>12</a:t>
+              <a:t>11</a:t>
             </a:fld>
             <a:endParaRPr lang="en-GB"/>
           </a:p>
@@ -7799,7 +7488,7 @@
 </p:sld>
 </file>
 
-<file path=ppt/slides/slide13.xml><?xml version="1.0" encoding="utf-8"?>
+<file path=ppt/slides/slide12.xml><?xml version="1.0" encoding="utf-8"?>
 <p:sld xmlns:a="http://schemas.openxmlformats.org/drawingml/2006/main" xmlns:r="http://schemas.openxmlformats.org/officeDocument/2006/relationships" xmlns:p="http://schemas.openxmlformats.org/presentationml/2006/main">
   <p:cSld>
     <p:spTree>
@@ -7895,7 +7584,7 @@
           <p:nvPr>
             <p:extLst>
               <p:ext uri="{D42A27DB-BD31-4B8C-83A1-F6EECF244321}">
-                <p14:modId xmlns:p14="http://schemas.microsoft.com/office/powerpoint/2010/main" val="1093907184"/>
+                <p14:modId xmlns:p14="http://schemas.microsoft.com/office/powerpoint/2010/main" val="3813174674"/>
               </p:ext>
             </p:extLst>
           </p:nvPr>
@@ -7962,7 +7651,7 @@
                             <a:schemeClr val="tx1"/>
                           </a:solidFill>
                         </a:rPr>
-                        <a:t>Story Map, CRC</a:t>
+                        <a:t>Story Map, CRC Cards</a:t>
                       </a:r>
                       <a:endParaRPr lang="ru-RU" dirty="0">
                         <a:solidFill>
@@ -8027,7 +7716,7 @@
                             <a:schemeClr val="tx1"/>
                           </a:solidFill>
                         </a:rPr>
-                        <a:t>Use cases, Interactions Diagram</a:t>
+                        <a:t>Use cases, Interactions Analysis</a:t>
                       </a:r>
                       <a:endParaRPr lang="ru-RU" dirty="0">
                         <a:solidFill>
@@ -8171,7 +7860,17 @@
                             <a:schemeClr val="tx1"/>
                           </a:solidFill>
                         </a:rPr>
-                        <a:t>CRC Cards, Behavior model</a:t>
+                        <a:t>Story Map,</a:t>
+                      </a:r>
+                    </a:p>
+                    <a:p>
+                      <a:r>
+                        <a:rPr lang="en-US" dirty="0">
+                          <a:solidFill>
+                            <a:schemeClr val="tx1"/>
+                          </a:solidFill>
+                        </a:rPr>
+                        <a:t>Behavior model</a:t>
                       </a:r>
                       <a:endParaRPr lang="ru-RU" dirty="0">
                         <a:solidFill>
@@ -9079,7 +8778,7 @@
             </a:pPr>
             <a:fld id="{00000000-1234-1234-1234-123412341234}" type="slidenum">
               <a:rPr lang="en-GB" smtClean="0"/>
-              <a:t>13</a:t>
+              <a:t>12</a:t>
             </a:fld>
             <a:endParaRPr lang="en-GB"/>
           </a:p>
@@ -9093,7 +8792,7 @@
 </p:sld>
 </file>
 
-<file path=ppt/slides/slide14.xml><?xml version="1.0" encoding="utf-8"?>
+<file path=ppt/slides/slide13.xml><?xml version="1.0" encoding="utf-8"?>
 <p:sld xmlns:a="http://schemas.openxmlformats.org/drawingml/2006/main" xmlns:r="http://schemas.openxmlformats.org/officeDocument/2006/relationships" xmlns:p="http://schemas.openxmlformats.org/presentationml/2006/main">
   <p:cSld>
     <p:spTree>
@@ -9192,7 +8891,7 @@
             </a:pPr>
             <a:fld id="{00000000-1234-1234-1234-123412341234}" type="slidenum">
               <a:rPr lang="en-GB" smtClean="0"/>
-              <a:t>14</a:t>
+              <a:t>13</a:t>
             </a:fld>
             <a:endParaRPr lang="en-GB"/>
           </a:p>
@@ -9211,7 +8910,7 @@
 </p:sld>
 </file>
 
-<file path=ppt/slides/slide15.xml><?xml version="1.0" encoding="utf-8"?>
+<file path=ppt/slides/slide14.xml><?xml version="1.0" encoding="utf-8"?>
 <p:sld xmlns:a="http://schemas.openxmlformats.org/drawingml/2006/main" xmlns:r="http://schemas.openxmlformats.org/officeDocument/2006/relationships" xmlns:p="http://schemas.openxmlformats.org/presentationml/2006/main">
   <p:cSld>
     <p:spTree>
@@ -9311,7 +9010,7 @@
             </a:pPr>
             <a:fld id="{00000000-1234-1234-1234-123412341234}" type="slidenum">
               <a:rPr lang="en-GB" smtClean="0"/>
-              <a:t>15</a:t>
+              <a:t>14</a:t>
             </a:fld>
             <a:endParaRPr lang="en-GB"/>
           </a:p>
@@ -9330,7 +9029,7 @@
 </p:sld>
 </file>
 
-<file path=ppt/slides/slide16.xml><?xml version="1.0" encoding="utf-8"?>
+<file path=ppt/slides/slide15.xml><?xml version="1.0" encoding="utf-8"?>
 <p:sld xmlns:a="http://schemas.openxmlformats.org/drawingml/2006/main" xmlns:r="http://schemas.openxmlformats.org/officeDocument/2006/relationships" xmlns:p="http://schemas.openxmlformats.org/presentationml/2006/main">
   <p:cSld>
     <p:spTree>
@@ -9478,7 +9177,7 @@
             </a:pPr>
             <a:fld id="{00000000-1234-1234-1234-123412341234}" type="slidenum">
               <a:rPr lang="en-GB" smtClean="0"/>
-              <a:t>16</a:t>
+              <a:t>15</a:t>
             </a:fld>
             <a:endParaRPr lang="en-GB"/>
           </a:p>
@@ -9492,7 +9191,7 @@
 </p:sld>
 </file>
 
-<file path=ppt/slides/slide17.xml><?xml version="1.0" encoding="utf-8"?>
+<file path=ppt/slides/slide16.xml><?xml version="1.0" encoding="utf-8"?>
 <p:sld xmlns:a="http://schemas.openxmlformats.org/drawingml/2006/main" xmlns:r="http://schemas.openxmlformats.org/officeDocument/2006/relationships" xmlns:p="http://schemas.openxmlformats.org/presentationml/2006/main">
   <p:cSld>
     <p:spTree>
@@ -9591,7 +9290,7 @@
             </a:pPr>
             <a:fld id="{00000000-1234-1234-1234-123412341234}" type="slidenum">
               <a:rPr lang="en-GB" smtClean="0"/>
-              <a:t>17</a:t>
+              <a:t>16</a:t>
             </a:fld>
             <a:endParaRPr lang="en-GB"/>
           </a:p>
@@ -9657,7 +9356,7 @@
 </p:sld>
 </file>
 
-<file path=ppt/slides/slide18.xml><?xml version="1.0" encoding="utf-8"?>
+<file path=ppt/slides/slide17.xml><?xml version="1.0" encoding="utf-8"?>
 <p:sld xmlns:a="http://schemas.openxmlformats.org/drawingml/2006/main" xmlns:r="http://schemas.openxmlformats.org/officeDocument/2006/relationships" xmlns:p="http://schemas.openxmlformats.org/presentationml/2006/main">
   <p:cSld>
     <p:spTree>
@@ -9756,7 +9455,7 @@
             </a:pPr>
             <a:fld id="{00000000-1234-1234-1234-123412341234}" type="slidenum">
               <a:rPr lang="en-GB" smtClean="0"/>
-              <a:t>18</a:t>
+              <a:t>17</a:t>
             </a:fld>
             <a:endParaRPr lang="en-GB"/>
           </a:p>
@@ -9822,7 +9521,7 @@
 </p:sld>
 </file>
 
-<file path=ppt/slides/slide19.xml><?xml version="1.0" encoding="utf-8"?>
+<file path=ppt/slides/slide18.xml><?xml version="1.0" encoding="utf-8"?>
 <p:sld xmlns:a="http://schemas.openxmlformats.org/drawingml/2006/main" xmlns:r="http://schemas.openxmlformats.org/officeDocument/2006/relationships" xmlns:p="http://schemas.openxmlformats.org/presentationml/2006/main">
   <p:cSld>
     <p:spTree>
@@ -9921,7 +9620,7 @@
             </a:pPr>
             <a:fld id="{00000000-1234-1234-1234-123412341234}" type="slidenum">
               <a:rPr lang="en-GB" smtClean="0"/>
-              <a:t>19</a:t>
+              <a:t>18</a:t>
             </a:fld>
             <a:endParaRPr lang="en-GB"/>
           </a:p>
@@ -9987,6 +9686,171 @@
 </p:sld>
 </file>
 
+<file path=ppt/slides/slide19.xml><?xml version="1.0" encoding="utf-8"?>
+<p:sld xmlns:a="http://schemas.openxmlformats.org/drawingml/2006/main" xmlns:r="http://schemas.openxmlformats.org/officeDocument/2006/relationships" xmlns:p="http://schemas.openxmlformats.org/presentationml/2006/main">
+  <p:cSld>
+    <p:spTree>
+      <p:nvGrpSpPr>
+        <p:cNvPr id="1" name=""/>
+        <p:cNvGrpSpPr/>
+        <p:nvPr/>
+      </p:nvGrpSpPr>
+      <p:grpSpPr>
+        <a:xfrm>
+          <a:off x="0" y="0"/>
+          <a:ext cx="0" cy="0"/>
+          <a:chOff x="0" y="0"/>
+          <a:chExt cx="0" cy="0"/>
+        </a:xfrm>
+      </p:grpSpPr>
+      <p:sp>
+        <p:nvSpPr>
+          <p:cNvPr id="2" name="Заголовок 1">
+            <a:extLst>
+              <a:ext uri="{FF2B5EF4-FFF2-40B4-BE49-F238E27FC236}">
+                <a16:creationId xmlns:a16="http://schemas.microsoft.com/office/drawing/2014/main" id="{BF8EE9D0-0305-4DAD-A8A5-E3E71B917267}"/>
+              </a:ext>
+            </a:extLst>
+          </p:cNvPr>
+          <p:cNvSpPr>
+            <a:spLocks noGrp="1"/>
+          </p:cNvSpPr>
+          <p:nvPr>
+            <p:ph type="title"/>
+          </p:nvPr>
+        </p:nvSpPr>
+        <p:spPr>
+          <a:xfrm>
+            <a:off x="311700" y="243319"/>
+            <a:ext cx="8520600" cy="572700"/>
+          </a:xfrm>
+        </p:spPr>
+        <p:txBody>
+          <a:bodyPr/>
+          <a:lstStyle/>
+          <a:p>
+            <a:r>
+              <a:rPr lang="en-US" b="1" dirty="0">
+                <a:effectLst>
+                  <a:outerShdw blurRad="38100" dist="38100" dir="2700000" algn="tl">
+                    <a:srgbClr val="000000">
+                      <a:alpha val="43137"/>
+                    </a:srgbClr>
+                  </a:outerShdw>
+                </a:effectLst>
+              </a:rPr>
+              <a:t>Use Cases: Authorization (SSO)</a:t>
+            </a:r>
+            <a:endParaRPr lang="ru-RU" b="1" dirty="0">
+              <a:effectLst>
+                <a:outerShdw blurRad="38100" dist="38100" dir="2700000" algn="tl">
+                  <a:srgbClr val="000000">
+                    <a:alpha val="43137"/>
+                  </a:srgbClr>
+                </a:outerShdw>
+              </a:effectLst>
+            </a:endParaRPr>
+          </a:p>
+        </p:txBody>
+      </p:sp>
+      <p:sp>
+        <p:nvSpPr>
+          <p:cNvPr id="3" name="Номер слайда 2">
+            <a:extLst>
+              <a:ext uri="{FF2B5EF4-FFF2-40B4-BE49-F238E27FC236}">
+                <a16:creationId xmlns:a16="http://schemas.microsoft.com/office/drawing/2014/main" id="{09FB8480-1FB4-49A4-B531-A9B589ECD31D}"/>
+              </a:ext>
+            </a:extLst>
+          </p:cNvPr>
+          <p:cNvSpPr>
+            <a:spLocks noGrp="1"/>
+          </p:cNvSpPr>
+          <p:nvPr>
+            <p:ph type="sldNum" idx="12"/>
+          </p:nvPr>
+        </p:nvSpPr>
+        <p:spPr/>
+        <p:txBody>
+          <a:bodyPr/>
+          <a:lstStyle/>
+          <a:p>
+            <a:pPr marL="0" lvl="0" indent="0" algn="r" rtl="0">
+              <a:spcBef>
+                <a:spcPts val="0"/>
+              </a:spcBef>
+              <a:spcAft>
+                <a:spcPts val="0"/>
+              </a:spcAft>
+              <a:buNone/>
+            </a:pPr>
+            <a:fld id="{00000000-1234-1234-1234-123412341234}" type="slidenum">
+              <a:rPr lang="en-GB" smtClean="0"/>
+              <a:t>19</a:t>
+            </a:fld>
+            <a:endParaRPr lang="en-GB"/>
+          </a:p>
+        </p:txBody>
+      </p:sp>
+      <p:pic>
+        <p:nvPicPr>
+          <p:cNvPr id="8194" name="Picture 2" descr="UC Authorization">
+            <a:extLst>
+              <a:ext uri="{FF2B5EF4-FFF2-40B4-BE49-F238E27FC236}">
+                <a16:creationId xmlns:a16="http://schemas.microsoft.com/office/drawing/2014/main" id="{7D28B00A-004C-4E41-880C-3BCEA35E704D}"/>
+              </a:ext>
+            </a:extLst>
+          </p:cNvPr>
+          <p:cNvPicPr>
+            <a:picLocks noChangeAspect="1" noChangeArrowheads="1"/>
+          </p:cNvPicPr>
+          <p:nvPr/>
+        </p:nvPicPr>
+        <p:blipFill>
+          <a:blip r:embed="rId2">
+            <a:extLst>
+              <a:ext uri="{28A0092B-C50C-407E-A947-70E740481C1C}">
+                <a14:useLocalDpi xmlns:a14="http://schemas.microsoft.com/office/drawing/2010/main" val="0"/>
+              </a:ext>
+            </a:extLst>
+          </a:blip>
+          <a:srcRect/>
+          <a:stretch>
+            <a:fillRect/>
+          </a:stretch>
+        </p:blipFill>
+        <p:spPr bwMode="auto">
+          <a:xfrm>
+            <a:off x="1600199" y="1238229"/>
+            <a:ext cx="5515535" cy="3187815"/>
+          </a:xfrm>
+          <a:prstGeom prst="rect">
+            <a:avLst/>
+          </a:prstGeom>
+          <a:noFill/>
+          <a:extLst>
+            <a:ext uri="{909E8E84-426E-40DD-AFC4-6F175D3DCCD1}">
+              <a14:hiddenFill xmlns:a14="http://schemas.microsoft.com/office/drawing/2010/main">
+                <a:solidFill>
+                  <a:srgbClr val="FFFFFF"/>
+                </a:solidFill>
+              </a14:hiddenFill>
+            </a:ext>
+          </a:extLst>
+        </p:spPr>
+      </p:pic>
+    </p:spTree>
+    <p:extLst>
+      <p:ext uri="{BB962C8B-B14F-4D97-AF65-F5344CB8AC3E}">
+        <p14:creationId xmlns:p14="http://schemas.microsoft.com/office/powerpoint/2010/main" val="853089160"/>
+      </p:ext>
+    </p:extLst>
+  </p:cSld>
+  <p:clrMapOvr>
+    <a:masterClrMapping/>
+  </p:clrMapOvr>
+</p:sld>
+</file>
+
 <file path=ppt/slides/slide2.xml><?xml version="1.0" encoding="utf-8"?>
 <p:sld xmlns:a="http://schemas.openxmlformats.org/drawingml/2006/main" xmlns:r="http://schemas.openxmlformats.org/officeDocument/2006/relationships" xmlns:p="http://schemas.openxmlformats.org/presentationml/2006/main">
   <p:cSld>
@@ -10096,7 +9960,7 @@
                   <a:schemeClr val="dk1"/>
                 </a:solidFill>
               </a:rPr>
-              <a:t>The product is a platform for deploying, managing, and scaling machine learning models in production. It offers a secure, flexible environment for automating ML tasks like model versioning, routing, and monitoring. With Kubernetes integration and containerization support, it's designed for developers, ML engineers, and enterprises needing scalable, resilient ML infrastructure.</a:t>
+              <a:t>The product is a platform for deploying, managing, and scaling machine learning models in production. It offers a secure, flexible environment for automating ML tasks like model versioning, routing, and monitoring. With Kubernetes integration and containerization support, it's designed for developers, ML engineers, and enterprises needing scalable, reliable ML infrastructure.</a:t>
             </a:r>
           </a:p>
           <a:p>
@@ -10241,14 +10105,21 @@
             <a:r>
               <a:rPr lang="en-GB" sz="1400" u="sng" dirty="0">
                 <a:solidFill>
-                  <a:schemeClr val="dk1"/>
+                  <a:schemeClr val="tx1"/>
                 </a:solidFill>
+                <a:hlinkClick r:id="rId3">
+                  <a:extLst>
+                    <a:ext uri="{A12FA001-AC4F-418D-AE19-62706E023703}">
+                      <ahyp:hlinkClr xmlns:ahyp="http://schemas.microsoft.com/office/drawing/2018/hyperlinkcolor" val="tx"/>
+                    </a:ext>
+                  </a:extLst>
+                </a:hlinkClick>
               </a:rPr>
               <a:t>https://github.com/fanglores/Advanced-Software-Design</a:t>
             </a:r>
             <a:endParaRPr sz="1400" dirty="0">
               <a:solidFill>
-                <a:schemeClr val="dk1"/>
+                <a:schemeClr val="tx1"/>
               </a:solidFill>
             </a:endParaRPr>
           </a:p>
@@ -10283,6 +10154,13 @@
                 <a:solidFill>
                   <a:schemeClr val="dk1"/>
                 </a:solidFill>
+                <a:hlinkClick r:id="rId4">
+                  <a:extLst>
+                    <a:ext uri="{A12FA001-AC4F-418D-AE19-62706E023703}">
+                      <ahyp:hlinkClr xmlns:ahyp="http://schemas.microsoft.com/office/drawing/2018/hyperlinkcolor" val="tx"/>
+                    </a:ext>
+                  </a:extLst>
+                </a:hlinkClick>
               </a:rPr>
               <a:t>https://github.com/fanglores/Advanced-Software-Design</a:t>
             </a:r>
@@ -10291,6 +10169,13 @@
                 <a:solidFill>
                   <a:schemeClr val="dk1"/>
                 </a:solidFill>
+                <a:hlinkClick r:id="rId4">
+                  <a:extLst>
+                    <a:ext uri="{A12FA001-AC4F-418D-AE19-62706E023703}">
+                      <ahyp:hlinkClr xmlns:ahyp="http://schemas.microsoft.com/office/drawing/2018/hyperlinkcolor" val="tx"/>
+                    </a:ext>
+                  </a:extLst>
+                </a:hlinkClick>
               </a:rPr>
             </a:br>
             <a:r>
@@ -10298,6 +10183,13 @@
                 <a:solidFill>
                   <a:schemeClr val="dk1"/>
                 </a:solidFill>
+                <a:hlinkClick r:id="rId4">
+                  <a:extLst>
+                    <a:ext uri="{A12FA001-AC4F-418D-AE19-62706E023703}">
+                      <ahyp:hlinkClr xmlns:ahyp="http://schemas.microsoft.com/office/drawing/2018/hyperlinkcolor" val="tx"/>
+                    </a:ext>
+                  </a:extLst>
+                </a:hlinkClick>
               </a:rPr>
               <a:t>		</a:t>
             </a:r>
@@ -10306,6 +10198,13 @@
                 <a:solidFill>
                   <a:schemeClr val="dk1"/>
                 </a:solidFill>
+                <a:hlinkClick r:id="rId4">
+                  <a:extLst>
+                    <a:ext uri="{A12FA001-AC4F-418D-AE19-62706E023703}">
+                      <ahyp:hlinkClr xmlns:ahyp="http://schemas.microsoft.com/office/drawing/2018/hyperlinkcolor" val="tx"/>
+                    </a:ext>
+                  </a:extLst>
+                </a:hlinkClick>
               </a:rPr>
               <a:t>/blob/master/Practice%20Tasks/</a:t>
             </a:r>
@@ -10314,6 +10213,13 @@
                 <a:solidFill>
                   <a:schemeClr val="dk1"/>
                 </a:solidFill>
+                <a:hlinkClick r:id="rId4">
+                  <a:extLst>
+                    <a:ext uri="{A12FA001-AC4F-418D-AE19-62706E023703}">
+                      <ahyp:hlinkClr xmlns:ahyp="http://schemas.microsoft.com/office/drawing/2018/hyperlinkcolor" val="tx"/>
+                    </a:ext>
+                  </a:extLst>
+                </a:hlinkClick>
               </a:rPr>
               <a:t>Final_Task</a:t>
             </a:r>
@@ -10322,10 +10228,17 @@
                 <a:solidFill>
                   <a:schemeClr val="dk1"/>
                 </a:solidFill>
+                <a:hlinkClick r:id="rId4">
+                  <a:extLst>
+                    <a:ext uri="{A12FA001-AC4F-418D-AE19-62706E023703}">
+                      <ahyp:hlinkClr xmlns:ahyp="http://schemas.microsoft.com/office/drawing/2018/hyperlinkcolor" val="tx"/>
+                    </a:ext>
+                  </a:extLst>
+                </a:hlinkClick>
               </a:rPr>
-              <a:t>/K8C_FinalTask1_(Task7).pdf</a:t>
+              <a:t>/K8C_FinalTask1_(Task8).pdf</a:t>
             </a:r>
-            <a:endParaRPr sz="1400" dirty="0">
+            <a:endParaRPr sz="1400" u="sng" dirty="0">
               <a:solidFill>
                 <a:schemeClr val="dk1"/>
               </a:solidFill>
@@ -10385,171 +10298,6 @@
 </file>
 
 <file path=ppt/slides/slide20.xml><?xml version="1.0" encoding="utf-8"?>
-<p:sld xmlns:a="http://schemas.openxmlformats.org/drawingml/2006/main" xmlns:r="http://schemas.openxmlformats.org/officeDocument/2006/relationships" xmlns:p="http://schemas.openxmlformats.org/presentationml/2006/main">
-  <p:cSld>
-    <p:spTree>
-      <p:nvGrpSpPr>
-        <p:cNvPr id="1" name=""/>
-        <p:cNvGrpSpPr/>
-        <p:nvPr/>
-      </p:nvGrpSpPr>
-      <p:grpSpPr>
-        <a:xfrm>
-          <a:off x="0" y="0"/>
-          <a:ext cx="0" cy="0"/>
-          <a:chOff x="0" y="0"/>
-          <a:chExt cx="0" cy="0"/>
-        </a:xfrm>
-      </p:grpSpPr>
-      <p:sp>
-        <p:nvSpPr>
-          <p:cNvPr id="2" name="Заголовок 1">
-            <a:extLst>
-              <a:ext uri="{FF2B5EF4-FFF2-40B4-BE49-F238E27FC236}">
-                <a16:creationId xmlns:a16="http://schemas.microsoft.com/office/drawing/2014/main" id="{BF8EE9D0-0305-4DAD-A8A5-E3E71B917267}"/>
-              </a:ext>
-            </a:extLst>
-          </p:cNvPr>
-          <p:cNvSpPr>
-            <a:spLocks noGrp="1"/>
-          </p:cNvSpPr>
-          <p:nvPr>
-            <p:ph type="title"/>
-          </p:nvPr>
-        </p:nvSpPr>
-        <p:spPr>
-          <a:xfrm>
-            <a:off x="311700" y="243319"/>
-            <a:ext cx="8520600" cy="572700"/>
-          </a:xfrm>
-        </p:spPr>
-        <p:txBody>
-          <a:bodyPr/>
-          <a:lstStyle/>
-          <a:p>
-            <a:r>
-              <a:rPr lang="en-US" b="1" dirty="0">
-                <a:effectLst>
-                  <a:outerShdw blurRad="38100" dist="38100" dir="2700000" algn="tl">
-                    <a:srgbClr val="000000">
-                      <a:alpha val="43137"/>
-                    </a:srgbClr>
-                  </a:outerShdw>
-                </a:effectLst>
-              </a:rPr>
-              <a:t>Use Cases: Authorization (SSO)</a:t>
-            </a:r>
-            <a:endParaRPr lang="ru-RU" b="1" dirty="0">
-              <a:effectLst>
-                <a:outerShdw blurRad="38100" dist="38100" dir="2700000" algn="tl">
-                  <a:srgbClr val="000000">
-                    <a:alpha val="43137"/>
-                  </a:srgbClr>
-                </a:outerShdw>
-              </a:effectLst>
-            </a:endParaRPr>
-          </a:p>
-        </p:txBody>
-      </p:sp>
-      <p:sp>
-        <p:nvSpPr>
-          <p:cNvPr id="3" name="Номер слайда 2">
-            <a:extLst>
-              <a:ext uri="{FF2B5EF4-FFF2-40B4-BE49-F238E27FC236}">
-                <a16:creationId xmlns:a16="http://schemas.microsoft.com/office/drawing/2014/main" id="{09FB8480-1FB4-49A4-B531-A9B589ECD31D}"/>
-              </a:ext>
-            </a:extLst>
-          </p:cNvPr>
-          <p:cNvSpPr>
-            <a:spLocks noGrp="1"/>
-          </p:cNvSpPr>
-          <p:nvPr>
-            <p:ph type="sldNum" idx="12"/>
-          </p:nvPr>
-        </p:nvSpPr>
-        <p:spPr/>
-        <p:txBody>
-          <a:bodyPr/>
-          <a:lstStyle/>
-          <a:p>
-            <a:pPr marL="0" lvl="0" indent="0" algn="r" rtl="0">
-              <a:spcBef>
-                <a:spcPts val="0"/>
-              </a:spcBef>
-              <a:spcAft>
-                <a:spcPts val="0"/>
-              </a:spcAft>
-              <a:buNone/>
-            </a:pPr>
-            <a:fld id="{00000000-1234-1234-1234-123412341234}" type="slidenum">
-              <a:rPr lang="en-GB" smtClean="0"/>
-              <a:t>20</a:t>
-            </a:fld>
-            <a:endParaRPr lang="en-GB"/>
-          </a:p>
-        </p:txBody>
-      </p:sp>
-      <p:pic>
-        <p:nvPicPr>
-          <p:cNvPr id="8194" name="Picture 2" descr="UC Authorization">
-            <a:extLst>
-              <a:ext uri="{FF2B5EF4-FFF2-40B4-BE49-F238E27FC236}">
-                <a16:creationId xmlns:a16="http://schemas.microsoft.com/office/drawing/2014/main" id="{7D28B00A-004C-4E41-880C-3BCEA35E704D}"/>
-              </a:ext>
-            </a:extLst>
-          </p:cNvPr>
-          <p:cNvPicPr>
-            <a:picLocks noChangeAspect="1" noChangeArrowheads="1"/>
-          </p:cNvPicPr>
-          <p:nvPr/>
-        </p:nvPicPr>
-        <p:blipFill>
-          <a:blip r:embed="rId2">
-            <a:extLst>
-              <a:ext uri="{28A0092B-C50C-407E-A947-70E740481C1C}">
-                <a14:useLocalDpi xmlns:a14="http://schemas.microsoft.com/office/drawing/2010/main" val="0"/>
-              </a:ext>
-            </a:extLst>
-          </a:blip>
-          <a:srcRect/>
-          <a:stretch>
-            <a:fillRect/>
-          </a:stretch>
-        </p:blipFill>
-        <p:spPr bwMode="auto">
-          <a:xfrm>
-            <a:off x="1600199" y="1238229"/>
-            <a:ext cx="5515535" cy="3187815"/>
-          </a:xfrm>
-          <a:prstGeom prst="rect">
-            <a:avLst/>
-          </a:prstGeom>
-          <a:noFill/>
-          <a:extLst>
-            <a:ext uri="{909E8E84-426E-40DD-AFC4-6F175D3DCCD1}">
-              <a14:hiddenFill xmlns:a14="http://schemas.microsoft.com/office/drawing/2010/main">
-                <a:solidFill>
-                  <a:srgbClr val="FFFFFF"/>
-                </a:solidFill>
-              </a14:hiddenFill>
-            </a:ext>
-          </a:extLst>
-        </p:spPr>
-      </p:pic>
-    </p:spTree>
-    <p:extLst>
-      <p:ext uri="{BB962C8B-B14F-4D97-AF65-F5344CB8AC3E}">
-        <p14:creationId xmlns:p14="http://schemas.microsoft.com/office/powerpoint/2010/main" val="853089160"/>
-      </p:ext>
-    </p:extLst>
-  </p:cSld>
-  <p:clrMapOvr>
-    <a:masterClrMapping/>
-  </p:clrMapOvr>
-</p:sld>
-</file>
-
-<file path=ppt/slides/slide21.xml><?xml version="1.0" encoding="utf-8"?>
 <p:sld xmlns:a="http://schemas.openxmlformats.org/drawingml/2006/main" xmlns:r="http://schemas.openxmlformats.org/officeDocument/2006/relationships" xmlns:p="http://schemas.openxmlformats.org/presentationml/2006/main">
   <p:cSld>
     <p:spTree>
@@ -10657,7 +10405,7 @@
             </a:pPr>
             <a:fld id="{00000000-1234-1234-1234-123412341234}" type="slidenum">
               <a:rPr lang="en-GB" smtClean="0"/>
-              <a:t>21</a:t>
+              <a:t>20</a:t>
             </a:fld>
             <a:endParaRPr lang="en-GB"/>
           </a:p>
@@ -10723,7 +10471,7 @@
 </p:sld>
 </file>
 
-<file path=ppt/slides/slide22.xml><?xml version="1.0" encoding="utf-8"?>
+<file path=ppt/slides/slide21.xml><?xml version="1.0" encoding="utf-8"?>
 <p:sld xmlns:a="http://schemas.openxmlformats.org/drawingml/2006/main" xmlns:r="http://schemas.openxmlformats.org/officeDocument/2006/relationships" xmlns:p="http://schemas.openxmlformats.org/presentationml/2006/main">
   <p:cSld>
     <p:spTree>
@@ -10822,7 +10570,7 @@
             </a:pPr>
             <a:fld id="{00000000-1234-1234-1234-123412341234}" type="slidenum">
               <a:rPr lang="en-GB" smtClean="0"/>
-              <a:t>22</a:t>
+              <a:t>21</a:t>
             </a:fld>
             <a:endParaRPr lang="en-GB"/>
           </a:p>
@@ -10888,7 +10636,7 @@
 </p:sld>
 </file>
 
-<file path=ppt/slides/slide23.xml><?xml version="1.0" encoding="utf-8"?>
+<file path=ppt/slides/slide22.xml><?xml version="1.0" encoding="utf-8"?>
 <p:sld xmlns:a="http://schemas.openxmlformats.org/drawingml/2006/main" xmlns:r="http://schemas.openxmlformats.org/officeDocument/2006/relationships" xmlns:p="http://schemas.openxmlformats.org/presentationml/2006/main">
   <p:cSld>
     <p:spTree>
@@ -10987,7 +10735,7 @@
             </a:pPr>
             <a:fld id="{00000000-1234-1234-1234-123412341234}" type="slidenum">
               <a:rPr lang="en-GB" smtClean="0"/>
-              <a:t>23</a:t>
+              <a:t>22</a:t>
             </a:fld>
             <a:endParaRPr lang="en-GB"/>
           </a:p>
@@ -11053,7 +10801,7 @@
 </p:sld>
 </file>
 
-<file path=ppt/slides/slide24.xml><?xml version="1.0" encoding="utf-8"?>
+<file path=ppt/slides/slide23.xml><?xml version="1.0" encoding="utf-8"?>
 <p:sld xmlns:a="http://schemas.openxmlformats.org/drawingml/2006/main" xmlns:r="http://schemas.openxmlformats.org/officeDocument/2006/relationships" xmlns:p="http://schemas.openxmlformats.org/presentationml/2006/main">
   <p:cSld>
     <p:spTree>
@@ -11152,7 +10900,7 @@
             </a:pPr>
             <a:fld id="{00000000-1234-1234-1234-123412341234}" type="slidenum">
               <a:rPr lang="en-GB" smtClean="0"/>
-              <a:t>24</a:t>
+              <a:t>23</a:t>
             </a:fld>
             <a:endParaRPr lang="en-GB"/>
           </a:p>
@@ -11218,7 +10966,7 @@
 </p:sld>
 </file>
 
-<file path=ppt/slides/slide25.xml><?xml version="1.0" encoding="utf-8"?>
+<file path=ppt/slides/slide24.xml><?xml version="1.0" encoding="utf-8"?>
 <p:sld xmlns:a="http://schemas.openxmlformats.org/drawingml/2006/main" xmlns:r="http://schemas.openxmlformats.org/officeDocument/2006/relationships" xmlns:p="http://schemas.openxmlformats.org/presentationml/2006/main">
   <p:cSld>
     <p:spTree>
@@ -11317,7 +11065,7 @@
             </a:pPr>
             <a:fld id="{00000000-1234-1234-1234-123412341234}" type="slidenum">
               <a:rPr lang="en-GB" smtClean="0"/>
-              <a:t>25</a:t>
+              <a:t>24</a:t>
             </a:fld>
             <a:endParaRPr lang="en-GB"/>
           </a:p>
@@ -11383,7 +11131,7 @@
 </p:sld>
 </file>
 
-<file path=ppt/slides/slide26.xml><?xml version="1.0" encoding="utf-8"?>
+<file path=ppt/slides/slide25.xml><?xml version="1.0" encoding="utf-8"?>
 <p:sld xmlns:a="http://schemas.openxmlformats.org/drawingml/2006/main" xmlns:r="http://schemas.openxmlformats.org/officeDocument/2006/relationships" xmlns:p="http://schemas.openxmlformats.org/presentationml/2006/main">
   <p:cSld>
     <p:spTree>
@@ -11482,7 +11230,7 @@
             </a:pPr>
             <a:fld id="{00000000-1234-1234-1234-123412341234}" type="slidenum">
               <a:rPr lang="en-GB" smtClean="0"/>
-              <a:t>26</a:t>
+              <a:t>25</a:t>
             </a:fld>
             <a:endParaRPr lang="en-GB"/>
           </a:p>
@@ -11553,1344 +11301,6 @@
   <p:cSld>
     <p:spTree>
       <p:nvGrpSpPr>
-        <p:cNvPr id="1" name=""/>
-        <p:cNvGrpSpPr/>
-        <p:nvPr/>
-      </p:nvGrpSpPr>
-      <p:grpSpPr>
-        <a:xfrm>
-          <a:off x="0" y="0"/>
-          <a:ext cx="0" cy="0"/>
-          <a:chOff x="0" y="0"/>
-          <a:chExt cx="0" cy="0"/>
-        </a:xfrm>
-      </p:grpSpPr>
-      <p:sp>
-        <p:nvSpPr>
-          <p:cNvPr id="3" name="Текст 2">
-            <a:extLst>
-              <a:ext uri="{FF2B5EF4-FFF2-40B4-BE49-F238E27FC236}">
-                <a16:creationId xmlns:a16="http://schemas.microsoft.com/office/drawing/2014/main" id="{73D9E495-74CF-49FC-8FE9-9E20997A0616}"/>
-              </a:ext>
-            </a:extLst>
-          </p:cNvPr>
-          <p:cNvSpPr>
-            <a:spLocks noGrp="1"/>
-          </p:cNvSpPr>
-          <p:nvPr>
-            <p:ph type="body" idx="1"/>
-          </p:nvPr>
-        </p:nvSpPr>
-        <p:spPr>
-          <a:xfrm>
-            <a:off x="311701" y="863550"/>
-            <a:ext cx="4051870" cy="2249444"/>
-          </a:xfrm>
-        </p:spPr>
-        <p:txBody>
-          <a:bodyPr/>
-          <a:lstStyle/>
-          <a:p>
-            <a:pPr marL="139700" indent="0">
-              <a:buNone/>
-            </a:pPr>
-            <a:r>
-              <a:rPr lang="en-US" b="1" dirty="0">
-                <a:solidFill>
-                  <a:schemeClr val="tx1"/>
-                </a:solidFill>
-              </a:rPr>
-              <a:t>ML Engineer (Maria, 32 years old)</a:t>
-            </a:r>
-          </a:p>
-          <a:p>
-            <a:pPr marL="139700" indent="0">
-              <a:buNone/>
-            </a:pPr>
-            <a:br>
-              <a:rPr lang="en-US" dirty="0">
-                <a:solidFill>
-                  <a:schemeClr val="tx1"/>
-                </a:solidFill>
-              </a:rPr>
-            </a:br>
-            <a:r>
-              <a:rPr lang="en-US" b="1" dirty="0">
-                <a:solidFill>
-                  <a:schemeClr val="tx1"/>
-                </a:solidFill>
-              </a:rPr>
-              <a:t>Goals:</a:t>
-            </a:r>
-            <a:endParaRPr lang="en-US" dirty="0">
-              <a:solidFill>
-                <a:schemeClr val="tx1"/>
-              </a:solidFill>
-            </a:endParaRPr>
-          </a:p>
-          <a:p>
-            <a:pPr>
-              <a:buFont typeface="Arial" panose="020B0604020202020204" pitchFamily="34" charset="0"/>
-              <a:buChar char="•"/>
-            </a:pPr>
-            <a:r>
-              <a:rPr lang="en-US" dirty="0">
-                <a:solidFill>
-                  <a:schemeClr val="tx1"/>
-                </a:solidFill>
-              </a:rPr>
-              <a:t>Deploy and version ML models in Kubernetes.</a:t>
-            </a:r>
-          </a:p>
-          <a:p>
-            <a:pPr>
-              <a:buFont typeface="Arial" panose="020B0604020202020204" pitchFamily="34" charset="0"/>
-              <a:buChar char="•"/>
-            </a:pPr>
-            <a:r>
-              <a:rPr lang="en-US" dirty="0">
-                <a:solidFill>
-                  <a:schemeClr val="tx1"/>
-                </a:solidFill>
-              </a:rPr>
-              <a:t>Automatic API documentation and request validation.</a:t>
-            </a:r>
-          </a:p>
-          <a:p>
-            <a:pPr>
-              <a:buFont typeface="Arial" panose="020B0604020202020204" pitchFamily="34" charset="0"/>
-              <a:buChar char="•"/>
-            </a:pPr>
-            <a:r>
-              <a:rPr lang="en-US" dirty="0">
-                <a:solidFill>
-                  <a:schemeClr val="tx1"/>
-                </a:solidFill>
-              </a:rPr>
-              <a:t>Flexibility for different ML frameworks.</a:t>
-            </a:r>
-          </a:p>
-        </p:txBody>
-      </p:sp>
-      <p:sp>
-        <p:nvSpPr>
-          <p:cNvPr id="7" name="Google Shape;66;p15">
-            <a:extLst>
-              <a:ext uri="{FF2B5EF4-FFF2-40B4-BE49-F238E27FC236}">
-                <a16:creationId xmlns:a16="http://schemas.microsoft.com/office/drawing/2014/main" id="{A2B7074F-A1D8-444B-9DA8-BFF70B4A2A8A}"/>
-              </a:ext>
-            </a:extLst>
-          </p:cNvPr>
-          <p:cNvSpPr txBox="1">
-            <a:spLocks/>
-          </p:cNvSpPr>
-          <p:nvPr/>
-        </p:nvSpPr>
-        <p:spPr>
-          <a:xfrm>
-            <a:off x="252575" y="140425"/>
-            <a:ext cx="8520600" cy="572700"/>
-          </a:xfrm>
-          <a:prstGeom prst="rect">
-            <a:avLst/>
-          </a:prstGeom>
-          <a:noFill/>
-          <a:ln>
-            <a:noFill/>
-          </a:ln>
-        </p:spPr>
-        <p:txBody>
-          <a:bodyPr spcFirstLastPara="1" wrap="square" lIns="91425" tIns="91425" rIns="91425" bIns="91425" anchor="t" anchorCtr="0">
-            <a:noAutofit/>
-          </a:bodyPr>
-          <a:lstStyle>
-            <a:defPPr marR="0" lvl="0" algn="l" rtl="0">
-              <a:lnSpc>
-                <a:spcPct val="100000"/>
-              </a:lnSpc>
-              <a:spcBef>
-                <a:spcPts val="0"/>
-              </a:spcBef>
-              <a:spcAft>
-                <a:spcPts val="0"/>
-              </a:spcAft>
-            </a:defPPr>
-            <a:lvl1pPr marR="0" lvl="0" algn="l" rtl="0">
-              <a:lnSpc>
-                <a:spcPct val="100000"/>
-              </a:lnSpc>
-              <a:spcBef>
-                <a:spcPts val="0"/>
-              </a:spcBef>
-              <a:spcAft>
-                <a:spcPts val="0"/>
-              </a:spcAft>
-              <a:buClr>
-                <a:schemeClr val="dk1"/>
-              </a:buClr>
-              <a:buSzPts val="2800"/>
-              <a:buFont typeface="Arial"/>
-              <a:buNone/>
-              <a:defRPr sz="2800" b="0" i="0" u="none" strike="noStrike" cap="none">
-                <a:solidFill>
-                  <a:schemeClr val="dk1"/>
-                </a:solidFill>
-                <a:latin typeface="Arial"/>
-                <a:ea typeface="Arial"/>
-                <a:cs typeface="Arial"/>
-                <a:sym typeface="Arial"/>
-              </a:defRPr>
-            </a:lvl1pPr>
-            <a:lvl2pPr marR="0" lvl="1" algn="l" rtl="0">
-              <a:lnSpc>
-                <a:spcPct val="100000"/>
-              </a:lnSpc>
-              <a:spcBef>
-                <a:spcPts val="0"/>
-              </a:spcBef>
-              <a:spcAft>
-                <a:spcPts val="0"/>
-              </a:spcAft>
-              <a:buClr>
-                <a:schemeClr val="dk1"/>
-              </a:buClr>
-              <a:buSzPts val="2800"/>
-              <a:buFont typeface="Arial"/>
-              <a:buNone/>
-              <a:defRPr sz="2800" b="0" i="0" u="none" strike="noStrike" cap="none">
-                <a:solidFill>
-                  <a:schemeClr val="dk1"/>
-                </a:solidFill>
-                <a:latin typeface="Arial"/>
-                <a:ea typeface="Arial"/>
-                <a:cs typeface="Arial"/>
-                <a:sym typeface="Arial"/>
-              </a:defRPr>
-            </a:lvl2pPr>
-            <a:lvl3pPr marR="0" lvl="2" algn="l" rtl="0">
-              <a:lnSpc>
-                <a:spcPct val="100000"/>
-              </a:lnSpc>
-              <a:spcBef>
-                <a:spcPts val="0"/>
-              </a:spcBef>
-              <a:spcAft>
-                <a:spcPts val="0"/>
-              </a:spcAft>
-              <a:buClr>
-                <a:schemeClr val="dk1"/>
-              </a:buClr>
-              <a:buSzPts val="2800"/>
-              <a:buFont typeface="Arial"/>
-              <a:buNone/>
-              <a:defRPr sz="2800" b="0" i="0" u="none" strike="noStrike" cap="none">
-                <a:solidFill>
-                  <a:schemeClr val="dk1"/>
-                </a:solidFill>
-                <a:latin typeface="Arial"/>
-                <a:ea typeface="Arial"/>
-                <a:cs typeface="Arial"/>
-                <a:sym typeface="Arial"/>
-              </a:defRPr>
-            </a:lvl3pPr>
-            <a:lvl4pPr marR="0" lvl="3" algn="l" rtl="0">
-              <a:lnSpc>
-                <a:spcPct val="100000"/>
-              </a:lnSpc>
-              <a:spcBef>
-                <a:spcPts val="0"/>
-              </a:spcBef>
-              <a:spcAft>
-                <a:spcPts val="0"/>
-              </a:spcAft>
-              <a:buClr>
-                <a:schemeClr val="dk1"/>
-              </a:buClr>
-              <a:buSzPts val="2800"/>
-              <a:buFont typeface="Arial"/>
-              <a:buNone/>
-              <a:defRPr sz="2800" b="0" i="0" u="none" strike="noStrike" cap="none">
-                <a:solidFill>
-                  <a:schemeClr val="dk1"/>
-                </a:solidFill>
-                <a:latin typeface="Arial"/>
-                <a:ea typeface="Arial"/>
-                <a:cs typeface="Arial"/>
-                <a:sym typeface="Arial"/>
-              </a:defRPr>
-            </a:lvl4pPr>
-            <a:lvl5pPr marR="0" lvl="4" algn="l" rtl="0">
-              <a:lnSpc>
-                <a:spcPct val="100000"/>
-              </a:lnSpc>
-              <a:spcBef>
-                <a:spcPts val="0"/>
-              </a:spcBef>
-              <a:spcAft>
-                <a:spcPts val="0"/>
-              </a:spcAft>
-              <a:buClr>
-                <a:schemeClr val="dk1"/>
-              </a:buClr>
-              <a:buSzPts val="2800"/>
-              <a:buFont typeface="Arial"/>
-              <a:buNone/>
-              <a:defRPr sz="2800" b="0" i="0" u="none" strike="noStrike" cap="none">
-                <a:solidFill>
-                  <a:schemeClr val="dk1"/>
-                </a:solidFill>
-                <a:latin typeface="Arial"/>
-                <a:ea typeface="Arial"/>
-                <a:cs typeface="Arial"/>
-                <a:sym typeface="Arial"/>
-              </a:defRPr>
-            </a:lvl5pPr>
-            <a:lvl6pPr marR="0" lvl="5" algn="l" rtl="0">
-              <a:lnSpc>
-                <a:spcPct val="100000"/>
-              </a:lnSpc>
-              <a:spcBef>
-                <a:spcPts val="0"/>
-              </a:spcBef>
-              <a:spcAft>
-                <a:spcPts val="0"/>
-              </a:spcAft>
-              <a:buClr>
-                <a:schemeClr val="dk1"/>
-              </a:buClr>
-              <a:buSzPts val="2800"/>
-              <a:buFont typeface="Arial"/>
-              <a:buNone/>
-              <a:defRPr sz="2800" b="0" i="0" u="none" strike="noStrike" cap="none">
-                <a:solidFill>
-                  <a:schemeClr val="dk1"/>
-                </a:solidFill>
-                <a:latin typeface="Arial"/>
-                <a:ea typeface="Arial"/>
-                <a:cs typeface="Arial"/>
-                <a:sym typeface="Arial"/>
-              </a:defRPr>
-            </a:lvl6pPr>
-            <a:lvl7pPr marR="0" lvl="6" algn="l" rtl="0">
-              <a:lnSpc>
-                <a:spcPct val="100000"/>
-              </a:lnSpc>
-              <a:spcBef>
-                <a:spcPts val="0"/>
-              </a:spcBef>
-              <a:spcAft>
-                <a:spcPts val="0"/>
-              </a:spcAft>
-              <a:buClr>
-                <a:schemeClr val="dk1"/>
-              </a:buClr>
-              <a:buSzPts val="2800"/>
-              <a:buFont typeface="Arial"/>
-              <a:buNone/>
-              <a:defRPr sz="2800" b="0" i="0" u="none" strike="noStrike" cap="none">
-                <a:solidFill>
-                  <a:schemeClr val="dk1"/>
-                </a:solidFill>
-                <a:latin typeface="Arial"/>
-                <a:ea typeface="Arial"/>
-                <a:cs typeface="Arial"/>
-                <a:sym typeface="Arial"/>
-              </a:defRPr>
-            </a:lvl7pPr>
-            <a:lvl8pPr marR="0" lvl="7" algn="l" rtl="0">
-              <a:lnSpc>
-                <a:spcPct val="100000"/>
-              </a:lnSpc>
-              <a:spcBef>
-                <a:spcPts val="0"/>
-              </a:spcBef>
-              <a:spcAft>
-                <a:spcPts val="0"/>
-              </a:spcAft>
-              <a:buClr>
-                <a:schemeClr val="dk1"/>
-              </a:buClr>
-              <a:buSzPts val="2800"/>
-              <a:buFont typeface="Arial"/>
-              <a:buNone/>
-              <a:defRPr sz="2800" b="0" i="0" u="none" strike="noStrike" cap="none">
-                <a:solidFill>
-                  <a:schemeClr val="dk1"/>
-                </a:solidFill>
-                <a:latin typeface="Arial"/>
-                <a:ea typeface="Arial"/>
-                <a:cs typeface="Arial"/>
-                <a:sym typeface="Arial"/>
-              </a:defRPr>
-            </a:lvl8pPr>
-            <a:lvl9pPr marR="0" lvl="8" algn="l" rtl="0">
-              <a:lnSpc>
-                <a:spcPct val="100000"/>
-              </a:lnSpc>
-              <a:spcBef>
-                <a:spcPts val="0"/>
-              </a:spcBef>
-              <a:spcAft>
-                <a:spcPts val="0"/>
-              </a:spcAft>
-              <a:buClr>
-                <a:schemeClr val="dk1"/>
-              </a:buClr>
-              <a:buSzPts val="2800"/>
-              <a:buFont typeface="Arial"/>
-              <a:buNone/>
-              <a:defRPr sz="2800" b="0" i="0" u="none" strike="noStrike" cap="none">
-                <a:solidFill>
-                  <a:schemeClr val="dk1"/>
-                </a:solidFill>
-                <a:latin typeface="Arial"/>
-                <a:ea typeface="Arial"/>
-                <a:cs typeface="Arial"/>
-                <a:sym typeface="Arial"/>
-              </a:defRPr>
-            </a:lvl9pPr>
-          </a:lstStyle>
-          <a:p>
-            <a:r>
-              <a:rPr lang="en-GB" b="1" dirty="0">
-                <a:effectLst>
-                  <a:outerShdw blurRad="38100" dist="38100" dir="2700000" algn="tl">
-                    <a:srgbClr val="000000">
-                      <a:alpha val="43137"/>
-                    </a:srgbClr>
-                  </a:outerShdw>
-                </a:effectLst>
-              </a:rPr>
-              <a:t>Personas</a:t>
-            </a:r>
-          </a:p>
-        </p:txBody>
-      </p:sp>
-      <p:sp>
-        <p:nvSpPr>
-          <p:cNvPr id="8" name="TextBox 7">
-            <a:extLst>
-              <a:ext uri="{FF2B5EF4-FFF2-40B4-BE49-F238E27FC236}">
-                <a16:creationId xmlns:a16="http://schemas.microsoft.com/office/drawing/2014/main" id="{4B40FD6D-82C8-48B1-A5D3-456D8792334C}"/>
-              </a:ext>
-            </a:extLst>
-          </p:cNvPr>
-          <p:cNvSpPr txBox="1"/>
-          <p:nvPr/>
-        </p:nvSpPr>
-        <p:spPr>
-          <a:xfrm>
-            <a:off x="4645958" y="863550"/>
-            <a:ext cx="4269442" cy="1384995"/>
-          </a:xfrm>
-          <a:prstGeom prst="rect">
-            <a:avLst/>
-          </a:prstGeom>
-          <a:noFill/>
-        </p:spPr>
-        <p:txBody>
-          <a:bodyPr wrap="square" rtlCol="0">
-            <a:spAutoFit/>
-          </a:bodyPr>
-          <a:lstStyle/>
-          <a:p>
-            <a:r>
-              <a:rPr lang="en-US" b="1" dirty="0">
-                <a:solidFill>
-                  <a:schemeClr val="tx1"/>
-                </a:solidFill>
-              </a:rPr>
-              <a:t>Backend Developer (Alexander, 28 years old)</a:t>
-            </a:r>
-          </a:p>
-          <a:p>
-            <a:br>
-              <a:rPr lang="en-US" dirty="0">
-                <a:solidFill>
-                  <a:schemeClr val="tx1"/>
-                </a:solidFill>
-              </a:rPr>
-            </a:br>
-            <a:r>
-              <a:rPr lang="en-US" b="1" dirty="0">
-                <a:solidFill>
-                  <a:schemeClr val="tx1"/>
-                </a:solidFill>
-              </a:rPr>
-              <a:t>Goals:</a:t>
-            </a:r>
-            <a:endParaRPr lang="en-US" dirty="0">
-              <a:solidFill>
-                <a:schemeClr val="tx1"/>
-              </a:solidFill>
-            </a:endParaRPr>
-          </a:p>
-          <a:p>
-            <a:pPr marL="285750" indent="-285750">
-              <a:buFont typeface="Arial" panose="020B0604020202020204" pitchFamily="34" charset="0"/>
-              <a:buChar char="•"/>
-            </a:pPr>
-            <a:r>
-              <a:rPr lang="en-US" dirty="0">
-                <a:solidFill>
-                  <a:schemeClr val="tx1"/>
-                </a:solidFill>
-              </a:rPr>
-              <a:t>Use automatic </a:t>
-            </a:r>
-            <a:r>
-              <a:rPr lang="en-US" dirty="0" err="1">
-                <a:solidFill>
-                  <a:schemeClr val="tx1"/>
-                </a:solidFill>
-              </a:rPr>
-              <a:t>OpenAPI</a:t>
-            </a:r>
-            <a:r>
-              <a:rPr lang="en-US" dirty="0">
-                <a:solidFill>
-                  <a:schemeClr val="tx1"/>
-                </a:solidFill>
-              </a:rPr>
-              <a:t> schema generation.</a:t>
-            </a:r>
-          </a:p>
-          <a:p>
-            <a:pPr marL="285750" indent="-285750">
-              <a:buFont typeface="Arial" panose="020B0604020202020204" pitchFamily="34" charset="0"/>
-              <a:buChar char="•"/>
-            </a:pPr>
-            <a:r>
-              <a:rPr lang="en-US" dirty="0">
-                <a:solidFill>
-                  <a:schemeClr val="tx1"/>
-                </a:solidFill>
-              </a:rPr>
-              <a:t>Easily add API endpoints with request validation and security.</a:t>
-            </a:r>
-            <a:endParaRPr lang="ru-RU" dirty="0">
-              <a:solidFill>
-                <a:schemeClr val="tx1"/>
-              </a:solidFill>
-            </a:endParaRPr>
-          </a:p>
-        </p:txBody>
-      </p:sp>
-      <p:sp>
-        <p:nvSpPr>
-          <p:cNvPr id="2" name="Slide Number Placeholder 1">
-            <a:extLst>
-              <a:ext uri="{FF2B5EF4-FFF2-40B4-BE49-F238E27FC236}">
-                <a16:creationId xmlns:a16="http://schemas.microsoft.com/office/drawing/2014/main" id="{3178EC64-B23C-4E80-AA61-FE6C102031B5}"/>
-              </a:ext>
-            </a:extLst>
-          </p:cNvPr>
-          <p:cNvSpPr>
-            <a:spLocks noGrp="1"/>
-          </p:cNvSpPr>
-          <p:nvPr>
-            <p:ph type="sldNum" idx="12"/>
-          </p:nvPr>
-        </p:nvSpPr>
-        <p:spPr/>
-        <p:txBody>
-          <a:bodyPr/>
-          <a:lstStyle/>
-          <a:p>
-            <a:pPr marL="0" lvl="0" indent="0" algn="r" rtl="0">
-              <a:spcBef>
-                <a:spcPts val="0"/>
-              </a:spcBef>
-              <a:spcAft>
-                <a:spcPts val="0"/>
-              </a:spcAft>
-              <a:buNone/>
-            </a:pPr>
-            <a:fld id="{00000000-1234-1234-1234-123412341234}" type="slidenum">
-              <a:rPr lang="en-GB" smtClean="0"/>
-              <a:t>3</a:t>
-            </a:fld>
-            <a:endParaRPr lang="en-GB"/>
-          </a:p>
-        </p:txBody>
-      </p:sp>
-      <p:sp>
-        <p:nvSpPr>
-          <p:cNvPr id="4" name="TextBox 3">
-            <a:extLst>
-              <a:ext uri="{FF2B5EF4-FFF2-40B4-BE49-F238E27FC236}">
-                <a16:creationId xmlns:a16="http://schemas.microsoft.com/office/drawing/2014/main" id="{C9F9E3DC-5FD0-4211-A132-FB1036335AD0}"/>
-              </a:ext>
-            </a:extLst>
-          </p:cNvPr>
-          <p:cNvSpPr txBox="1"/>
-          <p:nvPr/>
-        </p:nvSpPr>
-        <p:spPr>
-          <a:xfrm>
-            <a:off x="311701" y="3476065"/>
-            <a:ext cx="4051870" cy="954107"/>
-          </a:xfrm>
-          <a:prstGeom prst="rect">
-            <a:avLst/>
-          </a:prstGeom>
-          <a:noFill/>
-        </p:spPr>
-        <p:txBody>
-          <a:bodyPr wrap="square" rtlCol="0">
-            <a:spAutoFit/>
-          </a:bodyPr>
-          <a:lstStyle/>
-          <a:p>
-            <a:r>
-              <a:rPr lang="en-US" b="1" dirty="0">
-                <a:solidFill>
-                  <a:schemeClr val="tx1"/>
-                </a:solidFill>
-              </a:rPr>
-              <a:t>Pain points:</a:t>
-            </a:r>
-            <a:endParaRPr lang="en-US" dirty="0">
-              <a:solidFill>
-                <a:schemeClr val="tx1"/>
-              </a:solidFill>
-            </a:endParaRPr>
-          </a:p>
-          <a:p>
-            <a:pPr marL="285750" indent="-285750">
-              <a:buFont typeface="Arial" panose="020B0604020202020204" pitchFamily="34" charset="0"/>
-              <a:buChar char="•"/>
-            </a:pPr>
-            <a:r>
-              <a:rPr lang="en-US" dirty="0">
-                <a:solidFill>
-                  <a:schemeClr val="tx1"/>
-                </a:solidFill>
-              </a:rPr>
-              <a:t>Manual API documentation.</a:t>
-            </a:r>
-          </a:p>
-          <a:p>
-            <a:pPr marL="285750" indent="-285750">
-              <a:buFont typeface="Arial" panose="020B0604020202020204" pitchFamily="34" charset="0"/>
-              <a:buChar char="•"/>
-            </a:pPr>
-            <a:r>
-              <a:rPr lang="en-US" dirty="0">
-                <a:solidFill>
-                  <a:schemeClr val="tx1"/>
-                </a:solidFill>
-              </a:rPr>
-              <a:t>Difficulties in monitoring model performance.</a:t>
-            </a:r>
-          </a:p>
-          <a:p>
-            <a:endParaRPr lang="ru-RU" dirty="0"/>
-          </a:p>
-        </p:txBody>
-      </p:sp>
-      <p:sp>
-        <p:nvSpPr>
-          <p:cNvPr id="5" name="TextBox 4">
-            <a:extLst>
-              <a:ext uri="{FF2B5EF4-FFF2-40B4-BE49-F238E27FC236}">
-                <a16:creationId xmlns:a16="http://schemas.microsoft.com/office/drawing/2014/main" id="{1DC75561-9819-4074-8766-C1882A1161D7}"/>
-              </a:ext>
-            </a:extLst>
-          </p:cNvPr>
-          <p:cNvSpPr txBox="1"/>
-          <p:nvPr/>
-        </p:nvSpPr>
-        <p:spPr>
-          <a:xfrm>
-            <a:off x="4645959" y="3368342"/>
-            <a:ext cx="4127216" cy="1169551"/>
-          </a:xfrm>
-          <a:prstGeom prst="rect">
-            <a:avLst/>
-          </a:prstGeom>
-          <a:noFill/>
-        </p:spPr>
-        <p:txBody>
-          <a:bodyPr wrap="square" rtlCol="0">
-            <a:spAutoFit/>
-          </a:bodyPr>
-          <a:lstStyle/>
-          <a:p>
-            <a:r>
-              <a:rPr lang="en-US" b="1" dirty="0">
-                <a:solidFill>
-                  <a:schemeClr val="tx1"/>
-                </a:solidFill>
-              </a:rPr>
-              <a:t>Pain points:</a:t>
-            </a:r>
-            <a:endParaRPr lang="en-US" dirty="0">
-              <a:solidFill>
-                <a:schemeClr val="tx1"/>
-              </a:solidFill>
-            </a:endParaRPr>
-          </a:p>
-          <a:p>
-            <a:pPr marL="285750" indent="-285750">
-              <a:buFont typeface="Arial" panose="020B0604020202020204" pitchFamily="34" charset="0"/>
-              <a:buChar char="•"/>
-            </a:pPr>
-            <a:r>
-              <a:rPr lang="en-US" dirty="0">
-                <a:solidFill>
-                  <a:schemeClr val="tx1"/>
-                </a:solidFill>
-              </a:rPr>
-              <a:t>Manual API documentation.</a:t>
-            </a:r>
-          </a:p>
-          <a:p>
-            <a:pPr marL="285750" indent="-285750">
-              <a:buFont typeface="Arial" panose="020B0604020202020204" pitchFamily="34" charset="0"/>
-              <a:buChar char="•"/>
-            </a:pPr>
-            <a:r>
-              <a:rPr lang="en-US" dirty="0">
-                <a:solidFill>
-                  <a:schemeClr val="tx1"/>
-                </a:solidFill>
-              </a:rPr>
-              <a:t>Challenges with integrating authorization and managing access control.</a:t>
-            </a:r>
-          </a:p>
-          <a:p>
-            <a:endParaRPr lang="ru-RU" dirty="0"/>
-          </a:p>
-        </p:txBody>
-      </p:sp>
-    </p:spTree>
-    <p:extLst>
-      <p:ext uri="{BB962C8B-B14F-4D97-AF65-F5344CB8AC3E}">
-        <p14:creationId xmlns:p14="http://schemas.microsoft.com/office/powerpoint/2010/main" val="2021445038"/>
-      </p:ext>
-    </p:extLst>
-  </p:cSld>
-  <p:clrMapOvr>
-    <a:masterClrMapping/>
-  </p:clrMapOvr>
-</p:sld>
-</file>
-
-<file path=ppt/slides/slide4.xml><?xml version="1.0" encoding="utf-8"?>
-<p:sld xmlns:a="http://schemas.openxmlformats.org/drawingml/2006/main" xmlns:r="http://schemas.openxmlformats.org/officeDocument/2006/relationships" xmlns:p="http://schemas.openxmlformats.org/presentationml/2006/main">
-  <p:cSld>
-    <p:spTree>
-      <p:nvGrpSpPr>
-        <p:cNvPr id="1" name=""/>
-        <p:cNvGrpSpPr/>
-        <p:nvPr/>
-      </p:nvGrpSpPr>
-      <p:grpSpPr>
-        <a:xfrm>
-          <a:off x="0" y="0"/>
-          <a:ext cx="0" cy="0"/>
-          <a:chOff x="0" y="0"/>
-          <a:chExt cx="0" cy="0"/>
-        </a:xfrm>
-      </p:grpSpPr>
-      <p:sp>
-        <p:nvSpPr>
-          <p:cNvPr id="7" name="Google Shape;66;p15">
-            <a:extLst>
-              <a:ext uri="{FF2B5EF4-FFF2-40B4-BE49-F238E27FC236}">
-                <a16:creationId xmlns:a16="http://schemas.microsoft.com/office/drawing/2014/main" id="{A2B7074F-A1D8-444B-9DA8-BFF70B4A2A8A}"/>
-              </a:ext>
-            </a:extLst>
-          </p:cNvPr>
-          <p:cNvSpPr txBox="1">
-            <a:spLocks/>
-          </p:cNvSpPr>
-          <p:nvPr/>
-        </p:nvSpPr>
-        <p:spPr>
-          <a:xfrm>
-            <a:off x="252575" y="140425"/>
-            <a:ext cx="8520600" cy="572700"/>
-          </a:xfrm>
-          <a:prstGeom prst="rect">
-            <a:avLst/>
-          </a:prstGeom>
-          <a:noFill/>
-          <a:ln>
-            <a:noFill/>
-          </a:ln>
-        </p:spPr>
-        <p:txBody>
-          <a:bodyPr spcFirstLastPara="1" wrap="square" lIns="91425" tIns="91425" rIns="91425" bIns="91425" anchor="t" anchorCtr="0">
-            <a:noAutofit/>
-          </a:bodyPr>
-          <a:lstStyle>
-            <a:defPPr marR="0" lvl="0" algn="l" rtl="0">
-              <a:lnSpc>
-                <a:spcPct val="100000"/>
-              </a:lnSpc>
-              <a:spcBef>
-                <a:spcPts val="0"/>
-              </a:spcBef>
-              <a:spcAft>
-                <a:spcPts val="0"/>
-              </a:spcAft>
-            </a:defPPr>
-            <a:lvl1pPr marR="0" lvl="0" algn="l" rtl="0">
-              <a:lnSpc>
-                <a:spcPct val="100000"/>
-              </a:lnSpc>
-              <a:spcBef>
-                <a:spcPts val="0"/>
-              </a:spcBef>
-              <a:spcAft>
-                <a:spcPts val="0"/>
-              </a:spcAft>
-              <a:buClr>
-                <a:schemeClr val="dk1"/>
-              </a:buClr>
-              <a:buSzPts val="2800"/>
-              <a:buFont typeface="Arial"/>
-              <a:buNone/>
-              <a:defRPr sz="2800" b="0" i="0" u="none" strike="noStrike" cap="none">
-                <a:solidFill>
-                  <a:schemeClr val="dk1"/>
-                </a:solidFill>
-                <a:latin typeface="Arial"/>
-                <a:ea typeface="Arial"/>
-                <a:cs typeface="Arial"/>
-                <a:sym typeface="Arial"/>
-              </a:defRPr>
-            </a:lvl1pPr>
-            <a:lvl2pPr marR="0" lvl="1" algn="l" rtl="0">
-              <a:lnSpc>
-                <a:spcPct val="100000"/>
-              </a:lnSpc>
-              <a:spcBef>
-                <a:spcPts val="0"/>
-              </a:spcBef>
-              <a:spcAft>
-                <a:spcPts val="0"/>
-              </a:spcAft>
-              <a:buClr>
-                <a:schemeClr val="dk1"/>
-              </a:buClr>
-              <a:buSzPts val="2800"/>
-              <a:buFont typeface="Arial"/>
-              <a:buNone/>
-              <a:defRPr sz="2800" b="0" i="0" u="none" strike="noStrike" cap="none">
-                <a:solidFill>
-                  <a:schemeClr val="dk1"/>
-                </a:solidFill>
-                <a:latin typeface="Arial"/>
-                <a:ea typeface="Arial"/>
-                <a:cs typeface="Arial"/>
-                <a:sym typeface="Arial"/>
-              </a:defRPr>
-            </a:lvl2pPr>
-            <a:lvl3pPr marR="0" lvl="2" algn="l" rtl="0">
-              <a:lnSpc>
-                <a:spcPct val="100000"/>
-              </a:lnSpc>
-              <a:spcBef>
-                <a:spcPts val="0"/>
-              </a:spcBef>
-              <a:spcAft>
-                <a:spcPts val="0"/>
-              </a:spcAft>
-              <a:buClr>
-                <a:schemeClr val="dk1"/>
-              </a:buClr>
-              <a:buSzPts val="2800"/>
-              <a:buFont typeface="Arial"/>
-              <a:buNone/>
-              <a:defRPr sz="2800" b="0" i="0" u="none" strike="noStrike" cap="none">
-                <a:solidFill>
-                  <a:schemeClr val="dk1"/>
-                </a:solidFill>
-                <a:latin typeface="Arial"/>
-                <a:ea typeface="Arial"/>
-                <a:cs typeface="Arial"/>
-                <a:sym typeface="Arial"/>
-              </a:defRPr>
-            </a:lvl3pPr>
-            <a:lvl4pPr marR="0" lvl="3" algn="l" rtl="0">
-              <a:lnSpc>
-                <a:spcPct val="100000"/>
-              </a:lnSpc>
-              <a:spcBef>
-                <a:spcPts val="0"/>
-              </a:spcBef>
-              <a:spcAft>
-                <a:spcPts val="0"/>
-              </a:spcAft>
-              <a:buClr>
-                <a:schemeClr val="dk1"/>
-              </a:buClr>
-              <a:buSzPts val="2800"/>
-              <a:buFont typeface="Arial"/>
-              <a:buNone/>
-              <a:defRPr sz="2800" b="0" i="0" u="none" strike="noStrike" cap="none">
-                <a:solidFill>
-                  <a:schemeClr val="dk1"/>
-                </a:solidFill>
-                <a:latin typeface="Arial"/>
-                <a:ea typeface="Arial"/>
-                <a:cs typeface="Arial"/>
-                <a:sym typeface="Arial"/>
-              </a:defRPr>
-            </a:lvl4pPr>
-            <a:lvl5pPr marR="0" lvl="4" algn="l" rtl="0">
-              <a:lnSpc>
-                <a:spcPct val="100000"/>
-              </a:lnSpc>
-              <a:spcBef>
-                <a:spcPts val="0"/>
-              </a:spcBef>
-              <a:spcAft>
-                <a:spcPts val="0"/>
-              </a:spcAft>
-              <a:buClr>
-                <a:schemeClr val="dk1"/>
-              </a:buClr>
-              <a:buSzPts val="2800"/>
-              <a:buFont typeface="Arial"/>
-              <a:buNone/>
-              <a:defRPr sz="2800" b="0" i="0" u="none" strike="noStrike" cap="none">
-                <a:solidFill>
-                  <a:schemeClr val="dk1"/>
-                </a:solidFill>
-                <a:latin typeface="Arial"/>
-                <a:ea typeface="Arial"/>
-                <a:cs typeface="Arial"/>
-                <a:sym typeface="Arial"/>
-              </a:defRPr>
-            </a:lvl5pPr>
-            <a:lvl6pPr marR="0" lvl="5" algn="l" rtl="0">
-              <a:lnSpc>
-                <a:spcPct val="100000"/>
-              </a:lnSpc>
-              <a:spcBef>
-                <a:spcPts val="0"/>
-              </a:spcBef>
-              <a:spcAft>
-                <a:spcPts val="0"/>
-              </a:spcAft>
-              <a:buClr>
-                <a:schemeClr val="dk1"/>
-              </a:buClr>
-              <a:buSzPts val="2800"/>
-              <a:buFont typeface="Arial"/>
-              <a:buNone/>
-              <a:defRPr sz="2800" b="0" i="0" u="none" strike="noStrike" cap="none">
-                <a:solidFill>
-                  <a:schemeClr val="dk1"/>
-                </a:solidFill>
-                <a:latin typeface="Arial"/>
-                <a:ea typeface="Arial"/>
-                <a:cs typeface="Arial"/>
-                <a:sym typeface="Arial"/>
-              </a:defRPr>
-            </a:lvl6pPr>
-            <a:lvl7pPr marR="0" lvl="6" algn="l" rtl="0">
-              <a:lnSpc>
-                <a:spcPct val="100000"/>
-              </a:lnSpc>
-              <a:spcBef>
-                <a:spcPts val="0"/>
-              </a:spcBef>
-              <a:spcAft>
-                <a:spcPts val="0"/>
-              </a:spcAft>
-              <a:buClr>
-                <a:schemeClr val="dk1"/>
-              </a:buClr>
-              <a:buSzPts val="2800"/>
-              <a:buFont typeface="Arial"/>
-              <a:buNone/>
-              <a:defRPr sz="2800" b="0" i="0" u="none" strike="noStrike" cap="none">
-                <a:solidFill>
-                  <a:schemeClr val="dk1"/>
-                </a:solidFill>
-                <a:latin typeface="Arial"/>
-                <a:ea typeface="Arial"/>
-                <a:cs typeface="Arial"/>
-                <a:sym typeface="Arial"/>
-              </a:defRPr>
-            </a:lvl7pPr>
-            <a:lvl8pPr marR="0" lvl="7" algn="l" rtl="0">
-              <a:lnSpc>
-                <a:spcPct val="100000"/>
-              </a:lnSpc>
-              <a:spcBef>
-                <a:spcPts val="0"/>
-              </a:spcBef>
-              <a:spcAft>
-                <a:spcPts val="0"/>
-              </a:spcAft>
-              <a:buClr>
-                <a:schemeClr val="dk1"/>
-              </a:buClr>
-              <a:buSzPts val="2800"/>
-              <a:buFont typeface="Arial"/>
-              <a:buNone/>
-              <a:defRPr sz="2800" b="0" i="0" u="none" strike="noStrike" cap="none">
-                <a:solidFill>
-                  <a:schemeClr val="dk1"/>
-                </a:solidFill>
-                <a:latin typeface="Arial"/>
-                <a:ea typeface="Arial"/>
-                <a:cs typeface="Arial"/>
-                <a:sym typeface="Arial"/>
-              </a:defRPr>
-            </a:lvl8pPr>
-            <a:lvl9pPr marR="0" lvl="8" algn="l" rtl="0">
-              <a:lnSpc>
-                <a:spcPct val="100000"/>
-              </a:lnSpc>
-              <a:spcBef>
-                <a:spcPts val="0"/>
-              </a:spcBef>
-              <a:spcAft>
-                <a:spcPts val="0"/>
-              </a:spcAft>
-              <a:buClr>
-                <a:schemeClr val="dk1"/>
-              </a:buClr>
-              <a:buSzPts val="2800"/>
-              <a:buFont typeface="Arial"/>
-              <a:buNone/>
-              <a:defRPr sz="2800" b="0" i="0" u="none" strike="noStrike" cap="none">
-                <a:solidFill>
-                  <a:schemeClr val="dk1"/>
-                </a:solidFill>
-                <a:latin typeface="Arial"/>
-                <a:ea typeface="Arial"/>
-                <a:cs typeface="Arial"/>
-                <a:sym typeface="Arial"/>
-              </a:defRPr>
-            </a:lvl9pPr>
-          </a:lstStyle>
-          <a:p>
-            <a:r>
-              <a:rPr lang="en-GB" b="1" dirty="0">
-                <a:effectLst>
-                  <a:outerShdw blurRad="38100" dist="38100" dir="2700000" algn="tl">
-                    <a:srgbClr val="000000">
-                      <a:alpha val="43137"/>
-                    </a:srgbClr>
-                  </a:outerShdw>
-                </a:effectLst>
-              </a:rPr>
-              <a:t>Personas</a:t>
-            </a:r>
-          </a:p>
-        </p:txBody>
-      </p:sp>
-      <p:sp>
-        <p:nvSpPr>
-          <p:cNvPr id="8" name="TextBox 7">
-            <a:extLst>
-              <a:ext uri="{FF2B5EF4-FFF2-40B4-BE49-F238E27FC236}">
-                <a16:creationId xmlns:a16="http://schemas.microsoft.com/office/drawing/2014/main" id="{4B40FD6D-82C8-48B1-A5D3-456D8792334C}"/>
-              </a:ext>
-            </a:extLst>
-          </p:cNvPr>
-          <p:cNvSpPr txBox="1"/>
-          <p:nvPr/>
-        </p:nvSpPr>
-        <p:spPr>
-          <a:xfrm>
-            <a:off x="4740089" y="893382"/>
-            <a:ext cx="4269442" cy="1384995"/>
-          </a:xfrm>
-          <a:prstGeom prst="rect">
-            <a:avLst/>
-          </a:prstGeom>
-          <a:noFill/>
-        </p:spPr>
-        <p:txBody>
-          <a:bodyPr wrap="square" rtlCol="0">
-            <a:spAutoFit/>
-          </a:bodyPr>
-          <a:lstStyle/>
-          <a:p>
-            <a:r>
-              <a:rPr lang="en-US" b="1" dirty="0"/>
-              <a:t>Corporate Client (Yandex, </a:t>
-            </a:r>
-            <a:r>
-              <a:rPr lang="en-US" b="1" dirty="0" err="1"/>
-              <a:t>Sber</a:t>
-            </a:r>
-            <a:r>
-              <a:rPr lang="en-US" b="1" dirty="0"/>
-              <a:t>)</a:t>
-            </a:r>
-          </a:p>
-          <a:p>
-            <a:br>
-              <a:rPr lang="en-US" dirty="0"/>
-            </a:br>
-            <a:r>
-              <a:rPr lang="en-US" b="1" dirty="0"/>
-              <a:t>Goals:</a:t>
-            </a:r>
-            <a:endParaRPr lang="en-US" dirty="0"/>
-          </a:p>
-          <a:p>
-            <a:pPr marL="285750" indent="-285750">
-              <a:buFont typeface="Arial" panose="020B0604020202020204" pitchFamily="34" charset="0"/>
-              <a:buChar char="•"/>
-            </a:pPr>
-            <a:r>
-              <a:rPr lang="en-US" dirty="0"/>
-              <a:t>Scalable and secure deployment of ML models.</a:t>
-            </a:r>
-          </a:p>
-          <a:p>
-            <a:pPr marL="285750" indent="-285750">
-              <a:buFont typeface="Arial" panose="020B0604020202020204" pitchFamily="34" charset="0"/>
-              <a:buChar char="•"/>
-            </a:pPr>
-            <a:r>
-              <a:rPr lang="en-US" dirty="0"/>
-              <a:t>Integration of the API gateway into existing infrastructure.</a:t>
-            </a:r>
-          </a:p>
-        </p:txBody>
-      </p:sp>
-      <p:sp>
-        <p:nvSpPr>
-          <p:cNvPr id="2" name="TextBox 1">
-            <a:extLst>
-              <a:ext uri="{FF2B5EF4-FFF2-40B4-BE49-F238E27FC236}">
-                <a16:creationId xmlns:a16="http://schemas.microsoft.com/office/drawing/2014/main" id="{BC8183E0-B6FC-471C-B2F8-14996330AB16}"/>
-              </a:ext>
-            </a:extLst>
-          </p:cNvPr>
-          <p:cNvSpPr txBox="1"/>
-          <p:nvPr/>
-        </p:nvSpPr>
-        <p:spPr>
-          <a:xfrm>
-            <a:off x="352043" y="903891"/>
-            <a:ext cx="4051870" cy="1384995"/>
-          </a:xfrm>
-          <a:prstGeom prst="rect">
-            <a:avLst/>
-          </a:prstGeom>
-          <a:noFill/>
-        </p:spPr>
-        <p:txBody>
-          <a:bodyPr wrap="square" rtlCol="0">
-            <a:spAutoFit/>
-          </a:bodyPr>
-          <a:lstStyle/>
-          <a:p>
-            <a:r>
-              <a:rPr lang="en-US" b="1" dirty="0"/>
-              <a:t>API Consumer (Sergey, 30 years old)</a:t>
-            </a:r>
-          </a:p>
-          <a:p>
-            <a:br>
-              <a:rPr lang="en-US" dirty="0"/>
-            </a:br>
-            <a:r>
-              <a:rPr lang="en-US" b="1" dirty="0"/>
-              <a:t>Goals:</a:t>
-            </a:r>
-            <a:endParaRPr lang="en-US" dirty="0"/>
-          </a:p>
-          <a:p>
-            <a:pPr marL="285750" indent="-285750">
-              <a:buFont typeface="Arial" panose="020B0604020202020204" pitchFamily="34" charset="0"/>
-              <a:buChar char="•"/>
-            </a:pPr>
-            <a:r>
-              <a:rPr lang="en-US" dirty="0"/>
-              <a:t>Get documentation for quick access to ML models.</a:t>
-            </a:r>
-          </a:p>
-          <a:p>
-            <a:pPr marL="285750" indent="-285750">
-              <a:buFont typeface="Arial" panose="020B0604020202020204" pitchFamily="34" charset="0"/>
-              <a:buChar char="•"/>
-            </a:pPr>
-            <a:r>
-              <a:rPr lang="en-US" dirty="0"/>
-              <a:t>Work with reliable and validated APIs.</a:t>
-            </a:r>
-            <a:endParaRPr lang="ru-RU" dirty="0"/>
-          </a:p>
-        </p:txBody>
-      </p:sp>
-      <p:sp>
-        <p:nvSpPr>
-          <p:cNvPr id="3" name="Slide Number Placeholder 2">
-            <a:extLst>
-              <a:ext uri="{FF2B5EF4-FFF2-40B4-BE49-F238E27FC236}">
-                <a16:creationId xmlns:a16="http://schemas.microsoft.com/office/drawing/2014/main" id="{C78D3A78-ED79-4CFE-9690-1D96304C679A}"/>
-              </a:ext>
-            </a:extLst>
-          </p:cNvPr>
-          <p:cNvSpPr>
-            <a:spLocks noGrp="1"/>
-          </p:cNvSpPr>
-          <p:nvPr>
-            <p:ph type="sldNum" idx="12"/>
-          </p:nvPr>
-        </p:nvSpPr>
-        <p:spPr/>
-        <p:txBody>
-          <a:bodyPr/>
-          <a:lstStyle/>
-          <a:p>
-            <a:pPr marL="0" lvl="0" indent="0" algn="r" rtl="0">
-              <a:spcBef>
-                <a:spcPts val="0"/>
-              </a:spcBef>
-              <a:spcAft>
-                <a:spcPts val="0"/>
-              </a:spcAft>
-              <a:buNone/>
-            </a:pPr>
-            <a:fld id="{00000000-1234-1234-1234-123412341234}" type="slidenum">
-              <a:rPr lang="en-GB" smtClean="0"/>
-              <a:t>4</a:t>
-            </a:fld>
-            <a:endParaRPr lang="en-GB"/>
-          </a:p>
-        </p:txBody>
-      </p:sp>
-      <p:sp>
-        <p:nvSpPr>
-          <p:cNvPr id="4" name="TextBox 3">
-            <a:extLst>
-              <a:ext uri="{FF2B5EF4-FFF2-40B4-BE49-F238E27FC236}">
-                <a16:creationId xmlns:a16="http://schemas.microsoft.com/office/drawing/2014/main" id="{FFDCAFA8-B478-40D2-932B-498A36B6913F}"/>
-              </a:ext>
-            </a:extLst>
-          </p:cNvPr>
-          <p:cNvSpPr txBox="1"/>
-          <p:nvPr/>
-        </p:nvSpPr>
-        <p:spPr>
-          <a:xfrm>
-            <a:off x="4861112" y="2955581"/>
-            <a:ext cx="3912063" cy="954107"/>
-          </a:xfrm>
-          <a:prstGeom prst="rect">
-            <a:avLst/>
-          </a:prstGeom>
-          <a:noFill/>
-        </p:spPr>
-        <p:txBody>
-          <a:bodyPr wrap="square" rtlCol="0">
-            <a:spAutoFit/>
-          </a:bodyPr>
-          <a:lstStyle/>
-          <a:p>
-            <a:r>
-              <a:rPr lang="en-US" b="1" dirty="0"/>
-              <a:t>Pain points:</a:t>
-            </a:r>
-            <a:endParaRPr lang="en-US" dirty="0"/>
-          </a:p>
-          <a:p>
-            <a:pPr marL="285750" indent="-285750">
-              <a:buFont typeface="Arial" panose="020B0604020202020204" pitchFamily="34" charset="0"/>
-              <a:buChar char="•"/>
-            </a:pPr>
-            <a:r>
-              <a:rPr lang="en-US" dirty="0"/>
-              <a:t>Challenges with integration and corporate standards.</a:t>
-            </a:r>
-          </a:p>
-          <a:p>
-            <a:endParaRPr lang="ru-RU" dirty="0"/>
-          </a:p>
-        </p:txBody>
-      </p:sp>
-      <p:sp>
-        <p:nvSpPr>
-          <p:cNvPr id="5" name="TextBox 4">
-            <a:extLst>
-              <a:ext uri="{FF2B5EF4-FFF2-40B4-BE49-F238E27FC236}">
-                <a16:creationId xmlns:a16="http://schemas.microsoft.com/office/drawing/2014/main" id="{8BDC0A45-240C-4BA7-909B-5DD2FA0DB4FB}"/>
-              </a:ext>
-            </a:extLst>
-          </p:cNvPr>
-          <p:cNvSpPr txBox="1"/>
-          <p:nvPr/>
-        </p:nvSpPr>
-        <p:spPr>
-          <a:xfrm>
-            <a:off x="370825" y="2955580"/>
-            <a:ext cx="3912063" cy="954107"/>
-          </a:xfrm>
-          <a:prstGeom prst="rect">
-            <a:avLst/>
-          </a:prstGeom>
-          <a:noFill/>
-        </p:spPr>
-        <p:txBody>
-          <a:bodyPr wrap="square" rtlCol="0">
-            <a:spAutoFit/>
-          </a:bodyPr>
-          <a:lstStyle/>
-          <a:p>
-            <a:r>
-              <a:rPr lang="en-US" b="1" dirty="0"/>
-              <a:t>Pain points:</a:t>
-            </a:r>
-            <a:endParaRPr lang="en-US" dirty="0"/>
-          </a:p>
-          <a:p>
-            <a:pPr marL="285750" indent="-285750">
-              <a:buFont typeface="Arial" panose="020B0604020202020204" pitchFamily="34" charset="0"/>
-              <a:buChar char="•"/>
-            </a:pPr>
-            <a:r>
-              <a:rPr lang="en-US" dirty="0"/>
-              <a:t>Incomplete or outdated documentation.</a:t>
-            </a:r>
-          </a:p>
-          <a:p>
-            <a:pPr marL="285750" indent="-285750">
-              <a:buFont typeface="Arial" panose="020B0604020202020204" pitchFamily="34" charset="0"/>
-              <a:buChar char="•"/>
-            </a:pPr>
-            <a:r>
-              <a:rPr lang="en-US" dirty="0"/>
-              <a:t>API instability and delays.</a:t>
-            </a:r>
-          </a:p>
-          <a:p>
-            <a:endParaRPr lang="ru-RU" dirty="0"/>
-          </a:p>
-        </p:txBody>
-      </p:sp>
-    </p:spTree>
-    <p:extLst>
-      <p:ext uri="{BB962C8B-B14F-4D97-AF65-F5344CB8AC3E}">
-        <p14:creationId xmlns:p14="http://schemas.microsoft.com/office/powerpoint/2010/main" val="2691937146"/>
-      </p:ext>
-    </p:extLst>
-  </p:cSld>
-  <p:clrMapOvr>
-    <a:masterClrMapping/>
-  </p:clrMapOvr>
-</p:sld>
-</file>
-
-<file path=ppt/slides/slide5.xml><?xml version="1.0" encoding="utf-8"?>
-<p:sld xmlns:a="http://schemas.openxmlformats.org/drawingml/2006/main" xmlns:r="http://schemas.openxmlformats.org/officeDocument/2006/relationships" xmlns:p="http://schemas.openxmlformats.org/presentationml/2006/main">
-  <p:cSld>
-    <p:spTree>
-      <p:nvGrpSpPr>
         <p:cNvPr id="1" name="Shape 65"/>
         <p:cNvGrpSpPr/>
         <p:nvPr/>
@@ -13158,7 +11568,7 @@
             </a:pPr>
             <a:fld id="{00000000-1234-1234-1234-123412341234}" type="slidenum">
               <a:rPr lang="en-GB" smtClean="0"/>
-              <a:t>5</a:t>
+              <a:t>3</a:t>
             </a:fld>
             <a:endParaRPr lang="en-GB"/>
           </a:p>
@@ -13177,7 +11587,803 @@
 </p:sld>
 </file>
 
-<file path=ppt/slides/slide6.xml><?xml version="1.0" encoding="utf-8"?>
+<file path=ppt/slides/slide4.xml><?xml version="1.0" encoding="utf-8"?>
+<p:sld xmlns:a="http://schemas.openxmlformats.org/drawingml/2006/main" xmlns:r="http://schemas.openxmlformats.org/officeDocument/2006/relationships" xmlns:p="http://schemas.openxmlformats.org/presentationml/2006/main">
+  <p:cSld>
+    <p:spTree>
+      <p:nvGrpSpPr>
+        <p:cNvPr id="1" name=""/>
+        <p:cNvGrpSpPr/>
+        <p:nvPr/>
+      </p:nvGrpSpPr>
+      <p:grpSpPr>
+        <a:xfrm>
+          <a:off x="0" y="0"/>
+          <a:ext cx="0" cy="0"/>
+          <a:chOff x="0" y="0"/>
+          <a:chExt cx="0" cy="0"/>
+        </a:xfrm>
+      </p:grpSpPr>
+      <p:sp>
+        <p:nvSpPr>
+          <p:cNvPr id="3" name="Текст 2">
+            <a:extLst>
+              <a:ext uri="{FF2B5EF4-FFF2-40B4-BE49-F238E27FC236}">
+                <a16:creationId xmlns:a16="http://schemas.microsoft.com/office/drawing/2014/main" id="{73D9E495-74CF-49FC-8FE9-9E20997A0616}"/>
+              </a:ext>
+            </a:extLst>
+          </p:cNvPr>
+          <p:cNvSpPr>
+            <a:spLocks noGrp="1"/>
+          </p:cNvSpPr>
+          <p:nvPr>
+            <p:ph type="body" idx="1"/>
+          </p:nvPr>
+        </p:nvSpPr>
+        <p:spPr>
+          <a:xfrm>
+            <a:off x="179078" y="713125"/>
+            <a:ext cx="4051870" cy="2249444"/>
+          </a:xfrm>
+        </p:spPr>
+        <p:txBody>
+          <a:bodyPr/>
+          <a:lstStyle/>
+          <a:p>
+            <a:pPr marL="139700" indent="0">
+              <a:buNone/>
+            </a:pPr>
+            <a:r>
+              <a:rPr lang="en-US" b="1" dirty="0">
+                <a:solidFill>
+                  <a:schemeClr val="tx1"/>
+                </a:solidFill>
+              </a:rPr>
+              <a:t>ML Engineer (Maria, 32 years old)</a:t>
+            </a:r>
+          </a:p>
+          <a:p>
+            <a:pPr marL="139700" indent="0">
+              <a:buNone/>
+            </a:pPr>
+            <a:br>
+              <a:rPr lang="en-US" dirty="0">
+                <a:solidFill>
+                  <a:schemeClr val="tx1"/>
+                </a:solidFill>
+              </a:rPr>
+            </a:br>
+            <a:r>
+              <a:rPr lang="en-US" b="1" dirty="0">
+                <a:solidFill>
+                  <a:schemeClr val="tx1"/>
+                </a:solidFill>
+              </a:rPr>
+              <a:t>Goals:</a:t>
+            </a:r>
+            <a:endParaRPr lang="en-US" dirty="0">
+              <a:solidFill>
+                <a:schemeClr val="tx1"/>
+              </a:solidFill>
+            </a:endParaRPr>
+          </a:p>
+          <a:p>
+            <a:pPr>
+              <a:lnSpc>
+                <a:spcPct val="120000"/>
+              </a:lnSpc>
+              <a:buFont typeface="Arial" panose="020B0604020202020204" pitchFamily="34" charset="0"/>
+              <a:buChar char="•"/>
+            </a:pPr>
+            <a:r>
+              <a:rPr lang="en-US" dirty="0">
+                <a:solidFill>
+                  <a:schemeClr val="tx1"/>
+                </a:solidFill>
+              </a:rPr>
+              <a:t>Deploy and version ML models in Kubernetes.</a:t>
+            </a:r>
+          </a:p>
+          <a:p>
+            <a:pPr>
+              <a:lnSpc>
+                <a:spcPct val="120000"/>
+              </a:lnSpc>
+              <a:buFont typeface="Arial" panose="020B0604020202020204" pitchFamily="34" charset="0"/>
+              <a:buChar char="•"/>
+            </a:pPr>
+            <a:r>
+              <a:rPr lang="en-US" dirty="0">
+                <a:solidFill>
+                  <a:schemeClr val="tx1"/>
+                </a:solidFill>
+              </a:rPr>
+              <a:t>Automatic deploy and further documentation.</a:t>
+            </a:r>
+          </a:p>
+          <a:p>
+            <a:pPr>
+              <a:lnSpc>
+                <a:spcPct val="120000"/>
+              </a:lnSpc>
+              <a:buFont typeface="Arial" panose="020B0604020202020204" pitchFamily="34" charset="0"/>
+              <a:buChar char="•"/>
+            </a:pPr>
+            <a:r>
+              <a:rPr lang="en-US" dirty="0">
+                <a:solidFill>
+                  <a:schemeClr val="tx1"/>
+                </a:solidFill>
+              </a:rPr>
+              <a:t>Flexibility for different ML frameworks.</a:t>
+            </a:r>
+          </a:p>
+        </p:txBody>
+      </p:sp>
+      <p:sp>
+        <p:nvSpPr>
+          <p:cNvPr id="7" name="Google Shape;66;p15">
+            <a:extLst>
+              <a:ext uri="{FF2B5EF4-FFF2-40B4-BE49-F238E27FC236}">
+                <a16:creationId xmlns:a16="http://schemas.microsoft.com/office/drawing/2014/main" id="{A2B7074F-A1D8-444B-9DA8-BFF70B4A2A8A}"/>
+              </a:ext>
+            </a:extLst>
+          </p:cNvPr>
+          <p:cNvSpPr txBox="1">
+            <a:spLocks/>
+          </p:cNvSpPr>
+          <p:nvPr/>
+        </p:nvSpPr>
+        <p:spPr>
+          <a:xfrm>
+            <a:off x="252575" y="140425"/>
+            <a:ext cx="8520600" cy="572700"/>
+          </a:xfrm>
+          <a:prstGeom prst="rect">
+            <a:avLst/>
+          </a:prstGeom>
+          <a:noFill/>
+          <a:ln>
+            <a:noFill/>
+          </a:ln>
+        </p:spPr>
+        <p:txBody>
+          <a:bodyPr spcFirstLastPara="1" wrap="square" lIns="91425" tIns="91425" rIns="91425" bIns="91425" anchor="t" anchorCtr="0">
+            <a:noAutofit/>
+          </a:bodyPr>
+          <a:lstStyle>
+            <a:defPPr marR="0" lvl="0" algn="l" rtl="0">
+              <a:lnSpc>
+                <a:spcPct val="100000"/>
+              </a:lnSpc>
+              <a:spcBef>
+                <a:spcPts val="0"/>
+              </a:spcBef>
+              <a:spcAft>
+                <a:spcPts val="0"/>
+              </a:spcAft>
+            </a:defPPr>
+            <a:lvl1pPr marR="0" lvl="0" algn="l" rtl="0">
+              <a:lnSpc>
+                <a:spcPct val="100000"/>
+              </a:lnSpc>
+              <a:spcBef>
+                <a:spcPts val="0"/>
+              </a:spcBef>
+              <a:spcAft>
+                <a:spcPts val="0"/>
+              </a:spcAft>
+              <a:buClr>
+                <a:schemeClr val="dk1"/>
+              </a:buClr>
+              <a:buSzPts val="2800"/>
+              <a:buFont typeface="Arial"/>
+              <a:buNone/>
+              <a:defRPr sz="2800" b="0" i="0" u="none" strike="noStrike" cap="none">
+                <a:solidFill>
+                  <a:schemeClr val="dk1"/>
+                </a:solidFill>
+                <a:latin typeface="Arial"/>
+                <a:ea typeface="Arial"/>
+                <a:cs typeface="Arial"/>
+                <a:sym typeface="Arial"/>
+              </a:defRPr>
+            </a:lvl1pPr>
+            <a:lvl2pPr marR="0" lvl="1" algn="l" rtl="0">
+              <a:lnSpc>
+                <a:spcPct val="100000"/>
+              </a:lnSpc>
+              <a:spcBef>
+                <a:spcPts val="0"/>
+              </a:spcBef>
+              <a:spcAft>
+                <a:spcPts val="0"/>
+              </a:spcAft>
+              <a:buClr>
+                <a:schemeClr val="dk1"/>
+              </a:buClr>
+              <a:buSzPts val="2800"/>
+              <a:buFont typeface="Arial"/>
+              <a:buNone/>
+              <a:defRPr sz="2800" b="0" i="0" u="none" strike="noStrike" cap="none">
+                <a:solidFill>
+                  <a:schemeClr val="dk1"/>
+                </a:solidFill>
+                <a:latin typeface="Arial"/>
+                <a:ea typeface="Arial"/>
+                <a:cs typeface="Arial"/>
+                <a:sym typeface="Arial"/>
+              </a:defRPr>
+            </a:lvl2pPr>
+            <a:lvl3pPr marR="0" lvl="2" algn="l" rtl="0">
+              <a:lnSpc>
+                <a:spcPct val="100000"/>
+              </a:lnSpc>
+              <a:spcBef>
+                <a:spcPts val="0"/>
+              </a:spcBef>
+              <a:spcAft>
+                <a:spcPts val="0"/>
+              </a:spcAft>
+              <a:buClr>
+                <a:schemeClr val="dk1"/>
+              </a:buClr>
+              <a:buSzPts val="2800"/>
+              <a:buFont typeface="Arial"/>
+              <a:buNone/>
+              <a:defRPr sz="2800" b="0" i="0" u="none" strike="noStrike" cap="none">
+                <a:solidFill>
+                  <a:schemeClr val="dk1"/>
+                </a:solidFill>
+                <a:latin typeface="Arial"/>
+                <a:ea typeface="Arial"/>
+                <a:cs typeface="Arial"/>
+                <a:sym typeface="Arial"/>
+              </a:defRPr>
+            </a:lvl3pPr>
+            <a:lvl4pPr marR="0" lvl="3" algn="l" rtl="0">
+              <a:lnSpc>
+                <a:spcPct val="100000"/>
+              </a:lnSpc>
+              <a:spcBef>
+                <a:spcPts val="0"/>
+              </a:spcBef>
+              <a:spcAft>
+                <a:spcPts val="0"/>
+              </a:spcAft>
+              <a:buClr>
+                <a:schemeClr val="dk1"/>
+              </a:buClr>
+              <a:buSzPts val="2800"/>
+              <a:buFont typeface="Arial"/>
+              <a:buNone/>
+              <a:defRPr sz="2800" b="0" i="0" u="none" strike="noStrike" cap="none">
+                <a:solidFill>
+                  <a:schemeClr val="dk1"/>
+                </a:solidFill>
+                <a:latin typeface="Arial"/>
+                <a:ea typeface="Arial"/>
+                <a:cs typeface="Arial"/>
+                <a:sym typeface="Arial"/>
+              </a:defRPr>
+            </a:lvl4pPr>
+            <a:lvl5pPr marR="0" lvl="4" algn="l" rtl="0">
+              <a:lnSpc>
+                <a:spcPct val="100000"/>
+              </a:lnSpc>
+              <a:spcBef>
+                <a:spcPts val="0"/>
+              </a:spcBef>
+              <a:spcAft>
+                <a:spcPts val="0"/>
+              </a:spcAft>
+              <a:buClr>
+                <a:schemeClr val="dk1"/>
+              </a:buClr>
+              <a:buSzPts val="2800"/>
+              <a:buFont typeface="Arial"/>
+              <a:buNone/>
+              <a:defRPr sz="2800" b="0" i="0" u="none" strike="noStrike" cap="none">
+                <a:solidFill>
+                  <a:schemeClr val="dk1"/>
+                </a:solidFill>
+                <a:latin typeface="Arial"/>
+                <a:ea typeface="Arial"/>
+                <a:cs typeface="Arial"/>
+                <a:sym typeface="Arial"/>
+              </a:defRPr>
+            </a:lvl5pPr>
+            <a:lvl6pPr marR="0" lvl="5" algn="l" rtl="0">
+              <a:lnSpc>
+                <a:spcPct val="100000"/>
+              </a:lnSpc>
+              <a:spcBef>
+                <a:spcPts val="0"/>
+              </a:spcBef>
+              <a:spcAft>
+                <a:spcPts val="0"/>
+              </a:spcAft>
+              <a:buClr>
+                <a:schemeClr val="dk1"/>
+              </a:buClr>
+              <a:buSzPts val="2800"/>
+              <a:buFont typeface="Arial"/>
+              <a:buNone/>
+              <a:defRPr sz="2800" b="0" i="0" u="none" strike="noStrike" cap="none">
+                <a:solidFill>
+                  <a:schemeClr val="dk1"/>
+                </a:solidFill>
+                <a:latin typeface="Arial"/>
+                <a:ea typeface="Arial"/>
+                <a:cs typeface="Arial"/>
+                <a:sym typeface="Arial"/>
+              </a:defRPr>
+            </a:lvl6pPr>
+            <a:lvl7pPr marR="0" lvl="6" algn="l" rtl="0">
+              <a:lnSpc>
+                <a:spcPct val="100000"/>
+              </a:lnSpc>
+              <a:spcBef>
+                <a:spcPts val="0"/>
+              </a:spcBef>
+              <a:spcAft>
+                <a:spcPts val="0"/>
+              </a:spcAft>
+              <a:buClr>
+                <a:schemeClr val="dk1"/>
+              </a:buClr>
+              <a:buSzPts val="2800"/>
+              <a:buFont typeface="Arial"/>
+              <a:buNone/>
+              <a:defRPr sz="2800" b="0" i="0" u="none" strike="noStrike" cap="none">
+                <a:solidFill>
+                  <a:schemeClr val="dk1"/>
+                </a:solidFill>
+                <a:latin typeface="Arial"/>
+                <a:ea typeface="Arial"/>
+                <a:cs typeface="Arial"/>
+                <a:sym typeface="Arial"/>
+              </a:defRPr>
+            </a:lvl7pPr>
+            <a:lvl8pPr marR="0" lvl="7" algn="l" rtl="0">
+              <a:lnSpc>
+                <a:spcPct val="100000"/>
+              </a:lnSpc>
+              <a:spcBef>
+                <a:spcPts val="0"/>
+              </a:spcBef>
+              <a:spcAft>
+                <a:spcPts val="0"/>
+              </a:spcAft>
+              <a:buClr>
+                <a:schemeClr val="dk1"/>
+              </a:buClr>
+              <a:buSzPts val="2800"/>
+              <a:buFont typeface="Arial"/>
+              <a:buNone/>
+              <a:defRPr sz="2800" b="0" i="0" u="none" strike="noStrike" cap="none">
+                <a:solidFill>
+                  <a:schemeClr val="dk1"/>
+                </a:solidFill>
+                <a:latin typeface="Arial"/>
+                <a:ea typeface="Arial"/>
+                <a:cs typeface="Arial"/>
+                <a:sym typeface="Arial"/>
+              </a:defRPr>
+            </a:lvl8pPr>
+            <a:lvl9pPr marR="0" lvl="8" algn="l" rtl="0">
+              <a:lnSpc>
+                <a:spcPct val="100000"/>
+              </a:lnSpc>
+              <a:spcBef>
+                <a:spcPts val="0"/>
+              </a:spcBef>
+              <a:spcAft>
+                <a:spcPts val="0"/>
+              </a:spcAft>
+              <a:buClr>
+                <a:schemeClr val="dk1"/>
+              </a:buClr>
+              <a:buSzPts val="2800"/>
+              <a:buFont typeface="Arial"/>
+              <a:buNone/>
+              <a:defRPr sz="2800" b="0" i="0" u="none" strike="noStrike" cap="none">
+                <a:solidFill>
+                  <a:schemeClr val="dk1"/>
+                </a:solidFill>
+                <a:latin typeface="Arial"/>
+                <a:ea typeface="Arial"/>
+                <a:cs typeface="Arial"/>
+                <a:sym typeface="Arial"/>
+              </a:defRPr>
+            </a:lvl9pPr>
+          </a:lstStyle>
+          <a:p>
+            <a:r>
+              <a:rPr lang="en-GB" b="1" dirty="0">
+                <a:effectLst>
+                  <a:outerShdw blurRad="38100" dist="38100" dir="2700000" algn="tl">
+                    <a:srgbClr val="000000">
+                      <a:alpha val="43137"/>
+                    </a:srgbClr>
+                  </a:outerShdw>
+                </a:effectLst>
+              </a:rPr>
+              <a:t>Personas</a:t>
+            </a:r>
+          </a:p>
+        </p:txBody>
+      </p:sp>
+      <p:sp>
+        <p:nvSpPr>
+          <p:cNvPr id="8" name="TextBox 7">
+            <a:extLst>
+              <a:ext uri="{FF2B5EF4-FFF2-40B4-BE49-F238E27FC236}">
+                <a16:creationId xmlns:a16="http://schemas.microsoft.com/office/drawing/2014/main" id="{4B40FD6D-82C8-48B1-A5D3-456D8792334C}"/>
+              </a:ext>
+            </a:extLst>
+          </p:cNvPr>
+          <p:cNvSpPr txBox="1"/>
+          <p:nvPr/>
+        </p:nvSpPr>
+        <p:spPr>
+          <a:xfrm>
+            <a:off x="4681106" y="713125"/>
+            <a:ext cx="4210319" cy="2007537"/>
+          </a:xfrm>
+          <a:prstGeom prst="rect">
+            <a:avLst/>
+          </a:prstGeom>
+          <a:noFill/>
+        </p:spPr>
+        <p:txBody>
+          <a:bodyPr wrap="square" rtlCol="0">
+            <a:spAutoFit/>
+          </a:bodyPr>
+          <a:lstStyle/>
+          <a:p>
+            <a:r>
+              <a:rPr lang="en-US" b="1" dirty="0">
+                <a:solidFill>
+                  <a:schemeClr val="tx1"/>
+                </a:solidFill>
+              </a:rPr>
+              <a:t>Backend Developer (Alexander, 28 years old)</a:t>
+            </a:r>
+          </a:p>
+          <a:p>
+            <a:br>
+              <a:rPr lang="en-US" dirty="0">
+                <a:solidFill>
+                  <a:schemeClr val="tx1"/>
+                </a:solidFill>
+              </a:rPr>
+            </a:br>
+            <a:r>
+              <a:rPr lang="en-US" b="1" dirty="0">
+                <a:solidFill>
+                  <a:schemeClr val="tx1"/>
+                </a:solidFill>
+              </a:rPr>
+              <a:t>Goals:</a:t>
+            </a:r>
+            <a:endParaRPr lang="en-US" dirty="0">
+              <a:solidFill>
+                <a:schemeClr val="tx1"/>
+              </a:solidFill>
+            </a:endParaRPr>
+          </a:p>
+          <a:p>
+            <a:pPr marL="285750" indent="-285750">
+              <a:lnSpc>
+                <a:spcPct val="120000"/>
+              </a:lnSpc>
+              <a:buFont typeface="Arial" panose="020B0604020202020204" pitchFamily="34" charset="0"/>
+              <a:buChar char="•"/>
+            </a:pPr>
+            <a:r>
+              <a:rPr lang="en-US" dirty="0"/>
+              <a:t>Integration of the API gateway into existing infrastructure.</a:t>
+            </a:r>
+          </a:p>
+          <a:p>
+            <a:pPr marL="285750" indent="-285750">
+              <a:lnSpc>
+                <a:spcPct val="120000"/>
+              </a:lnSpc>
+              <a:buFont typeface="Arial" panose="020B0604020202020204" pitchFamily="34" charset="0"/>
+              <a:buChar char="•"/>
+            </a:pPr>
+            <a:r>
+              <a:rPr lang="en-US" dirty="0">
+                <a:solidFill>
+                  <a:schemeClr val="tx1"/>
+                </a:solidFill>
+              </a:rPr>
+              <a:t>Use automatic </a:t>
+            </a:r>
+            <a:r>
+              <a:rPr lang="en-US" dirty="0" err="1">
+                <a:solidFill>
+                  <a:schemeClr val="tx1"/>
+                </a:solidFill>
+              </a:rPr>
+              <a:t>OpenAPI</a:t>
+            </a:r>
+            <a:r>
+              <a:rPr lang="en-US" dirty="0">
+                <a:solidFill>
+                  <a:schemeClr val="tx1"/>
+                </a:solidFill>
+              </a:rPr>
+              <a:t> schema generation.</a:t>
+            </a:r>
+          </a:p>
+          <a:p>
+            <a:pPr marL="285750" indent="-285750">
+              <a:lnSpc>
+                <a:spcPct val="120000"/>
+              </a:lnSpc>
+              <a:buFont typeface="Arial" panose="020B0604020202020204" pitchFamily="34" charset="0"/>
+              <a:buChar char="•"/>
+            </a:pPr>
+            <a:r>
+              <a:rPr lang="en-US" dirty="0">
+                <a:solidFill>
+                  <a:schemeClr val="tx1"/>
+                </a:solidFill>
+              </a:rPr>
+              <a:t>Manage access rules.</a:t>
+            </a:r>
+          </a:p>
+          <a:p>
+            <a:pPr marL="285750" indent="-285750">
+              <a:lnSpc>
+                <a:spcPct val="120000"/>
+              </a:lnSpc>
+              <a:buFont typeface="Arial" panose="020B0604020202020204" pitchFamily="34" charset="0"/>
+              <a:buChar char="•"/>
+            </a:pPr>
+            <a:r>
+              <a:rPr lang="en-US" dirty="0"/>
+              <a:t>Scalable and secure deployment of ML models.</a:t>
+            </a:r>
+          </a:p>
+        </p:txBody>
+      </p:sp>
+      <p:sp>
+        <p:nvSpPr>
+          <p:cNvPr id="2" name="Slide Number Placeholder 1">
+            <a:extLst>
+              <a:ext uri="{FF2B5EF4-FFF2-40B4-BE49-F238E27FC236}">
+                <a16:creationId xmlns:a16="http://schemas.microsoft.com/office/drawing/2014/main" id="{3178EC64-B23C-4E80-AA61-FE6C102031B5}"/>
+              </a:ext>
+            </a:extLst>
+          </p:cNvPr>
+          <p:cNvSpPr>
+            <a:spLocks noGrp="1"/>
+          </p:cNvSpPr>
+          <p:nvPr>
+            <p:ph type="sldNum" idx="12"/>
+          </p:nvPr>
+        </p:nvSpPr>
+        <p:spPr/>
+        <p:txBody>
+          <a:bodyPr/>
+          <a:lstStyle/>
+          <a:p>
+            <a:pPr marL="0" lvl="0" indent="0" algn="r" rtl="0">
+              <a:spcBef>
+                <a:spcPts val="0"/>
+              </a:spcBef>
+              <a:spcAft>
+                <a:spcPts val="0"/>
+              </a:spcAft>
+              <a:buNone/>
+            </a:pPr>
+            <a:fld id="{00000000-1234-1234-1234-123412341234}" type="slidenum">
+              <a:rPr lang="en-GB" smtClean="0"/>
+              <a:t>4</a:t>
+            </a:fld>
+            <a:endParaRPr lang="en-GB"/>
+          </a:p>
+        </p:txBody>
+      </p:sp>
+      <p:sp>
+        <p:nvSpPr>
+          <p:cNvPr id="4" name="TextBox 3">
+            <a:extLst>
+              <a:ext uri="{FF2B5EF4-FFF2-40B4-BE49-F238E27FC236}">
+                <a16:creationId xmlns:a16="http://schemas.microsoft.com/office/drawing/2014/main" id="{C9F9E3DC-5FD0-4211-A132-FB1036335AD0}"/>
+              </a:ext>
+            </a:extLst>
+          </p:cNvPr>
+          <p:cNvSpPr txBox="1"/>
+          <p:nvPr/>
+        </p:nvSpPr>
+        <p:spPr>
+          <a:xfrm>
+            <a:off x="252575" y="3309023"/>
+            <a:ext cx="4051870" cy="1040285"/>
+          </a:xfrm>
+          <a:prstGeom prst="rect">
+            <a:avLst/>
+          </a:prstGeom>
+          <a:noFill/>
+        </p:spPr>
+        <p:txBody>
+          <a:bodyPr wrap="square" rtlCol="0">
+            <a:spAutoFit/>
+          </a:bodyPr>
+          <a:lstStyle/>
+          <a:p>
+            <a:r>
+              <a:rPr lang="en-US" b="1" dirty="0">
+                <a:solidFill>
+                  <a:schemeClr val="tx1"/>
+                </a:solidFill>
+              </a:rPr>
+              <a:t>Pain points:</a:t>
+            </a:r>
+            <a:endParaRPr lang="en-US" dirty="0">
+              <a:solidFill>
+                <a:schemeClr val="tx1"/>
+              </a:solidFill>
+            </a:endParaRPr>
+          </a:p>
+          <a:p>
+            <a:pPr marL="285750" indent="-285750">
+              <a:lnSpc>
+                <a:spcPct val="120000"/>
+              </a:lnSpc>
+              <a:buFont typeface="Arial" panose="020B0604020202020204" pitchFamily="34" charset="0"/>
+              <a:buChar char="•"/>
+            </a:pPr>
+            <a:r>
+              <a:rPr lang="en-US" dirty="0">
+                <a:solidFill>
+                  <a:schemeClr val="tx1"/>
+                </a:solidFill>
+              </a:rPr>
+              <a:t>Manual API documentation.</a:t>
+            </a:r>
+          </a:p>
+          <a:p>
+            <a:pPr marL="285750" indent="-285750">
+              <a:lnSpc>
+                <a:spcPct val="120000"/>
+              </a:lnSpc>
+              <a:buFont typeface="Arial" panose="020B0604020202020204" pitchFamily="34" charset="0"/>
+              <a:buChar char="•"/>
+            </a:pPr>
+            <a:r>
+              <a:rPr lang="en-US" dirty="0">
+                <a:solidFill>
+                  <a:schemeClr val="tx1"/>
+                </a:solidFill>
+              </a:rPr>
+              <a:t>Difficulties in monitoring model performance.</a:t>
+            </a:r>
+          </a:p>
+          <a:p>
+            <a:endParaRPr lang="ru-RU" dirty="0"/>
+          </a:p>
+        </p:txBody>
+      </p:sp>
+      <p:sp>
+        <p:nvSpPr>
+          <p:cNvPr id="5" name="TextBox 4">
+            <a:extLst>
+              <a:ext uri="{FF2B5EF4-FFF2-40B4-BE49-F238E27FC236}">
+                <a16:creationId xmlns:a16="http://schemas.microsoft.com/office/drawing/2014/main" id="{1DC75561-9819-4074-8766-C1882A1161D7}"/>
+              </a:ext>
+            </a:extLst>
+          </p:cNvPr>
+          <p:cNvSpPr txBox="1"/>
+          <p:nvPr/>
+        </p:nvSpPr>
+        <p:spPr>
+          <a:xfrm>
+            <a:off x="4645959" y="3309023"/>
+            <a:ext cx="4127216" cy="1576650"/>
+          </a:xfrm>
+          <a:prstGeom prst="rect">
+            <a:avLst/>
+          </a:prstGeom>
+          <a:noFill/>
+        </p:spPr>
+        <p:txBody>
+          <a:bodyPr wrap="square" rtlCol="0">
+            <a:spAutoFit/>
+          </a:bodyPr>
+          <a:lstStyle/>
+          <a:p>
+            <a:r>
+              <a:rPr lang="en-US" b="1" dirty="0">
+                <a:solidFill>
+                  <a:schemeClr val="tx1"/>
+                </a:solidFill>
+              </a:rPr>
+              <a:t>Pain points:</a:t>
+            </a:r>
+            <a:endParaRPr lang="en-US" dirty="0">
+              <a:solidFill>
+                <a:schemeClr val="tx1"/>
+              </a:solidFill>
+            </a:endParaRPr>
+          </a:p>
+          <a:p>
+            <a:pPr marL="285750" indent="-285750">
+              <a:lnSpc>
+                <a:spcPct val="120000"/>
+              </a:lnSpc>
+              <a:buFont typeface="Arial" panose="020B0604020202020204" pitchFamily="34" charset="0"/>
+              <a:buChar char="•"/>
+            </a:pPr>
+            <a:r>
+              <a:rPr lang="en-US" dirty="0"/>
+              <a:t>Incomplete or outdated</a:t>
+            </a:r>
+            <a:r>
+              <a:rPr lang="en-US" dirty="0">
+                <a:solidFill>
+                  <a:schemeClr val="tx1"/>
+                </a:solidFill>
+              </a:rPr>
+              <a:t> API documentation.</a:t>
+            </a:r>
+          </a:p>
+          <a:p>
+            <a:pPr marL="285750" indent="-285750">
+              <a:lnSpc>
+                <a:spcPct val="120000"/>
+              </a:lnSpc>
+              <a:buFont typeface="Arial" panose="020B0604020202020204" pitchFamily="34" charset="0"/>
+              <a:buChar char="•"/>
+            </a:pPr>
+            <a:r>
+              <a:rPr lang="en-US" dirty="0">
+                <a:solidFill>
+                  <a:schemeClr val="tx1"/>
+                </a:solidFill>
+              </a:rPr>
+              <a:t>Challenges with integrating authorization and managing access control.</a:t>
+            </a:r>
+          </a:p>
+          <a:p>
+            <a:pPr marL="285750" indent="-285750">
+              <a:lnSpc>
+                <a:spcPct val="120000"/>
+              </a:lnSpc>
+              <a:buFont typeface="Arial" panose="020B0604020202020204" pitchFamily="34" charset="0"/>
+              <a:buChar char="•"/>
+            </a:pPr>
+            <a:r>
+              <a:rPr lang="en-US" dirty="0"/>
+              <a:t>Challenges with integration and corporate standards.</a:t>
+            </a:r>
+            <a:endParaRPr lang="en-US" dirty="0">
+              <a:solidFill>
+                <a:schemeClr val="tx1"/>
+              </a:solidFill>
+            </a:endParaRPr>
+          </a:p>
+        </p:txBody>
+      </p:sp>
+    </p:spTree>
+    <p:extLst>
+      <p:ext uri="{BB962C8B-B14F-4D97-AF65-F5344CB8AC3E}">
+        <p14:creationId xmlns:p14="http://schemas.microsoft.com/office/powerpoint/2010/main" val="2021445038"/>
+      </p:ext>
+    </p:extLst>
+  </p:cSld>
+  <p:clrMapOvr>
+    <a:masterClrMapping/>
+  </p:clrMapOvr>
+</p:sld>
+</file>
+
+<file path=ppt/slides/slide5.xml><?xml version="1.0" encoding="utf-8"?>
 <p:sld xmlns:a="http://schemas.openxmlformats.org/drawingml/2006/main" xmlns:r="http://schemas.openxmlformats.org/officeDocument/2006/relationships" xmlns:p="http://schemas.openxmlformats.org/presentationml/2006/main">
   <p:cSld>
     <p:spTree>
@@ -13328,7 +12534,7 @@
             </a:pPr>
             <a:fld id="{00000000-1234-1234-1234-123412341234}" type="slidenum">
               <a:rPr lang="en-GB" smtClean="0"/>
-              <a:t>6</a:t>
+              <a:t>5</a:t>
             </a:fld>
             <a:endParaRPr lang="en-GB"/>
           </a:p>
@@ -13347,7 +12553,7 @@
 </p:sld>
 </file>
 
-<file path=ppt/slides/slide7.xml><?xml version="1.0" encoding="utf-8"?>
+<file path=ppt/slides/slide6.xml><?xml version="1.0" encoding="utf-8"?>
 <p:sld xmlns:a="http://schemas.openxmlformats.org/drawingml/2006/main" xmlns:r="http://schemas.openxmlformats.org/officeDocument/2006/relationships" xmlns:p="http://schemas.openxmlformats.org/presentationml/2006/main">
   <p:cSld>
     <p:spTree>
@@ -13460,7 +12666,7 @@
             </a:pPr>
             <a:fld id="{00000000-1234-1234-1234-123412341234}" type="slidenum">
               <a:rPr lang="en-GB" smtClean="0"/>
-              <a:t>7</a:t>
+              <a:t>6</a:t>
             </a:fld>
             <a:endParaRPr lang="en-GB"/>
           </a:p>
@@ -13557,7 +12763,7 @@
 </p:sld>
 </file>
 
-<file path=ppt/slides/slide8.xml><?xml version="1.0" encoding="utf-8"?>
+<file path=ppt/slides/slide7.xml><?xml version="1.0" encoding="utf-8"?>
 <p:sld xmlns:a="http://schemas.openxmlformats.org/drawingml/2006/main" xmlns:r="http://schemas.openxmlformats.org/officeDocument/2006/relationships" xmlns:p="http://schemas.openxmlformats.org/presentationml/2006/main">
   <p:cSld>
     <p:spTree>
@@ -13670,7 +12876,7 @@
             </a:pPr>
             <a:fld id="{00000000-1234-1234-1234-123412341234}" type="slidenum">
               <a:rPr lang="en-GB" smtClean="0"/>
-              <a:t>8</a:t>
+              <a:t>7</a:t>
             </a:fld>
             <a:endParaRPr lang="en-GB"/>
           </a:p>
@@ -13691,21 +12897,21 @@
           <p:nvPr>
             <p:extLst>
               <p:ext uri="{D42A27DB-BD31-4B8C-83A1-F6EECF244321}">
-                <p14:modId xmlns:p14="http://schemas.microsoft.com/office/powerpoint/2010/main" val="2275922058"/>
+                <p14:modId xmlns:p14="http://schemas.microsoft.com/office/powerpoint/2010/main" val="2043209152"/>
               </p:ext>
             </p:extLst>
           </p:nvPr>
         </p:nvGraphicFramePr>
         <p:xfrm>
-          <a:off x="457199" y="968187"/>
-          <a:ext cx="8243048" cy="3695029"/>
+          <a:off x="416859" y="968187"/>
+          <a:ext cx="8283388" cy="3723030"/>
         </p:xfrm>
         <a:graphic>
           <a:graphicData uri="http://schemas.openxmlformats.org/drawingml/2006/table">
             <a:tbl>
               <a:tblPr/>
               <a:tblGrid>
-                <a:gridCol w="1761566">
+                <a:gridCol w="1801906">
                   <a:extLst>
                     <a:ext uri="{9D8B030D-6E8A-4147-A177-3AD203B41FA5}">
                       <a16:colId xmlns:a16="http://schemas.microsoft.com/office/drawing/2014/main" val="820218566"/>
@@ -13741,7 +12947,7 @@
                     <a:lstStyle/>
                     <a:p>
                       <a:r>
-                        <a:rPr lang="en-US" sz="900" b="1">
+                        <a:rPr lang="en-US" sz="1200" b="1" dirty="0">
                           <a:effectLst/>
                         </a:rPr>
                         <a:t>Use Case</a:t>
@@ -13796,7 +13002,7 @@
                     <a:lstStyle/>
                     <a:p>
                       <a:r>
-                        <a:rPr lang="en-US" sz="900" b="1" dirty="0">
+                        <a:rPr lang="en-US" sz="1200" b="1" dirty="0">
                           <a:effectLst/>
                         </a:rPr>
                         <a:t>Cooperation Name</a:t>
@@ -13851,7 +13057,7 @@
                     <a:lstStyle/>
                     <a:p>
                       <a:r>
-                        <a:rPr lang="en-US" sz="900" b="1">
+                        <a:rPr lang="en-US" sz="1200" b="1" dirty="0">
                           <a:effectLst/>
                         </a:rPr>
                         <a:t>Used Roles</a:t>
@@ -13906,7 +13112,7 @@
                     <a:lstStyle/>
                     <a:p>
                       <a:r>
-                        <a:rPr lang="en-US" sz="900" b="1">
+                        <a:rPr lang="en-US" sz="1200" b="1" dirty="0">
                           <a:effectLst/>
                         </a:rPr>
                         <a:t>Candidate Classes</a:t>
@@ -13968,7 +13174,7 @@
                     <a:lstStyle/>
                     <a:p>
                       <a:r>
-                        <a:rPr lang="en-US" sz="900" b="1">
+                        <a:rPr lang="en-US" sz="1200" b="1" dirty="0">
                           <a:effectLst/>
                         </a:rPr>
                         <a:t>Forward Request</a:t>
@@ -14195,7 +13401,7 @@
                     <a:lstStyle/>
                     <a:p>
                       <a:r>
-                        <a:rPr lang="en-US" sz="900" b="1">
+                        <a:rPr lang="en-US" sz="1200" b="1" dirty="0">
                           <a:effectLst/>
                         </a:rPr>
                         <a:t>Load Balancing</a:t>
@@ -14422,7 +13628,7 @@
                     <a:lstStyle/>
                     <a:p>
                       <a:r>
-                        <a:rPr lang="en-US" sz="900" b="1">
+                        <a:rPr lang="en-US" sz="1200" b="1" dirty="0">
                           <a:effectLst/>
                         </a:rPr>
                         <a:t>Authenticate</a:t>
@@ -14649,7 +13855,7 @@
                     <a:lstStyle/>
                     <a:p>
                       <a:r>
-                        <a:rPr lang="en-US" sz="900" b="1">
+                        <a:rPr lang="en-US" sz="1200" b="1" dirty="0">
                           <a:effectLst/>
                         </a:rPr>
                         <a:t>Cache Response</a:t>
@@ -14876,7 +14082,7 @@
                     <a:lstStyle/>
                     <a:p>
                       <a:r>
-                        <a:rPr lang="en-US" sz="900" b="1">
+                        <a:rPr lang="en-US" sz="1200" b="1" dirty="0">
                           <a:effectLst/>
                         </a:rPr>
                         <a:t>Collect Logs</a:t>
@@ -15103,7 +14309,7 @@
                     <a:lstStyle/>
                     <a:p>
                       <a:r>
-                        <a:rPr lang="en-US" sz="900" b="1">
+                        <a:rPr lang="en-US" sz="1200" b="1" dirty="0">
                           <a:effectLst/>
                         </a:rPr>
                         <a:t>Deploy Model</a:t>
@@ -15330,7 +14536,7 @@
                     <a:lstStyle/>
                     <a:p>
                       <a:r>
-                        <a:rPr lang="en-US" sz="900" b="1">
+                        <a:rPr lang="en-US" sz="1200" b="1" dirty="0">
                           <a:effectLst/>
                         </a:rPr>
                         <a:t>Publish Model</a:t>
@@ -15557,13 +14763,13 @@
                     <a:lstStyle/>
                     <a:p>
                       <a:r>
-                        <a:rPr lang="en-US" sz="900" b="1" dirty="0" err="1">
+                        <a:rPr lang="en-US" sz="1200" b="1" dirty="0" err="1">
                           <a:effectLst/>
                         </a:rPr>
                         <a:t>OpenAPI</a:t>
                       </a:r>
                       <a:r>
-                        <a:rPr lang="en-US" sz="900" b="1" dirty="0">
+                        <a:rPr lang="en-US" sz="1200" b="1" dirty="0">
                           <a:effectLst/>
                         </a:rPr>
                         <a:t> Schema Generation</a:t>
@@ -15795,7 +15001,7 @@
 </p:sld>
 </file>
 
-<file path=ppt/slides/slide9.xml><?xml version="1.0" encoding="utf-8"?>
+<file path=ppt/slides/slide8.xml><?xml version="1.0" encoding="utf-8"?>
 <p:sld xmlns:a="http://schemas.openxmlformats.org/drawingml/2006/main" xmlns:r="http://schemas.openxmlformats.org/officeDocument/2006/relationships" xmlns:p="http://schemas.openxmlformats.org/presentationml/2006/main">
   <p:cSld>
     <p:spTree>
@@ -15908,7 +15114,7 @@
             </a:pPr>
             <a:fld id="{00000000-1234-1234-1234-123412341234}" type="slidenum">
               <a:rPr lang="en-GB" smtClean="0"/>
-              <a:t>9</a:t>
+              <a:t>8</a:t>
             </a:fld>
             <a:endParaRPr lang="en-GB"/>
           </a:p>
@@ -15961,6 +15167,315 @@
           </a:extLst>
         </p:spPr>
       </p:pic>
+    </p:spTree>
+  </p:cSld>
+  <p:clrMapOvr>
+    <a:masterClrMapping/>
+  </p:clrMapOvr>
+</p:sld>
+</file>
+
+<file path=ppt/slides/slide9.xml><?xml version="1.0" encoding="utf-8"?>
+<p:sld xmlns:a="http://schemas.openxmlformats.org/drawingml/2006/main" xmlns:r="http://schemas.openxmlformats.org/officeDocument/2006/relationships" xmlns:p="http://schemas.openxmlformats.org/presentationml/2006/main">
+  <p:cSld>
+    <p:spTree>
+      <p:nvGrpSpPr>
+        <p:cNvPr id="1" name="Shape 101"/>
+        <p:cNvGrpSpPr/>
+        <p:nvPr/>
+      </p:nvGrpSpPr>
+      <p:grpSpPr>
+        <a:xfrm>
+          <a:off x="0" y="0"/>
+          <a:ext cx="0" cy="0"/>
+          <a:chOff x="0" y="0"/>
+          <a:chExt cx="0" cy="0"/>
+        </a:xfrm>
+      </p:grpSpPr>
+      <p:sp>
+        <p:nvSpPr>
+          <p:cNvPr id="102" name="Google Shape;102;p20"/>
+          <p:cNvSpPr txBox="1">
+            <a:spLocks noGrp="1"/>
+          </p:cNvSpPr>
+          <p:nvPr>
+            <p:ph type="title"/>
+          </p:nvPr>
+        </p:nvSpPr>
+        <p:spPr>
+          <a:xfrm>
+            <a:off x="226208" y="185742"/>
+            <a:ext cx="8520600" cy="572700"/>
+          </a:xfrm>
+          <a:prstGeom prst="rect">
+            <a:avLst/>
+          </a:prstGeom>
+        </p:spPr>
+        <p:txBody>
+          <a:bodyPr spcFirstLastPara="1" wrap="square" lIns="91425" tIns="91425" rIns="91425" bIns="91425" anchor="t" anchorCtr="0">
+            <a:noAutofit/>
+          </a:bodyPr>
+          <a:lstStyle/>
+          <a:p>
+            <a:pPr marL="0" lvl="0" indent="0" algn="l" rtl="0">
+              <a:spcBef>
+                <a:spcPts val="0"/>
+              </a:spcBef>
+              <a:spcAft>
+                <a:spcPts val="0"/>
+              </a:spcAft>
+              <a:buNone/>
+            </a:pPr>
+            <a:r>
+              <a:rPr lang="en-GB" b="1" dirty="0">
+                <a:solidFill>
+                  <a:schemeClr val="tx1"/>
+                </a:solidFill>
+                <a:effectLst>
+                  <a:outerShdw blurRad="38100" dist="38100" dir="2700000" algn="tl">
+                    <a:srgbClr val="000000">
+                      <a:alpha val="43137"/>
+                    </a:srgbClr>
+                  </a:outerShdw>
+                </a:effectLst>
+              </a:rPr>
+              <a:t>Detailed behaviour</a:t>
+            </a:r>
+            <a:endParaRPr b="1" dirty="0">
+              <a:solidFill>
+                <a:schemeClr val="tx1"/>
+              </a:solidFill>
+              <a:effectLst>
+                <a:outerShdw blurRad="38100" dist="38100" dir="2700000" algn="tl">
+                  <a:srgbClr val="000000">
+                    <a:alpha val="43137"/>
+                  </a:srgbClr>
+                </a:outerShdw>
+              </a:effectLst>
+            </a:endParaRPr>
+          </a:p>
+        </p:txBody>
+      </p:sp>
+      <p:sp>
+        <p:nvSpPr>
+          <p:cNvPr id="2" name="Slide Number Placeholder 1">
+            <a:extLst>
+              <a:ext uri="{FF2B5EF4-FFF2-40B4-BE49-F238E27FC236}">
+                <a16:creationId xmlns:a16="http://schemas.microsoft.com/office/drawing/2014/main" id="{1993C304-8938-41C3-9583-2C7227088CD4}"/>
+              </a:ext>
+            </a:extLst>
+          </p:cNvPr>
+          <p:cNvSpPr>
+            <a:spLocks noGrp="1"/>
+          </p:cNvSpPr>
+          <p:nvPr>
+            <p:ph type="sldNum" idx="12"/>
+          </p:nvPr>
+        </p:nvSpPr>
+        <p:spPr/>
+        <p:txBody>
+          <a:bodyPr/>
+          <a:lstStyle/>
+          <a:p>
+            <a:pPr marL="0" lvl="0" indent="0" algn="r" rtl="0">
+              <a:spcBef>
+                <a:spcPts val="0"/>
+              </a:spcBef>
+              <a:spcAft>
+                <a:spcPts val="0"/>
+              </a:spcAft>
+              <a:buNone/>
+            </a:pPr>
+            <a:fld id="{00000000-1234-1234-1234-123412341234}" type="slidenum">
+              <a:rPr lang="en-GB" smtClean="0"/>
+              <a:t>9</a:t>
+            </a:fld>
+            <a:endParaRPr lang="en-GB"/>
+          </a:p>
+        </p:txBody>
+      </p:sp>
+      <p:pic>
+        <p:nvPicPr>
+          <p:cNvPr id="3074" name="Picture 2" descr="UC Request Routing">
+            <a:extLst>
+              <a:ext uri="{FF2B5EF4-FFF2-40B4-BE49-F238E27FC236}">
+                <a16:creationId xmlns:a16="http://schemas.microsoft.com/office/drawing/2014/main" id="{37B485D5-D86F-4696-BEBC-3226D81EFDF7}"/>
+              </a:ext>
+            </a:extLst>
+          </p:cNvPr>
+          <p:cNvPicPr>
+            <a:picLocks noChangeAspect="1" noChangeArrowheads="1"/>
+          </p:cNvPicPr>
+          <p:nvPr/>
+        </p:nvPicPr>
+        <p:blipFill>
+          <a:blip r:embed="rId3">
+            <a:extLst>
+              <a:ext uri="{28A0092B-C50C-407E-A947-70E740481C1C}">
+                <a14:useLocalDpi xmlns:a14="http://schemas.microsoft.com/office/drawing/2010/main" val="0"/>
+              </a:ext>
+            </a:extLst>
+          </a:blip>
+          <a:srcRect/>
+          <a:stretch>
+            <a:fillRect/>
+          </a:stretch>
+        </p:blipFill>
+        <p:spPr bwMode="auto">
+          <a:xfrm>
+            <a:off x="611842" y="1238099"/>
+            <a:ext cx="3556746" cy="3517662"/>
+          </a:xfrm>
+          <a:prstGeom prst="rect">
+            <a:avLst/>
+          </a:prstGeom>
+          <a:noFill/>
+          <a:ln w="19050">
+            <a:solidFill>
+              <a:schemeClr val="tx1"/>
+            </a:solidFill>
+          </a:ln>
+          <a:extLst>
+            <a:ext uri="{909E8E84-426E-40DD-AFC4-6F175D3DCCD1}">
+              <a14:hiddenFill xmlns:a14="http://schemas.microsoft.com/office/drawing/2010/main">
+                <a:solidFill>
+                  <a:srgbClr val="FFFFFF"/>
+                </a:solidFill>
+              </a14:hiddenFill>
+            </a:ext>
+          </a:extLst>
+        </p:spPr>
+      </p:pic>
+      <p:sp>
+        <p:nvSpPr>
+          <p:cNvPr id="5" name="TextBox 4">
+            <a:extLst>
+              <a:ext uri="{FF2B5EF4-FFF2-40B4-BE49-F238E27FC236}">
+                <a16:creationId xmlns:a16="http://schemas.microsoft.com/office/drawing/2014/main" id="{40FBE421-E6EC-4AE8-B9CD-ADEA23C49AAD}"/>
+              </a:ext>
+            </a:extLst>
+          </p:cNvPr>
+          <p:cNvSpPr txBox="1"/>
+          <p:nvPr/>
+        </p:nvSpPr>
+        <p:spPr>
+          <a:xfrm>
+            <a:off x="611842" y="844382"/>
+            <a:ext cx="3556746" cy="307777"/>
+          </a:xfrm>
+          <a:prstGeom prst="rect">
+            <a:avLst/>
+          </a:prstGeom>
+          <a:noFill/>
+        </p:spPr>
+        <p:txBody>
+          <a:bodyPr wrap="square" rtlCol="0">
+            <a:spAutoFit/>
+          </a:bodyPr>
+          <a:lstStyle/>
+          <a:p>
+            <a:pPr algn="ctr"/>
+            <a:r>
+              <a:rPr lang="en-US" b="1" dirty="0"/>
+              <a:t>Request Validator</a:t>
+            </a:r>
+            <a:endParaRPr lang="ru-RU" b="1" dirty="0"/>
+          </a:p>
+        </p:txBody>
+      </p:sp>
+      <p:pic>
+        <p:nvPicPr>
+          <p:cNvPr id="3076" name="Picture 4" descr="UC Request Routing">
+            <a:extLst>
+              <a:ext uri="{FF2B5EF4-FFF2-40B4-BE49-F238E27FC236}">
+                <a16:creationId xmlns:a16="http://schemas.microsoft.com/office/drawing/2014/main" id="{39D3E833-044C-4439-9822-90E0A5F85F5D}"/>
+              </a:ext>
+            </a:extLst>
+          </p:cNvPr>
+          <p:cNvPicPr>
+            <a:picLocks noChangeAspect="1" noChangeArrowheads="1"/>
+          </p:cNvPicPr>
+          <p:nvPr/>
+        </p:nvPicPr>
+        <p:blipFill>
+          <a:blip r:embed="rId4">
+            <a:extLst>
+              <a:ext uri="{28A0092B-C50C-407E-A947-70E740481C1C}">
+                <a14:useLocalDpi xmlns:a14="http://schemas.microsoft.com/office/drawing/2010/main" val="0"/>
+              </a:ext>
+            </a:extLst>
+          </a:blip>
+          <a:srcRect/>
+          <a:stretch>
+            <a:fillRect/>
+          </a:stretch>
+        </p:blipFill>
+        <p:spPr bwMode="auto">
+          <a:xfrm>
+            <a:off x="5232495" y="1238099"/>
+            <a:ext cx="3029098" cy="3517662"/>
+          </a:xfrm>
+          <a:prstGeom prst="rect">
+            <a:avLst/>
+          </a:prstGeom>
+          <a:noFill/>
+          <a:ln w="19050">
+            <a:solidFill>
+              <a:schemeClr val="tx1"/>
+            </a:solidFill>
+          </a:ln>
+          <a:extLst>
+            <a:ext uri="{909E8E84-426E-40DD-AFC4-6F175D3DCCD1}">
+              <a14:hiddenFill xmlns:a14="http://schemas.microsoft.com/office/drawing/2010/main">
+                <a:solidFill>
+                  <a:srgbClr val="FFFFFF"/>
+                </a:solidFill>
+              </a14:hiddenFill>
+            </a:ext>
+          </a:extLst>
+        </p:spPr>
+      </p:pic>
+      <p:sp>
+        <p:nvSpPr>
+          <p:cNvPr id="10" name="TextBox 9">
+            <a:extLst>
+              <a:ext uri="{FF2B5EF4-FFF2-40B4-BE49-F238E27FC236}">
+                <a16:creationId xmlns:a16="http://schemas.microsoft.com/office/drawing/2014/main" id="{5FEE58F1-6A47-41C8-A39B-651FD571848E}"/>
+              </a:ext>
+            </a:extLst>
+          </p:cNvPr>
+          <p:cNvSpPr txBox="1"/>
+          <p:nvPr/>
+        </p:nvSpPr>
+        <p:spPr>
+          <a:xfrm>
+            <a:off x="5232495" y="844381"/>
+            <a:ext cx="3029098" cy="307777"/>
+          </a:xfrm>
+          <a:prstGeom prst="rect">
+            <a:avLst/>
+          </a:prstGeom>
+          <a:noFill/>
+        </p:spPr>
+        <p:txBody>
+          <a:bodyPr wrap="square" rtlCol="0">
+            <a:spAutoFit/>
+          </a:bodyPr>
+          <a:lstStyle/>
+          <a:p>
+            <a:pPr algn="ctr"/>
+            <a:r>
+              <a:rPr lang="en-US" b="1" dirty="0" err="1"/>
+              <a:t>OpenAPI</a:t>
+            </a:r>
+            <a:r>
+              <a:rPr lang="en-US" b="1" dirty="0"/>
+              <a:t> Schema Generator</a:t>
+            </a:r>
+            <a:endParaRPr lang="ru-RU" b="1" dirty="0"/>
+          </a:p>
+        </p:txBody>
+      </p:sp>
     </p:spTree>
   </p:cSld>
   <p:clrMapOvr>
